--- a/Documentation/Presentations/Презентация продукта.pptx
+++ b/Documentation/Presentations/Презентация продукта.pptx
@@ -7,46 +7,47 @@
   <p:sldIdLst>
     <p:sldId id="268" r:id="rId2"/>
     <p:sldId id="311" r:id="rId3"/>
-    <p:sldId id="272" r:id="rId4"/>
-    <p:sldId id="274" r:id="rId5"/>
-    <p:sldId id="275" r:id="rId6"/>
-    <p:sldId id="278" r:id="rId7"/>
-    <p:sldId id="270" r:id="rId8"/>
-    <p:sldId id="304" r:id="rId9"/>
-    <p:sldId id="305" r:id="rId10"/>
-    <p:sldId id="306" r:id="rId11"/>
-    <p:sldId id="307" r:id="rId12"/>
-    <p:sldId id="308" r:id="rId13"/>
-    <p:sldId id="309" r:id="rId14"/>
-    <p:sldId id="291" r:id="rId15"/>
-    <p:sldId id="282" r:id="rId16"/>
-    <p:sldId id="283" r:id="rId17"/>
-    <p:sldId id="286" r:id="rId18"/>
-    <p:sldId id="287" r:id="rId19"/>
-    <p:sldId id="284" r:id="rId20"/>
-    <p:sldId id="285" r:id="rId21"/>
-    <p:sldId id="263" r:id="rId22"/>
-    <p:sldId id="262" r:id="rId23"/>
-    <p:sldId id="264" r:id="rId24"/>
-    <p:sldId id="258" r:id="rId25"/>
-    <p:sldId id="259" r:id="rId26"/>
-    <p:sldId id="260" r:id="rId27"/>
-    <p:sldId id="261" r:id="rId28"/>
-    <p:sldId id="265" r:id="rId29"/>
-    <p:sldId id="288" r:id="rId30"/>
-    <p:sldId id="299" r:id="rId31"/>
-    <p:sldId id="298" r:id="rId32"/>
-    <p:sldId id="300" r:id="rId33"/>
-    <p:sldId id="293" r:id="rId34"/>
-    <p:sldId id="297" r:id="rId35"/>
-    <p:sldId id="295" r:id="rId36"/>
-    <p:sldId id="294" r:id="rId37"/>
-    <p:sldId id="296" r:id="rId38"/>
-    <p:sldId id="279" r:id="rId39"/>
-    <p:sldId id="280" r:id="rId40"/>
-    <p:sldId id="281" r:id="rId41"/>
-    <p:sldId id="273" r:id="rId42"/>
-    <p:sldId id="289" r:id="rId43"/>
+    <p:sldId id="312" r:id="rId4"/>
+    <p:sldId id="272" r:id="rId5"/>
+    <p:sldId id="274" r:id="rId6"/>
+    <p:sldId id="275" r:id="rId7"/>
+    <p:sldId id="278" r:id="rId8"/>
+    <p:sldId id="270" r:id="rId9"/>
+    <p:sldId id="304" r:id="rId10"/>
+    <p:sldId id="305" r:id="rId11"/>
+    <p:sldId id="306" r:id="rId12"/>
+    <p:sldId id="307" r:id="rId13"/>
+    <p:sldId id="308" r:id="rId14"/>
+    <p:sldId id="309" r:id="rId15"/>
+    <p:sldId id="291" r:id="rId16"/>
+    <p:sldId id="282" r:id="rId17"/>
+    <p:sldId id="283" r:id="rId18"/>
+    <p:sldId id="286" r:id="rId19"/>
+    <p:sldId id="287" r:id="rId20"/>
+    <p:sldId id="284" r:id="rId21"/>
+    <p:sldId id="285" r:id="rId22"/>
+    <p:sldId id="263" r:id="rId23"/>
+    <p:sldId id="262" r:id="rId24"/>
+    <p:sldId id="264" r:id="rId25"/>
+    <p:sldId id="258" r:id="rId26"/>
+    <p:sldId id="259" r:id="rId27"/>
+    <p:sldId id="260" r:id="rId28"/>
+    <p:sldId id="261" r:id="rId29"/>
+    <p:sldId id="265" r:id="rId30"/>
+    <p:sldId id="288" r:id="rId31"/>
+    <p:sldId id="299" r:id="rId32"/>
+    <p:sldId id="298" r:id="rId33"/>
+    <p:sldId id="300" r:id="rId34"/>
+    <p:sldId id="293" r:id="rId35"/>
+    <p:sldId id="297" r:id="rId36"/>
+    <p:sldId id="295" r:id="rId37"/>
+    <p:sldId id="294" r:id="rId38"/>
+    <p:sldId id="296" r:id="rId39"/>
+    <p:sldId id="279" r:id="rId40"/>
+    <p:sldId id="280" r:id="rId41"/>
+    <p:sldId id="281" r:id="rId42"/>
+    <p:sldId id="273" r:id="rId43"/>
+    <p:sldId id="289" r:id="rId44"/>
   </p:sldIdLst>
   <p:sldSz cx="12192000" cy="6858000"/>
   <p:notesSz cx="6858000" cy="9144000"/>
@@ -3619,6 +3620,1693 @@
                 </a:solidFill>
                 <a:latin typeface="Bahnschrift SemiBold" panose="020B0502040204020203" pitchFamily="34" charset="0"/>
               </a:rPr>
+              <a:t>Этап №2</a:t>
+            </a:r>
+          </a:p>
+        </p:txBody>
+      </p:sp>
+      <p:sp>
+        <p:nvSpPr>
+          <p:cNvPr id="6" name="Овал 5">
+            <a:extLst>
+              <a:ext uri="{FF2B5EF4-FFF2-40B4-BE49-F238E27FC236}">
+                <a16:creationId xmlns:a16="http://schemas.microsoft.com/office/drawing/2014/main" id="{C0EF690D-6EE4-46BA-AD83-002BF32986F5}"/>
+              </a:ext>
+            </a:extLst>
+          </p:cNvPr>
+          <p:cNvSpPr/>
+          <p:nvPr/>
+        </p:nvSpPr>
+        <p:spPr>
+          <a:xfrm>
+            <a:off x="173255" y="660391"/>
+            <a:ext cx="203209" cy="203209"/>
+          </a:xfrm>
+          <a:prstGeom prst="ellipse">
+            <a:avLst/>
+          </a:prstGeom>
+          <a:solidFill>
+            <a:schemeClr val="tx1">
+              <a:lumMod val="85000"/>
+              <a:lumOff val="15000"/>
+            </a:schemeClr>
+          </a:solidFill>
+          <a:ln w="57150">
+            <a:solidFill>
+              <a:schemeClr val="bg1"/>
+            </a:solidFill>
+          </a:ln>
+        </p:spPr>
+        <p:style>
+          <a:lnRef idx="2">
+            <a:schemeClr val="accent1">
+              <a:shade val="50000"/>
+            </a:schemeClr>
+          </a:lnRef>
+          <a:fillRef idx="1">
+            <a:schemeClr val="accent1"/>
+          </a:fillRef>
+          <a:effectRef idx="0">
+            <a:schemeClr val="accent1"/>
+          </a:effectRef>
+          <a:fontRef idx="minor">
+            <a:schemeClr val="lt1"/>
+          </a:fontRef>
+        </p:style>
+        <p:txBody>
+          <a:bodyPr rtlCol="0" anchor="ctr"/>
+          <a:lstStyle/>
+          <a:p>
+            <a:pPr algn="ctr"/>
+            <a:endParaRPr lang="ru-RU"/>
+          </a:p>
+        </p:txBody>
+      </p:sp>
+      <p:cxnSp>
+        <p:nvCxnSpPr>
+          <p:cNvPr id="7" name="Прямая соединительная линия 6">
+            <a:extLst>
+              <a:ext uri="{FF2B5EF4-FFF2-40B4-BE49-F238E27FC236}">
+                <a16:creationId xmlns:a16="http://schemas.microsoft.com/office/drawing/2014/main" id="{6BAE4BDD-D8D5-49C6-A445-D5D695661D23}"/>
+              </a:ext>
+            </a:extLst>
+          </p:cNvPr>
+          <p:cNvCxnSpPr>
+            <a:cxnSpLocks/>
+            <a:stCxn id="6" idx="4"/>
+          </p:cNvCxnSpPr>
+          <p:nvPr/>
+        </p:nvCxnSpPr>
+        <p:spPr>
+          <a:xfrm>
+            <a:off x="274860" y="863600"/>
+            <a:ext cx="0" cy="6220594"/>
+          </a:xfrm>
+          <a:prstGeom prst="line">
+            <a:avLst/>
+          </a:prstGeom>
+          <a:ln w="15875">
+            <a:solidFill>
+              <a:schemeClr val="tx1">
+                <a:lumMod val="85000"/>
+                <a:lumOff val="15000"/>
+              </a:schemeClr>
+            </a:solidFill>
+          </a:ln>
+        </p:spPr>
+        <p:style>
+          <a:lnRef idx="1">
+            <a:schemeClr val="accent1"/>
+          </a:lnRef>
+          <a:fillRef idx="0">
+            <a:schemeClr val="accent1"/>
+          </a:fillRef>
+          <a:effectRef idx="0">
+            <a:schemeClr val="accent1"/>
+          </a:effectRef>
+          <a:fontRef idx="minor">
+            <a:schemeClr val="tx1"/>
+          </a:fontRef>
+        </p:style>
+      </p:cxnSp>
+      <p:cxnSp>
+        <p:nvCxnSpPr>
+          <p:cNvPr id="9" name="Прямая соединительная линия 8">
+            <a:extLst>
+              <a:ext uri="{FF2B5EF4-FFF2-40B4-BE49-F238E27FC236}">
+                <a16:creationId xmlns:a16="http://schemas.microsoft.com/office/drawing/2014/main" id="{2AFDBD62-6533-4772-A592-9D9291C33770}"/>
+              </a:ext>
+            </a:extLst>
+          </p:cNvPr>
+          <p:cNvCxnSpPr/>
+          <p:nvPr/>
+        </p:nvCxnSpPr>
+        <p:spPr>
+          <a:xfrm flipH="1" flipV="1">
+            <a:off x="274859" y="-163629"/>
+            <a:ext cx="1" cy="190002"/>
+          </a:xfrm>
+          <a:prstGeom prst="line">
+            <a:avLst/>
+          </a:prstGeom>
+          <a:ln w="15875">
+            <a:solidFill>
+              <a:schemeClr val="tx1">
+                <a:lumMod val="85000"/>
+                <a:lumOff val="15000"/>
+              </a:schemeClr>
+            </a:solidFill>
+          </a:ln>
+        </p:spPr>
+        <p:style>
+          <a:lnRef idx="1">
+            <a:schemeClr val="accent1"/>
+          </a:lnRef>
+          <a:fillRef idx="0">
+            <a:schemeClr val="accent1"/>
+          </a:fillRef>
+          <a:effectRef idx="0">
+            <a:schemeClr val="accent1"/>
+          </a:effectRef>
+          <a:fontRef idx="minor">
+            <a:schemeClr val="tx1"/>
+          </a:fontRef>
+        </p:style>
+      </p:cxnSp>
+      <p:sp>
+        <p:nvSpPr>
+          <p:cNvPr id="10" name="Овал 9">
+            <a:extLst>
+              <a:ext uri="{FF2B5EF4-FFF2-40B4-BE49-F238E27FC236}">
+                <a16:creationId xmlns:a16="http://schemas.microsoft.com/office/drawing/2014/main" id="{C68ED089-5BBA-41B4-B90A-B1369BEF3145}"/>
+              </a:ext>
+            </a:extLst>
+          </p:cNvPr>
+          <p:cNvSpPr/>
+          <p:nvPr/>
+        </p:nvSpPr>
+        <p:spPr>
+          <a:xfrm>
+            <a:off x="173255" y="26373"/>
+            <a:ext cx="203209" cy="203209"/>
+          </a:xfrm>
+          <a:prstGeom prst="ellipse">
+            <a:avLst/>
+          </a:prstGeom>
+          <a:solidFill>
+            <a:schemeClr val="tx1">
+              <a:lumMod val="85000"/>
+              <a:lumOff val="15000"/>
+            </a:schemeClr>
+          </a:solidFill>
+          <a:ln w="57150">
+            <a:solidFill>
+              <a:schemeClr val="bg1"/>
+            </a:solidFill>
+          </a:ln>
+        </p:spPr>
+        <p:style>
+          <a:lnRef idx="2">
+            <a:schemeClr val="accent1">
+              <a:shade val="50000"/>
+            </a:schemeClr>
+          </a:lnRef>
+          <a:fillRef idx="1">
+            <a:schemeClr val="accent1"/>
+          </a:fillRef>
+          <a:effectRef idx="0">
+            <a:schemeClr val="accent1"/>
+          </a:effectRef>
+          <a:fontRef idx="minor">
+            <a:schemeClr val="lt1"/>
+          </a:fontRef>
+        </p:style>
+        <p:txBody>
+          <a:bodyPr rtlCol="0" anchor="ctr"/>
+          <a:lstStyle/>
+          <a:p>
+            <a:pPr algn="ctr"/>
+            <a:endParaRPr lang="ru-RU" dirty="0"/>
+          </a:p>
+        </p:txBody>
+      </p:sp>
+      <p:sp>
+        <p:nvSpPr>
+          <p:cNvPr id="15" name="Rectangle: Rounded Corners 3">
+            <a:extLst>
+              <a:ext uri="{FF2B5EF4-FFF2-40B4-BE49-F238E27FC236}">
+                <a16:creationId xmlns:a16="http://schemas.microsoft.com/office/drawing/2014/main" id="{F92082CF-7B4A-44BC-B8E2-48CCB61F5BBB}"/>
+              </a:ext>
+            </a:extLst>
+          </p:cNvPr>
+          <p:cNvSpPr/>
+          <p:nvPr/>
+        </p:nvSpPr>
+        <p:spPr>
+          <a:xfrm>
+            <a:off x="1818184" y="1084214"/>
+            <a:ext cx="1231719" cy="457201"/>
+          </a:xfrm>
+          <a:prstGeom prst="roundRect">
+            <a:avLst>
+              <a:gd name="adj" fmla="val 20477"/>
+            </a:avLst>
+          </a:prstGeom>
+          <a:solidFill>
+            <a:srgbClr val="303030"/>
+          </a:solidFill>
+        </p:spPr>
+        <p:style>
+          <a:lnRef idx="2">
+            <a:schemeClr val="accent1">
+              <a:shade val="50000"/>
+            </a:schemeClr>
+          </a:lnRef>
+          <a:fillRef idx="1">
+            <a:schemeClr val="accent1"/>
+          </a:fillRef>
+          <a:effectRef idx="0">
+            <a:schemeClr val="accent1"/>
+          </a:effectRef>
+          <a:fontRef idx="minor">
+            <a:schemeClr val="lt1"/>
+          </a:fontRef>
+        </p:style>
+        <p:txBody>
+          <a:bodyPr rtlCol="0" anchor="ctr"/>
+          <a:lstStyle/>
+          <a:p>
+            <a:pPr algn="ctr"/>
+            <a:r>
+              <a:rPr lang="ru-RU" dirty="0">
+                <a:latin typeface="Bahnschrift Light" panose="020B0502040204020203" pitchFamily="34" charset="0"/>
+              </a:rPr>
+              <a:t>№ этапа</a:t>
+            </a:r>
+            <a:endParaRPr lang="en-US" dirty="0">
+              <a:latin typeface="Bahnschrift Light" panose="020B0502040204020203" pitchFamily="34" charset="0"/>
+            </a:endParaRPr>
+          </a:p>
+        </p:txBody>
+      </p:sp>
+      <p:graphicFrame>
+        <p:nvGraphicFramePr>
+          <p:cNvPr id="16" name="Таблица 15">
+            <a:extLst>
+              <a:ext uri="{FF2B5EF4-FFF2-40B4-BE49-F238E27FC236}">
+                <a16:creationId xmlns:a16="http://schemas.microsoft.com/office/drawing/2014/main" id="{5FEB5D10-F909-4AC1-ADEE-CDA78CAEC218}"/>
+              </a:ext>
+            </a:extLst>
+          </p:cNvPr>
+          <p:cNvGraphicFramePr>
+            <a:graphicFrameLocks noGrp="1"/>
+          </p:cNvGraphicFramePr>
+          <p:nvPr>
+            <p:extLst>
+              <p:ext uri="{D42A27DB-BD31-4B8C-83A1-F6EECF244321}">
+                <p14:modId xmlns:p14="http://schemas.microsoft.com/office/powerpoint/2010/main" val="2258736397"/>
+              </p:ext>
+            </p:extLst>
+          </p:nvPr>
+        </p:nvGraphicFramePr>
+        <p:xfrm>
+          <a:off x="1868528" y="1857913"/>
+          <a:ext cx="8581749" cy="3667000"/>
+        </p:xfrm>
+        <a:graphic>
+          <a:graphicData uri="http://schemas.openxmlformats.org/drawingml/2006/table">
+            <a:tbl>
+              <a:tblPr bandRow="1">
+                <a:tableStyleId>{5C22544A-7EE6-4342-B048-85BDC9FD1C3A}</a:tableStyleId>
+              </a:tblPr>
+              <a:tblGrid>
+                <a:gridCol w="1249141">
+                  <a:extLst>
+                    <a:ext uri="{9D8B030D-6E8A-4147-A177-3AD203B41FA5}">
+                      <a16:colId xmlns:a16="http://schemas.microsoft.com/office/drawing/2014/main" val="920707539"/>
+                    </a:ext>
+                  </a:extLst>
+                </a:gridCol>
+                <a:gridCol w="2760617">
+                  <a:extLst>
+                    <a:ext uri="{9D8B030D-6E8A-4147-A177-3AD203B41FA5}">
+                      <a16:colId xmlns:a16="http://schemas.microsoft.com/office/drawing/2014/main" val="2062501349"/>
+                    </a:ext>
+                  </a:extLst>
+                </a:gridCol>
+                <a:gridCol w="1968137">
+                  <a:extLst>
+                    <a:ext uri="{9D8B030D-6E8A-4147-A177-3AD203B41FA5}">
+                      <a16:colId xmlns:a16="http://schemas.microsoft.com/office/drawing/2014/main" val="3902012607"/>
+                    </a:ext>
+                  </a:extLst>
+                </a:gridCol>
+                <a:gridCol w="2603854">
+                  <a:extLst>
+                    <a:ext uri="{9D8B030D-6E8A-4147-A177-3AD203B41FA5}">
+                      <a16:colId xmlns:a16="http://schemas.microsoft.com/office/drawing/2014/main" val="2392774246"/>
+                    </a:ext>
+                  </a:extLst>
+                </a:gridCol>
+              </a:tblGrid>
+              <a:tr h="916750">
+                <a:tc rowSpan="4">
+                  <a:txBody>
+                    <a:bodyPr/>
+                    <a:lstStyle/>
+                    <a:p>
+                      <a:pPr marL="0" marR="0" algn="ctr">
+                        <a:lnSpc>
+                          <a:spcPct val="150000"/>
+                        </a:lnSpc>
+                        <a:spcBef>
+                          <a:spcPts val="0"/>
+                        </a:spcBef>
+                        <a:spcAft>
+                          <a:spcPts val="0"/>
+                        </a:spcAft>
+                      </a:pPr>
+                      <a:r>
+                        <a:rPr lang="ru-RU" sz="1400" b="0" dirty="0">
+                          <a:effectLst/>
+                          <a:latin typeface="Bahnschrift Light" panose="020B0502040204020203" pitchFamily="34" charset="0"/>
+                        </a:rPr>
+                        <a:t>2</a:t>
+                      </a:r>
+                      <a:endParaRPr lang="ru-RU" sz="1400" b="0" dirty="0">
+                        <a:effectLst/>
+                        <a:latin typeface="Bahnschrift Light" panose="020B0502040204020203" pitchFamily="34" charset="0"/>
+                        <a:ea typeface="Times New Roman" panose="02020603050405020304" pitchFamily="18" charset="0"/>
+                        <a:cs typeface="Times New Roman" panose="02020603050405020304" pitchFamily="18" charset="0"/>
+                      </a:endParaRPr>
+                    </a:p>
+                  </a:txBody>
+                  <a:tcPr marL="68580" marR="68580" marT="0" marB="0" anchor="ctr">
+                    <a:lnL w="12700" cap="flat" cmpd="sng" algn="ctr">
+                      <a:noFill/>
+                      <a:prstDash val="solid"/>
+                      <a:round/>
+                      <a:headEnd type="none" w="med" len="med"/>
+                      <a:tailEnd type="none" w="med" len="med"/>
+                    </a:lnL>
+                    <a:lnR w="12700" cap="flat" cmpd="sng" algn="ctr">
+                      <a:solidFill>
+                        <a:schemeClr val="tx1"/>
+                      </a:solidFill>
+                      <a:prstDash val="solid"/>
+                      <a:round/>
+                      <a:headEnd type="none" w="med" len="med"/>
+                      <a:tailEnd type="none" w="med" len="med"/>
+                    </a:lnR>
+                    <a:lnT w="12700" cap="flat" cmpd="sng" algn="ctr">
+                      <a:noFill/>
+                      <a:prstDash val="solid"/>
+                      <a:round/>
+                      <a:headEnd type="none" w="med" len="med"/>
+                      <a:tailEnd type="none" w="med" len="med"/>
+                    </a:lnT>
+                    <a:lnB w="12700" cap="flat" cmpd="sng" algn="ctr">
+                      <a:noFill/>
+                      <a:prstDash val="solid"/>
+                      <a:round/>
+                      <a:headEnd type="none" w="med" len="med"/>
+                      <a:tailEnd type="none" w="med" len="med"/>
+                    </a:lnB>
+                    <a:lnTlToBr w="12700" cmpd="sng">
+                      <a:noFill/>
+                      <a:prstDash val="solid"/>
+                    </a:lnTlToBr>
+                    <a:lnBlToTr w="12700" cmpd="sng">
+                      <a:noFill/>
+                      <a:prstDash val="solid"/>
+                    </a:lnBlToTr>
+                    <a:solidFill>
+                      <a:schemeClr val="bg1"/>
+                    </a:solidFill>
+                  </a:tcPr>
+                </a:tc>
+                <a:tc>
+                  <a:txBody>
+                    <a:bodyPr/>
+                    <a:lstStyle/>
+                    <a:p>
+                      <a:pPr marL="0" marR="0" algn="ctr">
+                        <a:lnSpc>
+                          <a:spcPct val="150000"/>
+                        </a:lnSpc>
+                        <a:spcBef>
+                          <a:spcPts val="0"/>
+                        </a:spcBef>
+                        <a:spcAft>
+                          <a:spcPts val="0"/>
+                        </a:spcAft>
+                      </a:pPr>
+                      <a:r>
+                        <a:rPr lang="ru-RU" sz="1400" b="0" dirty="0">
+                          <a:effectLst/>
+                          <a:latin typeface="Bahnschrift SemiBold" panose="020B0502040204020203" pitchFamily="34" charset="0"/>
+                          <a:ea typeface="Times New Roman" panose="02020603050405020304" pitchFamily="18" charset="0"/>
+                          <a:cs typeface="Times New Roman" panose="02020603050405020304" pitchFamily="18" charset="0"/>
+                        </a:rPr>
+                        <a:t>Проектирование ПО</a:t>
+                      </a:r>
+                    </a:p>
+                  </a:txBody>
+                  <a:tcPr marL="68580" marR="68580" marT="0" marB="0" anchor="ctr">
+                    <a:lnL w="12700" cap="flat" cmpd="sng" algn="ctr">
+                      <a:solidFill>
+                        <a:schemeClr val="tx1"/>
+                      </a:solidFill>
+                      <a:prstDash val="solid"/>
+                      <a:round/>
+                      <a:headEnd type="none" w="med" len="med"/>
+                      <a:tailEnd type="none" w="med" len="med"/>
+                    </a:lnL>
+                    <a:lnR w="12700" cap="flat" cmpd="sng" algn="ctr">
+                      <a:solidFill>
+                        <a:schemeClr val="tx1"/>
+                      </a:solidFill>
+                      <a:prstDash val="solid"/>
+                      <a:round/>
+                      <a:headEnd type="none" w="med" len="med"/>
+                      <a:tailEnd type="none" w="med" len="med"/>
+                    </a:lnR>
+                    <a:lnT w="12700" cap="flat" cmpd="sng" algn="ctr">
+                      <a:noFill/>
+                      <a:prstDash val="solid"/>
+                      <a:round/>
+                      <a:headEnd type="none" w="med" len="med"/>
+                      <a:tailEnd type="none" w="med" len="med"/>
+                    </a:lnT>
+                    <a:lnB w="12700" cap="flat" cmpd="sng" algn="ctr">
+                      <a:solidFill>
+                        <a:schemeClr val="tx1"/>
+                      </a:solidFill>
+                      <a:prstDash val="solid"/>
+                      <a:round/>
+                      <a:headEnd type="none" w="med" len="med"/>
+                      <a:tailEnd type="none" w="med" len="med"/>
+                    </a:lnB>
+                    <a:lnTlToBr w="12700" cmpd="sng">
+                      <a:noFill/>
+                      <a:prstDash val="solid"/>
+                    </a:lnTlToBr>
+                    <a:lnBlToTr w="12700" cmpd="sng">
+                      <a:noFill/>
+                      <a:prstDash val="solid"/>
+                    </a:lnBlToTr>
+                    <a:solidFill>
+                      <a:schemeClr val="bg1"/>
+                    </a:solidFill>
+                  </a:tcPr>
+                </a:tc>
+                <a:tc>
+                  <a:txBody>
+                    <a:bodyPr/>
+                    <a:lstStyle/>
+                    <a:p>
+                      <a:pPr marL="0" marR="0" algn="ctr">
+                        <a:lnSpc>
+                          <a:spcPct val="150000"/>
+                        </a:lnSpc>
+                        <a:spcBef>
+                          <a:spcPts val="0"/>
+                        </a:spcBef>
+                        <a:spcAft>
+                          <a:spcPts val="0"/>
+                        </a:spcAft>
+                      </a:pPr>
+                      <a:r>
+                        <a:rPr lang="en-US" sz="1400">
+                          <a:effectLst/>
+                          <a:latin typeface="Bahnschrift Light" panose="020B0502040204020203" pitchFamily="34" charset="0"/>
+                          <a:ea typeface="Times New Roman" panose="02020603050405020304" pitchFamily="18" charset="0"/>
+                          <a:cs typeface="Times New Roman" panose="02020603050405020304" pitchFamily="18" charset="0"/>
+                        </a:rPr>
+                        <a:t>20.09.2021-01.10.2021</a:t>
+                      </a:r>
+                      <a:endParaRPr lang="ru-RU" sz="1400">
+                        <a:effectLst/>
+                        <a:latin typeface="Bahnschrift Light" panose="020B0502040204020203" pitchFamily="34" charset="0"/>
+                        <a:ea typeface="Times New Roman" panose="02020603050405020304" pitchFamily="18" charset="0"/>
+                        <a:cs typeface="Times New Roman" panose="02020603050405020304" pitchFamily="18" charset="0"/>
+                      </a:endParaRPr>
+                    </a:p>
+                  </a:txBody>
+                  <a:tcPr marL="68580" marR="68580" marT="0" marB="0" anchor="ctr">
+                    <a:lnL w="12700" cap="flat" cmpd="sng" algn="ctr">
+                      <a:solidFill>
+                        <a:schemeClr val="tx1"/>
+                      </a:solidFill>
+                      <a:prstDash val="solid"/>
+                      <a:round/>
+                      <a:headEnd type="none" w="med" len="med"/>
+                      <a:tailEnd type="none" w="med" len="med"/>
+                    </a:lnL>
+                    <a:lnR w="12700" cap="flat" cmpd="sng" algn="ctr">
+                      <a:solidFill>
+                        <a:schemeClr val="tx1"/>
+                      </a:solidFill>
+                      <a:prstDash val="solid"/>
+                      <a:round/>
+                      <a:headEnd type="none" w="med" len="med"/>
+                      <a:tailEnd type="none" w="med" len="med"/>
+                    </a:lnR>
+                    <a:lnT w="12700" cap="flat" cmpd="sng" algn="ctr">
+                      <a:noFill/>
+                      <a:prstDash val="solid"/>
+                      <a:round/>
+                      <a:headEnd type="none" w="med" len="med"/>
+                      <a:tailEnd type="none" w="med" len="med"/>
+                    </a:lnT>
+                    <a:lnB w="12700" cap="flat" cmpd="sng" algn="ctr">
+                      <a:solidFill>
+                        <a:schemeClr val="tx1"/>
+                      </a:solidFill>
+                      <a:prstDash val="solid"/>
+                      <a:round/>
+                      <a:headEnd type="none" w="med" len="med"/>
+                      <a:tailEnd type="none" w="med" len="med"/>
+                    </a:lnB>
+                    <a:lnTlToBr w="12700" cmpd="sng">
+                      <a:noFill/>
+                      <a:prstDash val="solid"/>
+                    </a:lnTlToBr>
+                    <a:lnBlToTr w="12700" cmpd="sng">
+                      <a:noFill/>
+                      <a:prstDash val="solid"/>
+                    </a:lnBlToTr>
+                    <a:solidFill>
+                      <a:schemeClr val="bg1"/>
+                    </a:solidFill>
+                  </a:tcPr>
+                </a:tc>
+                <a:tc>
+                  <a:txBody>
+                    <a:bodyPr/>
+                    <a:lstStyle/>
+                    <a:p>
+                      <a:pPr marL="0" marR="0" algn="ctr">
+                        <a:lnSpc>
+                          <a:spcPct val="150000"/>
+                        </a:lnSpc>
+                        <a:spcBef>
+                          <a:spcPts val="0"/>
+                        </a:spcBef>
+                        <a:spcAft>
+                          <a:spcPts val="0"/>
+                        </a:spcAft>
+                      </a:pPr>
+                      <a:r>
+                        <a:rPr lang="ru-RU" sz="1400">
+                          <a:effectLst/>
+                          <a:latin typeface="Bahnschrift Light" panose="020B0502040204020203" pitchFamily="34" charset="0"/>
+                          <a:ea typeface="Times New Roman" panose="02020603050405020304" pitchFamily="18" charset="0"/>
+                          <a:cs typeface="Times New Roman" panose="02020603050405020304" pitchFamily="18" charset="0"/>
+                        </a:rPr>
+                        <a:t> </a:t>
+                      </a:r>
+                    </a:p>
+                  </a:txBody>
+                  <a:tcPr marL="68580" marR="68580" marT="0" marB="0" anchor="ctr">
+                    <a:lnL w="12700" cap="flat" cmpd="sng" algn="ctr">
+                      <a:solidFill>
+                        <a:schemeClr val="tx1"/>
+                      </a:solidFill>
+                      <a:prstDash val="solid"/>
+                      <a:round/>
+                      <a:headEnd type="none" w="med" len="med"/>
+                      <a:tailEnd type="none" w="med" len="med"/>
+                    </a:lnL>
+                    <a:lnR w="12700" cap="flat" cmpd="sng" algn="ctr">
+                      <a:noFill/>
+                      <a:prstDash val="solid"/>
+                      <a:round/>
+                      <a:headEnd type="none" w="med" len="med"/>
+                      <a:tailEnd type="none" w="med" len="med"/>
+                    </a:lnR>
+                    <a:lnT w="12700" cap="flat" cmpd="sng" algn="ctr">
+                      <a:noFill/>
+                      <a:prstDash val="solid"/>
+                      <a:round/>
+                      <a:headEnd type="none" w="med" len="med"/>
+                      <a:tailEnd type="none" w="med" len="med"/>
+                    </a:lnT>
+                    <a:lnB w="12700" cap="flat" cmpd="sng" algn="ctr">
+                      <a:solidFill>
+                        <a:schemeClr val="tx1"/>
+                      </a:solidFill>
+                      <a:prstDash val="solid"/>
+                      <a:round/>
+                      <a:headEnd type="none" w="med" len="med"/>
+                      <a:tailEnd type="none" w="med" len="med"/>
+                    </a:lnB>
+                    <a:lnTlToBr w="12700" cmpd="sng">
+                      <a:noFill/>
+                      <a:prstDash val="solid"/>
+                    </a:lnTlToBr>
+                    <a:lnBlToTr w="12700" cmpd="sng">
+                      <a:noFill/>
+                      <a:prstDash val="solid"/>
+                    </a:lnBlToTr>
+                    <a:solidFill>
+                      <a:schemeClr val="bg1"/>
+                    </a:solidFill>
+                  </a:tcPr>
+                </a:tc>
+                <a:extLst>
+                  <a:ext uri="{0D108BD9-81ED-4DB2-BD59-A6C34878D82A}">
+                    <a16:rowId xmlns:a16="http://schemas.microsoft.com/office/drawing/2014/main" val="3602016532"/>
+                  </a:ext>
+                </a:extLst>
+              </a:tr>
+              <a:tr h="916750">
+                <a:tc vMerge="1">
+                  <a:txBody>
+                    <a:bodyPr/>
+                    <a:lstStyle/>
+                    <a:p>
+                      <a:endParaRPr lang="ru-RU"/>
+                    </a:p>
+                  </a:txBody>
+                  <a:tcPr/>
+                </a:tc>
+                <a:tc>
+                  <a:txBody>
+                    <a:bodyPr/>
+                    <a:lstStyle/>
+                    <a:p>
+                      <a:pPr marL="0" marR="0" algn="ctr">
+                        <a:lnSpc>
+                          <a:spcPct val="150000"/>
+                        </a:lnSpc>
+                        <a:spcBef>
+                          <a:spcPts val="0"/>
+                        </a:spcBef>
+                        <a:spcAft>
+                          <a:spcPts val="0"/>
+                        </a:spcAft>
+                      </a:pPr>
+                      <a:r>
+                        <a:rPr lang="ru-RU" sz="1400" dirty="0">
+                          <a:effectLst/>
+                          <a:latin typeface="Bahnschrift Light" panose="020B0502040204020203" pitchFamily="34" charset="0"/>
+                          <a:ea typeface="Times New Roman" panose="02020603050405020304" pitchFamily="18" charset="0"/>
+                          <a:cs typeface="Times New Roman" panose="02020603050405020304" pitchFamily="18" charset="0"/>
+                        </a:rPr>
+                        <a:t>Создание контекстной диаграммы и декомпозиции 1 уровня</a:t>
+                      </a:r>
+                    </a:p>
+                  </a:txBody>
+                  <a:tcPr marL="68580" marR="68580" marT="0" marB="0" anchor="ctr">
+                    <a:lnL w="12700" cap="flat" cmpd="sng" algn="ctr">
+                      <a:solidFill>
+                        <a:schemeClr val="tx1"/>
+                      </a:solidFill>
+                      <a:prstDash val="solid"/>
+                      <a:round/>
+                      <a:headEnd type="none" w="med" len="med"/>
+                      <a:tailEnd type="none" w="med" len="med"/>
+                    </a:lnL>
+                    <a:lnR w="12700" cap="flat" cmpd="sng" algn="ctr">
+                      <a:solidFill>
+                        <a:schemeClr val="tx1"/>
+                      </a:solidFill>
+                      <a:prstDash val="solid"/>
+                      <a:round/>
+                      <a:headEnd type="none" w="med" len="med"/>
+                      <a:tailEnd type="none" w="med" len="med"/>
+                    </a:lnR>
+                    <a:lnT w="12700" cap="flat" cmpd="sng" algn="ctr">
+                      <a:solidFill>
+                        <a:schemeClr val="tx1"/>
+                      </a:solidFill>
+                      <a:prstDash val="solid"/>
+                      <a:round/>
+                      <a:headEnd type="none" w="med" len="med"/>
+                      <a:tailEnd type="none" w="med" len="med"/>
+                    </a:lnT>
+                    <a:lnB w="12700" cap="flat" cmpd="sng" algn="ctr">
+                      <a:solidFill>
+                        <a:schemeClr val="tx1"/>
+                      </a:solidFill>
+                      <a:prstDash val="solid"/>
+                      <a:round/>
+                      <a:headEnd type="none" w="med" len="med"/>
+                      <a:tailEnd type="none" w="med" len="med"/>
+                    </a:lnB>
+                    <a:lnTlToBr w="12700" cmpd="sng">
+                      <a:noFill/>
+                      <a:prstDash val="solid"/>
+                    </a:lnTlToBr>
+                    <a:lnBlToTr w="12700" cmpd="sng">
+                      <a:noFill/>
+                      <a:prstDash val="solid"/>
+                    </a:lnBlToTr>
+                    <a:solidFill>
+                      <a:schemeClr val="bg1"/>
+                    </a:solidFill>
+                  </a:tcPr>
+                </a:tc>
+                <a:tc>
+                  <a:txBody>
+                    <a:bodyPr/>
+                    <a:lstStyle/>
+                    <a:p>
+                      <a:pPr marL="0" marR="0" algn="ctr">
+                        <a:lnSpc>
+                          <a:spcPct val="150000"/>
+                        </a:lnSpc>
+                        <a:spcBef>
+                          <a:spcPts val="0"/>
+                        </a:spcBef>
+                        <a:spcAft>
+                          <a:spcPts val="0"/>
+                        </a:spcAft>
+                      </a:pPr>
+                      <a:r>
+                        <a:rPr lang="en-US" sz="1400" dirty="0">
+                          <a:effectLst/>
+                          <a:latin typeface="Bahnschrift Light" panose="020B0502040204020203" pitchFamily="34" charset="0"/>
+                          <a:ea typeface="Times New Roman" panose="02020603050405020304" pitchFamily="18" charset="0"/>
+                          <a:cs typeface="Times New Roman" panose="02020603050405020304" pitchFamily="18" charset="0"/>
+                        </a:rPr>
+                        <a:t>20.09.2021-23.09.2021</a:t>
+                      </a:r>
+                      <a:endParaRPr lang="ru-RU" sz="1400" dirty="0">
+                        <a:effectLst/>
+                        <a:latin typeface="Bahnschrift Light" panose="020B0502040204020203" pitchFamily="34" charset="0"/>
+                        <a:ea typeface="Times New Roman" panose="02020603050405020304" pitchFamily="18" charset="0"/>
+                        <a:cs typeface="Times New Roman" panose="02020603050405020304" pitchFamily="18" charset="0"/>
+                      </a:endParaRPr>
+                    </a:p>
+                  </a:txBody>
+                  <a:tcPr marL="68580" marR="68580" marT="0" marB="0" anchor="ctr">
+                    <a:lnL w="12700" cap="flat" cmpd="sng" algn="ctr">
+                      <a:solidFill>
+                        <a:schemeClr val="tx1"/>
+                      </a:solidFill>
+                      <a:prstDash val="solid"/>
+                      <a:round/>
+                      <a:headEnd type="none" w="med" len="med"/>
+                      <a:tailEnd type="none" w="med" len="med"/>
+                    </a:lnL>
+                    <a:lnR w="12700" cap="flat" cmpd="sng" algn="ctr">
+                      <a:solidFill>
+                        <a:schemeClr val="tx1"/>
+                      </a:solidFill>
+                      <a:prstDash val="solid"/>
+                      <a:round/>
+                      <a:headEnd type="none" w="med" len="med"/>
+                      <a:tailEnd type="none" w="med" len="med"/>
+                    </a:lnR>
+                    <a:lnT w="12700" cap="flat" cmpd="sng" algn="ctr">
+                      <a:solidFill>
+                        <a:schemeClr val="tx1"/>
+                      </a:solidFill>
+                      <a:prstDash val="solid"/>
+                      <a:round/>
+                      <a:headEnd type="none" w="med" len="med"/>
+                      <a:tailEnd type="none" w="med" len="med"/>
+                    </a:lnT>
+                    <a:lnB w="12700" cap="flat" cmpd="sng" algn="ctr">
+                      <a:solidFill>
+                        <a:schemeClr val="tx1"/>
+                      </a:solidFill>
+                      <a:prstDash val="solid"/>
+                      <a:round/>
+                      <a:headEnd type="none" w="med" len="med"/>
+                      <a:tailEnd type="none" w="med" len="med"/>
+                    </a:lnB>
+                    <a:lnTlToBr w="12700" cmpd="sng">
+                      <a:noFill/>
+                      <a:prstDash val="solid"/>
+                    </a:lnTlToBr>
+                    <a:lnBlToTr w="12700" cmpd="sng">
+                      <a:noFill/>
+                      <a:prstDash val="solid"/>
+                    </a:lnBlToTr>
+                    <a:solidFill>
+                      <a:schemeClr val="bg1"/>
+                    </a:solidFill>
+                  </a:tcPr>
+                </a:tc>
+                <a:tc>
+                  <a:txBody>
+                    <a:bodyPr/>
+                    <a:lstStyle/>
+                    <a:p>
+                      <a:pPr marL="0" marR="0" algn="ctr">
+                        <a:lnSpc>
+                          <a:spcPct val="150000"/>
+                        </a:lnSpc>
+                        <a:spcBef>
+                          <a:spcPts val="0"/>
+                        </a:spcBef>
+                        <a:spcAft>
+                          <a:spcPts val="0"/>
+                        </a:spcAft>
+                      </a:pPr>
+                      <a:r>
+                        <a:rPr lang="ru-RU" sz="1400" dirty="0">
+                          <a:effectLst/>
+                          <a:latin typeface="Bahnschrift Light" panose="020B0502040204020203" pitchFamily="34" charset="0"/>
+                          <a:ea typeface="Times New Roman" panose="02020603050405020304" pitchFamily="18" charset="0"/>
+                          <a:cs typeface="Times New Roman" panose="02020603050405020304" pitchFamily="18" charset="0"/>
+                        </a:rPr>
+                        <a:t>Функциональная модель</a:t>
+                      </a:r>
+                    </a:p>
+                  </a:txBody>
+                  <a:tcPr marL="68580" marR="68580" marT="0" marB="0" anchor="ctr">
+                    <a:lnL w="12700" cap="flat" cmpd="sng" algn="ctr">
+                      <a:solidFill>
+                        <a:schemeClr val="tx1"/>
+                      </a:solidFill>
+                      <a:prstDash val="solid"/>
+                      <a:round/>
+                      <a:headEnd type="none" w="med" len="med"/>
+                      <a:tailEnd type="none" w="med" len="med"/>
+                    </a:lnL>
+                    <a:lnR w="12700" cap="flat" cmpd="sng" algn="ctr">
+                      <a:noFill/>
+                      <a:prstDash val="solid"/>
+                      <a:round/>
+                      <a:headEnd type="none" w="med" len="med"/>
+                      <a:tailEnd type="none" w="med" len="med"/>
+                    </a:lnR>
+                    <a:lnT w="12700" cap="flat" cmpd="sng" algn="ctr">
+                      <a:solidFill>
+                        <a:schemeClr val="tx1"/>
+                      </a:solidFill>
+                      <a:prstDash val="solid"/>
+                      <a:round/>
+                      <a:headEnd type="none" w="med" len="med"/>
+                      <a:tailEnd type="none" w="med" len="med"/>
+                    </a:lnT>
+                    <a:lnB w="12700" cap="flat" cmpd="sng" algn="ctr">
+                      <a:solidFill>
+                        <a:schemeClr val="tx1"/>
+                      </a:solidFill>
+                      <a:prstDash val="solid"/>
+                      <a:round/>
+                      <a:headEnd type="none" w="med" len="med"/>
+                      <a:tailEnd type="none" w="med" len="med"/>
+                    </a:lnB>
+                    <a:lnTlToBr w="12700" cmpd="sng">
+                      <a:noFill/>
+                      <a:prstDash val="solid"/>
+                    </a:lnTlToBr>
+                    <a:lnBlToTr w="12700" cmpd="sng">
+                      <a:noFill/>
+                      <a:prstDash val="solid"/>
+                    </a:lnBlToTr>
+                    <a:solidFill>
+                      <a:schemeClr val="bg1"/>
+                    </a:solidFill>
+                  </a:tcPr>
+                </a:tc>
+                <a:extLst>
+                  <a:ext uri="{0D108BD9-81ED-4DB2-BD59-A6C34878D82A}">
+                    <a16:rowId xmlns:a16="http://schemas.microsoft.com/office/drawing/2014/main" val="388011936"/>
+                  </a:ext>
+                </a:extLst>
+              </a:tr>
+              <a:tr h="916750">
+                <a:tc vMerge="1">
+                  <a:txBody>
+                    <a:bodyPr/>
+                    <a:lstStyle/>
+                    <a:p>
+                      <a:endParaRPr lang="ru-RU"/>
+                    </a:p>
+                  </a:txBody>
+                  <a:tcPr/>
+                </a:tc>
+                <a:tc>
+                  <a:txBody>
+                    <a:bodyPr/>
+                    <a:lstStyle/>
+                    <a:p>
+                      <a:pPr marL="0" marR="0" algn="ctr">
+                        <a:lnSpc>
+                          <a:spcPct val="150000"/>
+                        </a:lnSpc>
+                        <a:spcBef>
+                          <a:spcPts val="0"/>
+                        </a:spcBef>
+                        <a:spcAft>
+                          <a:spcPts val="0"/>
+                        </a:spcAft>
+                      </a:pPr>
+                      <a:r>
+                        <a:rPr lang="ru-RU" sz="1400" dirty="0">
+                          <a:effectLst/>
+                          <a:latin typeface="Bahnschrift Light" panose="020B0502040204020203" pitchFamily="34" charset="0"/>
+                          <a:ea typeface="Times New Roman" panose="02020603050405020304" pitchFamily="18" charset="0"/>
+                          <a:cs typeface="Times New Roman" panose="02020603050405020304" pitchFamily="18" charset="0"/>
+                        </a:rPr>
+                        <a:t>Составление диаграммы вариантов использования</a:t>
+                      </a:r>
+                    </a:p>
+                  </a:txBody>
+                  <a:tcPr marL="68580" marR="68580" marT="0" marB="0" anchor="ctr">
+                    <a:lnL w="12700" cap="flat" cmpd="sng" algn="ctr">
+                      <a:solidFill>
+                        <a:schemeClr val="tx1"/>
+                      </a:solidFill>
+                      <a:prstDash val="solid"/>
+                      <a:round/>
+                      <a:headEnd type="none" w="med" len="med"/>
+                      <a:tailEnd type="none" w="med" len="med"/>
+                    </a:lnL>
+                    <a:lnR w="12700" cap="flat" cmpd="sng" algn="ctr">
+                      <a:solidFill>
+                        <a:schemeClr val="tx1"/>
+                      </a:solidFill>
+                      <a:prstDash val="solid"/>
+                      <a:round/>
+                      <a:headEnd type="none" w="med" len="med"/>
+                      <a:tailEnd type="none" w="med" len="med"/>
+                    </a:lnR>
+                    <a:lnT w="12700" cap="flat" cmpd="sng" algn="ctr">
+                      <a:solidFill>
+                        <a:schemeClr val="tx1"/>
+                      </a:solidFill>
+                      <a:prstDash val="solid"/>
+                      <a:round/>
+                      <a:headEnd type="none" w="med" len="med"/>
+                      <a:tailEnd type="none" w="med" len="med"/>
+                    </a:lnT>
+                    <a:lnB w="12700" cap="flat" cmpd="sng" algn="ctr">
+                      <a:solidFill>
+                        <a:schemeClr val="tx1"/>
+                      </a:solidFill>
+                      <a:prstDash val="solid"/>
+                      <a:round/>
+                      <a:headEnd type="none" w="med" len="med"/>
+                      <a:tailEnd type="none" w="med" len="med"/>
+                    </a:lnB>
+                    <a:lnTlToBr w="12700" cmpd="sng">
+                      <a:noFill/>
+                      <a:prstDash val="solid"/>
+                    </a:lnTlToBr>
+                    <a:lnBlToTr w="12700" cmpd="sng">
+                      <a:noFill/>
+                      <a:prstDash val="solid"/>
+                    </a:lnBlToTr>
+                    <a:solidFill>
+                      <a:schemeClr val="bg1"/>
+                    </a:solidFill>
+                  </a:tcPr>
+                </a:tc>
+                <a:tc>
+                  <a:txBody>
+                    <a:bodyPr/>
+                    <a:lstStyle/>
+                    <a:p>
+                      <a:pPr marL="0" marR="0" algn="ctr">
+                        <a:lnSpc>
+                          <a:spcPct val="150000"/>
+                        </a:lnSpc>
+                        <a:spcBef>
+                          <a:spcPts val="0"/>
+                        </a:spcBef>
+                        <a:spcAft>
+                          <a:spcPts val="0"/>
+                        </a:spcAft>
+                      </a:pPr>
+                      <a:r>
+                        <a:rPr lang="en-US" sz="1400" dirty="0">
+                          <a:effectLst/>
+                          <a:latin typeface="Bahnschrift Light" panose="020B0502040204020203" pitchFamily="34" charset="0"/>
+                          <a:ea typeface="Times New Roman" panose="02020603050405020304" pitchFamily="18" charset="0"/>
+                          <a:cs typeface="Times New Roman" panose="02020603050405020304" pitchFamily="18" charset="0"/>
+                        </a:rPr>
+                        <a:t>24.09.2021-28.09.2021</a:t>
+                      </a:r>
+                      <a:endParaRPr lang="ru-RU" sz="1400" dirty="0">
+                        <a:effectLst/>
+                        <a:latin typeface="Bahnschrift Light" panose="020B0502040204020203" pitchFamily="34" charset="0"/>
+                        <a:ea typeface="Times New Roman" panose="02020603050405020304" pitchFamily="18" charset="0"/>
+                        <a:cs typeface="Times New Roman" panose="02020603050405020304" pitchFamily="18" charset="0"/>
+                      </a:endParaRPr>
+                    </a:p>
+                  </a:txBody>
+                  <a:tcPr marL="68580" marR="68580" marT="0" marB="0" anchor="ctr">
+                    <a:lnL w="12700" cap="flat" cmpd="sng" algn="ctr">
+                      <a:solidFill>
+                        <a:schemeClr val="tx1"/>
+                      </a:solidFill>
+                      <a:prstDash val="solid"/>
+                      <a:round/>
+                      <a:headEnd type="none" w="med" len="med"/>
+                      <a:tailEnd type="none" w="med" len="med"/>
+                    </a:lnL>
+                    <a:lnR w="12700" cap="flat" cmpd="sng" algn="ctr">
+                      <a:solidFill>
+                        <a:schemeClr val="tx1"/>
+                      </a:solidFill>
+                      <a:prstDash val="solid"/>
+                      <a:round/>
+                      <a:headEnd type="none" w="med" len="med"/>
+                      <a:tailEnd type="none" w="med" len="med"/>
+                    </a:lnR>
+                    <a:lnT w="12700" cap="flat" cmpd="sng" algn="ctr">
+                      <a:solidFill>
+                        <a:schemeClr val="tx1"/>
+                      </a:solidFill>
+                      <a:prstDash val="solid"/>
+                      <a:round/>
+                      <a:headEnd type="none" w="med" len="med"/>
+                      <a:tailEnd type="none" w="med" len="med"/>
+                    </a:lnT>
+                    <a:lnB w="12700" cap="flat" cmpd="sng" algn="ctr">
+                      <a:solidFill>
+                        <a:schemeClr val="tx1"/>
+                      </a:solidFill>
+                      <a:prstDash val="solid"/>
+                      <a:round/>
+                      <a:headEnd type="none" w="med" len="med"/>
+                      <a:tailEnd type="none" w="med" len="med"/>
+                    </a:lnB>
+                    <a:lnTlToBr w="12700" cmpd="sng">
+                      <a:noFill/>
+                      <a:prstDash val="solid"/>
+                    </a:lnTlToBr>
+                    <a:lnBlToTr w="12700" cmpd="sng">
+                      <a:noFill/>
+                      <a:prstDash val="solid"/>
+                    </a:lnBlToTr>
+                    <a:solidFill>
+                      <a:schemeClr val="bg1"/>
+                    </a:solidFill>
+                  </a:tcPr>
+                </a:tc>
+                <a:tc>
+                  <a:txBody>
+                    <a:bodyPr/>
+                    <a:lstStyle/>
+                    <a:p>
+                      <a:pPr marL="0" marR="0" algn="ctr">
+                        <a:lnSpc>
+                          <a:spcPct val="150000"/>
+                        </a:lnSpc>
+                        <a:spcBef>
+                          <a:spcPts val="0"/>
+                        </a:spcBef>
+                        <a:spcAft>
+                          <a:spcPts val="0"/>
+                        </a:spcAft>
+                      </a:pPr>
+                      <a:r>
+                        <a:rPr lang="ru-RU" sz="1400" dirty="0">
+                          <a:effectLst/>
+                          <a:latin typeface="Bahnschrift Light" panose="020B0502040204020203" pitchFamily="34" charset="0"/>
+                          <a:ea typeface="Times New Roman" panose="02020603050405020304" pitchFamily="18" charset="0"/>
+                          <a:cs typeface="Times New Roman" panose="02020603050405020304" pitchFamily="18" charset="0"/>
+                        </a:rPr>
+                        <a:t>Диаграммы вариантов использования</a:t>
+                      </a:r>
+                    </a:p>
+                  </a:txBody>
+                  <a:tcPr marL="68580" marR="68580" marT="0" marB="0" anchor="ctr">
+                    <a:lnL w="12700" cap="flat" cmpd="sng" algn="ctr">
+                      <a:solidFill>
+                        <a:schemeClr val="tx1"/>
+                      </a:solidFill>
+                      <a:prstDash val="solid"/>
+                      <a:round/>
+                      <a:headEnd type="none" w="med" len="med"/>
+                      <a:tailEnd type="none" w="med" len="med"/>
+                    </a:lnL>
+                    <a:lnR w="12700" cap="flat" cmpd="sng" algn="ctr">
+                      <a:noFill/>
+                      <a:prstDash val="solid"/>
+                      <a:round/>
+                      <a:headEnd type="none" w="med" len="med"/>
+                      <a:tailEnd type="none" w="med" len="med"/>
+                    </a:lnR>
+                    <a:lnT w="12700" cap="flat" cmpd="sng" algn="ctr">
+                      <a:solidFill>
+                        <a:schemeClr val="tx1"/>
+                      </a:solidFill>
+                      <a:prstDash val="solid"/>
+                      <a:round/>
+                      <a:headEnd type="none" w="med" len="med"/>
+                      <a:tailEnd type="none" w="med" len="med"/>
+                    </a:lnT>
+                    <a:lnB w="12700" cap="flat" cmpd="sng" algn="ctr">
+                      <a:solidFill>
+                        <a:schemeClr val="tx1"/>
+                      </a:solidFill>
+                      <a:prstDash val="solid"/>
+                      <a:round/>
+                      <a:headEnd type="none" w="med" len="med"/>
+                      <a:tailEnd type="none" w="med" len="med"/>
+                    </a:lnB>
+                    <a:lnTlToBr w="12700" cmpd="sng">
+                      <a:noFill/>
+                      <a:prstDash val="solid"/>
+                    </a:lnTlToBr>
+                    <a:lnBlToTr w="12700" cmpd="sng">
+                      <a:noFill/>
+                      <a:prstDash val="solid"/>
+                    </a:lnBlToTr>
+                    <a:solidFill>
+                      <a:schemeClr val="bg1"/>
+                    </a:solidFill>
+                  </a:tcPr>
+                </a:tc>
+                <a:extLst>
+                  <a:ext uri="{0D108BD9-81ED-4DB2-BD59-A6C34878D82A}">
+                    <a16:rowId xmlns:a16="http://schemas.microsoft.com/office/drawing/2014/main" val="1963347452"/>
+                  </a:ext>
+                </a:extLst>
+              </a:tr>
+              <a:tr h="916750">
+                <a:tc vMerge="1">
+                  <a:txBody>
+                    <a:bodyPr/>
+                    <a:lstStyle/>
+                    <a:p>
+                      <a:endParaRPr lang="ru-RU"/>
+                    </a:p>
+                  </a:txBody>
+                  <a:tcPr/>
+                </a:tc>
+                <a:tc>
+                  <a:txBody>
+                    <a:bodyPr/>
+                    <a:lstStyle/>
+                    <a:p>
+                      <a:pPr marL="0" marR="0" algn="ctr">
+                        <a:lnSpc>
+                          <a:spcPct val="150000"/>
+                        </a:lnSpc>
+                        <a:spcBef>
+                          <a:spcPts val="0"/>
+                        </a:spcBef>
+                        <a:spcAft>
+                          <a:spcPts val="0"/>
+                        </a:spcAft>
+                      </a:pPr>
+                      <a:r>
+                        <a:rPr lang="ru-RU" sz="1400" dirty="0">
+                          <a:effectLst/>
+                          <a:latin typeface="Bahnschrift Light" panose="020B0502040204020203" pitchFamily="34" charset="0"/>
+                          <a:ea typeface="Times New Roman" panose="02020603050405020304" pitchFamily="18" charset="0"/>
+                          <a:cs typeface="Times New Roman" panose="02020603050405020304" pitchFamily="18" charset="0"/>
+                        </a:rPr>
+                        <a:t>Составление диаграммы классов</a:t>
+                      </a:r>
+                    </a:p>
+                  </a:txBody>
+                  <a:tcPr marL="68580" marR="68580" marT="0" marB="0" anchor="ctr">
+                    <a:lnL w="12700" cap="flat" cmpd="sng" algn="ctr">
+                      <a:solidFill>
+                        <a:schemeClr val="tx1"/>
+                      </a:solidFill>
+                      <a:prstDash val="solid"/>
+                      <a:round/>
+                      <a:headEnd type="none" w="med" len="med"/>
+                      <a:tailEnd type="none" w="med" len="med"/>
+                    </a:lnL>
+                    <a:lnR w="12700" cap="flat" cmpd="sng" algn="ctr">
+                      <a:solidFill>
+                        <a:schemeClr val="tx1"/>
+                      </a:solidFill>
+                      <a:prstDash val="solid"/>
+                      <a:round/>
+                      <a:headEnd type="none" w="med" len="med"/>
+                      <a:tailEnd type="none" w="med" len="med"/>
+                    </a:lnR>
+                    <a:lnT w="12700" cap="flat" cmpd="sng" algn="ctr">
+                      <a:solidFill>
+                        <a:schemeClr val="tx1"/>
+                      </a:solidFill>
+                      <a:prstDash val="solid"/>
+                      <a:round/>
+                      <a:headEnd type="none" w="med" len="med"/>
+                      <a:tailEnd type="none" w="med" len="med"/>
+                    </a:lnT>
+                    <a:lnB w="12700" cap="flat" cmpd="sng" algn="ctr">
+                      <a:noFill/>
+                      <a:prstDash val="solid"/>
+                      <a:round/>
+                      <a:headEnd type="none" w="med" len="med"/>
+                      <a:tailEnd type="none" w="med" len="med"/>
+                    </a:lnB>
+                    <a:lnTlToBr w="12700" cmpd="sng">
+                      <a:noFill/>
+                      <a:prstDash val="solid"/>
+                    </a:lnTlToBr>
+                    <a:lnBlToTr w="12700" cmpd="sng">
+                      <a:noFill/>
+                      <a:prstDash val="solid"/>
+                    </a:lnBlToTr>
+                    <a:solidFill>
+                      <a:schemeClr val="bg1"/>
+                    </a:solidFill>
+                  </a:tcPr>
+                </a:tc>
+                <a:tc>
+                  <a:txBody>
+                    <a:bodyPr/>
+                    <a:lstStyle/>
+                    <a:p>
+                      <a:pPr marL="0" marR="0" algn="ctr">
+                        <a:lnSpc>
+                          <a:spcPct val="150000"/>
+                        </a:lnSpc>
+                        <a:spcBef>
+                          <a:spcPts val="0"/>
+                        </a:spcBef>
+                        <a:spcAft>
+                          <a:spcPts val="0"/>
+                        </a:spcAft>
+                      </a:pPr>
+                      <a:r>
+                        <a:rPr lang="en-US" sz="1400">
+                          <a:effectLst/>
+                          <a:latin typeface="Bahnschrift Light" panose="020B0502040204020203" pitchFamily="34" charset="0"/>
+                          <a:ea typeface="Times New Roman" panose="02020603050405020304" pitchFamily="18" charset="0"/>
+                          <a:cs typeface="Times New Roman" panose="02020603050405020304" pitchFamily="18" charset="0"/>
+                        </a:rPr>
+                        <a:t>29.09.2021-01.10.2021</a:t>
+                      </a:r>
+                      <a:endParaRPr lang="ru-RU" sz="1400">
+                        <a:effectLst/>
+                        <a:latin typeface="Bahnschrift Light" panose="020B0502040204020203" pitchFamily="34" charset="0"/>
+                        <a:ea typeface="Times New Roman" panose="02020603050405020304" pitchFamily="18" charset="0"/>
+                        <a:cs typeface="Times New Roman" panose="02020603050405020304" pitchFamily="18" charset="0"/>
+                      </a:endParaRPr>
+                    </a:p>
+                  </a:txBody>
+                  <a:tcPr marL="68580" marR="68580" marT="0" marB="0" anchor="ctr">
+                    <a:lnL w="12700" cap="flat" cmpd="sng" algn="ctr">
+                      <a:solidFill>
+                        <a:schemeClr val="tx1"/>
+                      </a:solidFill>
+                      <a:prstDash val="solid"/>
+                      <a:round/>
+                      <a:headEnd type="none" w="med" len="med"/>
+                      <a:tailEnd type="none" w="med" len="med"/>
+                    </a:lnL>
+                    <a:lnR w="12700" cap="flat" cmpd="sng" algn="ctr">
+                      <a:solidFill>
+                        <a:schemeClr val="tx1"/>
+                      </a:solidFill>
+                      <a:prstDash val="solid"/>
+                      <a:round/>
+                      <a:headEnd type="none" w="med" len="med"/>
+                      <a:tailEnd type="none" w="med" len="med"/>
+                    </a:lnR>
+                    <a:lnT w="12700" cap="flat" cmpd="sng" algn="ctr">
+                      <a:solidFill>
+                        <a:schemeClr val="tx1"/>
+                      </a:solidFill>
+                      <a:prstDash val="solid"/>
+                      <a:round/>
+                      <a:headEnd type="none" w="med" len="med"/>
+                      <a:tailEnd type="none" w="med" len="med"/>
+                    </a:lnT>
+                    <a:lnB w="12700" cap="flat" cmpd="sng" algn="ctr">
+                      <a:noFill/>
+                      <a:prstDash val="solid"/>
+                      <a:round/>
+                      <a:headEnd type="none" w="med" len="med"/>
+                      <a:tailEnd type="none" w="med" len="med"/>
+                    </a:lnB>
+                    <a:lnTlToBr w="12700" cmpd="sng">
+                      <a:noFill/>
+                      <a:prstDash val="solid"/>
+                    </a:lnTlToBr>
+                    <a:lnBlToTr w="12700" cmpd="sng">
+                      <a:noFill/>
+                      <a:prstDash val="solid"/>
+                    </a:lnBlToTr>
+                    <a:solidFill>
+                      <a:schemeClr val="bg1"/>
+                    </a:solidFill>
+                  </a:tcPr>
+                </a:tc>
+                <a:tc>
+                  <a:txBody>
+                    <a:bodyPr/>
+                    <a:lstStyle/>
+                    <a:p>
+                      <a:pPr marL="0" marR="0" algn="ctr">
+                        <a:lnSpc>
+                          <a:spcPct val="150000"/>
+                        </a:lnSpc>
+                        <a:spcBef>
+                          <a:spcPts val="0"/>
+                        </a:spcBef>
+                        <a:spcAft>
+                          <a:spcPts val="0"/>
+                        </a:spcAft>
+                      </a:pPr>
+                      <a:r>
+                        <a:rPr lang="ru-RU" sz="1400" dirty="0">
+                          <a:effectLst/>
+                          <a:latin typeface="Bahnschrift Light" panose="020B0502040204020203" pitchFamily="34" charset="0"/>
+                          <a:ea typeface="Times New Roman" panose="02020603050405020304" pitchFamily="18" charset="0"/>
+                          <a:cs typeface="Times New Roman" panose="02020603050405020304" pitchFamily="18" charset="0"/>
+                        </a:rPr>
+                        <a:t>Диаграмма классов. Описание классов</a:t>
+                      </a:r>
+                    </a:p>
+                  </a:txBody>
+                  <a:tcPr marL="68580" marR="68580" marT="0" marB="0" anchor="ctr">
+                    <a:lnL w="12700" cap="flat" cmpd="sng" algn="ctr">
+                      <a:solidFill>
+                        <a:schemeClr val="tx1"/>
+                      </a:solidFill>
+                      <a:prstDash val="solid"/>
+                      <a:round/>
+                      <a:headEnd type="none" w="med" len="med"/>
+                      <a:tailEnd type="none" w="med" len="med"/>
+                    </a:lnL>
+                    <a:lnR w="12700" cap="flat" cmpd="sng" algn="ctr">
+                      <a:noFill/>
+                      <a:prstDash val="solid"/>
+                      <a:round/>
+                      <a:headEnd type="none" w="med" len="med"/>
+                      <a:tailEnd type="none" w="med" len="med"/>
+                    </a:lnR>
+                    <a:lnT w="12700" cap="flat" cmpd="sng" algn="ctr">
+                      <a:solidFill>
+                        <a:schemeClr val="tx1"/>
+                      </a:solidFill>
+                      <a:prstDash val="solid"/>
+                      <a:round/>
+                      <a:headEnd type="none" w="med" len="med"/>
+                      <a:tailEnd type="none" w="med" len="med"/>
+                    </a:lnT>
+                    <a:lnB w="12700" cap="flat" cmpd="sng" algn="ctr">
+                      <a:noFill/>
+                      <a:prstDash val="solid"/>
+                      <a:round/>
+                      <a:headEnd type="none" w="med" len="med"/>
+                      <a:tailEnd type="none" w="med" len="med"/>
+                    </a:lnB>
+                    <a:lnTlToBr w="12700" cmpd="sng">
+                      <a:noFill/>
+                      <a:prstDash val="solid"/>
+                    </a:lnTlToBr>
+                    <a:lnBlToTr w="12700" cmpd="sng">
+                      <a:noFill/>
+                      <a:prstDash val="solid"/>
+                    </a:lnBlToTr>
+                    <a:solidFill>
+                      <a:schemeClr val="bg1"/>
+                    </a:solidFill>
+                  </a:tcPr>
+                </a:tc>
+                <a:extLst>
+                  <a:ext uri="{0D108BD9-81ED-4DB2-BD59-A6C34878D82A}">
+                    <a16:rowId xmlns:a16="http://schemas.microsoft.com/office/drawing/2014/main" val="169191725"/>
+                  </a:ext>
+                </a:extLst>
+              </a:tr>
+            </a:tbl>
+          </a:graphicData>
+        </a:graphic>
+      </p:graphicFrame>
+      <p:sp>
+        <p:nvSpPr>
+          <p:cNvPr id="19" name="Rectangle: Rounded Corners 3">
+            <a:extLst>
+              <a:ext uri="{FF2B5EF4-FFF2-40B4-BE49-F238E27FC236}">
+                <a16:creationId xmlns:a16="http://schemas.microsoft.com/office/drawing/2014/main" id="{9CD8287A-9790-4976-8588-07F93B11CF76}"/>
+              </a:ext>
+            </a:extLst>
+          </p:cNvPr>
+          <p:cNvSpPr/>
+          <p:nvPr/>
+        </p:nvSpPr>
+        <p:spPr>
+          <a:xfrm>
+            <a:off x="3163657" y="1084215"/>
+            <a:ext cx="2644952" cy="457201"/>
+          </a:xfrm>
+          <a:prstGeom prst="roundRect">
+            <a:avLst>
+              <a:gd name="adj" fmla="val 20477"/>
+            </a:avLst>
+          </a:prstGeom>
+          <a:solidFill>
+            <a:srgbClr val="303030"/>
+          </a:solidFill>
+        </p:spPr>
+        <p:style>
+          <a:lnRef idx="2">
+            <a:schemeClr val="accent1">
+              <a:shade val="50000"/>
+            </a:schemeClr>
+          </a:lnRef>
+          <a:fillRef idx="1">
+            <a:schemeClr val="accent1"/>
+          </a:fillRef>
+          <a:effectRef idx="0">
+            <a:schemeClr val="accent1"/>
+          </a:effectRef>
+          <a:fontRef idx="minor">
+            <a:schemeClr val="lt1"/>
+          </a:fontRef>
+        </p:style>
+        <p:txBody>
+          <a:bodyPr rtlCol="0" anchor="ctr"/>
+          <a:lstStyle/>
+          <a:p>
+            <a:pPr algn="ctr"/>
+            <a:r>
+              <a:rPr lang="ru-RU" dirty="0">
+                <a:latin typeface="Bahnschrift Light" panose="020B0502040204020203" pitchFamily="34" charset="0"/>
+              </a:rPr>
+              <a:t>Название этапа</a:t>
+            </a:r>
+            <a:endParaRPr lang="en-US" dirty="0">
+              <a:latin typeface="Bahnschrift Light" panose="020B0502040204020203" pitchFamily="34" charset="0"/>
+            </a:endParaRPr>
+          </a:p>
+        </p:txBody>
+      </p:sp>
+      <p:sp>
+        <p:nvSpPr>
+          <p:cNvPr id="20" name="Rectangle: Rounded Corners 3">
+            <a:extLst>
+              <a:ext uri="{FF2B5EF4-FFF2-40B4-BE49-F238E27FC236}">
+                <a16:creationId xmlns:a16="http://schemas.microsoft.com/office/drawing/2014/main" id="{BF1C0E17-0EA0-43B0-8FAD-8682310D064D}"/>
+              </a:ext>
+            </a:extLst>
+          </p:cNvPr>
+          <p:cNvSpPr/>
+          <p:nvPr/>
+        </p:nvSpPr>
+        <p:spPr>
+          <a:xfrm>
+            <a:off x="5922364" y="1084215"/>
+            <a:ext cx="1871808" cy="457201"/>
+          </a:xfrm>
+          <a:prstGeom prst="roundRect">
+            <a:avLst>
+              <a:gd name="adj" fmla="val 20477"/>
+            </a:avLst>
+          </a:prstGeom>
+          <a:solidFill>
+            <a:srgbClr val="303030"/>
+          </a:solidFill>
+        </p:spPr>
+        <p:style>
+          <a:lnRef idx="2">
+            <a:schemeClr val="accent1">
+              <a:shade val="50000"/>
+            </a:schemeClr>
+          </a:lnRef>
+          <a:fillRef idx="1">
+            <a:schemeClr val="accent1"/>
+          </a:fillRef>
+          <a:effectRef idx="0">
+            <a:schemeClr val="accent1"/>
+          </a:effectRef>
+          <a:fontRef idx="minor">
+            <a:schemeClr val="lt1"/>
+          </a:fontRef>
+        </p:style>
+        <p:txBody>
+          <a:bodyPr rtlCol="0" anchor="ctr"/>
+          <a:lstStyle/>
+          <a:p>
+            <a:pPr algn="ctr"/>
+            <a:r>
+              <a:rPr lang="ru-RU" dirty="0">
+                <a:latin typeface="Bahnschrift Light" panose="020B0502040204020203" pitchFamily="34" charset="0"/>
+              </a:rPr>
+              <a:t>Срок</a:t>
+            </a:r>
+            <a:endParaRPr lang="en-US" dirty="0">
+              <a:latin typeface="Bahnschrift Light" panose="020B0502040204020203" pitchFamily="34" charset="0"/>
+            </a:endParaRPr>
+          </a:p>
+        </p:txBody>
+      </p:sp>
+      <p:sp>
+        <p:nvSpPr>
+          <p:cNvPr id="21" name="Rectangle: Rounded Corners 3">
+            <a:extLst>
+              <a:ext uri="{FF2B5EF4-FFF2-40B4-BE49-F238E27FC236}">
+                <a16:creationId xmlns:a16="http://schemas.microsoft.com/office/drawing/2014/main" id="{F042D19C-20F0-4B62-9FC0-2E7ACF3E9F7D}"/>
+              </a:ext>
+            </a:extLst>
+          </p:cNvPr>
+          <p:cNvSpPr/>
+          <p:nvPr/>
+        </p:nvSpPr>
+        <p:spPr>
+          <a:xfrm>
+            <a:off x="7907926" y="1084214"/>
+            <a:ext cx="2542343" cy="457201"/>
+          </a:xfrm>
+          <a:prstGeom prst="roundRect">
+            <a:avLst>
+              <a:gd name="adj" fmla="val 20477"/>
+            </a:avLst>
+          </a:prstGeom>
+          <a:solidFill>
+            <a:srgbClr val="303030"/>
+          </a:solidFill>
+        </p:spPr>
+        <p:style>
+          <a:lnRef idx="2">
+            <a:schemeClr val="accent1">
+              <a:shade val="50000"/>
+            </a:schemeClr>
+          </a:lnRef>
+          <a:fillRef idx="1">
+            <a:schemeClr val="accent1"/>
+          </a:fillRef>
+          <a:effectRef idx="0">
+            <a:schemeClr val="accent1"/>
+          </a:effectRef>
+          <a:fontRef idx="minor">
+            <a:schemeClr val="lt1"/>
+          </a:fontRef>
+        </p:style>
+        <p:txBody>
+          <a:bodyPr rtlCol="0" anchor="ctr"/>
+          <a:lstStyle/>
+          <a:p>
+            <a:pPr algn="ctr"/>
+            <a:r>
+              <a:rPr lang="ru-RU" dirty="0">
+                <a:latin typeface="Bahnschrift Light" panose="020B0502040204020203" pitchFamily="34" charset="0"/>
+              </a:rPr>
+              <a:t>Отчетность</a:t>
+            </a:r>
+            <a:endParaRPr lang="en-US" dirty="0">
+              <a:latin typeface="Bahnschrift Light" panose="020B0502040204020203" pitchFamily="34" charset="0"/>
+            </a:endParaRPr>
+          </a:p>
+        </p:txBody>
+      </p:sp>
+    </p:spTree>
+    <p:extLst>
+      <p:ext uri="{BB962C8B-B14F-4D97-AF65-F5344CB8AC3E}">
+        <p14:creationId xmlns:p14="http://schemas.microsoft.com/office/powerpoint/2010/main" val="1514646721"/>
+      </p:ext>
+    </p:extLst>
+  </p:cSld>
+  <p:clrMapOvr>
+    <a:masterClrMapping/>
+  </p:clrMapOvr>
+</p:sld>
+</file>
+
+<file path=ppt/slides/slide11.xml><?xml version="1.0" encoding="utf-8"?>
+<p:sld xmlns:a="http://schemas.openxmlformats.org/drawingml/2006/main" xmlns:r="http://schemas.openxmlformats.org/officeDocument/2006/relationships" xmlns:p="http://schemas.openxmlformats.org/presentationml/2006/main">
+  <p:cSld>
+    <p:spTree>
+      <p:nvGrpSpPr>
+        <p:cNvPr id="1" name=""/>
+        <p:cNvGrpSpPr/>
+        <p:nvPr/>
+      </p:nvGrpSpPr>
+      <p:grpSpPr>
+        <a:xfrm>
+          <a:off x="0" y="0"/>
+          <a:ext cx="0" cy="0"/>
+          <a:chOff x="0" y="0"/>
+          <a:chExt cx="0" cy="0"/>
+        </a:xfrm>
+      </p:grpSpPr>
+      <p:sp>
+        <p:nvSpPr>
+          <p:cNvPr id="4" name="Rectangle: Rounded Corners 3">
+            <a:extLst>
+              <a:ext uri="{FF2B5EF4-FFF2-40B4-BE49-F238E27FC236}">
+                <a16:creationId xmlns:a16="http://schemas.microsoft.com/office/drawing/2014/main" id="{C6B169AA-9E1D-4044-8D1B-4EE835634883}"/>
+              </a:ext>
+            </a:extLst>
+          </p:cNvPr>
+          <p:cNvSpPr/>
+          <p:nvPr/>
+        </p:nvSpPr>
+        <p:spPr>
+          <a:xfrm>
+            <a:off x="-113213" y="156754"/>
+            <a:ext cx="1524003" cy="566057"/>
+          </a:xfrm>
+          <a:prstGeom prst="roundRect">
+            <a:avLst/>
+          </a:prstGeom>
+          <a:solidFill>
+            <a:srgbClr val="303030"/>
+          </a:solidFill>
+        </p:spPr>
+        <p:style>
+          <a:lnRef idx="2">
+            <a:schemeClr val="accent1">
+              <a:shade val="50000"/>
+            </a:schemeClr>
+          </a:lnRef>
+          <a:fillRef idx="1">
+            <a:schemeClr val="accent1"/>
+          </a:fillRef>
+          <a:effectRef idx="0">
+            <a:schemeClr val="accent1"/>
+          </a:effectRef>
+          <a:fontRef idx="minor">
+            <a:schemeClr val="lt1"/>
+          </a:fontRef>
+        </p:style>
+        <p:txBody>
+          <a:bodyPr rtlCol="0" anchor="ctr"/>
+          <a:lstStyle/>
+          <a:p>
+            <a:pPr algn="ctr"/>
+            <a:endParaRPr lang="en-US"/>
+          </a:p>
+        </p:txBody>
+      </p:sp>
+      <p:sp>
+        <p:nvSpPr>
+          <p:cNvPr id="5" name="TextBox 4">
+            <a:extLst>
+              <a:ext uri="{FF2B5EF4-FFF2-40B4-BE49-F238E27FC236}">
+                <a16:creationId xmlns:a16="http://schemas.microsoft.com/office/drawing/2014/main" id="{B7C7CC8A-3221-4C8C-830F-90C47525FDCD}"/>
+              </a:ext>
+            </a:extLst>
+          </p:cNvPr>
+          <p:cNvSpPr txBox="1"/>
+          <p:nvPr/>
+        </p:nvSpPr>
+        <p:spPr>
+          <a:xfrm>
+            <a:off x="-26168" y="194974"/>
+            <a:ext cx="1436958" cy="461665"/>
+          </a:xfrm>
+          <a:prstGeom prst="rect">
+            <a:avLst/>
+          </a:prstGeom>
+          <a:noFill/>
+        </p:spPr>
+        <p:txBody>
+          <a:bodyPr wrap="square" rtlCol="0">
+            <a:spAutoFit/>
+          </a:bodyPr>
+          <a:lstStyle/>
+          <a:p>
+            <a:r>
+              <a:rPr lang="ru-RU" sz="2400" dirty="0">
+                <a:solidFill>
+                  <a:schemeClr val="bg1">
+                    <a:lumMod val="95000"/>
+                  </a:schemeClr>
+                </a:solidFill>
+                <a:latin typeface="Bahnschrift SemiBold" panose="020B0502040204020203" pitchFamily="34" charset="0"/>
+              </a:rPr>
               <a:t>Этап №3</a:t>
             </a:r>
           </a:p>
@@ -5209,7 +6897,7 @@
 </p:sld>
 </file>
 
-<file path=ppt/slides/slide11.xml><?xml version="1.0" encoding="utf-8"?>
+<file path=ppt/slides/slide12.xml><?xml version="1.0" encoding="utf-8"?>
 <p:sld xmlns:a="http://schemas.openxmlformats.org/drawingml/2006/main" xmlns:r="http://schemas.openxmlformats.org/officeDocument/2006/relationships" xmlns:p="http://schemas.openxmlformats.org/presentationml/2006/main">
   <p:cSld>
     <p:spTree>
@@ -6923,7 +8611,7 @@
 </p:sld>
 </file>
 
-<file path=ppt/slides/slide12.xml><?xml version="1.0" encoding="utf-8"?>
+<file path=ppt/slides/slide13.xml><?xml version="1.0" encoding="utf-8"?>
 <p:sld xmlns:a="http://schemas.openxmlformats.org/drawingml/2006/main" xmlns:r="http://schemas.openxmlformats.org/officeDocument/2006/relationships" xmlns:p="http://schemas.openxmlformats.org/presentationml/2006/main">
   <p:cSld>
     <p:spTree>
@@ -8478,7 +10166,7 @@
 </p:sld>
 </file>
 
-<file path=ppt/slides/slide13.xml><?xml version="1.0" encoding="utf-8"?>
+<file path=ppt/slides/slide14.xml><?xml version="1.0" encoding="utf-8"?>
 <p:sld xmlns:a="http://schemas.openxmlformats.org/drawingml/2006/main" xmlns:r="http://schemas.openxmlformats.org/officeDocument/2006/relationships" xmlns:p="http://schemas.openxmlformats.org/presentationml/2006/main">
   <p:cSld>
     <p:spTree>
@@ -9913,7 +11601,7 @@
 </p:sld>
 </file>
 
-<file path=ppt/slides/slide14.xml><?xml version="1.0" encoding="utf-8"?>
+<file path=ppt/slides/slide15.xml><?xml version="1.0" encoding="utf-8"?>
 <p:sld xmlns:a="http://schemas.openxmlformats.org/drawingml/2006/main" xmlns:r="http://schemas.openxmlformats.org/officeDocument/2006/relationships" xmlns:p="http://schemas.openxmlformats.org/presentationml/2006/main">
   <p:cSld>
     <p:spTree>
@@ -10301,7 +11989,7 @@
 </p:sld>
 </file>
 
-<file path=ppt/slides/slide15.xml><?xml version="1.0" encoding="utf-8"?>
+<file path=ppt/slides/slide16.xml><?xml version="1.0" encoding="utf-8"?>
 <p:sld xmlns:a="http://schemas.openxmlformats.org/drawingml/2006/main" xmlns:r="http://schemas.openxmlformats.org/officeDocument/2006/relationships" xmlns:p="http://schemas.openxmlformats.org/presentationml/2006/main">
   <p:cSld>
     <p:spTree>
@@ -10675,7 +12363,7 @@
 </p:sld>
 </file>
 
-<file path=ppt/slides/slide16.xml><?xml version="1.0" encoding="utf-8"?>
+<file path=ppt/slides/slide17.xml><?xml version="1.0" encoding="utf-8"?>
 <p:sld xmlns:a="http://schemas.openxmlformats.org/drawingml/2006/main" xmlns:r="http://schemas.openxmlformats.org/officeDocument/2006/relationships" xmlns:p="http://schemas.openxmlformats.org/presentationml/2006/main">
   <p:cSld>
     <p:spTree>
@@ -11044,7 +12732,7 @@
 </p:sld>
 </file>
 
-<file path=ppt/slides/slide17.xml><?xml version="1.0" encoding="utf-8"?>
+<file path=ppt/slides/slide18.xml><?xml version="1.0" encoding="utf-8"?>
 <p:sld xmlns:a="http://schemas.openxmlformats.org/drawingml/2006/main" xmlns:r="http://schemas.openxmlformats.org/officeDocument/2006/relationships" xmlns:p="http://schemas.openxmlformats.org/presentationml/2006/main">
   <p:cSld>
     <p:spTree>
@@ -11538,7 +13226,7 @@
 </p:sld>
 </file>
 
-<file path=ppt/slides/slide18.xml><?xml version="1.0" encoding="utf-8"?>
+<file path=ppt/slides/slide19.xml><?xml version="1.0" encoding="utf-8"?>
 <p:sld xmlns:a="http://schemas.openxmlformats.org/drawingml/2006/main" xmlns:r="http://schemas.openxmlformats.org/officeDocument/2006/relationships" xmlns:p="http://schemas.openxmlformats.org/presentationml/2006/main">
   <p:cSld>
     <p:spTree>
@@ -11760,373 +13448,6 @@
     <p:extLst>
       <p:ext uri="{BB962C8B-B14F-4D97-AF65-F5344CB8AC3E}">
         <p14:creationId xmlns:p14="http://schemas.microsoft.com/office/powerpoint/2010/main" val="3911189870"/>
-      </p:ext>
-    </p:extLst>
-  </p:cSld>
-  <p:clrMapOvr>
-    <a:masterClrMapping/>
-  </p:clrMapOvr>
-</p:sld>
-</file>
-
-<file path=ppt/slides/slide19.xml><?xml version="1.0" encoding="utf-8"?>
-<p:sld xmlns:a="http://schemas.openxmlformats.org/drawingml/2006/main" xmlns:r="http://schemas.openxmlformats.org/officeDocument/2006/relationships" xmlns:p="http://schemas.openxmlformats.org/presentationml/2006/main">
-  <p:cSld>
-    <p:spTree>
-      <p:nvGrpSpPr>
-        <p:cNvPr id="1" name=""/>
-        <p:cNvGrpSpPr/>
-        <p:nvPr/>
-      </p:nvGrpSpPr>
-      <p:grpSpPr>
-        <a:xfrm>
-          <a:off x="0" y="0"/>
-          <a:ext cx="0" cy="0"/>
-          <a:chOff x="0" y="0"/>
-          <a:chExt cx="0" cy="0"/>
-        </a:xfrm>
-      </p:grpSpPr>
-      <p:pic>
-        <p:nvPicPr>
-          <p:cNvPr id="12" name="Рисунок 11">
-            <a:extLst>
-              <a:ext uri="{FF2B5EF4-FFF2-40B4-BE49-F238E27FC236}">
-                <a16:creationId xmlns:a16="http://schemas.microsoft.com/office/drawing/2014/main" id="{1F59BE09-D6F8-4E52-B947-AC94DAF76361}"/>
-              </a:ext>
-            </a:extLst>
-          </p:cNvPr>
-          <p:cNvPicPr/>
-          <p:nvPr/>
-        </p:nvPicPr>
-        <p:blipFill>
-          <a:blip r:embed="rId2"/>
-          <a:stretch>
-            <a:fillRect/>
-          </a:stretch>
-        </p:blipFill>
-        <p:spPr>
-          <a:xfrm>
-            <a:off x="2740301" y="26373"/>
-            <a:ext cx="8999855" cy="6858000"/>
-          </a:xfrm>
-          <a:prstGeom prst="rect">
-            <a:avLst/>
-          </a:prstGeom>
-        </p:spPr>
-      </p:pic>
-      <p:sp>
-        <p:nvSpPr>
-          <p:cNvPr id="5" name="Rectangle: Rounded Corners 3">
-            <a:extLst>
-              <a:ext uri="{FF2B5EF4-FFF2-40B4-BE49-F238E27FC236}">
-                <a16:creationId xmlns:a16="http://schemas.microsoft.com/office/drawing/2014/main" id="{EF86A53B-6B5F-4E0D-8217-341A6EC7E9F7}"/>
-              </a:ext>
-            </a:extLst>
-          </p:cNvPr>
-          <p:cNvSpPr/>
-          <p:nvPr/>
-        </p:nvSpPr>
-        <p:spPr>
-          <a:xfrm>
-            <a:off x="-113211" y="156754"/>
-            <a:ext cx="2812865" cy="566057"/>
-          </a:xfrm>
-          <a:prstGeom prst="roundRect">
-            <a:avLst/>
-          </a:prstGeom>
-          <a:solidFill>
-            <a:srgbClr val="303030"/>
-          </a:solidFill>
-        </p:spPr>
-        <p:style>
-          <a:lnRef idx="2">
-            <a:schemeClr val="accent1">
-              <a:shade val="50000"/>
-            </a:schemeClr>
-          </a:lnRef>
-          <a:fillRef idx="1">
-            <a:schemeClr val="accent1"/>
-          </a:fillRef>
-          <a:effectRef idx="0">
-            <a:schemeClr val="accent1"/>
-          </a:effectRef>
-          <a:fontRef idx="minor">
-            <a:schemeClr val="lt1"/>
-          </a:fontRef>
-        </p:style>
-        <p:txBody>
-          <a:bodyPr rtlCol="0" anchor="ctr"/>
-          <a:lstStyle/>
-          <a:p>
-            <a:pPr algn="ctr"/>
-            <a:endParaRPr lang="en-US"/>
-          </a:p>
-        </p:txBody>
-      </p:sp>
-      <p:sp>
-        <p:nvSpPr>
-          <p:cNvPr id="6" name="TextBox 5">
-            <a:extLst>
-              <a:ext uri="{FF2B5EF4-FFF2-40B4-BE49-F238E27FC236}">
-                <a16:creationId xmlns:a16="http://schemas.microsoft.com/office/drawing/2014/main" id="{33B0AF43-E804-41A8-A483-1CB1E1CCC6CE}"/>
-              </a:ext>
-            </a:extLst>
-          </p:cNvPr>
-          <p:cNvSpPr txBox="1"/>
-          <p:nvPr/>
-        </p:nvSpPr>
-        <p:spPr>
-          <a:xfrm>
-            <a:off x="0" y="205974"/>
-            <a:ext cx="2638697" cy="461665"/>
-          </a:xfrm>
-          <a:prstGeom prst="rect">
-            <a:avLst/>
-          </a:prstGeom>
-          <a:noFill/>
-        </p:spPr>
-        <p:txBody>
-          <a:bodyPr wrap="square" rtlCol="0">
-            <a:spAutoFit/>
-          </a:bodyPr>
-          <a:lstStyle/>
-          <a:p>
-            <a:r>
-              <a:rPr lang="en-US" sz="2400" dirty="0">
-                <a:solidFill>
-                  <a:schemeClr val="bg1">
-                    <a:lumMod val="95000"/>
-                  </a:schemeClr>
-                </a:solidFill>
-                <a:latin typeface="Bahnschrift SemiBold" panose="020B0502040204020203" pitchFamily="34" charset="0"/>
-              </a:rPr>
-              <a:t>IDEF0 </a:t>
-            </a:r>
-            <a:r>
-              <a:rPr lang="ru-RU" sz="2400" dirty="0">
-                <a:solidFill>
-                  <a:schemeClr val="bg1">
-                    <a:lumMod val="95000"/>
-                  </a:schemeClr>
-                </a:solidFill>
-                <a:latin typeface="Bahnschrift SemiBold" panose="020B0502040204020203" pitchFamily="34" charset="0"/>
-              </a:rPr>
-              <a:t>диаграмма</a:t>
-            </a:r>
-          </a:p>
-        </p:txBody>
-      </p:sp>
-      <p:sp>
-        <p:nvSpPr>
-          <p:cNvPr id="7" name="Овал 6">
-            <a:extLst>
-              <a:ext uri="{FF2B5EF4-FFF2-40B4-BE49-F238E27FC236}">
-                <a16:creationId xmlns:a16="http://schemas.microsoft.com/office/drawing/2014/main" id="{F2242A95-DF7E-4F93-9F1C-AF0F1E008707}"/>
-              </a:ext>
-            </a:extLst>
-          </p:cNvPr>
-          <p:cNvSpPr/>
-          <p:nvPr/>
-        </p:nvSpPr>
-        <p:spPr>
-          <a:xfrm>
-            <a:off x="173255" y="660391"/>
-            <a:ext cx="203209" cy="203209"/>
-          </a:xfrm>
-          <a:prstGeom prst="ellipse">
-            <a:avLst/>
-          </a:prstGeom>
-          <a:solidFill>
-            <a:schemeClr val="tx1">
-              <a:lumMod val="85000"/>
-              <a:lumOff val="15000"/>
-            </a:schemeClr>
-          </a:solidFill>
-          <a:ln w="57150">
-            <a:solidFill>
-              <a:schemeClr val="bg1"/>
-            </a:solidFill>
-          </a:ln>
-        </p:spPr>
-        <p:style>
-          <a:lnRef idx="2">
-            <a:schemeClr val="accent1">
-              <a:shade val="50000"/>
-            </a:schemeClr>
-          </a:lnRef>
-          <a:fillRef idx="1">
-            <a:schemeClr val="accent1"/>
-          </a:fillRef>
-          <a:effectRef idx="0">
-            <a:schemeClr val="accent1"/>
-          </a:effectRef>
-          <a:fontRef idx="minor">
-            <a:schemeClr val="lt1"/>
-          </a:fontRef>
-        </p:style>
-        <p:txBody>
-          <a:bodyPr rtlCol="0" anchor="ctr"/>
-          <a:lstStyle/>
-          <a:p>
-            <a:pPr algn="ctr"/>
-            <a:endParaRPr lang="ru-RU"/>
-          </a:p>
-        </p:txBody>
-      </p:sp>
-      <p:cxnSp>
-        <p:nvCxnSpPr>
-          <p:cNvPr id="8" name="Прямая соединительная линия 7">
-            <a:extLst>
-              <a:ext uri="{FF2B5EF4-FFF2-40B4-BE49-F238E27FC236}">
-                <a16:creationId xmlns:a16="http://schemas.microsoft.com/office/drawing/2014/main" id="{2B147433-66CE-41AE-936A-04599C246104}"/>
-              </a:ext>
-            </a:extLst>
-          </p:cNvPr>
-          <p:cNvCxnSpPr>
-            <a:cxnSpLocks/>
-            <a:stCxn id="7" idx="4"/>
-          </p:cNvCxnSpPr>
-          <p:nvPr/>
-        </p:nvCxnSpPr>
-        <p:spPr>
-          <a:xfrm>
-            <a:off x="274860" y="863600"/>
-            <a:ext cx="0" cy="6220594"/>
-          </a:xfrm>
-          <a:prstGeom prst="line">
-            <a:avLst/>
-          </a:prstGeom>
-          <a:ln w="15875">
-            <a:solidFill>
-              <a:schemeClr val="tx1">
-                <a:lumMod val="85000"/>
-                <a:lumOff val="15000"/>
-              </a:schemeClr>
-            </a:solidFill>
-          </a:ln>
-        </p:spPr>
-        <p:style>
-          <a:lnRef idx="1">
-            <a:schemeClr val="accent1"/>
-          </a:lnRef>
-          <a:fillRef idx="0">
-            <a:schemeClr val="accent1"/>
-          </a:fillRef>
-          <a:effectRef idx="0">
-            <a:schemeClr val="accent1"/>
-          </a:effectRef>
-          <a:fontRef idx="minor">
-            <a:schemeClr val="tx1"/>
-          </a:fontRef>
-        </p:style>
-      </p:cxnSp>
-      <p:sp>
-        <p:nvSpPr>
-          <p:cNvPr id="9" name="Овал 8">
-            <a:extLst>
-              <a:ext uri="{FF2B5EF4-FFF2-40B4-BE49-F238E27FC236}">
-                <a16:creationId xmlns:a16="http://schemas.microsoft.com/office/drawing/2014/main" id="{B589F033-389F-4D7A-A8EC-201B881DD7F6}"/>
-              </a:ext>
-            </a:extLst>
-          </p:cNvPr>
-          <p:cNvSpPr/>
-          <p:nvPr/>
-        </p:nvSpPr>
-        <p:spPr>
-          <a:xfrm>
-            <a:off x="173255" y="26373"/>
-            <a:ext cx="203209" cy="203209"/>
-          </a:xfrm>
-          <a:prstGeom prst="ellipse">
-            <a:avLst/>
-          </a:prstGeom>
-          <a:solidFill>
-            <a:schemeClr val="tx1">
-              <a:lumMod val="85000"/>
-              <a:lumOff val="15000"/>
-            </a:schemeClr>
-          </a:solidFill>
-          <a:ln w="57150">
-            <a:solidFill>
-              <a:schemeClr val="bg1"/>
-            </a:solidFill>
-          </a:ln>
-        </p:spPr>
-        <p:style>
-          <a:lnRef idx="2">
-            <a:schemeClr val="accent1">
-              <a:shade val="50000"/>
-            </a:schemeClr>
-          </a:lnRef>
-          <a:fillRef idx="1">
-            <a:schemeClr val="accent1"/>
-          </a:fillRef>
-          <a:effectRef idx="0">
-            <a:schemeClr val="accent1"/>
-          </a:effectRef>
-          <a:fontRef idx="minor">
-            <a:schemeClr val="lt1"/>
-          </a:fontRef>
-        </p:style>
-        <p:txBody>
-          <a:bodyPr rtlCol="0" anchor="ctr"/>
-          <a:lstStyle/>
-          <a:p>
-            <a:pPr algn="ctr"/>
-            <a:endParaRPr lang="ru-RU" dirty="0"/>
-          </a:p>
-        </p:txBody>
-      </p:sp>
-      <p:cxnSp>
-        <p:nvCxnSpPr>
-          <p:cNvPr id="10" name="Прямая соединительная линия 9">
-            <a:extLst>
-              <a:ext uri="{FF2B5EF4-FFF2-40B4-BE49-F238E27FC236}">
-                <a16:creationId xmlns:a16="http://schemas.microsoft.com/office/drawing/2014/main" id="{C7EECB78-013D-43F9-9DEB-077C2FDECA1A}"/>
-              </a:ext>
-            </a:extLst>
-          </p:cNvPr>
-          <p:cNvCxnSpPr>
-            <a:stCxn id="9" idx="0"/>
-          </p:cNvCxnSpPr>
-          <p:nvPr/>
-        </p:nvCxnSpPr>
-        <p:spPr>
-          <a:xfrm flipH="1" flipV="1">
-            <a:off x="274859" y="-163629"/>
-            <a:ext cx="1" cy="190002"/>
-          </a:xfrm>
-          <a:prstGeom prst="line">
-            <a:avLst/>
-          </a:prstGeom>
-          <a:ln w="15875">
-            <a:solidFill>
-              <a:schemeClr val="tx1">
-                <a:lumMod val="85000"/>
-                <a:lumOff val="15000"/>
-              </a:schemeClr>
-            </a:solidFill>
-          </a:ln>
-        </p:spPr>
-        <p:style>
-          <a:lnRef idx="1">
-            <a:schemeClr val="accent1"/>
-          </a:lnRef>
-          <a:fillRef idx="0">
-            <a:schemeClr val="accent1"/>
-          </a:fillRef>
-          <a:effectRef idx="0">
-            <a:schemeClr val="accent1"/>
-          </a:effectRef>
-          <a:fontRef idx="minor">
-            <a:schemeClr val="tx1"/>
-          </a:fontRef>
-        </p:style>
-      </p:cxnSp>
-    </p:spTree>
-    <p:extLst>
-      <p:ext uri="{BB962C8B-B14F-4D97-AF65-F5344CB8AC3E}">
-        <p14:creationId xmlns:p14="http://schemas.microsoft.com/office/powerpoint/2010/main" val="1074898735"/>
       </p:ext>
     </p:extLst>
   </p:cSld>
@@ -12406,6 +13727,193 @@
           <a:chExt cx="0" cy="0"/>
         </a:xfrm>
       </p:grpSpPr>
+      <p:pic>
+        <p:nvPicPr>
+          <p:cNvPr id="12" name="Рисунок 11">
+            <a:extLst>
+              <a:ext uri="{FF2B5EF4-FFF2-40B4-BE49-F238E27FC236}">
+                <a16:creationId xmlns:a16="http://schemas.microsoft.com/office/drawing/2014/main" id="{1F59BE09-D6F8-4E52-B947-AC94DAF76361}"/>
+              </a:ext>
+            </a:extLst>
+          </p:cNvPr>
+          <p:cNvPicPr/>
+          <p:nvPr/>
+        </p:nvPicPr>
+        <p:blipFill>
+          <a:blip r:embed="rId2"/>
+          <a:stretch>
+            <a:fillRect/>
+          </a:stretch>
+        </p:blipFill>
+        <p:spPr>
+          <a:xfrm>
+            <a:off x="2740301" y="26373"/>
+            <a:ext cx="8999855" cy="6858000"/>
+          </a:xfrm>
+          <a:prstGeom prst="rect">
+            <a:avLst/>
+          </a:prstGeom>
+        </p:spPr>
+      </p:pic>
+      <p:sp>
+        <p:nvSpPr>
+          <p:cNvPr id="5" name="Rectangle: Rounded Corners 3">
+            <a:extLst>
+              <a:ext uri="{FF2B5EF4-FFF2-40B4-BE49-F238E27FC236}">
+                <a16:creationId xmlns:a16="http://schemas.microsoft.com/office/drawing/2014/main" id="{EF86A53B-6B5F-4E0D-8217-341A6EC7E9F7}"/>
+              </a:ext>
+            </a:extLst>
+          </p:cNvPr>
+          <p:cNvSpPr/>
+          <p:nvPr/>
+        </p:nvSpPr>
+        <p:spPr>
+          <a:xfrm>
+            <a:off x="-113211" y="156754"/>
+            <a:ext cx="2812865" cy="566057"/>
+          </a:xfrm>
+          <a:prstGeom prst="roundRect">
+            <a:avLst/>
+          </a:prstGeom>
+          <a:solidFill>
+            <a:srgbClr val="303030"/>
+          </a:solidFill>
+        </p:spPr>
+        <p:style>
+          <a:lnRef idx="2">
+            <a:schemeClr val="accent1">
+              <a:shade val="50000"/>
+            </a:schemeClr>
+          </a:lnRef>
+          <a:fillRef idx="1">
+            <a:schemeClr val="accent1"/>
+          </a:fillRef>
+          <a:effectRef idx="0">
+            <a:schemeClr val="accent1"/>
+          </a:effectRef>
+          <a:fontRef idx="minor">
+            <a:schemeClr val="lt1"/>
+          </a:fontRef>
+        </p:style>
+        <p:txBody>
+          <a:bodyPr rtlCol="0" anchor="ctr"/>
+          <a:lstStyle/>
+          <a:p>
+            <a:pPr algn="ctr"/>
+            <a:endParaRPr lang="en-US"/>
+          </a:p>
+        </p:txBody>
+      </p:sp>
+      <p:sp>
+        <p:nvSpPr>
+          <p:cNvPr id="6" name="TextBox 5">
+            <a:extLst>
+              <a:ext uri="{FF2B5EF4-FFF2-40B4-BE49-F238E27FC236}">
+                <a16:creationId xmlns:a16="http://schemas.microsoft.com/office/drawing/2014/main" id="{33B0AF43-E804-41A8-A483-1CB1E1CCC6CE}"/>
+              </a:ext>
+            </a:extLst>
+          </p:cNvPr>
+          <p:cNvSpPr txBox="1"/>
+          <p:nvPr/>
+        </p:nvSpPr>
+        <p:spPr>
+          <a:xfrm>
+            <a:off x="0" y="205974"/>
+            <a:ext cx="2638697" cy="461665"/>
+          </a:xfrm>
+          <a:prstGeom prst="rect">
+            <a:avLst/>
+          </a:prstGeom>
+          <a:noFill/>
+        </p:spPr>
+        <p:txBody>
+          <a:bodyPr wrap="square" rtlCol="0">
+            <a:spAutoFit/>
+          </a:bodyPr>
+          <a:lstStyle/>
+          <a:p>
+            <a:r>
+              <a:rPr lang="en-US" sz="2400" dirty="0">
+                <a:solidFill>
+                  <a:schemeClr val="bg1">
+                    <a:lumMod val="95000"/>
+                  </a:schemeClr>
+                </a:solidFill>
+                <a:latin typeface="Bahnschrift SemiBold" panose="020B0502040204020203" pitchFamily="34" charset="0"/>
+              </a:rPr>
+              <a:t>IDEF0 </a:t>
+            </a:r>
+            <a:r>
+              <a:rPr lang="ru-RU" sz="2400" dirty="0">
+                <a:solidFill>
+                  <a:schemeClr val="bg1">
+                    <a:lumMod val="95000"/>
+                  </a:schemeClr>
+                </a:solidFill>
+                <a:latin typeface="Bahnschrift SemiBold" panose="020B0502040204020203" pitchFamily="34" charset="0"/>
+              </a:rPr>
+              <a:t>диаграмма</a:t>
+            </a:r>
+          </a:p>
+        </p:txBody>
+      </p:sp>
+      <p:sp>
+        <p:nvSpPr>
+          <p:cNvPr id="7" name="Овал 6">
+            <a:extLst>
+              <a:ext uri="{FF2B5EF4-FFF2-40B4-BE49-F238E27FC236}">
+                <a16:creationId xmlns:a16="http://schemas.microsoft.com/office/drawing/2014/main" id="{F2242A95-DF7E-4F93-9F1C-AF0F1E008707}"/>
+              </a:ext>
+            </a:extLst>
+          </p:cNvPr>
+          <p:cNvSpPr/>
+          <p:nvPr/>
+        </p:nvSpPr>
+        <p:spPr>
+          <a:xfrm>
+            <a:off x="173255" y="660391"/>
+            <a:ext cx="203209" cy="203209"/>
+          </a:xfrm>
+          <a:prstGeom prst="ellipse">
+            <a:avLst/>
+          </a:prstGeom>
+          <a:solidFill>
+            <a:schemeClr val="tx1">
+              <a:lumMod val="85000"/>
+              <a:lumOff val="15000"/>
+            </a:schemeClr>
+          </a:solidFill>
+          <a:ln w="57150">
+            <a:solidFill>
+              <a:schemeClr val="bg1"/>
+            </a:solidFill>
+          </a:ln>
+        </p:spPr>
+        <p:style>
+          <a:lnRef idx="2">
+            <a:schemeClr val="accent1">
+              <a:shade val="50000"/>
+            </a:schemeClr>
+          </a:lnRef>
+          <a:fillRef idx="1">
+            <a:schemeClr val="accent1"/>
+          </a:fillRef>
+          <a:effectRef idx="0">
+            <a:schemeClr val="accent1"/>
+          </a:effectRef>
+          <a:fontRef idx="minor">
+            <a:schemeClr val="lt1"/>
+          </a:fontRef>
+        </p:style>
+        <p:txBody>
+          <a:bodyPr rtlCol="0" anchor="ctr"/>
+          <a:lstStyle/>
+          <a:p>
+            <a:pPr algn="ctr"/>
+            <a:endParaRPr lang="ru-RU"/>
+          </a:p>
+        </p:txBody>
+      </p:sp>
       <p:cxnSp>
         <p:nvCxnSpPr>
           <p:cNvPr id="8" name="Прямая соединительная линия 7">
@@ -12417,13 +13925,14 @@
           </p:cNvPr>
           <p:cNvCxnSpPr>
             <a:cxnSpLocks/>
+            <a:stCxn id="7" idx="4"/>
           </p:cNvCxnSpPr>
           <p:nvPr/>
         </p:nvCxnSpPr>
         <p:spPr>
           <a:xfrm>
-            <a:off x="274859" y="0"/>
-            <a:ext cx="1" cy="7084194"/>
+            <a:off x="274860" y="863600"/>
+            <a:ext cx="0" cy="6220594"/>
           </a:xfrm>
           <a:prstGeom prst="line">
             <a:avLst/>
@@ -12452,6 +13961,63 @@
           </a:fontRef>
         </p:style>
       </p:cxnSp>
+      <p:sp>
+        <p:nvSpPr>
+          <p:cNvPr id="9" name="Овал 8">
+            <a:extLst>
+              <a:ext uri="{FF2B5EF4-FFF2-40B4-BE49-F238E27FC236}">
+                <a16:creationId xmlns:a16="http://schemas.microsoft.com/office/drawing/2014/main" id="{B589F033-389F-4D7A-A8EC-201B881DD7F6}"/>
+              </a:ext>
+            </a:extLst>
+          </p:cNvPr>
+          <p:cNvSpPr/>
+          <p:nvPr/>
+        </p:nvSpPr>
+        <p:spPr>
+          <a:xfrm>
+            <a:off x="173255" y="26373"/>
+            <a:ext cx="203209" cy="203209"/>
+          </a:xfrm>
+          <a:prstGeom prst="ellipse">
+            <a:avLst/>
+          </a:prstGeom>
+          <a:solidFill>
+            <a:schemeClr val="tx1">
+              <a:lumMod val="85000"/>
+              <a:lumOff val="15000"/>
+            </a:schemeClr>
+          </a:solidFill>
+          <a:ln w="57150">
+            <a:solidFill>
+              <a:schemeClr val="bg1"/>
+            </a:solidFill>
+          </a:ln>
+        </p:spPr>
+        <p:style>
+          <a:lnRef idx="2">
+            <a:schemeClr val="accent1">
+              <a:shade val="50000"/>
+            </a:schemeClr>
+          </a:lnRef>
+          <a:fillRef idx="1">
+            <a:schemeClr val="accent1"/>
+          </a:fillRef>
+          <a:effectRef idx="0">
+            <a:schemeClr val="accent1"/>
+          </a:effectRef>
+          <a:fontRef idx="minor">
+            <a:schemeClr val="lt1"/>
+          </a:fontRef>
+        </p:style>
+        <p:txBody>
+          <a:bodyPr rtlCol="0" anchor="ctr"/>
+          <a:lstStyle/>
+          <a:p>
+            <a:pPr algn="ctr"/>
+            <a:endParaRPr lang="ru-RU" dirty="0"/>
+          </a:p>
+        </p:txBody>
+      </p:sp>
       <p:cxnSp>
         <p:nvCxnSpPr>
           <p:cNvPr id="10" name="Прямая соединительная линия 9">
@@ -12462,7 +14028,7 @@
             </a:extLst>
           </p:cNvPr>
           <p:cNvCxnSpPr>
-            <a:cxnSpLocks/>
+            <a:stCxn id="9" idx="0"/>
           </p:cNvCxnSpPr>
           <p:nvPr/>
         </p:nvCxnSpPr>
@@ -12498,38 +14064,10 @@
           </a:fontRef>
         </p:style>
       </p:cxnSp>
-      <p:pic>
-        <p:nvPicPr>
-          <p:cNvPr id="5" name="Рисунок 4">
-            <a:extLst>
-              <a:ext uri="{FF2B5EF4-FFF2-40B4-BE49-F238E27FC236}">
-                <a16:creationId xmlns:a16="http://schemas.microsoft.com/office/drawing/2014/main" id="{037E0568-6622-4B22-B155-5DCD96F06FDC}"/>
-              </a:ext>
-            </a:extLst>
-          </p:cNvPr>
-          <p:cNvPicPr/>
-          <p:nvPr/>
-        </p:nvPicPr>
-        <p:blipFill>
-          <a:blip r:embed="rId2"/>
-          <a:stretch>
-            <a:fillRect/>
-          </a:stretch>
-        </p:blipFill>
-        <p:spPr>
-          <a:xfrm>
-            <a:off x="2735221" y="26373"/>
-            <a:ext cx="9004935" cy="6858000"/>
-          </a:xfrm>
-          <a:prstGeom prst="rect">
-            <a:avLst/>
-          </a:prstGeom>
-        </p:spPr>
-      </p:pic>
     </p:spTree>
     <p:extLst>
       <p:ext uri="{BB962C8B-B14F-4D97-AF65-F5344CB8AC3E}">
-        <p14:creationId xmlns:p14="http://schemas.microsoft.com/office/powerpoint/2010/main" val="3405178719"/>
+        <p14:creationId xmlns:p14="http://schemas.microsoft.com/office/powerpoint/2010/main" val="1074898735"/>
       </p:ext>
     </p:extLst>
   </p:cSld>
@@ -12556,255 +14094,24 @@
           <a:chExt cx="0" cy="0"/>
         </a:xfrm>
       </p:grpSpPr>
-      <p:pic>
-        <p:nvPicPr>
-          <p:cNvPr id="3" name="Picture 2">
-            <a:extLst>
-              <a:ext uri="{FF2B5EF4-FFF2-40B4-BE49-F238E27FC236}">
-                <a16:creationId xmlns:a16="http://schemas.microsoft.com/office/drawing/2014/main" id="{4E3C250E-D074-4A02-891A-2719D4E4913F}"/>
-              </a:ext>
-            </a:extLst>
-          </p:cNvPr>
-          <p:cNvPicPr>
-            <a:picLocks noChangeAspect="1"/>
-          </p:cNvPicPr>
-          <p:nvPr/>
-        </p:nvPicPr>
-        <p:blipFill>
-          <a:blip r:embed="rId2">
-            <a:extLst>
-              <a:ext uri="{28A0092B-C50C-407E-A947-70E740481C1C}">
-                <a14:useLocalDpi xmlns:a14="http://schemas.microsoft.com/office/drawing/2010/main" val="0"/>
-              </a:ext>
-            </a:extLst>
-          </a:blip>
-          <a:stretch>
-            <a:fillRect/>
-          </a:stretch>
-        </p:blipFill>
-        <p:spPr>
-          <a:xfrm>
-            <a:off x="2667000" y="0"/>
-            <a:ext cx="6858000" cy="6858000"/>
-          </a:xfrm>
-          <a:prstGeom prst="rect">
-            <a:avLst/>
-          </a:prstGeom>
-        </p:spPr>
-      </p:pic>
-      <p:sp>
-        <p:nvSpPr>
-          <p:cNvPr id="5" name="TextBox 4">
-            <a:extLst>
-              <a:ext uri="{FF2B5EF4-FFF2-40B4-BE49-F238E27FC236}">
-                <a16:creationId xmlns:a16="http://schemas.microsoft.com/office/drawing/2014/main" id="{5B75EEDF-1435-4764-A888-BB19C7ECECB8}"/>
-              </a:ext>
-            </a:extLst>
-          </p:cNvPr>
-          <p:cNvSpPr txBox="1"/>
-          <p:nvPr/>
-        </p:nvSpPr>
-        <p:spPr>
-          <a:xfrm>
-            <a:off x="118221" y="239727"/>
-            <a:ext cx="2776722" cy="400110"/>
-          </a:xfrm>
-          <a:prstGeom prst="rect">
-            <a:avLst/>
-          </a:prstGeom>
-          <a:noFill/>
-        </p:spPr>
-        <p:txBody>
-          <a:bodyPr wrap="none" rtlCol="0">
-            <a:spAutoFit/>
-          </a:bodyPr>
-          <a:lstStyle/>
-          <a:p>
-            <a:r>
-              <a:rPr lang="ru-RU" sz="2000" b="1" dirty="0">
-                <a:solidFill>
-                  <a:srgbClr val="FFFFFF"/>
-                </a:solidFill>
-                <a:latin typeface="Nunito" pitchFamily="2" charset="-52"/>
-              </a:rPr>
-              <a:t>Раздел авторизации</a:t>
-            </a:r>
-            <a:endParaRPr lang="en-US" sz="2000" b="1" dirty="0">
-              <a:solidFill>
-                <a:srgbClr val="FFFFFF"/>
-              </a:solidFill>
-              <a:latin typeface="Nunito" pitchFamily="2" charset="-52"/>
-            </a:endParaRPr>
-          </a:p>
-        </p:txBody>
-      </p:sp>
-      <p:sp>
-        <p:nvSpPr>
-          <p:cNvPr id="11" name="Rectangle: Rounded Corners 3">
-            <a:extLst>
-              <a:ext uri="{FF2B5EF4-FFF2-40B4-BE49-F238E27FC236}">
-                <a16:creationId xmlns:a16="http://schemas.microsoft.com/office/drawing/2014/main" id="{E06E3CA5-E8B4-4C85-9FEF-4E36573A2206}"/>
-              </a:ext>
-            </a:extLst>
-          </p:cNvPr>
-          <p:cNvSpPr/>
-          <p:nvPr/>
-        </p:nvSpPr>
-        <p:spPr>
-          <a:xfrm>
-            <a:off x="-113210" y="156754"/>
-            <a:ext cx="3135544" cy="566057"/>
-          </a:xfrm>
-          <a:prstGeom prst="roundRect">
-            <a:avLst/>
-          </a:prstGeom>
-          <a:solidFill>
-            <a:srgbClr val="303030"/>
-          </a:solidFill>
-        </p:spPr>
-        <p:style>
-          <a:lnRef idx="2">
-            <a:schemeClr val="accent1">
-              <a:shade val="50000"/>
-            </a:schemeClr>
-          </a:lnRef>
-          <a:fillRef idx="1">
-            <a:schemeClr val="accent1"/>
-          </a:fillRef>
-          <a:effectRef idx="0">
-            <a:schemeClr val="accent1"/>
-          </a:effectRef>
-          <a:fontRef idx="minor">
-            <a:schemeClr val="lt1"/>
-          </a:fontRef>
-        </p:style>
-        <p:txBody>
-          <a:bodyPr rtlCol="0" anchor="ctr"/>
-          <a:lstStyle/>
-          <a:p>
-            <a:pPr algn="ctr"/>
-            <a:endParaRPr lang="en-US"/>
-          </a:p>
-        </p:txBody>
-      </p:sp>
-      <p:sp>
-        <p:nvSpPr>
-          <p:cNvPr id="12" name="TextBox 11">
-            <a:extLst>
-              <a:ext uri="{FF2B5EF4-FFF2-40B4-BE49-F238E27FC236}">
-                <a16:creationId xmlns:a16="http://schemas.microsoft.com/office/drawing/2014/main" id="{545940FF-32E2-456E-A6B3-BBA30AE2BD17}"/>
-              </a:ext>
-            </a:extLst>
-          </p:cNvPr>
-          <p:cNvSpPr txBox="1"/>
-          <p:nvPr/>
-        </p:nvSpPr>
-        <p:spPr>
-          <a:xfrm>
-            <a:off x="0" y="205974"/>
-            <a:ext cx="2931081" cy="461665"/>
-          </a:xfrm>
-          <a:prstGeom prst="rect">
-            <a:avLst/>
-          </a:prstGeom>
-          <a:noFill/>
-        </p:spPr>
-        <p:txBody>
-          <a:bodyPr wrap="square" rtlCol="0">
-            <a:spAutoFit/>
-          </a:bodyPr>
-          <a:lstStyle/>
-          <a:p>
-            <a:r>
-              <a:rPr lang="ru-RU" sz="2400" dirty="0">
-                <a:solidFill>
-                  <a:schemeClr val="bg1">
-                    <a:lumMod val="95000"/>
-                  </a:schemeClr>
-                </a:solidFill>
-                <a:latin typeface="Bahnschrift SemiBold" panose="020B0502040204020203" pitchFamily="34" charset="0"/>
-              </a:rPr>
-              <a:t>Окно авторизации</a:t>
-            </a:r>
-          </a:p>
-        </p:txBody>
-      </p:sp>
-      <p:sp>
-        <p:nvSpPr>
-          <p:cNvPr id="13" name="Овал 12">
-            <a:extLst>
-              <a:ext uri="{FF2B5EF4-FFF2-40B4-BE49-F238E27FC236}">
-                <a16:creationId xmlns:a16="http://schemas.microsoft.com/office/drawing/2014/main" id="{BF4BE1D1-314E-477A-990A-3A71B2E33D43}"/>
-              </a:ext>
-            </a:extLst>
-          </p:cNvPr>
-          <p:cNvSpPr/>
-          <p:nvPr/>
-        </p:nvSpPr>
-        <p:spPr>
-          <a:xfrm>
-            <a:off x="173255" y="660391"/>
-            <a:ext cx="203209" cy="203209"/>
-          </a:xfrm>
-          <a:prstGeom prst="ellipse">
-            <a:avLst/>
-          </a:prstGeom>
-          <a:solidFill>
-            <a:schemeClr val="tx1">
-              <a:lumMod val="85000"/>
-              <a:lumOff val="15000"/>
-            </a:schemeClr>
-          </a:solidFill>
-          <a:ln w="57150">
-            <a:solidFill>
-              <a:schemeClr val="bg1"/>
-            </a:solidFill>
-          </a:ln>
-        </p:spPr>
-        <p:style>
-          <a:lnRef idx="2">
-            <a:schemeClr val="accent1">
-              <a:shade val="50000"/>
-            </a:schemeClr>
-          </a:lnRef>
-          <a:fillRef idx="1">
-            <a:schemeClr val="accent1"/>
-          </a:fillRef>
-          <a:effectRef idx="0">
-            <a:schemeClr val="accent1"/>
-          </a:effectRef>
-          <a:fontRef idx="minor">
-            <a:schemeClr val="lt1"/>
-          </a:fontRef>
-        </p:style>
-        <p:txBody>
-          <a:bodyPr rtlCol="0" anchor="ctr"/>
-          <a:lstStyle/>
-          <a:p>
-            <a:pPr algn="ctr"/>
-            <a:endParaRPr lang="ru-RU"/>
-          </a:p>
-        </p:txBody>
-      </p:sp>
       <p:cxnSp>
         <p:nvCxnSpPr>
-          <p:cNvPr id="14" name="Прямая соединительная линия 13">
-            <a:extLst>
-              <a:ext uri="{FF2B5EF4-FFF2-40B4-BE49-F238E27FC236}">
-                <a16:creationId xmlns:a16="http://schemas.microsoft.com/office/drawing/2014/main" id="{0627B5E9-B69A-455B-8136-32260027C8B9}"/>
+          <p:cNvPr id="8" name="Прямая соединительная линия 7">
+            <a:extLst>
+              <a:ext uri="{FF2B5EF4-FFF2-40B4-BE49-F238E27FC236}">
+                <a16:creationId xmlns:a16="http://schemas.microsoft.com/office/drawing/2014/main" id="{2B147433-66CE-41AE-936A-04599C246104}"/>
               </a:ext>
             </a:extLst>
           </p:cNvPr>
           <p:cNvCxnSpPr>
             <a:cxnSpLocks/>
-            <a:stCxn id="13" idx="4"/>
           </p:cNvCxnSpPr>
           <p:nvPr/>
         </p:nvCxnSpPr>
         <p:spPr>
           <a:xfrm>
-            <a:off x="274860" y="863600"/>
-            <a:ext cx="0" cy="6220594"/>
+            <a:off x="274859" y="0"/>
+            <a:ext cx="1" cy="7084194"/>
           </a:xfrm>
           <a:prstGeom prst="line">
             <a:avLst/>
@@ -12835,14 +14142,16 @@
       </p:cxnSp>
       <p:cxnSp>
         <p:nvCxnSpPr>
-          <p:cNvPr id="15" name="Прямая соединительная линия 14">
-            <a:extLst>
-              <a:ext uri="{FF2B5EF4-FFF2-40B4-BE49-F238E27FC236}">
-                <a16:creationId xmlns:a16="http://schemas.microsoft.com/office/drawing/2014/main" id="{041C562E-5309-455A-A6CE-068B9EF936A4}"/>
-              </a:ext>
-            </a:extLst>
-          </p:cNvPr>
-          <p:cNvCxnSpPr/>
+          <p:cNvPr id="10" name="Прямая соединительная линия 9">
+            <a:extLst>
+              <a:ext uri="{FF2B5EF4-FFF2-40B4-BE49-F238E27FC236}">
+                <a16:creationId xmlns:a16="http://schemas.microsoft.com/office/drawing/2014/main" id="{C7EECB78-013D-43F9-9DEB-077C2FDECA1A}"/>
+              </a:ext>
+            </a:extLst>
+          </p:cNvPr>
+          <p:cNvCxnSpPr>
+            <a:cxnSpLocks/>
+          </p:cNvCxnSpPr>
           <p:nvPr/>
         </p:nvCxnSpPr>
         <p:spPr>
@@ -12877,67 +14186,38 @@
           </a:fontRef>
         </p:style>
       </p:cxnSp>
-      <p:sp>
-        <p:nvSpPr>
-          <p:cNvPr id="31" name="Овал 30">
-            <a:extLst>
-              <a:ext uri="{FF2B5EF4-FFF2-40B4-BE49-F238E27FC236}">
-                <a16:creationId xmlns:a16="http://schemas.microsoft.com/office/drawing/2014/main" id="{2E5D762B-091A-4ACC-976C-FBC7D4B816A2}"/>
-              </a:ext>
-            </a:extLst>
-          </p:cNvPr>
-          <p:cNvSpPr/>
-          <p:nvPr/>
-        </p:nvSpPr>
-        <p:spPr>
-          <a:xfrm>
-            <a:off x="173255" y="26373"/>
-            <a:ext cx="203209" cy="203209"/>
-          </a:xfrm>
-          <a:prstGeom prst="ellipse">
+      <p:pic>
+        <p:nvPicPr>
+          <p:cNvPr id="5" name="Рисунок 4">
+            <a:extLst>
+              <a:ext uri="{FF2B5EF4-FFF2-40B4-BE49-F238E27FC236}">
+                <a16:creationId xmlns:a16="http://schemas.microsoft.com/office/drawing/2014/main" id="{037E0568-6622-4B22-B155-5DCD96F06FDC}"/>
+              </a:ext>
+            </a:extLst>
+          </p:cNvPr>
+          <p:cNvPicPr/>
+          <p:nvPr/>
+        </p:nvPicPr>
+        <p:blipFill>
+          <a:blip r:embed="rId2"/>
+          <a:stretch>
+            <a:fillRect/>
+          </a:stretch>
+        </p:blipFill>
+        <p:spPr>
+          <a:xfrm>
+            <a:off x="2735221" y="26373"/>
+            <a:ext cx="9004935" cy="6858000"/>
+          </a:xfrm>
+          <a:prstGeom prst="rect">
             <a:avLst/>
           </a:prstGeom>
-          <a:solidFill>
-            <a:schemeClr val="tx1">
-              <a:lumMod val="85000"/>
-              <a:lumOff val="15000"/>
-            </a:schemeClr>
-          </a:solidFill>
-          <a:ln w="57150">
-            <a:solidFill>
-              <a:schemeClr val="bg1"/>
-            </a:solidFill>
-          </a:ln>
-        </p:spPr>
-        <p:style>
-          <a:lnRef idx="2">
-            <a:schemeClr val="accent1">
-              <a:shade val="50000"/>
-            </a:schemeClr>
-          </a:lnRef>
-          <a:fillRef idx="1">
-            <a:schemeClr val="accent1"/>
-          </a:fillRef>
-          <a:effectRef idx="0">
-            <a:schemeClr val="accent1"/>
-          </a:effectRef>
-          <a:fontRef idx="minor">
-            <a:schemeClr val="lt1"/>
-          </a:fontRef>
-        </p:style>
-        <p:txBody>
-          <a:bodyPr rtlCol="0" anchor="ctr"/>
-          <a:lstStyle/>
-          <a:p>
-            <a:pPr algn="ctr"/>
-            <a:endParaRPr lang="ru-RU" dirty="0"/>
-          </a:p>
-        </p:txBody>
-      </p:sp>
+        </p:spPr>
+      </p:pic>
     </p:spTree>
     <p:extLst>
       <p:ext uri="{BB962C8B-B14F-4D97-AF65-F5344CB8AC3E}">
-        <p14:creationId xmlns:p14="http://schemas.microsoft.com/office/powerpoint/2010/main" val="1825189652"/>
+        <p14:creationId xmlns:p14="http://schemas.microsoft.com/office/powerpoint/2010/main" val="3405178719"/>
       </p:ext>
     </p:extLst>
   </p:cSld>
@@ -12969,7 +14249,7 @@
           <p:cNvPr id="3" name="Picture 2">
             <a:extLst>
               <a:ext uri="{FF2B5EF4-FFF2-40B4-BE49-F238E27FC236}">
-                <a16:creationId xmlns:a16="http://schemas.microsoft.com/office/drawing/2014/main" id="{BB9C167C-973B-49B3-AEEB-76293876FEBA}"/>
+                <a16:creationId xmlns:a16="http://schemas.microsoft.com/office/drawing/2014/main" id="{4E3C250E-D074-4A02-891A-2719D4E4913F}"/>
               </a:ext>
             </a:extLst>
           </p:cNvPr>
@@ -13002,10 +14282,56 @@
       </p:pic>
       <p:sp>
         <p:nvSpPr>
-          <p:cNvPr id="7" name="Rectangle: Rounded Corners 3">
-            <a:extLst>
-              <a:ext uri="{FF2B5EF4-FFF2-40B4-BE49-F238E27FC236}">
-                <a16:creationId xmlns:a16="http://schemas.microsoft.com/office/drawing/2014/main" id="{D4AC8AA1-536C-4204-A2E4-E650B9DBECF9}"/>
+          <p:cNvPr id="5" name="TextBox 4">
+            <a:extLst>
+              <a:ext uri="{FF2B5EF4-FFF2-40B4-BE49-F238E27FC236}">
+                <a16:creationId xmlns:a16="http://schemas.microsoft.com/office/drawing/2014/main" id="{5B75EEDF-1435-4764-A888-BB19C7ECECB8}"/>
+              </a:ext>
+            </a:extLst>
+          </p:cNvPr>
+          <p:cNvSpPr txBox="1"/>
+          <p:nvPr/>
+        </p:nvSpPr>
+        <p:spPr>
+          <a:xfrm>
+            <a:off x="118221" y="239727"/>
+            <a:ext cx="2776722" cy="400110"/>
+          </a:xfrm>
+          <a:prstGeom prst="rect">
+            <a:avLst/>
+          </a:prstGeom>
+          <a:noFill/>
+        </p:spPr>
+        <p:txBody>
+          <a:bodyPr wrap="none" rtlCol="0">
+            <a:spAutoFit/>
+          </a:bodyPr>
+          <a:lstStyle/>
+          <a:p>
+            <a:r>
+              <a:rPr lang="ru-RU" sz="2000" b="1" dirty="0">
+                <a:solidFill>
+                  <a:srgbClr val="FFFFFF"/>
+                </a:solidFill>
+                <a:latin typeface="Nunito" pitchFamily="2" charset="-52"/>
+              </a:rPr>
+              <a:t>Раздел авторизации</a:t>
+            </a:r>
+            <a:endParaRPr lang="en-US" sz="2000" b="1" dirty="0">
+              <a:solidFill>
+                <a:srgbClr val="FFFFFF"/>
+              </a:solidFill>
+              <a:latin typeface="Nunito" pitchFamily="2" charset="-52"/>
+            </a:endParaRPr>
+          </a:p>
+        </p:txBody>
+      </p:sp>
+      <p:sp>
+        <p:nvSpPr>
+          <p:cNvPr id="11" name="Rectangle: Rounded Corners 3">
+            <a:extLst>
+              <a:ext uri="{FF2B5EF4-FFF2-40B4-BE49-F238E27FC236}">
+                <a16:creationId xmlns:a16="http://schemas.microsoft.com/office/drawing/2014/main" id="{E06E3CA5-E8B4-4C85-9FEF-4E36573A2206}"/>
               </a:ext>
             </a:extLst>
           </p:cNvPr>
@@ -13051,10 +14377,10 @@
       </p:sp>
       <p:sp>
         <p:nvSpPr>
-          <p:cNvPr id="8" name="TextBox 7">
-            <a:extLst>
-              <a:ext uri="{FF2B5EF4-FFF2-40B4-BE49-F238E27FC236}">
-                <a16:creationId xmlns:a16="http://schemas.microsoft.com/office/drawing/2014/main" id="{75E4E088-C63F-406C-8BCC-9F532274F50D}"/>
+          <p:cNvPr id="12" name="TextBox 11">
+            <a:extLst>
+              <a:ext uri="{FF2B5EF4-FFF2-40B4-BE49-F238E27FC236}">
+                <a16:creationId xmlns:a16="http://schemas.microsoft.com/office/drawing/2014/main" id="{545940FF-32E2-456E-A6B3-BBA30AE2BD17}"/>
               </a:ext>
             </a:extLst>
           </p:cNvPr>
@@ -13086,17 +14412,17 @@
                 </a:solidFill>
                 <a:latin typeface="Bahnschrift SemiBold" panose="020B0502040204020203" pitchFamily="34" charset="0"/>
               </a:rPr>
-              <a:t>Окно регистрации</a:t>
+              <a:t>Окно авторизации</a:t>
             </a:r>
           </a:p>
         </p:txBody>
       </p:sp>
       <p:sp>
         <p:nvSpPr>
-          <p:cNvPr id="9" name="Овал 8">
-            <a:extLst>
-              <a:ext uri="{FF2B5EF4-FFF2-40B4-BE49-F238E27FC236}">
-                <a16:creationId xmlns:a16="http://schemas.microsoft.com/office/drawing/2014/main" id="{E6E16615-2A15-4262-A132-FD8831799DF2}"/>
+          <p:cNvPr id="13" name="Овал 12">
+            <a:extLst>
+              <a:ext uri="{FF2B5EF4-FFF2-40B4-BE49-F238E27FC236}">
+                <a16:creationId xmlns:a16="http://schemas.microsoft.com/office/drawing/2014/main" id="{BF4BE1D1-314E-477A-990A-3A71B2E33D43}"/>
               </a:ext>
             </a:extLst>
           </p:cNvPr>
@@ -13150,16 +14476,16 @@
       </p:sp>
       <p:cxnSp>
         <p:nvCxnSpPr>
-          <p:cNvPr id="10" name="Прямая соединительная линия 9">
-            <a:extLst>
-              <a:ext uri="{FF2B5EF4-FFF2-40B4-BE49-F238E27FC236}">
-                <a16:creationId xmlns:a16="http://schemas.microsoft.com/office/drawing/2014/main" id="{836E287F-2FAC-4A49-9F62-EBB549C1FFE8}"/>
+          <p:cNvPr id="14" name="Прямая соединительная линия 13">
+            <a:extLst>
+              <a:ext uri="{FF2B5EF4-FFF2-40B4-BE49-F238E27FC236}">
+                <a16:creationId xmlns:a16="http://schemas.microsoft.com/office/drawing/2014/main" id="{0627B5E9-B69A-455B-8136-32260027C8B9}"/>
               </a:ext>
             </a:extLst>
           </p:cNvPr>
           <p:cNvCxnSpPr>
             <a:cxnSpLocks/>
-            <a:stCxn id="9" idx="4"/>
+            <a:stCxn id="13" idx="4"/>
           </p:cNvCxnSpPr>
           <p:nvPr/>
         </p:nvCxnSpPr>
@@ -13197,10 +14523,10 @@
       </p:cxnSp>
       <p:cxnSp>
         <p:nvCxnSpPr>
-          <p:cNvPr id="11" name="Прямая соединительная линия 10">
-            <a:extLst>
-              <a:ext uri="{FF2B5EF4-FFF2-40B4-BE49-F238E27FC236}">
-                <a16:creationId xmlns:a16="http://schemas.microsoft.com/office/drawing/2014/main" id="{622A271A-31C8-412C-842A-0622BC118E18}"/>
+          <p:cNvPr id="15" name="Прямая соединительная линия 14">
+            <a:extLst>
+              <a:ext uri="{FF2B5EF4-FFF2-40B4-BE49-F238E27FC236}">
+                <a16:creationId xmlns:a16="http://schemas.microsoft.com/office/drawing/2014/main" id="{041C562E-5309-455A-A6CE-068B9EF936A4}"/>
               </a:ext>
             </a:extLst>
           </p:cNvPr>
@@ -13241,10 +14567,10 @@
       </p:cxnSp>
       <p:sp>
         <p:nvSpPr>
-          <p:cNvPr id="12" name="Овал 11">
-            <a:extLst>
-              <a:ext uri="{FF2B5EF4-FFF2-40B4-BE49-F238E27FC236}">
-                <a16:creationId xmlns:a16="http://schemas.microsoft.com/office/drawing/2014/main" id="{04AAD49B-A355-4B3B-BDDD-CA85F2109CBB}"/>
+          <p:cNvPr id="31" name="Овал 30">
+            <a:extLst>
+              <a:ext uri="{FF2B5EF4-FFF2-40B4-BE49-F238E27FC236}">
+                <a16:creationId xmlns:a16="http://schemas.microsoft.com/office/drawing/2014/main" id="{2E5D762B-091A-4ACC-976C-FBC7D4B816A2}"/>
               </a:ext>
             </a:extLst>
           </p:cNvPr>
@@ -13299,7 +14625,7 @@
     </p:spTree>
     <p:extLst>
       <p:ext uri="{BB962C8B-B14F-4D97-AF65-F5344CB8AC3E}">
-        <p14:creationId xmlns:p14="http://schemas.microsoft.com/office/powerpoint/2010/main" val="2727008086"/>
+        <p14:creationId xmlns:p14="http://schemas.microsoft.com/office/powerpoint/2010/main" val="1825189652"/>
       </p:ext>
     </p:extLst>
   </p:cSld>
@@ -13331,7 +14657,7 @@
           <p:cNvPr id="3" name="Picture 2">
             <a:extLst>
               <a:ext uri="{FF2B5EF4-FFF2-40B4-BE49-F238E27FC236}">
-                <a16:creationId xmlns:a16="http://schemas.microsoft.com/office/drawing/2014/main" id="{B7BBD22D-5F64-457B-8C1D-E202DFD706D3}"/>
+                <a16:creationId xmlns:a16="http://schemas.microsoft.com/office/drawing/2014/main" id="{BB9C167C-973B-49B3-AEEB-76293876FEBA}"/>
               </a:ext>
             </a:extLst>
           </p:cNvPr>
@@ -13354,7 +14680,7 @@
         </p:blipFill>
         <p:spPr>
           <a:xfrm>
-            <a:off x="2667000" y="966651"/>
+            <a:off x="2667000" y="0"/>
             <a:ext cx="6858000" cy="6858000"/>
           </a:xfrm>
           <a:prstGeom prst="rect">
@@ -13364,10 +14690,10 @@
       </p:pic>
       <p:sp>
         <p:nvSpPr>
-          <p:cNvPr id="6" name="Rectangle: Rounded Corners 3">
-            <a:extLst>
-              <a:ext uri="{FF2B5EF4-FFF2-40B4-BE49-F238E27FC236}">
-                <a16:creationId xmlns:a16="http://schemas.microsoft.com/office/drawing/2014/main" id="{EC6E8E20-CFE0-4998-9BEB-722D489C3138}"/>
+          <p:cNvPr id="7" name="Rectangle: Rounded Corners 3">
+            <a:extLst>
+              <a:ext uri="{FF2B5EF4-FFF2-40B4-BE49-F238E27FC236}">
+                <a16:creationId xmlns:a16="http://schemas.microsoft.com/office/drawing/2014/main" id="{D4AC8AA1-536C-4204-A2E4-E650B9DBECF9}"/>
               </a:ext>
             </a:extLst>
           </p:cNvPr>
@@ -13376,8 +14702,8 @@
         </p:nvSpPr>
         <p:spPr>
           <a:xfrm>
-            <a:off x="-113211" y="156754"/>
-            <a:ext cx="4242449" cy="566057"/>
+            <a:off x="-113210" y="156754"/>
+            <a:ext cx="3135544" cy="566057"/>
           </a:xfrm>
           <a:prstGeom prst="roundRect">
             <a:avLst/>
@@ -13413,10 +14739,10 @@
       </p:sp>
       <p:sp>
         <p:nvSpPr>
-          <p:cNvPr id="7" name="TextBox 6">
-            <a:extLst>
-              <a:ext uri="{FF2B5EF4-FFF2-40B4-BE49-F238E27FC236}">
-                <a16:creationId xmlns:a16="http://schemas.microsoft.com/office/drawing/2014/main" id="{239626FA-C373-4D22-BDAF-863F2298F476}"/>
+          <p:cNvPr id="8" name="TextBox 7">
+            <a:extLst>
+              <a:ext uri="{FF2B5EF4-FFF2-40B4-BE49-F238E27FC236}">
+                <a16:creationId xmlns:a16="http://schemas.microsoft.com/office/drawing/2014/main" id="{75E4E088-C63F-406C-8BCC-9F532274F50D}"/>
               </a:ext>
             </a:extLst>
           </p:cNvPr>
@@ -13426,7 +14752,7 @@
         <p:spPr>
           <a:xfrm>
             <a:off x="0" y="205974"/>
-            <a:ext cx="4013735" cy="461665"/>
+            <a:ext cx="2931081" cy="461665"/>
           </a:xfrm>
           <a:prstGeom prst="rect">
             <a:avLst/>
@@ -13448,17 +14774,17 @@
                 </a:solidFill>
                 <a:latin typeface="Bahnschrift SemiBold" panose="020B0502040204020203" pitchFamily="34" charset="0"/>
               </a:rPr>
-              <a:t>Неавторизованный доступ</a:t>
+              <a:t>Окно регистрации</a:t>
             </a:r>
           </a:p>
         </p:txBody>
       </p:sp>
       <p:sp>
         <p:nvSpPr>
-          <p:cNvPr id="8" name="Овал 7">
-            <a:extLst>
-              <a:ext uri="{FF2B5EF4-FFF2-40B4-BE49-F238E27FC236}">
-                <a16:creationId xmlns:a16="http://schemas.microsoft.com/office/drawing/2014/main" id="{30FB96B9-7DBB-4BA6-8DD9-F372F74E45D8}"/>
+          <p:cNvPr id="9" name="Овал 8">
+            <a:extLst>
+              <a:ext uri="{FF2B5EF4-FFF2-40B4-BE49-F238E27FC236}">
+                <a16:creationId xmlns:a16="http://schemas.microsoft.com/office/drawing/2014/main" id="{E6E16615-2A15-4262-A132-FD8831799DF2}"/>
               </a:ext>
             </a:extLst>
           </p:cNvPr>
@@ -13512,16 +14838,16 @@
       </p:sp>
       <p:cxnSp>
         <p:nvCxnSpPr>
-          <p:cNvPr id="9" name="Прямая соединительная линия 8">
-            <a:extLst>
-              <a:ext uri="{FF2B5EF4-FFF2-40B4-BE49-F238E27FC236}">
-                <a16:creationId xmlns:a16="http://schemas.microsoft.com/office/drawing/2014/main" id="{1CDE132C-26C4-4047-B703-D6C721712F43}"/>
+          <p:cNvPr id="10" name="Прямая соединительная линия 9">
+            <a:extLst>
+              <a:ext uri="{FF2B5EF4-FFF2-40B4-BE49-F238E27FC236}">
+                <a16:creationId xmlns:a16="http://schemas.microsoft.com/office/drawing/2014/main" id="{836E287F-2FAC-4A49-9F62-EBB549C1FFE8}"/>
               </a:ext>
             </a:extLst>
           </p:cNvPr>
           <p:cNvCxnSpPr>
             <a:cxnSpLocks/>
-            <a:stCxn id="8" idx="4"/>
+            <a:stCxn id="9" idx="4"/>
           </p:cNvCxnSpPr>
           <p:nvPr/>
         </p:nvCxnSpPr>
@@ -13559,10 +14885,10 @@
       </p:cxnSp>
       <p:cxnSp>
         <p:nvCxnSpPr>
-          <p:cNvPr id="10" name="Прямая соединительная линия 9">
-            <a:extLst>
-              <a:ext uri="{FF2B5EF4-FFF2-40B4-BE49-F238E27FC236}">
-                <a16:creationId xmlns:a16="http://schemas.microsoft.com/office/drawing/2014/main" id="{71037515-D6CF-4C20-87FC-4ACC365A8455}"/>
+          <p:cNvPr id="11" name="Прямая соединительная линия 10">
+            <a:extLst>
+              <a:ext uri="{FF2B5EF4-FFF2-40B4-BE49-F238E27FC236}">
+                <a16:creationId xmlns:a16="http://schemas.microsoft.com/office/drawing/2014/main" id="{622A271A-31C8-412C-842A-0622BC118E18}"/>
               </a:ext>
             </a:extLst>
           </p:cNvPr>
@@ -13603,10 +14929,10 @@
       </p:cxnSp>
       <p:sp>
         <p:nvSpPr>
-          <p:cNvPr id="11" name="Овал 10">
-            <a:extLst>
-              <a:ext uri="{FF2B5EF4-FFF2-40B4-BE49-F238E27FC236}">
-                <a16:creationId xmlns:a16="http://schemas.microsoft.com/office/drawing/2014/main" id="{6A326139-59EE-4A77-8D1F-91F689896A70}"/>
+          <p:cNvPr id="12" name="Овал 11">
+            <a:extLst>
+              <a:ext uri="{FF2B5EF4-FFF2-40B4-BE49-F238E27FC236}">
+                <a16:creationId xmlns:a16="http://schemas.microsoft.com/office/drawing/2014/main" id="{04AAD49B-A355-4B3B-BDDD-CA85F2109CBB}"/>
               </a:ext>
             </a:extLst>
           </p:cNvPr>
@@ -13661,7 +14987,7 @@
     </p:spTree>
     <p:extLst>
       <p:ext uri="{BB962C8B-B14F-4D97-AF65-F5344CB8AC3E}">
-        <p14:creationId xmlns:p14="http://schemas.microsoft.com/office/powerpoint/2010/main" val="2050385507"/>
+        <p14:creationId xmlns:p14="http://schemas.microsoft.com/office/powerpoint/2010/main" val="2727008086"/>
       </p:ext>
     </p:extLst>
   </p:cSld>
@@ -13690,10 +15016,10 @@
       </p:grpSpPr>
       <p:pic>
         <p:nvPicPr>
-          <p:cNvPr id="7" name="Picture 6">
-            <a:extLst>
-              <a:ext uri="{FF2B5EF4-FFF2-40B4-BE49-F238E27FC236}">
-                <a16:creationId xmlns:a16="http://schemas.microsoft.com/office/drawing/2014/main" id="{E30E903F-0515-489F-B7E8-4936D5A77CDD}"/>
+          <p:cNvPr id="3" name="Picture 2">
+            <a:extLst>
+              <a:ext uri="{FF2B5EF4-FFF2-40B4-BE49-F238E27FC236}">
+                <a16:creationId xmlns:a16="http://schemas.microsoft.com/office/drawing/2014/main" id="{B7BBD22D-5F64-457B-8C1D-E202DFD706D3}"/>
               </a:ext>
             </a:extLst>
           </p:cNvPr>
@@ -13716,43 +15042,8 @@
         </p:blipFill>
         <p:spPr>
           <a:xfrm>
-            <a:off x="2667001" y="0"/>
-            <a:ext cx="1917580" cy="3274423"/>
-          </a:xfrm>
-          <a:prstGeom prst="rect">
-            <a:avLst/>
-          </a:prstGeom>
-        </p:spPr>
-      </p:pic>
-      <p:pic>
-        <p:nvPicPr>
-          <p:cNvPr id="9" name="Picture 8">
-            <a:extLst>
-              <a:ext uri="{FF2B5EF4-FFF2-40B4-BE49-F238E27FC236}">
-                <a16:creationId xmlns:a16="http://schemas.microsoft.com/office/drawing/2014/main" id="{33542410-864A-4425-ADB0-25F7BD5E9477}"/>
-              </a:ext>
-            </a:extLst>
-          </p:cNvPr>
-          <p:cNvPicPr>
-            <a:picLocks noChangeAspect="1"/>
-          </p:cNvPicPr>
-          <p:nvPr/>
-        </p:nvPicPr>
-        <p:blipFill rotWithShape="1">
-          <a:blip r:embed="rId3">
-            <a:extLst>
-              <a:ext uri="{28A0092B-C50C-407E-A947-70E740481C1C}">
-                <a14:useLocalDpi xmlns:a14="http://schemas.microsoft.com/office/drawing/2010/main" val="0"/>
-              </a:ext>
-            </a:extLst>
-          </a:blip>
-          <a:srcRect l="25364"/>
-          <a:stretch/>
-        </p:blipFill>
-        <p:spPr>
-          <a:xfrm>
-            <a:off x="4406536" y="0"/>
-            <a:ext cx="5118463" cy="6858000"/>
+            <a:off x="2667000" y="966651"/>
+            <a:ext cx="6858000" cy="6858000"/>
           </a:xfrm>
           <a:prstGeom prst="rect">
             <a:avLst/>
@@ -13761,10 +15052,101 @@
       </p:pic>
       <p:sp>
         <p:nvSpPr>
-          <p:cNvPr id="10" name="Овал 9">
-            <a:extLst>
-              <a:ext uri="{FF2B5EF4-FFF2-40B4-BE49-F238E27FC236}">
-                <a16:creationId xmlns:a16="http://schemas.microsoft.com/office/drawing/2014/main" id="{69D403E3-84E4-4B81-AD5C-4359F5112289}"/>
+          <p:cNvPr id="6" name="Rectangle: Rounded Corners 3">
+            <a:extLst>
+              <a:ext uri="{FF2B5EF4-FFF2-40B4-BE49-F238E27FC236}">
+                <a16:creationId xmlns:a16="http://schemas.microsoft.com/office/drawing/2014/main" id="{EC6E8E20-CFE0-4998-9BEB-722D489C3138}"/>
+              </a:ext>
+            </a:extLst>
+          </p:cNvPr>
+          <p:cNvSpPr/>
+          <p:nvPr/>
+        </p:nvSpPr>
+        <p:spPr>
+          <a:xfrm>
+            <a:off x="-113211" y="156754"/>
+            <a:ext cx="4242449" cy="566057"/>
+          </a:xfrm>
+          <a:prstGeom prst="roundRect">
+            <a:avLst/>
+          </a:prstGeom>
+          <a:solidFill>
+            <a:srgbClr val="303030"/>
+          </a:solidFill>
+        </p:spPr>
+        <p:style>
+          <a:lnRef idx="2">
+            <a:schemeClr val="accent1">
+              <a:shade val="50000"/>
+            </a:schemeClr>
+          </a:lnRef>
+          <a:fillRef idx="1">
+            <a:schemeClr val="accent1"/>
+          </a:fillRef>
+          <a:effectRef idx="0">
+            <a:schemeClr val="accent1"/>
+          </a:effectRef>
+          <a:fontRef idx="minor">
+            <a:schemeClr val="lt1"/>
+          </a:fontRef>
+        </p:style>
+        <p:txBody>
+          <a:bodyPr rtlCol="0" anchor="ctr"/>
+          <a:lstStyle/>
+          <a:p>
+            <a:pPr algn="ctr"/>
+            <a:endParaRPr lang="en-US"/>
+          </a:p>
+        </p:txBody>
+      </p:sp>
+      <p:sp>
+        <p:nvSpPr>
+          <p:cNvPr id="7" name="TextBox 6">
+            <a:extLst>
+              <a:ext uri="{FF2B5EF4-FFF2-40B4-BE49-F238E27FC236}">
+                <a16:creationId xmlns:a16="http://schemas.microsoft.com/office/drawing/2014/main" id="{239626FA-C373-4D22-BDAF-863F2298F476}"/>
+              </a:ext>
+            </a:extLst>
+          </p:cNvPr>
+          <p:cNvSpPr txBox="1"/>
+          <p:nvPr/>
+        </p:nvSpPr>
+        <p:spPr>
+          <a:xfrm>
+            <a:off x="0" y="205974"/>
+            <a:ext cx="4013735" cy="461665"/>
+          </a:xfrm>
+          <a:prstGeom prst="rect">
+            <a:avLst/>
+          </a:prstGeom>
+          <a:noFill/>
+        </p:spPr>
+        <p:txBody>
+          <a:bodyPr wrap="square" rtlCol="0">
+            <a:spAutoFit/>
+          </a:bodyPr>
+          <a:lstStyle/>
+          <a:p>
+            <a:r>
+              <a:rPr lang="ru-RU" sz="2400" dirty="0">
+                <a:solidFill>
+                  <a:schemeClr val="bg1">
+                    <a:lumMod val="95000"/>
+                  </a:schemeClr>
+                </a:solidFill>
+                <a:latin typeface="Bahnschrift SemiBold" panose="020B0502040204020203" pitchFamily="34" charset="0"/>
+              </a:rPr>
+              <a:t>Неавторизованный доступ</a:t>
+            </a:r>
+          </a:p>
+        </p:txBody>
+      </p:sp>
+      <p:sp>
+        <p:nvSpPr>
+          <p:cNvPr id="8" name="Овал 7">
+            <a:extLst>
+              <a:ext uri="{FF2B5EF4-FFF2-40B4-BE49-F238E27FC236}">
+                <a16:creationId xmlns:a16="http://schemas.microsoft.com/office/drawing/2014/main" id="{30FB96B9-7DBB-4BA6-8DD9-F372F74E45D8}"/>
               </a:ext>
             </a:extLst>
           </p:cNvPr>
@@ -13818,16 +15200,16 @@
       </p:sp>
       <p:cxnSp>
         <p:nvCxnSpPr>
-          <p:cNvPr id="11" name="Прямая соединительная линия 10">
-            <a:extLst>
-              <a:ext uri="{FF2B5EF4-FFF2-40B4-BE49-F238E27FC236}">
-                <a16:creationId xmlns:a16="http://schemas.microsoft.com/office/drawing/2014/main" id="{291416B1-DFE3-4CDA-9B56-A6EDB9F58FD4}"/>
+          <p:cNvPr id="9" name="Прямая соединительная линия 8">
+            <a:extLst>
+              <a:ext uri="{FF2B5EF4-FFF2-40B4-BE49-F238E27FC236}">
+                <a16:creationId xmlns:a16="http://schemas.microsoft.com/office/drawing/2014/main" id="{1CDE132C-26C4-4047-B703-D6C721712F43}"/>
               </a:ext>
             </a:extLst>
           </p:cNvPr>
           <p:cNvCxnSpPr>
             <a:cxnSpLocks/>
-            <a:stCxn id="10" idx="4"/>
+            <a:stCxn id="8" idx="4"/>
           </p:cNvCxnSpPr>
           <p:nvPr/>
         </p:nvCxnSpPr>
@@ -13865,23 +15247,20 @@
       </p:cxnSp>
       <p:cxnSp>
         <p:nvCxnSpPr>
-          <p:cNvPr id="12" name="Прямая соединительная линия 11">
-            <a:extLst>
-              <a:ext uri="{FF2B5EF4-FFF2-40B4-BE49-F238E27FC236}">
-                <a16:creationId xmlns:a16="http://schemas.microsoft.com/office/drawing/2014/main" id="{C7B08EBD-A7F9-4AFE-861F-B6C06FCD4041}"/>
-              </a:ext>
-            </a:extLst>
-          </p:cNvPr>
-          <p:cNvCxnSpPr>
-            <a:cxnSpLocks/>
-            <a:stCxn id="10" idx="0"/>
-          </p:cNvCxnSpPr>
+          <p:cNvPr id="10" name="Прямая соединительная линия 9">
+            <a:extLst>
+              <a:ext uri="{FF2B5EF4-FFF2-40B4-BE49-F238E27FC236}">
+                <a16:creationId xmlns:a16="http://schemas.microsoft.com/office/drawing/2014/main" id="{71037515-D6CF-4C20-87FC-4ACC365A8455}"/>
+              </a:ext>
+            </a:extLst>
+          </p:cNvPr>
+          <p:cNvCxnSpPr/>
           <p:nvPr/>
         </p:nvCxnSpPr>
         <p:spPr>
-          <a:xfrm flipV="1">
-            <a:off x="274860" y="-163629"/>
-            <a:ext cx="0" cy="824020"/>
+          <a:xfrm flipH="1" flipV="1">
+            <a:off x="274859" y="-163629"/>
+            <a:ext cx="1" cy="190002"/>
           </a:xfrm>
           <a:prstGeom prst="line">
             <a:avLst/>
@@ -13910,10 +15289,67 @@
           </a:fontRef>
         </p:style>
       </p:cxnSp>
+      <p:sp>
+        <p:nvSpPr>
+          <p:cNvPr id="11" name="Овал 10">
+            <a:extLst>
+              <a:ext uri="{FF2B5EF4-FFF2-40B4-BE49-F238E27FC236}">
+                <a16:creationId xmlns:a16="http://schemas.microsoft.com/office/drawing/2014/main" id="{6A326139-59EE-4A77-8D1F-91F689896A70}"/>
+              </a:ext>
+            </a:extLst>
+          </p:cNvPr>
+          <p:cNvSpPr/>
+          <p:nvPr/>
+        </p:nvSpPr>
+        <p:spPr>
+          <a:xfrm>
+            <a:off x="173255" y="26373"/>
+            <a:ext cx="203209" cy="203209"/>
+          </a:xfrm>
+          <a:prstGeom prst="ellipse">
+            <a:avLst/>
+          </a:prstGeom>
+          <a:solidFill>
+            <a:schemeClr val="tx1">
+              <a:lumMod val="85000"/>
+              <a:lumOff val="15000"/>
+            </a:schemeClr>
+          </a:solidFill>
+          <a:ln w="57150">
+            <a:solidFill>
+              <a:schemeClr val="bg1"/>
+            </a:solidFill>
+          </a:ln>
+        </p:spPr>
+        <p:style>
+          <a:lnRef idx="2">
+            <a:schemeClr val="accent1">
+              <a:shade val="50000"/>
+            </a:schemeClr>
+          </a:lnRef>
+          <a:fillRef idx="1">
+            <a:schemeClr val="accent1"/>
+          </a:fillRef>
+          <a:effectRef idx="0">
+            <a:schemeClr val="accent1"/>
+          </a:effectRef>
+          <a:fontRef idx="minor">
+            <a:schemeClr val="lt1"/>
+          </a:fontRef>
+        </p:style>
+        <p:txBody>
+          <a:bodyPr rtlCol="0" anchor="ctr"/>
+          <a:lstStyle/>
+          <a:p>
+            <a:pPr algn="ctr"/>
+            <a:endParaRPr lang="ru-RU" dirty="0"/>
+          </a:p>
+        </p:txBody>
+      </p:sp>
     </p:spTree>
     <p:extLst>
       <p:ext uri="{BB962C8B-B14F-4D97-AF65-F5344CB8AC3E}">
-        <p14:creationId xmlns:p14="http://schemas.microsoft.com/office/powerpoint/2010/main" val="3693139845"/>
+        <p14:creationId xmlns:p14="http://schemas.microsoft.com/office/powerpoint/2010/main" val="2050385507"/>
       </p:ext>
     </p:extLst>
   </p:cSld>
@@ -13942,10 +15378,10 @@
       </p:grpSpPr>
       <p:pic>
         <p:nvPicPr>
-          <p:cNvPr id="3" name="Picture 2">
-            <a:extLst>
-              <a:ext uri="{FF2B5EF4-FFF2-40B4-BE49-F238E27FC236}">
-                <a16:creationId xmlns:a16="http://schemas.microsoft.com/office/drawing/2014/main" id="{F2C4298A-B423-4BAA-B458-2C6C2F066DBD}"/>
+          <p:cNvPr id="7" name="Picture 6">
+            <a:extLst>
+              <a:ext uri="{FF2B5EF4-FFF2-40B4-BE49-F238E27FC236}">
+                <a16:creationId xmlns:a16="http://schemas.microsoft.com/office/drawing/2014/main" id="{E30E903F-0515-489F-B7E8-4936D5A77CDD}"/>
               </a:ext>
             </a:extLst>
           </p:cNvPr>
@@ -13968,8 +15404,43 @@
         </p:blipFill>
         <p:spPr>
           <a:xfrm>
-            <a:off x="2667000" y="0"/>
-            <a:ext cx="6858000" cy="6858000"/>
+            <a:off x="2667001" y="0"/>
+            <a:ext cx="1917580" cy="3274423"/>
+          </a:xfrm>
+          <a:prstGeom prst="rect">
+            <a:avLst/>
+          </a:prstGeom>
+        </p:spPr>
+      </p:pic>
+      <p:pic>
+        <p:nvPicPr>
+          <p:cNvPr id="9" name="Picture 8">
+            <a:extLst>
+              <a:ext uri="{FF2B5EF4-FFF2-40B4-BE49-F238E27FC236}">
+                <a16:creationId xmlns:a16="http://schemas.microsoft.com/office/drawing/2014/main" id="{33542410-864A-4425-ADB0-25F7BD5E9477}"/>
+              </a:ext>
+            </a:extLst>
+          </p:cNvPr>
+          <p:cNvPicPr>
+            <a:picLocks noChangeAspect="1"/>
+          </p:cNvPicPr>
+          <p:nvPr/>
+        </p:nvPicPr>
+        <p:blipFill rotWithShape="1">
+          <a:blip r:embed="rId3">
+            <a:extLst>
+              <a:ext uri="{28A0092B-C50C-407E-A947-70E740481C1C}">
+                <a14:useLocalDpi xmlns:a14="http://schemas.microsoft.com/office/drawing/2010/main" val="0"/>
+              </a:ext>
+            </a:extLst>
+          </a:blip>
+          <a:srcRect l="25364"/>
+          <a:stretch/>
+        </p:blipFill>
+        <p:spPr>
+          <a:xfrm>
+            <a:off x="4406536" y="0"/>
+            <a:ext cx="5118463" cy="6858000"/>
           </a:xfrm>
           <a:prstGeom prst="rect">
             <a:avLst/>
@@ -13981,7 +15452,7 @@
           <p:cNvPr id="10" name="Овал 9">
             <a:extLst>
               <a:ext uri="{FF2B5EF4-FFF2-40B4-BE49-F238E27FC236}">
-                <a16:creationId xmlns:a16="http://schemas.microsoft.com/office/drawing/2014/main" id="{1FE91B10-BCCB-4A31-B928-D38255DBACA0}"/>
+                <a16:creationId xmlns:a16="http://schemas.microsoft.com/office/drawing/2014/main" id="{69D403E3-84E4-4B81-AD5C-4359F5112289}"/>
               </a:ext>
             </a:extLst>
           </p:cNvPr>
@@ -14038,7 +15509,7 @@
           <p:cNvPr id="11" name="Прямая соединительная линия 10">
             <a:extLst>
               <a:ext uri="{FF2B5EF4-FFF2-40B4-BE49-F238E27FC236}">
-                <a16:creationId xmlns:a16="http://schemas.microsoft.com/office/drawing/2014/main" id="{29F9EC96-2665-46FC-BAC4-D7E8DE9623DB}"/>
+                <a16:creationId xmlns:a16="http://schemas.microsoft.com/office/drawing/2014/main" id="{291416B1-DFE3-4CDA-9B56-A6EDB9F58FD4}"/>
               </a:ext>
             </a:extLst>
           </p:cNvPr>
@@ -14085,7 +15556,7 @@
           <p:cNvPr id="12" name="Прямая соединительная линия 11">
             <a:extLst>
               <a:ext uri="{FF2B5EF4-FFF2-40B4-BE49-F238E27FC236}">
-                <a16:creationId xmlns:a16="http://schemas.microsoft.com/office/drawing/2014/main" id="{FF6A20F2-2B40-4717-9E2F-4C629A20162B}"/>
+                <a16:creationId xmlns:a16="http://schemas.microsoft.com/office/drawing/2014/main" id="{C7B08EBD-A7F9-4AFE-861F-B6C06FCD4041}"/>
               </a:ext>
             </a:extLst>
           </p:cNvPr>
@@ -14130,7 +15601,7 @@
     </p:spTree>
     <p:extLst>
       <p:ext uri="{BB962C8B-B14F-4D97-AF65-F5344CB8AC3E}">
-        <p14:creationId xmlns:p14="http://schemas.microsoft.com/office/powerpoint/2010/main" val="3833829649"/>
+        <p14:creationId xmlns:p14="http://schemas.microsoft.com/office/powerpoint/2010/main" val="3693139845"/>
       </p:ext>
     </p:extLst>
   </p:cSld>
@@ -14162,7 +15633,7 @@
           <p:cNvPr id="3" name="Picture 2">
             <a:extLst>
               <a:ext uri="{FF2B5EF4-FFF2-40B4-BE49-F238E27FC236}">
-                <a16:creationId xmlns:a16="http://schemas.microsoft.com/office/drawing/2014/main" id="{DF9445BE-485E-4A16-AB1A-6AADC875851E}"/>
+                <a16:creationId xmlns:a16="http://schemas.microsoft.com/office/drawing/2014/main" id="{F2C4298A-B423-4BAA-B458-2C6C2F066DBD}"/>
               </a:ext>
             </a:extLst>
           </p:cNvPr>
@@ -14198,7 +15669,7 @@
           <p:cNvPr id="10" name="Овал 9">
             <a:extLst>
               <a:ext uri="{FF2B5EF4-FFF2-40B4-BE49-F238E27FC236}">
-                <a16:creationId xmlns:a16="http://schemas.microsoft.com/office/drawing/2014/main" id="{29852FB1-221F-46E4-97B0-D980B364596D}"/>
+                <a16:creationId xmlns:a16="http://schemas.microsoft.com/office/drawing/2014/main" id="{1FE91B10-BCCB-4A31-B928-D38255DBACA0}"/>
               </a:ext>
             </a:extLst>
           </p:cNvPr>
@@ -14255,7 +15726,7 @@
           <p:cNvPr id="11" name="Прямая соединительная линия 10">
             <a:extLst>
               <a:ext uri="{FF2B5EF4-FFF2-40B4-BE49-F238E27FC236}">
-                <a16:creationId xmlns:a16="http://schemas.microsoft.com/office/drawing/2014/main" id="{20B573EB-2C83-4DE4-9A49-99FBA67AEB42}"/>
+                <a16:creationId xmlns:a16="http://schemas.microsoft.com/office/drawing/2014/main" id="{29F9EC96-2665-46FC-BAC4-D7E8DE9623DB}"/>
               </a:ext>
             </a:extLst>
           </p:cNvPr>
@@ -14302,7 +15773,7 @@
           <p:cNvPr id="12" name="Прямая соединительная линия 11">
             <a:extLst>
               <a:ext uri="{FF2B5EF4-FFF2-40B4-BE49-F238E27FC236}">
-                <a16:creationId xmlns:a16="http://schemas.microsoft.com/office/drawing/2014/main" id="{130936F5-AD8C-4EA0-B4D6-F6E991B4F585}"/>
+                <a16:creationId xmlns:a16="http://schemas.microsoft.com/office/drawing/2014/main" id="{FF6A20F2-2B40-4717-9E2F-4C629A20162B}"/>
               </a:ext>
             </a:extLst>
           </p:cNvPr>
@@ -14347,7 +15818,7 @@
     </p:spTree>
     <p:extLst>
       <p:ext uri="{BB962C8B-B14F-4D97-AF65-F5344CB8AC3E}">
-        <p14:creationId xmlns:p14="http://schemas.microsoft.com/office/powerpoint/2010/main" val="2802499483"/>
+        <p14:creationId xmlns:p14="http://schemas.microsoft.com/office/powerpoint/2010/main" val="3833829649"/>
       </p:ext>
     </p:extLst>
   </p:cSld>
@@ -14379,7 +15850,7 @@
           <p:cNvPr id="3" name="Picture 2">
             <a:extLst>
               <a:ext uri="{FF2B5EF4-FFF2-40B4-BE49-F238E27FC236}">
-                <a16:creationId xmlns:a16="http://schemas.microsoft.com/office/drawing/2014/main" id="{44DE7C2F-F268-4471-829B-E53D58D99AC0}"/>
+                <a16:creationId xmlns:a16="http://schemas.microsoft.com/office/drawing/2014/main" id="{DF9445BE-485E-4A16-AB1A-6AADC875851E}"/>
               </a:ext>
             </a:extLst>
           </p:cNvPr>
@@ -14415,7 +15886,7 @@
           <p:cNvPr id="10" name="Овал 9">
             <a:extLst>
               <a:ext uri="{FF2B5EF4-FFF2-40B4-BE49-F238E27FC236}">
-                <a16:creationId xmlns:a16="http://schemas.microsoft.com/office/drawing/2014/main" id="{A77D00C0-CD43-41C5-8B35-17DA787D5F0C}"/>
+                <a16:creationId xmlns:a16="http://schemas.microsoft.com/office/drawing/2014/main" id="{29852FB1-221F-46E4-97B0-D980B364596D}"/>
               </a:ext>
             </a:extLst>
           </p:cNvPr>
@@ -14472,7 +15943,7 @@
           <p:cNvPr id="11" name="Прямая соединительная линия 10">
             <a:extLst>
               <a:ext uri="{FF2B5EF4-FFF2-40B4-BE49-F238E27FC236}">
-                <a16:creationId xmlns:a16="http://schemas.microsoft.com/office/drawing/2014/main" id="{2CE1B883-83B0-4B6B-B78E-5A86924E3C15}"/>
+                <a16:creationId xmlns:a16="http://schemas.microsoft.com/office/drawing/2014/main" id="{20B573EB-2C83-4DE4-9A49-99FBA67AEB42}"/>
               </a:ext>
             </a:extLst>
           </p:cNvPr>
@@ -14519,7 +15990,7 @@
           <p:cNvPr id="12" name="Прямая соединительная линия 11">
             <a:extLst>
               <a:ext uri="{FF2B5EF4-FFF2-40B4-BE49-F238E27FC236}">
-                <a16:creationId xmlns:a16="http://schemas.microsoft.com/office/drawing/2014/main" id="{F7815450-4397-4A61-8808-9451F3B027E0}"/>
+                <a16:creationId xmlns:a16="http://schemas.microsoft.com/office/drawing/2014/main" id="{130936F5-AD8C-4EA0-B4D6-F6E991B4F585}"/>
               </a:ext>
             </a:extLst>
           </p:cNvPr>
@@ -14564,7 +16035,7 @@
     </p:spTree>
     <p:extLst>
       <p:ext uri="{BB962C8B-B14F-4D97-AF65-F5344CB8AC3E}">
-        <p14:creationId xmlns:p14="http://schemas.microsoft.com/office/powerpoint/2010/main" val="126505458"/>
+        <p14:creationId xmlns:p14="http://schemas.microsoft.com/office/powerpoint/2010/main" val="2802499483"/>
       </p:ext>
     </p:extLst>
   </p:cSld>
@@ -14593,10 +16064,10 @@
       </p:grpSpPr>
       <p:pic>
         <p:nvPicPr>
-          <p:cNvPr id="3" name="Рисунок 2">
-            <a:extLst>
-              <a:ext uri="{FF2B5EF4-FFF2-40B4-BE49-F238E27FC236}">
-                <a16:creationId xmlns:a16="http://schemas.microsoft.com/office/drawing/2014/main" id="{4B7417CA-CC30-4579-8070-1B93A0CD35A7}"/>
+          <p:cNvPr id="3" name="Picture 2">
+            <a:extLst>
+              <a:ext uri="{FF2B5EF4-FFF2-40B4-BE49-F238E27FC236}">
+                <a16:creationId xmlns:a16="http://schemas.microsoft.com/office/drawing/2014/main" id="{44DE7C2F-F268-4471-829B-E53D58D99AC0}"/>
               </a:ext>
             </a:extLst>
           </p:cNvPr>
@@ -14632,7 +16103,7 @@
           <p:cNvPr id="10" name="Овал 9">
             <a:extLst>
               <a:ext uri="{FF2B5EF4-FFF2-40B4-BE49-F238E27FC236}">
-                <a16:creationId xmlns:a16="http://schemas.microsoft.com/office/drawing/2014/main" id="{8FCB0373-2DD3-47E4-B7CD-74A5BE663FF6}"/>
+                <a16:creationId xmlns:a16="http://schemas.microsoft.com/office/drawing/2014/main" id="{A77D00C0-CD43-41C5-8B35-17DA787D5F0C}"/>
               </a:ext>
             </a:extLst>
           </p:cNvPr>
@@ -14689,7 +16160,7 @@
           <p:cNvPr id="11" name="Прямая соединительная линия 10">
             <a:extLst>
               <a:ext uri="{FF2B5EF4-FFF2-40B4-BE49-F238E27FC236}">
-                <a16:creationId xmlns:a16="http://schemas.microsoft.com/office/drawing/2014/main" id="{E3DE3AE4-C4E1-48E5-A5FD-6C4C2037233E}"/>
+                <a16:creationId xmlns:a16="http://schemas.microsoft.com/office/drawing/2014/main" id="{2CE1B883-83B0-4B6B-B78E-5A86924E3C15}"/>
               </a:ext>
             </a:extLst>
           </p:cNvPr>
@@ -14736,7 +16207,7 @@
           <p:cNvPr id="12" name="Прямая соединительная линия 11">
             <a:extLst>
               <a:ext uri="{FF2B5EF4-FFF2-40B4-BE49-F238E27FC236}">
-                <a16:creationId xmlns:a16="http://schemas.microsoft.com/office/drawing/2014/main" id="{EC3889CE-AEFB-462D-ABA1-857CBD659CB2}"/>
+                <a16:creationId xmlns:a16="http://schemas.microsoft.com/office/drawing/2014/main" id="{F7815450-4397-4A61-8808-9451F3B027E0}"/>
               </a:ext>
             </a:extLst>
           </p:cNvPr>
@@ -14781,7 +16252,7 @@
     </p:spTree>
     <p:extLst>
       <p:ext uri="{BB962C8B-B14F-4D97-AF65-F5344CB8AC3E}">
-        <p14:creationId xmlns:p14="http://schemas.microsoft.com/office/powerpoint/2010/main" val="246898641"/>
+        <p14:creationId xmlns:p14="http://schemas.microsoft.com/office/powerpoint/2010/main" val="126505458"/>
       </p:ext>
     </p:extLst>
   </p:cSld>
@@ -14813,6 +16284,253 @@
           <p:cNvPr id="3" name="Рисунок 2">
             <a:extLst>
               <a:ext uri="{FF2B5EF4-FFF2-40B4-BE49-F238E27FC236}">
+                <a16:creationId xmlns:a16="http://schemas.microsoft.com/office/drawing/2014/main" id="{4B7417CA-CC30-4579-8070-1B93A0CD35A7}"/>
+              </a:ext>
+            </a:extLst>
+          </p:cNvPr>
+          <p:cNvPicPr>
+            <a:picLocks noChangeAspect="1"/>
+          </p:cNvPicPr>
+          <p:nvPr/>
+        </p:nvPicPr>
+        <p:blipFill>
+          <a:blip r:embed="rId2">
+            <a:extLst>
+              <a:ext uri="{28A0092B-C50C-407E-A947-70E740481C1C}">
+                <a14:useLocalDpi xmlns:a14="http://schemas.microsoft.com/office/drawing/2010/main" val="0"/>
+              </a:ext>
+            </a:extLst>
+          </a:blip>
+          <a:stretch>
+            <a:fillRect/>
+          </a:stretch>
+        </p:blipFill>
+        <p:spPr>
+          <a:xfrm>
+            <a:off x="2667000" y="0"/>
+            <a:ext cx="6858000" cy="6858000"/>
+          </a:xfrm>
+          <a:prstGeom prst="rect">
+            <a:avLst/>
+          </a:prstGeom>
+        </p:spPr>
+      </p:pic>
+      <p:sp>
+        <p:nvSpPr>
+          <p:cNvPr id="10" name="Овал 9">
+            <a:extLst>
+              <a:ext uri="{FF2B5EF4-FFF2-40B4-BE49-F238E27FC236}">
+                <a16:creationId xmlns:a16="http://schemas.microsoft.com/office/drawing/2014/main" id="{8FCB0373-2DD3-47E4-B7CD-74A5BE663FF6}"/>
+              </a:ext>
+            </a:extLst>
+          </p:cNvPr>
+          <p:cNvSpPr/>
+          <p:nvPr/>
+        </p:nvSpPr>
+        <p:spPr>
+          <a:xfrm>
+            <a:off x="173255" y="660391"/>
+            <a:ext cx="203209" cy="203209"/>
+          </a:xfrm>
+          <a:prstGeom prst="ellipse">
+            <a:avLst/>
+          </a:prstGeom>
+          <a:solidFill>
+            <a:schemeClr val="tx1">
+              <a:lumMod val="85000"/>
+              <a:lumOff val="15000"/>
+            </a:schemeClr>
+          </a:solidFill>
+          <a:ln w="57150">
+            <a:solidFill>
+              <a:schemeClr val="bg1"/>
+            </a:solidFill>
+          </a:ln>
+        </p:spPr>
+        <p:style>
+          <a:lnRef idx="2">
+            <a:schemeClr val="accent1">
+              <a:shade val="50000"/>
+            </a:schemeClr>
+          </a:lnRef>
+          <a:fillRef idx="1">
+            <a:schemeClr val="accent1"/>
+          </a:fillRef>
+          <a:effectRef idx="0">
+            <a:schemeClr val="accent1"/>
+          </a:effectRef>
+          <a:fontRef idx="minor">
+            <a:schemeClr val="lt1"/>
+          </a:fontRef>
+        </p:style>
+        <p:txBody>
+          <a:bodyPr rtlCol="0" anchor="ctr"/>
+          <a:lstStyle/>
+          <a:p>
+            <a:pPr algn="ctr"/>
+            <a:endParaRPr lang="ru-RU"/>
+          </a:p>
+        </p:txBody>
+      </p:sp>
+      <p:cxnSp>
+        <p:nvCxnSpPr>
+          <p:cNvPr id="11" name="Прямая соединительная линия 10">
+            <a:extLst>
+              <a:ext uri="{FF2B5EF4-FFF2-40B4-BE49-F238E27FC236}">
+                <a16:creationId xmlns:a16="http://schemas.microsoft.com/office/drawing/2014/main" id="{E3DE3AE4-C4E1-48E5-A5FD-6C4C2037233E}"/>
+              </a:ext>
+            </a:extLst>
+          </p:cNvPr>
+          <p:cNvCxnSpPr>
+            <a:cxnSpLocks/>
+            <a:stCxn id="10" idx="4"/>
+          </p:cNvCxnSpPr>
+          <p:nvPr/>
+        </p:nvCxnSpPr>
+        <p:spPr>
+          <a:xfrm>
+            <a:off x="274860" y="863600"/>
+            <a:ext cx="0" cy="6220594"/>
+          </a:xfrm>
+          <a:prstGeom prst="line">
+            <a:avLst/>
+          </a:prstGeom>
+          <a:ln w="15875">
+            <a:solidFill>
+              <a:schemeClr val="tx1">
+                <a:lumMod val="85000"/>
+                <a:lumOff val="15000"/>
+              </a:schemeClr>
+            </a:solidFill>
+          </a:ln>
+        </p:spPr>
+        <p:style>
+          <a:lnRef idx="1">
+            <a:schemeClr val="accent1"/>
+          </a:lnRef>
+          <a:fillRef idx="0">
+            <a:schemeClr val="accent1"/>
+          </a:fillRef>
+          <a:effectRef idx="0">
+            <a:schemeClr val="accent1"/>
+          </a:effectRef>
+          <a:fontRef idx="minor">
+            <a:schemeClr val="tx1"/>
+          </a:fontRef>
+        </p:style>
+      </p:cxnSp>
+      <p:cxnSp>
+        <p:nvCxnSpPr>
+          <p:cNvPr id="12" name="Прямая соединительная линия 11">
+            <a:extLst>
+              <a:ext uri="{FF2B5EF4-FFF2-40B4-BE49-F238E27FC236}">
+                <a16:creationId xmlns:a16="http://schemas.microsoft.com/office/drawing/2014/main" id="{EC3889CE-AEFB-462D-ABA1-857CBD659CB2}"/>
+              </a:ext>
+            </a:extLst>
+          </p:cNvPr>
+          <p:cNvCxnSpPr>
+            <a:cxnSpLocks/>
+            <a:stCxn id="10" idx="0"/>
+          </p:cNvCxnSpPr>
+          <p:nvPr/>
+        </p:nvCxnSpPr>
+        <p:spPr>
+          <a:xfrm flipV="1">
+            <a:off x="274860" y="-163629"/>
+            <a:ext cx="0" cy="824020"/>
+          </a:xfrm>
+          <a:prstGeom prst="line">
+            <a:avLst/>
+          </a:prstGeom>
+          <a:ln w="15875">
+            <a:solidFill>
+              <a:schemeClr val="tx1">
+                <a:lumMod val="85000"/>
+                <a:lumOff val="15000"/>
+              </a:schemeClr>
+            </a:solidFill>
+          </a:ln>
+        </p:spPr>
+        <p:style>
+          <a:lnRef idx="1">
+            <a:schemeClr val="accent1"/>
+          </a:lnRef>
+          <a:fillRef idx="0">
+            <a:schemeClr val="accent1"/>
+          </a:fillRef>
+          <a:effectRef idx="0">
+            <a:schemeClr val="accent1"/>
+          </a:effectRef>
+          <a:fontRef idx="minor">
+            <a:schemeClr val="tx1"/>
+          </a:fontRef>
+        </p:style>
+      </p:cxnSp>
+    </p:spTree>
+    <p:extLst>
+      <p:ext uri="{BB962C8B-B14F-4D97-AF65-F5344CB8AC3E}">
+        <p14:creationId xmlns:p14="http://schemas.microsoft.com/office/powerpoint/2010/main" val="246898641"/>
+      </p:ext>
+    </p:extLst>
+  </p:cSld>
+  <p:clrMapOvr>
+    <a:masterClrMapping/>
+  </p:clrMapOvr>
+</p:sld>
+</file>
+
+<file path=ppt/slides/slide3.xml><?xml version="1.0" encoding="utf-8"?>
+<p:sld xmlns:a="http://schemas.openxmlformats.org/drawingml/2006/main" xmlns:r="http://schemas.openxmlformats.org/officeDocument/2006/relationships" xmlns:p="http://schemas.openxmlformats.org/presentationml/2006/main">
+  <p:cSld>
+    <p:spTree>
+      <p:nvGrpSpPr>
+        <p:cNvPr id="1" name=""/>
+        <p:cNvGrpSpPr/>
+        <p:nvPr/>
+      </p:nvGrpSpPr>
+      <p:grpSpPr>
+        <a:xfrm>
+          <a:off x="0" y="0"/>
+          <a:ext cx="0" cy="0"/>
+          <a:chOff x="0" y="0"/>
+          <a:chExt cx="0" cy="0"/>
+        </a:xfrm>
+      </p:grpSpPr>
+    </p:spTree>
+    <p:extLst>
+      <p:ext uri="{BB962C8B-B14F-4D97-AF65-F5344CB8AC3E}">
+        <p14:creationId xmlns:p14="http://schemas.microsoft.com/office/powerpoint/2010/main" val="4175207269"/>
+      </p:ext>
+    </p:extLst>
+  </p:cSld>
+  <p:clrMapOvr>
+    <a:masterClrMapping/>
+  </p:clrMapOvr>
+</p:sld>
+</file>
+
+<file path=ppt/slides/slide30.xml><?xml version="1.0" encoding="utf-8"?>
+<p:sld xmlns:a="http://schemas.openxmlformats.org/drawingml/2006/main" xmlns:r="http://schemas.openxmlformats.org/officeDocument/2006/relationships" xmlns:p="http://schemas.openxmlformats.org/presentationml/2006/main">
+  <p:cSld>
+    <p:spTree>
+      <p:nvGrpSpPr>
+        <p:cNvPr id="1" name=""/>
+        <p:cNvGrpSpPr/>
+        <p:nvPr/>
+      </p:nvGrpSpPr>
+      <p:grpSpPr>
+        <a:xfrm>
+          <a:off x="0" y="0"/>
+          <a:ext cx="0" cy="0"/>
+          <a:chOff x="0" y="0"/>
+          <a:chExt cx="0" cy="0"/>
+        </a:xfrm>
+      </p:grpSpPr>
+      <p:pic>
+        <p:nvPicPr>
+          <p:cNvPr id="3" name="Рисунок 2">
+            <a:extLst>
+              <a:ext uri="{FF2B5EF4-FFF2-40B4-BE49-F238E27FC236}">
                 <a16:creationId xmlns:a16="http://schemas.microsoft.com/office/drawing/2014/main" id="{EEF61B1E-E3E6-4BDE-8B68-8E2571AF6895}"/>
               </a:ext>
             </a:extLst>
@@ -15008,7 +16726,915 @@
 </p:sld>
 </file>
 
-<file path=ppt/slides/slide3.xml><?xml version="1.0" encoding="utf-8"?>
+<file path=ppt/slides/slide31.xml><?xml version="1.0" encoding="utf-8"?>
+<p:sld xmlns:a="http://schemas.openxmlformats.org/drawingml/2006/main" xmlns:r="http://schemas.openxmlformats.org/officeDocument/2006/relationships" xmlns:p="http://schemas.openxmlformats.org/presentationml/2006/main">
+  <p:cSld>
+    <p:spTree>
+      <p:nvGrpSpPr>
+        <p:cNvPr id="1" name=""/>
+        <p:cNvGrpSpPr/>
+        <p:nvPr/>
+      </p:nvGrpSpPr>
+      <p:grpSpPr>
+        <a:xfrm>
+          <a:off x="0" y="0"/>
+          <a:ext cx="0" cy="0"/>
+          <a:chOff x="0" y="0"/>
+          <a:chExt cx="0" cy="0"/>
+        </a:xfrm>
+      </p:grpSpPr>
+      <p:pic>
+        <p:nvPicPr>
+          <p:cNvPr id="2" name="Рисунок 1">
+            <a:extLst>
+              <a:ext uri="{FF2B5EF4-FFF2-40B4-BE49-F238E27FC236}">
+                <a16:creationId xmlns:a16="http://schemas.microsoft.com/office/drawing/2014/main" id="{53A6EF26-7CEC-48D8-96A4-5FF3D3A9EAE3}"/>
+              </a:ext>
+            </a:extLst>
+          </p:cNvPr>
+          <p:cNvPicPr>
+            <a:picLocks noChangeAspect="1"/>
+          </p:cNvPicPr>
+          <p:nvPr/>
+        </p:nvPicPr>
+        <p:blipFill>
+          <a:blip r:embed="rId2"/>
+          <a:stretch>
+            <a:fillRect/>
+          </a:stretch>
+        </p:blipFill>
+        <p:spPr>
+          <a:xfrm>
+            <a:off x="1132782" y="1342734"/>
+            <a:ext cx="9926435" cy="4172532"/>
+          </a:xfrm>
+          <a:prstGeom prst="rect">
+            <a:avLst/>
+          </a:prstGeom>
+        </p:spPr>
+      </p:pic>
+      <p:cxnSp>
+        <p:nvCxnSpPr>
+          <p:cNvPr id="3" name="Прямая соединительная линия 2">
+            <a:extLst>
+              <a:ext uri="{FF2B5EF4-FFF2-40B4-BE49-F238E27FC236}">
+                <a16:creationId xmlns:a16="http://schemas.microsoft.com/office/drawing/2014/main" id="{20014B72-D194-44E4-9AED-F6BAE837EFAD}"/>
+              </a:ext>
+            </a:extLst>
+          </p:cNvPr>
+          <p:cNvCxnSpPr>
+            <a:cxnSpLocks/>
+          </p:cNvCxnSpPr>
+          <p:nvPr/>
+        </p:nvCxnSpPr>
+        <p:spPr>
+          <a:xfrm>
+            <a:off x="274860" y="-133350"/>
+            <a:ext cx="0" cy="7217544"/>
+          </a:xfrm>
+          <a:prstGeom prst="line">
+            <a:avLst/>
+          </a:prstGeom>
+          <a:ln w="15875">
+            <a:solidFill>
+              <a:schemeClr val="tx1">
+                <a:lumMod val="85000"/>
+                <a:lumOff val="15000"/>
+              </a:schemeClr>
+            </a:solidFill>
+          </a:ln>
+        </p:spPr>
+        <p:style>
+          <a:lnRef idx="1">
+            <a:schemeClr val="accent1"/>
+          </a:lnRef>
+          <a:fillRef idx="0">
+            <a:schemeClr val="accent1"/>
+          </a:fillRef>
+          <a:effectRef idx="0">
+            <a:schemeClr val="accent1"/>
+          </a:effectRef>
+          <a:fontRef idx="minor">
+            <a:schemeClr val="tx1"/>
+          </a:fontRef>
+        </p:style>
+      </p:cxnSp>
+    </p:spTree>
+    <p:extLst>
+      <p:ext uri="{BB962C8B-B14F-4D97-AF65-F5344CB8AC3E}">
+        <p14:creationId xmlns:p14="http://schemas.microsoft.com/office/powerpoint/2010/main" val="3612083526"/>
+      </p:ext>
+    </p:extLst>
+  </p:cSld>
+  <p:clrMapOvr>
+    <a:masterClrMapping/>
+  </p:clrMapOvr>
+</p:sld>
+</file>
+
+<file path=ppt/slides/slide32.xml><?xml version="1.0" encoding="utf-8"?>
+<p:sld xmlns:a="http://schemas.openxmlformats.org/drawingml/2006/main" xmlns:r="http://schemas.openxmlformats.org/officeDocument/2006/relationships" xmlns:p="http://schemas.openxmlformats.org/presentationml/2006/main">
+  <p:cSld>
+    <p:spTree>
+      <p:nvGrpSpPr>
+        <p:cNvPr id="1" name=""/>
+        <p:cNvGrpSpPr/>
+        <p:nvPr/>
+      </p:nvGrpSpPr>
+      <p:grpSpPr>
+        <a:xfrm>
+          <a:off x="0" y="0"/>
+          <a:ext cx="0" cy="0"/>
+          <a:chOff x="0" y="0"/>
+          <a:chExt cx="0" cy="0"/>
+        </a:xfrm>
+      </p:grpSpPr>
+      <p:pic>
+        <p:nvPicPr>
+          <p:cNvPr id="2" name="Рисунок 1">
+            <a:extLst>
+              <a:ext uri="{FF2B5EF4-FFF2-40B4-BE49-F238E27FC236}">
+                <a16:creationId xmlns:a16="http://schemas.microsoft.com/office/drawing/2014/main" id="{9471DED4-D12A-424C-A518-251AEED9856A}"/>
+              </a:ext>
+            </a:extLst>
+          </p:cNvPr>
+          <p:cNvPicPr>
+            <a:picLocks noChangeAspect="1"/>
+          </p:cNvPicPr>
+          <p:nvPr/>
+        </p:nvPicPr>
+        <p:blipFill>
+          <a:blip r:embed="rId2"/>
+          <a:stretch>
+            <a:fillRect/>
+          </a:stretch>
+        </p:blipFill>
+        <p:spPr>
+          <a:xfrm>
+            <a:off x="2369294" y="0"/>
+            <a:ext cx="7453412" cy="6858000"/>
+          </a:xfrm>
+          <a:prstGeom prst="rect">
+            <a:avLst/>
+          </a:prstGeom>
+        </p:spPr>
+      </p:pic>
+      <p:cxnSp>
+        <p:nvCxnSpPr>
+          <p:cNvPr id="3" name="Прямая соединительная линия 2">
+            <a:extLst>
+              <a:ext uri="{FF2B5EF4-FFF2-40B4-BE49-F238E27FC236}">
+                <a16:creationId xmlns:a16="http://schemas.microsoft.com/office/drawing/2014/main" id="{284B9455-8179-4C65-AF02-D116EEEAF968}"/>
+              </a:ext>
+            </a:extLst>
+          </p:cNvPr>
+          <p:cNvCxnSpPr>
+            <a:cxnSpLocks/>
+          </p:cNvCxnSpPr>
+          <p:nvPr/>
+        </p:nvCxnSpPr>
+        <p:spPr>
+          <a:xfrm>
+            <a:off x="274860" y="-133350"/>
+            <a:ext cx="0" cy="7217544"/>
+          </a:xfrm>
+          <a:prstGeom prst="line">
+            <a:avLst/>
+          </a:prstGeom>
+          <a:ln w="15875">
+            <a:solidFill>
+              <a:schemeClr val="tx1">
+                <a:lumMod val="85000"/>
+                <a:lumOff val="15000"/>
+              </a:schemeClr>
+            </a:solidFill>
+          </a:ln>
+        </p:spPr>
+        <p:style>
+          <a:lnRef idx="1">
+            <a:schemeClr val="accent1"/>
+          </a:lnRef>
+          <a:fillRef idx="0">
+            <a:schemeClr val="accent1"/>
+          </a:fillRef>
+          <a:effectRef idx="0">
+            <a:schemeClr val="accent1"/>
+          </a:effectRef>
+          <a:fontRef idx="minor">
+            <a:schemeClr val="tx1"/>
+          </a:fontRef>
+        </p:style>
+      </p:cxnSp>
+    </p:spTree>
+    <p:extLst>
+      <p:ext uri="{BB962C8B-B14F-4D97-AF65-F5344CB8AC3E}">
+        <p14:creationId xmlns:p14="http://schemas.microsoft.com/office/powerpoint/2010/main" val="2015969433"/>
+      </p:ext>
+    </p:extLst>
+  </p:cSld>
+  <p:clrMapOvr>
+    <a:masterClrMapping/>
+  </p:clrMapOvr>
+</p:sld>
+</file>
+
+<file path=ppt/slides/slide33.xml><?xml version="1.0" encoding="utf-8"?>
+<p:sld xmlns:a="http://schemas.openxmlformats.org/drawingml/2006/main" xmlns:r="http://schemas.openxmlformats.org/officeDocument/2006/relationships" xmlns:p="http://schemas.openxmlformats.org/presentationml/2006/main">
+  <p:cSld>
+    <p:spTree>
+      <p:nvGrpSpPr>
+        <p:cNvPr id="1" name=""/>
+        <p:cNvGrpSpPr/>
+        <p:nvPr/>
+      </p:nvGrpSpPr>
+      <p:grpSpPr>
+        <a:xfrm>
+          <a:off x="0" y="0"/>
+          <a:ext cx="0" cy="0"/>
+          <a:chOff x="0" y="0"/>
+          <a:chExt cx="0" cy="0"/>
+        </a:xfrm>
+      </p:grpSpPr>
+      <p:pic>
+        <p:nvPicPr>
+          <p:cNvPr id="2" name="Рисунок 1">
+            <a:extLst>
+              <a:ext uri="{FF2B5EF4-FFF2-40B4-BE49-F238E27FC236}">
+                <a16:creationId xmlns:a16="http://schemas.microsoft.com/office/drawing/2014/main" id="{CB7C4604-80C8-4687-8966-D3BF048A6165}"/>
+              </a:ext>
+            </a:extLst>
+          </p:cNvPr>
+          <p:cNvPicPr>
+            <a:picLocks noChangeAspect="1"/>
+          </p:cNvPicPr>
+          <p:nvPr/>
+        </p:nvPicPr>
+        <p:blipFill>
+          <a:blip r:embed="rId2"/>
+          <a:stretch>
+            <a:fillRect/>
+          </a:stretch>
+        </p:blipFill>
+        <p:spPr>
+          <a:xfrm>
+            <a:off x="2758294" y="0"/>
+            <a:ext cx="6675412" cy="6858000"/>
+          </a:xfrm>
+          <a:prstGeom prst="rect">
+            <a:avLst/>
+          </a:prstGeom>
+        </p:spPr>
+      </p:pic>
+      <p:cxnSp>
+        <p:nvCxnSpPr>
+          <p:cNvPr id="3" name="Прямая соединительная линия 2">
+            <a:extLst>
+              <a:ext uri="{FF2B5EF4-FFF2-40B4-BE49-F238E27FC236}">
+                <a16:creationId xmlns:a16="http://schemas.microsoft.com/office/drawing/2014/main" id="{BBEC7CE2-C326-4210-844A-52634990CCA8}"/>
+              </a:ext>
+            </a:extLst>
+          </p:cNvPr>
+          <p:cNvCxnSpPr>
+            <a:cxnSpLocks/>
+          </p:cNvCxnSpPr>
+          <p:nvPr/>
+        </p:nvCxnSpPr>
+        <p:spPr>
+          <a:xfrm>
+            <a:off x="274860" y="-133350"/>
+            <a:ext cx="0" cy="7217544"/>
+          </a:xfrm>
+          <a:prstGeom prst="line">
+            <a:avLst/>
+          </a:prstGeom>
+          <a:ln w="15875">
+            <a:solidFill>
+              <a:schemeClr val="tx1">
+                <a:lumMod val="85000"/>
+                <a:lumOff val="15000"/>
+              </a:schemeClr>
+            </a:solidFill>
+          </a:ln>
+        </p:spPr>
+        <p:style>
+          <a:lnRef idx="1">
+            <a:schemeClr val="accent1"/>
+          </a:lnRef>
+          <a:fillRef idx="0">
+            <a:schemeClr val="accent1"/>
+          </a:fillRef>
+          <a:effectRef idx="0">
+            <a:schemeClr val="accent1"/>
+          </a:effectRef>
+          <a:fontRef idx="minor">
+            <a:schemeClr val="tx1"/>
+          </a:fontRef>
+        </p:style>
+      </p:cxnSp>
+    </p:spTree>
+    <p:extLst>
+      <p:ext uri="{BB962C8B-B14F-4D97-AF65-F5344CB8AC3E}">
+        <p14:creationId xmlns:p14="http://schemas.microsoft.com/office/powerpoint/2010/main" val="1006276863"/>
+      </p:ext>
+    </p:extLst>
+  </p:cSld>
+  <p:clrMapOvr>
+    <a:masterClrMapping/>
+  </p:clrMapOvr>
+</p:sld>
+</file>
+
+<file path=ppt/slides/slide34.xml><?xml version="1.0" encoding="utf-8"?>
+<p:sld xmlns:a="http://schemas.openxmlformats.org/drawingml/2006/main" xmlns:r="http://schemas.openxmlformats.org/officeDocument/2006/relationships" xmlns:p="http://schemas.openxmlformats.org/presentationml/2006/main">
+  <p:cSld>
+    <p:spTree>
+      <p:nvGrpSpPr>
+        <p:cNvPr id="1" name=""/>
+        <p:cNvGrpSpPr/>
+        <p:nvPr/>
+      </p:nvGrpSpPr>
+      <p:grpSpPr>
+        <a:xfrm>
+          <a:off x="0" y="0"/>
+          <a:ext cx="0" cy="0"/>
+          <a:chOff x="0" y="0"/>
+          <a:chExt cx="0" cy="0"/>
+        </a:xfrm>
+      </p:grpSpPr>
+      <p:pic>
+        <p:nvPicPr>
+          <p:cNvPr id="2" name="Рисунок 1">
+            <a:extLst>
+              <a:ext uri="{FF2B5EF4-FFF2-40B4-BE49-F238E27FC236}">
+                <a16:creationId xmlns:a16="http://schemas.microsoft.com/office/drawing/2014/main" id="{D67DBDDE-9CD1-4A89-AFD0-0C4417F4F9E0}"/>
+              </a:ext>
+            </a:extLst>
+          </p:cNvPr>
+          <p:cNvPicPr>
+            <a:picLocks noChangeAspect="1"/>
+          </p:cNvPicPr>
+          <p:nvPr/>
+        </p:nvPicPr>
+        <p:blipFill>
+          <a:blip r:embed="rId2"/>
+          <a:stretch>
+            <a:fillRect/>
+          </a:stretch>
+        </p:blipFill>
+        <p:spPr>
+          <a:xfrm>
+            <a:off x="2730569" y="0"/>
+            <a:ext cx="6730861" cy="6858000"/>
+          </a:xfrm>
+          <a:prstGeom prst="rect">
+            <a:avLst/>
+          </a:prstGeom>
+        </p:spPr>
+      </p:pic>
+      <p:cxnSp>
+        <p:nvCxnSpPr>
+          <p:cNvPr id="3" name="Прямая соединительная линия 2">
+            <a:extLst>
+              <a:ext uri="{FF2B5EF4-FFF2-40B4-BE49-F238E27FC236}">
+                <a16:creationId xmlns:a16="http://schemas.microsoft.com/office/drawing/2014/main" id="{38DCE42F-636B-4610-84FB-019D36C90BF7}"/>
+              </a:ext>
+            </a:extLst>
+          </p:cNvPr>
+          <p:cNvCxnSpPr>
+            <a:cxnSpLocks/>
+          </p:cNvCxnSpPr>
+          <p:nvPr/>
+        </p:nvCxnSpPr>
+        <p:spPr>
+          <a:xfrm>
+            <a:off x="274860" y="-133350"/>
+            <a:ext cx="0" cy="7217544"/>
+          </a:xfrm>
+          <a:prstGeom prst="line">
+            <a:avLst/>
+          </a:prstGeom>
+          <a:ln w="15875">
+            <a:solidFill>
+              <a:schemeClr val="tx1">
+                <a:lumMod val="85000"/>
+                <a:lumOff val="15000"/>
+              </a:schemeClr>
+            </a:solidFill>
+          </a:ln>
+        </p:spPr>
+        <p:style>
+          <a:lnRef idx="1">
+            <a:schemeClr val="accent1"/>
+          </a:lnRef>
+          <a:fillRef idx="0">
+            <a:schemeClr val="accent1"/>
+          </a:fillRef>
+          <a:effectRef idx="0">
+            <a:schemeClr val="accent1"/>
+          </a:effectRef>
+          <a:fontRef idx="minor">
+            <a:schemeClr val="tx1"/>
+          </a:fontRef>
+        </p:style>
+      </p:cxnSp>
+    </p:spTree>
+    <p:extLst>
+      <p:ext uri="{BB962C8B-B14F-4D97-AF65-F5344CB8AC3E}">
+        <p14:creationId xmlns:p14="http://schemas.microsoft.com/office/powerpoint/2010/main" val="3993003103"/>
+      </p:ext>
+    </p:extLst>
+  </p:cSld>
+  <p:clrMapOvr>
+    <a:masterClrMapping/>
+  </p:clrMapOvr>
+</p:sld>
+</file>
+
+<file path=ppt/slides/slide35.xml><?xml version="1.0" encoding="utf-8"?>
+<p:sld xmlns:a="http://schemas.openxmlformats.org/drawingml/2006/main" xmlns:r="http://schemas.openxmlformats.org/officeDocument/2006/relationships" xmlns:p="http://schemas.openxmlformats.org/presentationml/2006/main">
+  <p:cSld>
+    <p:spTree>
+      <p:nvGrpSpPr>
+        <p:cNvPr id="1" name=""/>
+        <p:cNvGrpSpPr/>
+        <p:nvPr/>
+      </p:nvGrpSpPr>
+      <p:grpSpPr>
+        <a:xfrm>
+          <a:off x="0" y="0"/>
+          <a:ext cx="0" cy="0"/>
+          <a:chOff x="0" y="0"/>
+          <a:chExt cx="0" cy="0"/>
+        </a:xfrm>
+      </p:grpSpPr>
+      <p:pic>
+        <p:nvPicPr>
+          <p:cNvPr id="2" name="Рисунок 1">
+            <a:extLst>
+              <a:ext uri="{FF2B5EF4-FFF2-40B4-BE49-F238E27FC236}">
+                <a16:creationId xmlns:a16="http://schemas.microsoft.com/office/drawing/2014/main" id="{E6B9D5E6-D518-475D-9B9D-F2F6706135BC}"/>
+              </a:ext>
+            </a:extLst>
+          </p:cNvPr>
+          <p:cNvPicPr>
+            <a:picLocks noChangeAspect="1"/>
+          </p:cNvPicPr>
+          <p:nvPr/>
+        </p:nvPicPr>
+        <p:blipFill>
+          <a:blip r:embed="rId2"/>
+          <a:stretch>
+            <a:fillRect/>
+          </a:stretch>
+        </p:blipFill>
+        <p:spPr>
+          <a:xfrm>
+            <a:off x="1309019" y="151942"/>
+            <a:ext cx="9573961" cy="6554115"/>
+          </a:xfrm>
+          <a:prstGeom prst="rect">
+            <a:avLst/>
+          </a:prstGeom>
+        </p:spPr>
+      </p:pic>
+      <p:cxnSp>
+        <p:nvCxnSpPr>
+          <p:cNvPr id="3" name="Прямая соединительная линия 2">
+            <a:extLst>
+              <a:ext uri="{FF2B5EF4-FFF2-40B4-BE49-F238E27FC236}">
+                <a16:creationId xmlns:a16="http://schemas.microsoft.com/office/drawing/2014/main" id="{E922F73B-C13C-42CD-818E-C06721BEFDB2}"/>
+              </a:ext>
+            </a:extLst>
+          </p:cNvPr>
+          <p:cNvCxnSpPr>
+            <a:cxnSpLocks/>
+          </p:cNvCxnSpPr>
+          <p:nvPr/>
+        </p:nvCxnSpPr>
+        <p:spPr>
+          <a:xfrm>
+            <a:off x="274860" y="-133350"/>
+            <a:ext cx="0" cy="7217544"/>
+          </a:xfrm>
+          <a:prstGeom prst="line">
+            <a:avLst/>
+          </a:prstGeom>
+          <a:ln w="15875">
+            <a:solidFill>
+              <a:schemeClr val="tx1">
+                <a:lumMod val="85000"/>
+                <a:lumOff val="15000"/>
+              </a:schemeClr>
+            </a:solidFill>
+          </a:ln>
+        </p:spPr>
+        <p:style>
+          <a:lnRef idx="1">
+            <a:schemeClr val="accent1"/>
+          </a:lnRef>
+          <a:fillRef idx="0">
+            <a:schemeClr val="accent1"/>
+          </a:fillRef>
+          <a:effectRef idx="0">
+            <a:schemeClr val="accent1"/>
+          </a:effectRef>
+          <a:fontRef idx="minor">
+            <a:schemeClr val="tx1"/>
+          </a:fontRef>
+        </p:style>
+      </p:cxnSp>
+    </p:spTree>
+    <p:extLst>
+      <p:ext uri="{BB962C8B-B14F-4D97-AF65-F5344CB8AC3E}">
+        <p14:creationId xmlns:p14="http://schemas.microsoft.com/office/powerpoint/2010/main" val="4022803890"/>
+      </p:ext>
+    </p:extLst>
+  </p:cSld>
+  <p:clrMapOvr>
+    <a:masterClrMapping/>
+  </p:clrMapOvr>
+</p:sld>
+</file>
+
+<file path=ppt/slides/slide36.xml><?xml version="1.0" encoding="utf-8"?>
+<p:sld xmlns:a="http://schemas.openxmlformats.org/drawingml/2006/main" xmlns:r="http://schemas.openxmlformats.org/officeDocument/2006/relationships" xmlns:p="http://schemas.openxmlformats.org/presentationml/2006/main">
+  <p:cSld>
+    <p:spTree>
+      <p:nvGrpSpPr>
+        <p:cNvPr id="1" name=""/>
+        <p:cNvGrpSpPr/>
+        <p:nvPr/>
+      </p:nvGrpSpPr>
+      <p:grpSpPr>
+        <a:xfrm>
+          <a:off x="0" y="0"/>
+          <a:ext cx="0" cy="0"/>
+          <a:chOff x="0" y="0"/>
+          <a:chExt cx="0" cy="0"/>
+        </a:xfrm>
+      </p:grpSpPr>
+      <p:pic>
+        <p:nvPicPr>
+          <p:cNvPr id="2" name="Рисунок 1">
+            <a:extLst>
+              <a:ext uri="{FF2B5EF4-FFF2-40B4-BE49-F238E27FC236}">
+                <a16:creationId xmlns:a16="http://schemas.microsoft.com/office/drawing/2014/main" id="{982EF4CD-3905-4F5E-8DF0-D598FD9FF391}"/>
+              </a:ext>
+            </a:extLst>
+          </p:cNvPr>
+          <p:cNvPicPr>
+            <a:picLocks noChangeAspect="1"/>
+          </p:cNvPicPr>
+          <p:nvPr/>
+        </p:nvPicPr>
+        <p:blipFill>
+          <a:blip r:embed="rId2"/>
+          <a:stretch>
+            <a:fillRect/>
+          </a:stretch>
+        </p:blipFill>
+        <p:spPr>
+          <a:xfrm>
+            <a:off x="1876056" y="0"/>
+            <a:ext cx="8439887" cy="6858000"/>
+          </a:xfrm>
+          <a:prstGeom prst="rect">
+            <a:avLst/>
+          </a:prstGeom>
+        </p:spPr>
+      </p:pic>
+      <p:cxnSp>
+        <p:nvCxnSpPr>
+          <p:cNvPr id="3" name="Прямая соединительная линия 2">
+            <a:extLst>
+              <a:ext uri="{FF2B5EF4-FFF2-40B4-BE49-F238E27FC236}">
+                <a16:creationId xmlns:a16="http://schemas.microsoft.com/office/drawing/2014/main" id="{33525DDA-C92D-4AF1-80C3-602F9B685AD5}"/>
+              </a:ext>
+            </a:extLst>
+          </p:cNvPr>
+          <p:cNvCxnSpPr>
+            <a:cxnSpLocks/>
+          </p:cNvCxnSpPr>
+          <p:nvPr/>
+        </p:nvCxnSpPr>
+        <p:spPr>
+          <a:xfrm>
+            <a:off x="274860" y="-133350"/>
+            <a:ext cx="0" cy="7217544"/>
+          </a:xfrm>
+          <a:prstGeom prst="line">
+            <a:avLst/>
+          </a:prstGeom>
+          <a:ln w="15875">
+            <a:solidFill>
+              <a:schemeClr val="tx1">
+                <a:lumMod val="85000"/>
+                <a:lumOff val="15000"/>
+              </a:schemeClr>
+            </a:solidFill>
+          </a:ln>
+        </p:spPr>
+        <p:style>
+          <a:lnRef idx="1">
+            <a:schemeClr val="accent1"/>
+          </a:lnRef>
+          <a:fillRef idx="0">
+            <a:schemeClr val="accent1"/>
+          </a:fillRef>
+          <a:effectRef idx="0">
+            <a:schemeClr val="accent1"/>
+          </a:effectRef>
+          <a:fontRef idx="minor">
+            <a:schemeClr val="tx1"/>
+          </a:fontRef>
+        </p:style>
+      </p:cxnSp>
+    </p:spTree>
+    <p:extLst>
+      <p:ext uri="{BB962C8B-B14F-4D97-AF65-F5344CB8AC3E}">
+        <p14:creationId xmlns:p14="http://schemas.microsoft.com/office/powerpoint/2010/main" val="3208674965"/>
+      </p:ext>
+    </p:extLst>
+  </p:cSld>
+  <p:clrMapOvr>
+    <a:masterClrMapping/>
+  </p:clrMapOvr>
+</p:sld>
+</file>
+
+<file path=ppt/slides/slide37.xml><?xml version="1.0" encoding="utf-8"?>
+<p:sld xmlns:a="http://schemas.openxmlformats.org/drawingml/2006/main" xmlns:r="http://schemas.openxmlformats.org/officeDocument/2006/relationships" xmlns:p="http://schemas.openxmlformats.org/presentationml/2006/main">
+  <p:cSld>
+    <p:spTree>
+      <p:nvGrpSpPr>
+        <p:cNvPr id="1" name=""/>
+        <p:cNvGrpSpPr/>
+        <p:nvPr/>
+      </p:nvGrpSpPr>
+      <p:grpSpPr>
+        <a:xfrm>
+          <a:off x="0" y="0"/>
+          <a:ext cx="0" cy="0"/>
+          <a:chOff x="0" y="0"/>
+          <a:chExt cx="0" cy="0"/>
+        </a:xfrm>
+      </p:grpSpPr>
+      <p:pic>
+        <p:nvPicPr>
+          <p:cNvPr id="2" name="Рисунок 1">
+            <a:extLst>
+              <a:ext uri="{FF2B5EF4-FFF2-40B4-BE49-F238E27FC236}">
+                <a16:creationId xmlns:a16="http://schemas.microsoft.com/office/drawing/2014/main" id="{63CE375E-7E14-4D34-8DF8-281CC834B19F}"/>
+              </a:ext>
+            </a:extLst>
+          </p:cNvPr>
+          <p:cNvPicPr>
+            <a:picLocks noChangeAspect="1"/>
+          </p:cNvPicPr>
+          <p:nvPr/>
+        </p:nvPicPr>
+        <p:blipFill>
+          <a:blip r:embed="rId2"/>
+          <a:stretch>
+            <a:fillRect/>
+          </a:stretch>
+        </p:blipFill>
+        <p:spPr>
+          <a:xfrm>
+            <a:off x="1790549" y="0"/>
+            <a:ext cx="8610901" cy="6858000"/>
+          </a:xfrm>
+          <a:prstGeom prst="rect">
+            <a:avLst/>
+          </a:prstGeom>
+        </p:spPr>
+      </p:pic>
+      <p:cxnSp>
+        <p:nvCxnSpPr>
+          <p:cNvPr id="3" name="Прямая соединительная линия 2">
+            <a:extLst>
+              <a:ext uri="{FF2B5EF4-FFF2-40B4-BE49-F238E27FC236}">
+                <a16:creationId xmlns:a16="http://schemas.microsoft.com/office/drawing/2014/main" id="{AA7A0F46-9F11-4AB7-85E9-768D4312336C}"/>
+              </a:ext>
+            </a:extLst>
+          </p:cNvPr>
+          <p:cNvCxnSpPr>
+            <a:cxnSpLocks/>
+          </p:cNvCxnSpPr>
+          <p:nvPr/>
+        </p:nvCxnSpPr>
+        <p:spPr>
+          <a:xfrm>
+            <a:off x="274860" y="-133350"/>
+            <a:ext cx="0" cy="7217544"/>
+          </a:xfrm>
+          <a:prstGeom prst="line">
+            <a:avLst/>
+          </a:prstGeom>
+          <a:ln w="15875">
+            <a:solidFill>
+              <a:schemeClr val="tx1">
+                <a:lumMod val="85000"/>
+                <a:lumOff val="15000"/>
+              </a:schemeClr>
+            </a:solidFill>
+          </a:ln>
+        </p:spPr>
+        <p:style>
+          <a:lnRef idx="1">
+            <a:schemeClr val="accent1"/>
+          </a:lnRef>
+          <a:fillRef idx="0">
+            <a:schemeClr val="accent1"/>
+          </a:fillRef>
+          <a:effectRef idx="0">
+            <a:schemeClr val="accent1"/>
+          </a:effectRef>
+          <a:fontRef idx="minor">
+            <a:schemeClr val="tx1"/>
+          </a:fontRef>
+        </p:style>
+      </p:cxnSp>
+    </p:spTree>
+    <p:extLst>
+      <p:ext uri="{BB962C8B-B14F-4D97-AF65-F5344CB8AC3E}">
+        <p14:creationId xmlns:p14="http://schemas.microsoft.com/office/powerpoint/2010/main" val="1904919400"/>
+      </p:ext>
+    </p:extLst>
+  </p:cSld>
+  <p:clrMapOvr>
+    <a:masterClrMapping/>
+  </p:clrMapOvr>
+</p:sld>
+</file>
+
+<file path=ppt/slides/slide38.xml><?xml version="1.0" encoding="utf-8"?>
+<p:sld xmlns:a="http://schemas.openxmlformats.org/drawingml/2006/main" xmlns:r="http://schemas.openxmlformats.org/officeDocument/2006/relationships" xmlns:p="http://schemas.openxmlformats.org/presentationml/2006/main">
+  <p:cSld>
+    <p:spTree>
+      <p:nvGrpSpPr>
+        <p:cNvPr id="1" name=""/>
+        <p:cNvGrpSpPr/>
+        <p:nvPr/>
+      </p:nvGrpSpPr>
+      <p:grpSpPr>
+        <a:xfrm>
+          <a:off x="0" y="0"/>
+          <a:ext cx="0" cy="0"/>
+          <a:chOff x="0" y="0"/>
+          <a:chExt cx="0" cy="0"/>
+        </a:xfrm>
+      </p:grpSpPr>
+      <p:pic>
+        <p:nvPicPr>
+          <p:cNvPr id="2" name="Рисунок 1">
+            <a:extLst>
+              <a:ext uri="{FF2B5EF4-FFF2-40B4-BE49-F238E27FC236}">
+                <a16:creationId xmlns:a16="http://schemas.microsoft.com/office/drawing/2014/main" id="{1ABBA704-101F-4C0C-87BB-21E24728BDA6}"/>
+              </a:ext>
+            </a:extLst>
+          </p:cNvPr>
+          <p:cNvPicPr>
+            <a:picLocks noChangeAspect="1"/>
+          </p:cNvPicPr>
+          <p:nvPr/>
+        </p:nvPicPr>
+        <p:blipFill>
+          <a:blip r:embed="rId2"/>
+          <a:stretch>
+            <a:fillRect/>
+          </a:stretch>
+        </p:blipFill>
+        <p:spPr>
+          <a:xfrm>
+            <a:off x="2090057" y="0"/>
+            <a:ext cx="8011886" cy="6858000"/>
+          </a:xfrm>
+          <a:prstGeom prst="rect">
+            <a:avLst/>
+          </a:prstGeom>
+        </p:spPr>
+      </p:pic>
+      <p:cxnSp>
+        <p:nvCxnSpPr>
+          <p:cNvPr id="3" name="Прямая соединительная линия 2">
+            <a:extLst>
+              <a:ext uri="{FF2B5EF4-FFF2-40B4-BE49-F238E27FC236}">
+                <a16:creationId xmlns:a16="http://schemas.microsoft.com/office/drawing/2014/main" id="{2CF042EB-88E0-41DB-9EC9-5E6F3ABBFCAA}"/>
+              </a:ext>
+            </a:extLst>
+          </p:cNvPr>
+          <p:cNvCxnSpPr>
+            <a:cxnSpLocks/>
+          </p:cNvCxnSpPr>
+          <p:nvPr/>
+        </p:nvCxnSpPr>
+        <p:spPr>
+          <a:xfrm>
+            <a:off x="274860" y="-133350"/>
+            <a:ext cx="0" cy="7217544"/>
+          </a:xfrm>
+          <a:prstGeom prst="line">
+            <a:avLst/>
+          </a:prstGeom>
+          <a:ln w="15875">
+            <a:solidFill>
+              <a:schemeClr val="tx1">
+                <a:lumMod val="85000"/>
+                <a:lumOff val="15000"/>
+              </a:schemeClr>
+            </a:solidFill>
+          </a:ln>
+        </p:spPr>
+        <p:style>
+          <a:lnRef idx="1">
+            <a:schemeClr val="accent1"/>
+          </a:lnRef>
+          <a:fillRef idx="0">
+            <a:schemeClr val="accent1"/>
+          </a:fillRef>
+          <a:effectRef idx="0">
+            <a:schemeClr val="accent1"/>
+          </a:effectRef>
+          <a:fontRef idx="minor">
+            <a:schemeClr val="tx1"/>
+          </a:fontRef>
+        </p:style>
+      </p:cxnSp>
+    </p:spTree>
+    <p:extLst>
+      <p:ext uri="{BB962C8B-B14F-4D97-AF65-F5344CB8AC3E}">
+        <p14:creationId xmlns:p14="http://schemas.microsoft.com/office/powerpoint/2010/main" val="2242182964"/>
+      </p:ext>
+    </p:extLst>
+  </p:cSld>
+  <p:clrMapOvr>
+    <a:masterClrMapping/>
+  </p:clrMapOvr>
+</p:sld>
+</file>
+
+<file path=ppt/slides/slide39.xml><?xml version="1.0" encoding="utf-8"?>
+<p:sld xmlns:a="http://schemas.openxmlformats.org/drawingml/2006/main" xmlns:r="http://schemas.openxmlformats.org/officeDocument/2006/relationships" xmlns:p="http://schemas.openxmlformats.org/presentationml/2006/main">
+  <p:cSld>
+    <p:spTree>
+      <p:nvGrpSpPr>
+        <p:cNvPr id="1" name=""/>
+        <p:cNvGrpSpPr/>
+        <p:nvPr/>
+      </p:nvGrpSpPr>
+      <p:grpSpPr>
+        <a:xfrm>
+          <a:off x="0" y="0"/>
+          <a:ext cx="0" cy="0"/>
+          <a:chOff x="0" y="0"/>
+          <a:chExt cx="0" cy="0"/>
+        </a:xfrm>
+      </p:grpSpPr>
+      <p:pic>
+        <p:nvPicPr>
+          <p:cNvPr id="8" name="Рисунок 7">
+            <a:extLst>
+              <a:ext uri="{FF2B5EF4-FFF2-40B4-BE49-F238E27FC236}">
+                <a16:creationId xmlns:a16="http://schemas.microsoft.com/office/drawing/2014/main" id="{278895AB-7356-41CB-B2C7-4D9374986509}"/>
+              </a:ext>
+            </a:extLst>
+          </p:cNvPr>
+          <p:cNvPicPr>
+            <a:picLocks noChangeAspect="1"/>
+          </p:cNvPicPr>
+          <p:nvPr/>
+        </p:nvPicPr>
+        <p:blipFill>
+          <a:blip r:embed="rId2"/>
+          <a:stretch>
+            <a:fillRect/>
+          </a:stretch>
+        </p:blipFill>
+        <p:spPr>
+          <a:xfrm>
+            <a:off x="0" y="0"/>
+            <a:ext cx="12192000" cy="6858000"/>
+          </a:xfrm>
+          <a:prstGeom prst="rect">
+            <a:avLst/>
+          </a:prstGeom>
+        </p:spPr>
+      </p:pic>
+    </p:spTree>
+    <p:extLst>
+      <p:ext uri="{BB962C8B-B14F-4D97-AF65-F5344CB8AC3E}">
+        <p14:creationId xmlns:p14="http://schemas.microsoft.com/office/powerpoint/2010/main" val="410696505"/>
+      </p:ext>
+    </p:extLst>
+  </p:cSld>
+  <p:clrMapOvr>
+    <a:masterClrMapping/>
+  </p:clrMapOvr>
+</p:sld>
+</file>
+
+<file path=ppt/slides/slide4.xml><?xml version="1.0" encoding="utf-8"?>
 <p:sld xmlns:a="http://schemas.openxmlformats.org/drawingml/2006/main" xmlns:r="http://schemas.openxmlformats.org/officeDocument/2006/relationships" xmlns:p="http://schemas.openxmlformats.org/presentationml/2006/main">
   <p:cSld>
     <p:spTree>
@@ -15708,1932 +18334,6 @@
 </p:sld>
 </file>
 
-<file path=ppt/slides/slide30.xml><?xml version="1.0" encoding="utf-8"?>
-<p:sld xmlns:a="http://schemas.openxmlformats.org/drawingml/2006/main" xmlns:r="http://schemas.openxmlformats.org/officeDocument/2006/relationships" xmlns:p="http://schemas.openxmlformats.org/presentationml/2006/main">
-  <p:cSld>
-    <p:spTree>
-      <p:nvGrpSpPr>
-        <p:cNvPr id="1" name=""/>
-        <p:cNvGrpSpPr/>
-        <p:nvPr/>
-      </p:nvGrpSpPr>
-      <p:grpSpPr>
-        <a:xfrm>
-          <a:off x="0" y="0"/>
-          <a:ext cx="0" cy="0"/>
-          <a:chOff x="0" y="0"/>
-          <a:chExt cx="0" cy="0"/>
-        </a:xfrm>
-      </p:grpSpPr>
-      <p:pic>
-        <p:nvPicPr>
-          <p:cNvPr id="2" name="Рисунок 1">
-            <a:extLst>
-              <a:ext uri="{FF2B5EF4-FFF2-40B4-BE49-F238E27FC236}">
-                <a16:creationId xmlns:a16="http://schemas.microsoft.com/office/drawing/2014/main" id="{53A6EF26-7CEC-48D8-96A4-5FF3D3A9EAE3}"/>
-              </a:ext>
-            </a:extLst>
-          </p:cNvPr>
-          <p:cNvPicPr>
-            <a:picLocks noChangeAspect="1"/>
-          </p:cNvPicPr>
-          <p:nvPr/>
-        </p:nvPicPr>
-        <p:blipFill>
-          <a:blip r:embed="rId2"/>
-          <a:stretch>
-            <a:fillRect/>
-          </a:stretch>
-        </p:blipFill>
-        <p:spPr>
-          <a:xfrm>
-            <a:off x="1132782" y="1342734"/>
-            <a:ext cx="9926435" cy="4172532"/>
-          </a:xfrm>
-          <a:prstGeom prst="rect">
-            <a:avLst/>
-          </a:prstGeom>
-        </p:spPr>
-      </p:pic>
-      <p:cxnSp>
-        <p:nvCxnSpPr>
-          <p:cNvPr id="3" name="Прямая соединительная линия 2">
-            <a:extLst>
-              <a:ext uri="{FF2B5EF4-FFF2-40B4-BE49-F238E27FC236}">
-                <a16:creationId xmlns:a16="http://schemas.microsoft.com/office/drawing/2014/main" id="{20014B72-D194-44E4-9AED-F6BAE837EFAD}"/>
-              </a:ext>
-            </a:extLst>
-          </p:cNvPr>
-          <p:cNvCxnSpPr>
-            <a:cxnSpLocks/>
-          </p:cNvCxnSpPr>
-          <p:nvPr/>
-        </p:nvCxnSpPr>
-        <p:spPr>
-          <a:xfrm>
-            <a:off x="274860" y="-133350"/>
-            <a:ext cx="0" cy="7217544"/>
-          </a:xfrm>
-          <a:prstGeom prst="line">
-            <a:avLst/>
-          </a:prstGeom>
-          <a:ln w="15875">
-            <a:solidFill>
-              <a:schemeClr val="tx1">
-                <a:lumMod val="85000"/>
-                <a:lumOff val="15000"/>
-              </a:schemeClr>
-            </a:solidFill>
-          </a:ln>
-        </p:spPr>
-        <p:style>
-          <a:lnRef idx="1">
-            <a:schemeClr val="accent1"/>
-          </a:lnRef>
-          <a:fillRef idx="0">
-            <a:schemeClr val="accent1"/>
-          </a:fillRef>
-          <a:effectRef idx="0">
-            <a:schemeClr val="accent1"/>
-          </a:effectRef>
-          <a:fontRef idx="minor">
-            <a:schemeClr val="tx1"/>
-          </a:fontRef>
-        </p:style>
-      </p:cxnSp>
-    </p:spTree>
-    <p:extLst>
-      <p:ext uri="{BB962C8B-B14F-4D97-AF65-F5344CB8AC3E}">
-        <p14:creationId xmlns:p14="http://schemas.microsoft.com/office/powerpoint/2010/main" val="3612083526"/>
-      </p:ext>
-    </p:extLst>
-  </p:cSld>
-  <p:clrMapOvr>
-    <a:masterClrMapping/>
-  </p:clrMapOvr>
-</p:sld>
-</file>
-
-<file path=ppt/slides/slide31.xml><?xml version="1.0" encoding="utf-8"?>
-<p:sld xmlns:a="http://schemas.openxmlformats.org/drawingml/2006/main" xmlns:r="http://schemas.openxmlformats.org/officeDocument/2006/relationships" xmlns:p="http://schemas.openxmlformats.org/presentationml/2006/main">
-  <p:cSld>
-    <p:spTree>
-      <p:nvGrpSpPr>
-        <p:cNvPr id="1" name=""/>
-        <p:cNvGrpSpPr/>
-        <p:nvPr/>
-      </p:nvGrpSpPr>
-      <p:grpSpPr>
-        <a:xfrm>
-          <a:off x="0" y="0"/>
-          <a:ext cx="0" cy="0"/>
-          <a:chOff x="0" y="0"/>
-          <a:chExt cx="0" cy="0"/>
-        </a:xfrm>
-      </p:grpSpPr>
-      <p:pic>
-        <p:nvPicPr>
-          <p:cNvPr id="2" name="Рисунок 1">
-            <a:extLst>
-              <a:ext uri="{FF2B5EF4-FFF2-40B4-BE49-F238E27FC236}">
-                <a16:creationId xmlns:a16="http://schemas.microsoft.com/office/drawing/2014/main" id="{9471DED4-D12A-424C-A518-251AEED9856A}"/>
-              </a:ext>
-            </a:extLst>
-          </p:cNvPr>
-          <p:cNvPicPr>
-            <a:picLocks noChangeAspect="1"/>
-          </p:cNvPicPr>
-          <p:nvPr/>
-        </p:nvPicPr>
-        <p:blipFill>
-          <a:blip r:embed="rId2"/>
-          <a:stretch>
-            <a:fillRect/>
-          </a:stretch>
-        </p:blipFill>
-        <p:spPr>
-          <a:xfrm>
-            <a:off x="2369294" y="0"/>
-            <a:ext cx="7453412" cy="6858000"/>
-          </a:xfrm>
-          <a:prstGeom prst="rect">
-            <a:avLst/>
-          </a:prstGeom>
-        </p:spPr>
-      </p:pic>
-      <p:cxnSp>
-        <p:nvCxnSpPr>
-          <p:cNvPr id="3" name="Прямая соединительная линия 2">
-            <a:extLst>
-              <a:ext uri="{FF2B5EF4-FFF2-40B4-BE49-F238E27FC236}">
-                <a16:creationId xmlns:a16="http://schemas.microsoft.com/office/drawing/2014/main" id="{284B9455-8179-4C65-AF02-D116EEEAF968}"/>
-              </a:ext>
-            </a:extLst>
-          </p:cNvPr>
-          <p:cNvCxnSpPr>
-            <a:cxnSpLocks/>
-          </p:cNvCxnSpPr>
-          <p:nvPr/>
-        </p:nvCxnSpPr>
-        <p:spPr>
-          <a:xfrm>
-            <a:off x="274860" y="-133350"/>
-            <a:ext cx="0" cy="7217544"/>
-          </a:xfrm>
-          <a:prstGeom prst="line">
-            <a:avLst/>
-          </a:prstGeom>
-          <a:ln w="15875">
-            <a:solidFill>
-              <a:schemeClr val="tx1">
-                <a:lumMod val="85000"/>
-                <a:lumOff val="15000"/>
-              </a:schemeClr>
-            </a:solidFill>
-          </a:ln>
-        </p:spPr>
-        <p:style>
-          <a:lnRef idx="1">
-            <a:schemeClr val="accent1"/>
-          </a:lnRef>
-          <a:fillRef idx="0">
-            <a:schemeClr val="accent1"/>
-          </a:fillRef>
-          <a:effectRef idx="0">
-            <a:schemeClr val="accent1"/>
-          </a:effectRef>
-          <a:fontRef idx="minor">
-            <a:schemeClr val="tx1"/>
-          </a:fontRef>
-        </p:style>
-      </p:cxnSp>
-    </p:spTree>
-    <p:extLst>
-      <p:ext uri="{BB962C8B-B14F-4D97-AF65-F5344CB8AC3E}">
-        <p14:creationId xmlns:p14="http://schemas.microsoft.com/office/powerpoint/2010/main" val="2015969433"/>
-      </p:ext>
-    </p:extLst>
-  </p:cSld>
-  <p:clrMapOvr>
-    <a:masterClrMapping/>
-  </p:clrMapOvr>
-</p:sld>
-</file>
-
-<file path=ppt/slides/slide32.xml><?xml version="1.0" encoding="utf-8"?>
-<p:sld xmlns:a="http://schemas.openxmlformats.org/drawingml/2006/main" xmlns:r="http://schemas.openxmlformats.org/officeDocument/2006/relationships" xmlns:p="http://schemas.openxmlformats.org/presentationml/2006/main">
-  <p:cSld>
-    <p:spTree>
-      <p:nvGrpSpPr>
-        <p:cNvPr id="1" name=""/>
-        <p:cNvGrpSpPr/>
-        <p:nvPr/>
-      </p:nvGrpSpPr>
-      <p:grpSpPr>
-        <a:xfrm>
-          <a:off x="0" y="0"/>
-          <a:ext cx="0" cy="0"/>
-          <a:chOff x="0" y="0"/>
-          <a:chExt cx="0" cy="0"/>
-        </a:xfrm>
-      </p:grpSpPr>
-      <p:pic>
-        <p:nvPicPr>
-          <p:cNvPr id="2" name="Рисунок 1">
-            <a:extLst>
-              <a:ext uri="{FF2B5EF4-FFF2-40B4-BE49-F238E27FC236}">
-                <a16:creationId xmlns:a16="http://schemas.microsoft.com/office/drawing/2014/main" id="{CB7C4604-80C8-4687-8966-D3BF048A6165}"/>
-              </a:ext>
-            </a:extLst>
-          </p:cNvPr>
-          <p:cNvPicPr>
-            <a:picLocks noChangeAspect="1"/>
-          </p:cNvPicPr>
-          <p:nvPr/>
-        </p:nvPicPr>
-        <p:blipFill>
-          <a:blip r:embed="rId2"/>
-          <a:stretch>
-            <a:fillRect/>
-          </a:stretch>
-        </p:blipFill>
-        <p:spPr>
-          <a:xfrm>
-            <a:off x="2758294" y="0"/>
-            <a:ext cx="6675412" cy="6858000"/>
-          </a:xfrm>
-          <a:prstGeom prst="rect">
-            <a:avLst/>
-          </a:prstGeom>
-        </p:spPr>
-      </p:pic>
-      <p:cxnSp>
-        <p:nvCxnSpPr>
-          <p:cNvPr id="3" name="Прямая соединительная линия 2">
-            <a:extLst>
-              <a:ext uri="{FF2B5EF4-FFF2-40B4-BE49-F238E27FC236}">
-                <a16:creationId xmlns:a16="http://schemas.microsoft.com/office/drawing/2014/main" id="{BBEC7CE2-C326-4210-844A-52634990CCA8}"/>
-              </a:ext>
-            </a:extLst>
-          </p:cNvPr>
-          <p:cNvCxnSpPr>
-            <a:cxnSpLocks/>
-          </p:cNvCxnSpPr>
-          <p:nvPr/>
-        </p:nvCxnSpPr>
-        <p:spPr>
-          <a:xfrm>
-            <a:off x="274860" y="-133350"/>
-            <a:ext cx="0" cy="7217544"/>
-          </a:xfrm>
-          <a:prstGeom prst="line">
-            <a:avLst/>
-          </a:prstGeom>
-          <a:ln w="15875">
-            <a:solidFill>
-              <a:schemeClr val="tx1">
-                <a:lumMod val="85000"/>
-                <a:lumOff val="15000"/>
-              </a:schemeClr>
-            </a:solidFill>
-          </a:ln>
-        </p:spPr>
-        <p:style>
-          <a:lnRef idx="1">
-            <a:schemeClr val="accent1"/>
-          </a:lnRef>
-          <a:fillRef idx="0">
-            <a:schemeClr val="accent1"/>
-          </a:fillRef>
-          <a:effectRef idx="0">
-            <a:schemeClr val="accent1"/>
-          </a:effectRef>
-          <a:fontRef idx="minor">
-            <a:schemeClr val="tx1"/>
-          </a:fontRef>
-        </p:style>
-      </p:cxnSp>
-    </p:spTree>
-    <p:extLst>
-      <p:ext uri="{BB962C8B-B14F-4D97-AF65-F5344CB8AC3E}">
-        <p14:creationId xmlns:p14="http://schemas.microsoft.com/office/powerpoint/2010/main" val="1006276863"/>
-      </p:ext>
-    </p:extLst>
-  </p:cSld>
-  <p:clrMapOvr>
-    <a:masterClrMapping/>
-  </p:clrMapOvr>
-</p:sld>
-</file>
-
-<file path=ppt/slides/slide33.xml><?xml version="1.0" encoding="utf-8"?>
-<p:sld xmlns:a="http://schemas.openxmlformats.org/drawingml/2006/main" xmlns:r="http://schemas.openxmlformats.org/officeDocument/2006/relationships" xmlns:p="http://schemas.openxmlformats.org/presentationml/2006/main">
-  <p:cSld>
-    <p:spTree>
-      <p:nvGrpSpPr>
-        <p:cNvPr id="1" name=""/>
-        <p:cNvGrpSpPr/>
-        <p:nvPr/>
-      </p:nvGrpSpPr>
-      <p:grpSpPr>
-        <a:xfrm>
-          <a:off x="0" y="0"/>
-          <a:ext cx="0" cy="0"/>
-          <a:chOff x="0" y="0"/>
-          <a:chExt cx="0" cy="0"/>
-        </a:xfrm>
-      </p:grpSpPr>
-      <p:pic>
-        <p:nvPicPr>
-          <p:cNvPr id="2" name="Рисунок 1">
-            <a:extLst>
-              <a:ext uri="{FF2B5EF4-FFF2-40B4-BE49-F238E27FC236}">
-                <a16:creationId xmlns:a16="http://schemas.microsoft.com/office/drawing/2014/main" id="{D67DBDDE-9CD1-4A89-AFD0-0C4417F4F9E0}"/>
-              </a:ext>
-            </a:extLst>
-          </p:cNvPr>
-          <p:cNvPicPr>
-            <a:picLocks noChangeAspect="1"/>
-          </p:cNvPicPr>
-          <p:nvPr/>
-        </p:nvPicPr>
-        <p:blipFill>
-          <a:blip r:embed="rId2"/>
-          <a:stretch>
-            <a:fillRect/>
-          </a:stretch>
-        </p:blipFill>
-        <p:spPr>
-          <a:xfrm>
-            <a:off x="2730569" y="0"/>
-            <a:ext cx="6730861" cy="6858000"/>
-          </a:xfrm>
-          <a:prstGeom prst="rect">
-            <a:avLst/>
-          </a:prstGeom>
-        </p:spPr>
-      </p:pic>
-      <p:cxnSp>
-        <p:nvCxnSpPr>
-          <p:cNvPr id="3" name="Прямая соединительная линия 2">
-            <a:extLst>
-              <a:ext uri="{FF2B5EF4-FFF2-40B4-BE49-F238E27FC236}">
-                <a16:creationId xmlns:a16="http://schemas.microsoft.com/office/drawing/2014/main" id="{38DCE42F-636B-4610-84FB-019D36C90BF7}"/>
-              </a:ext>
-            </a:extLst>
-          </p:cNvPr>
-          <p:cNvCxnSpPr>
-            <a:cxnSpLocks/>
-          </p:cNvCxnSpPr>
-          <p:nvPr/>
-        </p:nvCxnSpPr>
-        <p:spPr>
-          <a:xfrm>
-            <a:off x="274860" y="-133350"/>
-            <a:ext cx="0" cy="7217544"/>
-          </a:xfrm>
-          <a:prstGeom prst="line">
-            <a:avLst/>
-          </a:prstGeom>
-          <a:ln w="15875">
-            <a:solidFill>
-              <a:schemeClr val="tx1">
-                <a:lumMod val="85000"/>
-                <a:lumOff val="15000"/>
-              </a:schemeClr>
-            </a:solidFill>
-          </a:ln>
-        </p:spPr>
-        <p:style>
-          <a:lnRef idx="1">
-            <a:schemeClr val="accent1"/>
-          </a:lnRef>
-          <a:fillRef idx="0">
-            <a:schemeClr val="accent1"/>
-          </a:fillRef>
-          <a:effectRef idx="0">
-            <a:schemeClr val="accent1"/>
-          </a:effectRef>
-          <a:fontRef idx="minor">
-            <a:schemeClr val="tx1"/>
-          </a:fontRef>
-        </p:style>
-      </p:cxnSp>
-    </p:spTree>
-    <p:extLst>
-      <p:ext uri="{BB962C8B-B14F-4D97-AF65-F5344CB8AC3E}">
-        <p14:creationId xmlns:p14="http://schemas.microsoft.com/office/powerpoint/2010/main" val="3993003103"/>
-      </p:ext>
-    </p:extLst>
-  </p:cSld>
-  <p:clrMapOvr>
-    <a:masterClrMapping/>
-  </p:clrMapOvr>
-</p:sld>
-</file>
-
-<file path=ppt/slides/slide34.xml><?xml version="1.0" encoding="utf-8"?>
-<p:sld xmlns:a="http://schemas.openxmlformats.org/drawingml/2006/main" xmlns:r="http://schemas.openxmlformats.org/officeDocument/2006/relationships" xmlns:p="http://schemas.openxmlformats.org/presentationml/2006/main">
-  <p:cSld>
-    <p:spTree>
-      <p:nvGrpSpPr>
-        <p:cNvPr id="1" name=""/>
-        <p:cNvGrpSpPr/>
-        <p:nvPr/>
-      </p:nvGrpSpPr>
-      <p:grpSpPr>
-        <a:xfrm>
-          <a:off x="0" y="0"/>
-          <a:ext cx="0" cy="0"/>
-          <a:chOff x="0" y="0"/>
-          <a:chExt cx="0" cy="0"/>
-        </a:xfrm>
-      </p:grpSpPr>
-      <p:pic>
-        <p:nvPicPr>
-          <p:cNvPr id="2" name="Рисунок 1">
-            <a:extLst>
-              <a:ext uri="{FF2B5EF4-FFF2-40B4-BE49-F238E27FC236}">
-                <a16:creationId xmlns:a16="http://schemas.microsoft.com/office/drawing/2014/main" id="{E6B9D5E6-D518-475D-9B9D-F2F6706135BC}"/>
-              </a:ext>
-            </a:extLst>
-          </p:cNvPr>
-          <p:cNvPicPr>
-            <a:picLocks noChangeAspect="1"/>
-          </p:cNvPicPr>
-          <p:nvPr/>
-        </p:nvPicPr>
-        <p:blipFill>
-          <a:blip r:embed="rId2"/>
-          <a:stretch>
-            <a:fillRect/>
-          </a:stretch>
-        </p:blipFill>
-        <p:spPr>
-          <a:xfrm>
-            <a:off x="1309019" y="151942"/>
-            <a:ext cx="9573961" cy="6554115"/>
-          </a:xfrm>
-          <a:prstGeom prst="rect">
-            <a:avLst/>
-          </a:prstGeom>
-        </p:spPr>
-      </p:pic>
-      <p:cxnSp>
-        <p:nvCxnSpPr>
-          <p:cNvPr id="3" name="Прямая соединительная линия 2">
-            <a:extLst>
-              <a:ext uri="{FF2B5EF4-FFF2-40B4-BE49-F238E27FC236}">
-                <a16:creationId xmlns:a16="http://schemas.microsoft.com/office/drawing/2014/main" id="{E922F73B-C13C-42CD-818E-C06721BEFDB2}"/>
-              </a:ext>
-            </a:extLst>
-          </p:cNvPr>
-          <p:cNvCxnSpPr>
-            <a:cxnSpLocks/>
-          </p:cNvCxnSpPr>
-          <p:nvPr/>
-        </p:nvCxnSpPr>
-        <p:spPr>
-          <a:xfrm>
-            <a:off x="274860" y="-133350"/>
-            <a:ext cx="0" cy="7217544"/>
-          </a:xfrm>
-          <a:prstGeom prst="line">
-            <a:avLst/>
-          </a:prstGeom>
-          <a:ln w="15875">
-            <a:solidFill>
-              <a:schemeClr val="tx1">
-                <a:lumMod val="85000"/>
-                <a:lumOff val="15000"/>
-              </a:schemeClr>
-            </a:solidFill>
-          </a:ln>
-        </p:spPr>
-        <p:style>
-          <a:lnRef idx="1">
-            <a:schemeClr val="accent1"/>
-          </a:lnRef>
-          <a:fillRef idx="0">
-            <a:schemeClr val="accent1"/>
-          </a:fillRef>
-          <a:effectRef idx="0">
-            <a:schemeClr val="accent1"/>
-          </a:effectRef>
-          <a:fontRef idx="minor">
-            <a:schemeClr val="tx1"/>
-          </a:fontRef>
-        </p:style>
-      </p:cxnSp>
-    </p:spTree>
-    <p:extLst>
-      <p:ext uri="{BB962C8B-B14F-4D97-AF65-F5344CB8AC3E}">
-        <p14:creationId xmlns:p14="http://schemas.microsoft.com/office/powerpoint/2010/main" val="4022803890"/>
-      </p:ext>
-    </p:extLst>
-  </p:cSld>
-  <p:clrMapOvr>
-    <a:masterClrMapping/>
-  </p:clrMapOvr>
-</p:sld>
-</file>
-
-<file path=ppt/slides/slide35.xml><?xml version="1.0" encoding="utf-8"?>
-<p:sld xmlns:a="http://schemas.openxmlformats.org/drawingml/2006/main" xmlns:r="http://schemas.openxmlformats.org/officeDocument/2006/relationships" xmlns:p="http://schemas.openxmlformats.org/presentationml/2006/main">
-  <p:cSld>
-    <p:spTree>
-      <p:nvGrpSpPr>
-        <p:cNvPr id="1" name=""/>
-        <p:cNvGrpSpPr/>
-        <p:nvPr/>
-      </p:nvGrpSpPr>
-      <p:grpSpPr>
-        <a:xfrm>
-          <a:off x="0" y="0"/>
-          <a:ext cx="0" cy="0"/>
-          <a:chOff x="0" y="0"/>
-          <a:chExt cx="0" cy="0"/>
-        </a:xfrm>
-      </p:grpSpPr>
-      <p:pic>
-        <p:nvPicPr>
-          <p:cNvPr id="2" name="Рисунок 1">
-            <a:extLst>
-              <a:ext uri="{FF2B5EF4-FFF2-40B4-BE49-F238E27FC236}">
-                <a16:creationId xmlns:a16="http://schemas.microsoft.com/office/drawing/2014/main" id="{982EF4CD-3905-4F5E-8DF0-D598FD9FF391}"/>
-              </a:ext>
-            </a:extLst>
-          </p:cNvPr>
-          <p:cNvPicPr>
-            <a:picLocks noChangeAspect="1"/>
-          </p:cNvPicPr>
-          <p:nvPr/>
-        </p:nvPicPr>
-        <p:blipFill>
-          <a:blip r:embed="rId2"/>
-          <a:stretch>
-            <a:fillRect/>
-          </a:stretch>
-        </p:blipFill>
-        <p:spPr>
-          <a:xfrm>
-            <a:off x="1876056" y="0"/>
-            <a:ext cx="8439887" cy="6858000"/>
-          </a:xfrm>
-          <a:prstGeom prst="rect">
-            <a:avLst/>
-          </a:prstGeom>
-        </p:spPr>
-      </p:pic>
-      <p:cxnSp>
-        <p:nvCxnSpPr>
-          <p:cNvPr id="3" name="Прямая соединительная линия 2">
-            <a:extLst>
-              <a:ext uri="{FF2B5EF4-FFF2-40B4-BE49-F238E27FC236}">
-                <a16:creationId xmlns:a16="http://schemas.microsoft.com/office/drawing/2014/main" id="{33525DDA-C92D-4AF1-80C3-602F9B685AD5}"/>
-              </a:ext>
-            </a:extLst>
-          </p:cNvPr>
-          <p:cNvCxnSpPr>
-            <a:cxnSpLocks/>
-          </p:cNvCxnSpPr>
-          <p:nvPr/>
-        </p:nvCxnSpPr>
-        <p:spPr>
-          <a:xfrm>
-            <a:off x="274860" y="-133350"/>
-            <a:ext cx="0" cy="7217544"/>
-          </a:xfrm>
-          <a:prstGeom prst="line">
-            <a:avLst/>
-          </a:prstGeom>
-          <a:ln w="15875">
-            <a:solidFill>
-              <a:schemeClr val="tx1">
-                <a:lumMod val="85000"/>
-                <a:lumOff val="15000"/>
-              </a:schemeClr>
-            </a:solidFill>
-          </a:ln>
-        </p:spPr>
-        <p:style>
-          <a:lnRef idx="1">
-            <a:schemeClr val="accent1"/>
-          </a:lnRef>
-          <a:fillRef idx="0">
-            <a:schemeClr val="accent1"/>
-          </a:fillRef>
-          <a:effectRef idx="0">
-            <a:schemeClr val="accent1"/>
-          </a:effectRef>
-          <a:fontRef idx="minor">
-            <a:schemeClr val="tx1"/>
-          </a:fontRef>
-        </p:style>
-      </p:cxnSp>
-    </p:spTree>
-    <p:extLst>
-      <p:ext uri="{BB962C8B-B14F-4D97-AF65-F5344CB8AC3E}">
-        <p14:creationId xmlns:p14="http://schemas.microsoft.com/office/powerpoint/2010/main" val="3208674965"/>
-      </p:ext>
-    </p:extLst>
-  </p:cSld>
-  <p:clrMapOvr>
-    <a:masterClrMapping/>
-  </p:clrMapOvr>
-</p:sld>
-</file>
-
-<file path=ppt/slides/slide36.xml><?xml version="1.0" encoding="utf-8"?>
-<p:sld xmlns:a="http://schemas.openxmlformats.org/drawingml/2006/main" xmlns:r="http://schemas.openxmlformats.org/officeDocument/2006/relationships" xmlns:p="http://schemas.openxmlformats.org/presentationml/2006/main">
-  <p:cSld>
-    <p:spTree>
-      <p:nvGrpSpPr>
-        <p:cNvPr id="1" name=""/>
-        <p:cNvGrpSpPr/>
-        <p:nvPr/>
-      </p:nvGrpSpPr>
-      <p:grpSpPr>
-        <a:xfrm>
-          <a:off x="0" y="0"/>
-          <a:ext cx="0" cy="0"/>
-          <a:chOff x="0" y="0"/>
-          <a:chExt cx="0" cy="0"/>
-        </a:xfrm>
-      </p:grpSpPr>
-      <p:pic>
-        <p:nvPicPr>
-          <p:cNvPr id="2" name="Рисунок 1">
-            <a:extLst>
-              <a:ext uri="{FF2B5EF4-FFF2-40B4-BE49-F238E27FC236}">
-                <a16:creationId xmlns:a16="http://schemas.microsoft.com/office/drawing/2014/main" id="{63CE375E-7E14-4D34-8DF8-281CC834B19F}"/>
-              </a:ext>
-            </a:extLst>
-          </p:cNvPr>
-          <p:cNvPicPr>
-            <a:picLocks noChangeAspect="1"/>
-          </p:cNvPicPr>
-          <p:nvPr/>
-        </p:nvPicPr>
-        <p:blipFill>
-          <a:blip r:embed="rId2"/>
-          <a:stretch>
-            <a:fillRect/>
-          </a:stretch>
-        </p:blipFill>
-        <p:spPr>
-          <a:xfrm>
-            <a:off x="1790549" y="0"/>
-            <a:ext cx="8610901" cy="6858000"/>
-          </a:xfrm>
-          <a:prstGeom prst="rect">
-            <a:avLst/>
-          </a:prstGeom>
-        </p:spPr>
-      </p:pic>
-      <p:cxnSp>
-        <p:nvCxnSpPr>
-          <p:cNvPr id="3" name="Прямая соединительная линия 2">
-            <a:extLst>
-              <a:ext uri="{FF2B5EF4-FFF2-40B4-BE49-F238E27FC236}">
-                <a16:creationId xmlns:a16="http://schemas.microsoft.com/office/drawing/2014/main" id="{AA7A0F46-9F11-4AB7-85E9-768D4312336C}"/>
-              </a:ext>
-            </a:extLst>
-          </p:cNvPr>
-          <p:cNvCxnSpPr>
-            <a:cxnSpLocks/>
-          </p:cNvCxnSpPr>
-          <p:nvPr/>
-        </p:nvCxnSpPr>
-        <p:spPr>
-          <a:xfrm>
-            <a:off x="274860" y="-133350"/>
-            <a:ext cx="0" cy="7217544"/>
-          </a:xfrm>
-          <a:prstGeom prst="line">
-            <a:avLst/>
-          </a:prstGeom>
-          <a:ln w="15875">
-            <a:solidFill>
-              <a:schemeClr val="tx1">
-                <a:lumMod val="85000"/>
-                <a:lumOff val="15000"/>
-              </a:schemeClr>
-            </a:solidFill>
-          </a:ln>
-        </p:spPr>
-        <p:style>
-          <a:lnRef idx="1">
-            <a:schemeClr val="accent1"/>
-          </a:lnRef>
-          <a:fillRef idx="0">
-            <a:schemeClr val="accent1"/>
-          </a:fillRef>
-          <a:effectRef idx="0">
-            <a:schemeClr val="accent1"/>
-          </a:effectRef>
-          <a:fontRef idx="minor">
-            <a:schemeClr val="tx1"/>
-          </a:fontRef>
-        </p:style>
-      </p:cxnSp>
-    </p:spTree>
-    <p:extLst>
-      <p:ext uri="{BB962C8B-B14F-4D97-AF65-F5344CB8AC3E}">
-        <p14:creationId xmlns:p14="http://schemas.microsoft.com/office/powerpoint/2010/main" val="1904919400"/>
-      </p:ext>
-    </p:extLst>
-  </p:cSld>
-  <p:clrMapOvr>
-    <a:masterClrMapping/>
-  </p:clrMapOvr>
-</p:sld>
-</file>
-
-<file path=ppt/slides/slide37.xml><?xml version="1.0" encoding="utf-8"?>
-<p:sld xmlns:a="http://schemas.openxmlformats.org/drawingml/2006/main" xmlns:r="http://schemas.openxmlformats.org/officeDocument/2006/relationships" xmlns:p="http://schemas.openxmlformats.org/presentationml/2006/main">
-  <p:cSld>
-    <p:spTree>
-      <p:nvGrpSpPr>
-        <p:cNvPr id="1" name=""/>
-        <p:cNvGrpSpPr/>
-        <p:nvPr/>
-      </p:nvGrpSpPr>
-      <p:grpSpPr>
-        <a:xfrm>
-          <a:off x="0" y="0"/>
-          <a:ext cx="0" cy="0"/>
-          <a:chOff x="0" y="0"/>
-          <a:chExt cx="0" cy="0"/>
-        </a:xfrm>
-      </p:grpSpPr>
-      <p:pic>
-        <p:nvPicPr>
-          <p:cNvPr id="2" name="Рисунок 1">
-            <a:extLst>
-              <a:ext uri="{FF2B5EF4-FFF2-40B4-BE49-F238E27FC236}">
-                <a16:creationId xmlns:a16="http://schemas.microsoft.com/office/drawing/2014/main" id="{1ABBA704-101F-4C0C-87BB-21E24728BDA6}"/>
-              </a:ext>
-            </a:extLst>
-          </p:cNvPr>
-          <p:cNvPicPr>
-            <a:picLocks noChangeAspect="1"/>
-          </p:cNvPicPr>
-          <p:nvPr/>
-        </p:nvPicPr>
-        <p:blipFill>
-          <a:blip r:embed="rId2"/>
-          <a:stretch>
-            <a:fillRect/>
-          </a:stretch>
-        </p:blipFill>
-        <p:spPr>
-          <a:xfrm>
-            <a:off x="2090057" y="0"/>
-            <a:ext cx="8011886" cy="6858000"/>
-          </a:xfrm>
-          <a:prstGeom prst="rect">
-            <a:avLst/>
-          </a:prstGeom>
-        </p:spPr>
-      </p:pic>
-      <p:cxnSp>
-        <p:nvCxnSpPr>
-          <p:cNvPr id="3" name="Прямая соединительная линия 2">
-            <a:extLst>
-              <a:ext uri="{FF2B5EF4-FFF2-40B4-BE49-F238E27FC236}">
-                <a16:creationId xmlns:a16="http://schemas.microsoft.com/office/drawing/2014/main" id="{2CF042EB-88E0-41DB-9EC9-5E6F3ABBFCAA}"/>
-              </a:ext>
-            </a:extLst>
-          </p:cNvPr>
-          <p:cNvCxnSpPr>
-            <a:cxnSpLocks/>
-          </p:cNvCxnSpPr>
-          <p:nvPr/>
-        </p:nvCxnSpPr>
-        <p:spPr>
-          <a:xfrm>
-            <a:off x="274860" y="-133350"/>
-            <a:ext cx="0" cy="7217544"/>
-          </a:xfrm>
-          <a:prstGeom prst="line">
-            <a:avLst/>
-          </a:prstGeom>
-          <a:ln w="15875">
-            <a:solidFill>
-              <a:schemeClr val="tx1">
-                <a:lumMod val="85000"/>
-                <a:lumOff val="15000"/>
-              </a:schemeClr>
-            </a:solidFill>
-          </a:ln>
-        </p:spPr>
-        <p:style>
-          <a:lnRef idx="1">
-            <a:schemeClr val="accent1"/>
-          </a:lnRef>
-          <a:fillRef idx="0">
-            <a:schemeClr val="accent1"/>
-          </a:fillRef>
-          <a:effectRef idx="0">
-            <a:schemeClr val="accent1"/>
-          </a:effectRef>
-          <a:fontRef idx="minor">
-            <a:schemeClr val="tx1"/>
-          </a:fontRef>
-        </p:style>
-      </p:cxnSp>
-    </p:spTree>
-    <p:extLst>
-      <p:ext uri="{BB962C8B-B14F-4D97-AF65-F5344CB8AC3E}">
-        <p14:creationId xmlns:p14="http://schemas.microsoft.com/office/powerpoint/2010/main" val="2242182964"/>
-      </p:ext>
-    </p:extLst>
-  </p:cSld>
-  <p:clrMapOvr>
-    <a:masterClrMapping/>
-  </p:clrMapOvr>
-</p:sld>
-</file>
-
-<file path=ppt/slides/slide38.xml><?xml version="1.0" encoding="utf-8"?>
-<p:sld xmlns:a="http://schemas.openxmlformats.org/drawingml/2006/main" xmlns:r="http://schemas.openxmlformats.org/officeDocument/2006/relationships" xmlns:p="http://schemas.openxmlformats.org/presentationml/2006/main">
-  <p:cSld>
-    <p:spTree>
-      <p:nvGrpSpPr>
-        <p:cNvPr id="1" name=""/>
-        <p:cNvGrpSpPr/>
-        <p:nvPr/>
-      </p:nvGrpSpPr>
-      <p:grpSpPr>
-        <a:xfrm>
-          <a:off x="0" y="0"/>
-          <a:ext cx="0" cy="0"/>
-          <a:chOff x="0" y="0"/>
-          <a:chExt cx="0" cy="0"/>
-        </a:xfrm>
-      </p:grpSpPr>
-      <p:pic>
-        <p:nvPicPr>
-          <p:cNvPr id="8" name="Рисунок 7">
-            <a:extLst>
-              <a:ext uri="{FF2B5EF4-FFF2-40B4-BE49-F238E27FC236}">
-                <a16:creationId xmlns:a16="http://schemas.microsoft.com/office/drawing/2014/main" id="{278895AB-7356-41CB-B2C7-4D9374986509}"/>
-              </a:ext>
-            </a:extLst>
-          </p:cNvPr>
-          <p:cNvPicPr>
-            <a:picLocks noChangeAspect="1"/>
-          </p:cNvPicPr>
-          <p:nvPr/>
-        </p:nvPicPr>
-        <p:blipFill>
-          <a:blip r:embed="rId2"/>
-          <a:stretch>
-            <a:fillRect/>
-          </a:stretch>
-        </p:blipFill>
-        <p:spPr>
-          <a:xfrm>
-            <a:off x="0" y="0"/>
-            <a:ext cx="12192000" cy="6858000"/>
-          </a:xfrm>
-          <a:prstGeom prst="rect">
-            <a:avLst/>
-          </a:prstGeom>
-        </p:spPr>
-      </p:pic>
-    </p:spTree>
-    <p:extLst>
-      <p:ext uri="{BB962C8B-B14F-4D97-AF65-F5344CB8AC3E}">
-        <p14:creationId xmlns:p14="http://schemas.microsoft.com/office/powerpoint/2010/main" val="410696505"/>
-      </p:ext>
-    </p:extLst>
-  </p:cSld>
-  <p:clrMapOvr>
-    <a:masterClrMapping/>
-  </p:clrMapOvr>
-</p:sld>
-</file>
-
-<file path=ppt/slides/slide39.xml><?xml version="1.0" encoding="utf-8"?>
-<p:sld xmlns:a="http://schemas.openxmlformats.org/drawingml/2006/main" xmlns:r="http://schemas.openxmlformats.org/officeDocument/2006/relationships" xmlns:p="http://schemas.openxmlformats.org/presentationml/2006/main">
-  <p:cSld>
-    <p:spTree>
-      <p:nvGrpSpPr>
-        <p:cNvPr id="1" name=""/>
-        <p:cNvGrpSpPr/>
-        <p:nvPr/>
-      </p:nvGrpSpPr>
-      <p:grpSpPr>
-        <a:xfrm>
-          <a:off x="0" y="0"/>
-          <a:ext cx="0" cy="0"/>
-          <a:chOff x="0" y="0"/>
-          <a:chExt cx="0" cy="0"/>
-        </a:xfrm>
-      </p:grpSpPr>
-      <p:pic>
-        <p:nvPicPr>
-          <p:cNvPr id="2" name="Рисунок 1">
-            <a:extLst>
-              <a:ext uri="{FF2B5EF4-FFF2-40B4-BE49-F238E27FC236}">
-                <a16:creationId xmlns:a16="http://schemas.microsoft.com/office/drawing/2014/main" id="{85B02048-4059-4022-B26E-922633CB78C3}"/>
-              </a:ext>
-            </a:extLst>
-          </p:cNvPr>
-          <p:cNvPicPr>
-            <a:picLocks noChangeAspect="1"/>
-          </p:cNvPicPr>
-          <p:nvPr/>
-        </p:nvPicPr>
-        <p:blipFill>
-          <a:blip r:embed="rId2"/>
-          <a:stretch>
-            <a:fillRect/>
-          </a:stretch>
-        </p:blipFill>
-        <p:spPr>
-          <a:xfrm>
-            <a:off x="0" y="0"/>
-            <a:ext cx="12192000" cy="6858000"/>
-          </a:xfrm>
-          <a:prstGeom prst="rect">
-            <a:avLst/>
-          </a:prstGeom>
-        </p:spPr>
-      </p:pic>
-    </p:spTree>
-    <p:extLst>
-      <p:ext uri="{BB962C8B-B14F-4D97-AF65-F5344CB8AC3E}">
-        <p14:creationId xmlns:p14="http://schemas.microsoft.com/office/powerpoint/2010/main" val="1746986955"/>
-      </p:ext>
-    </p:extLst>
-  </p:cSld>
-  <p:clrMapOvr>
-    <a:masterClrMapping/>
-  </p:clrMapOvr>
-</p:sld>
-</file>
-
-<file path=ppt/slides/slide4.xml><?xml version="1.0" encoding="utf-8"?>
-<p:sld xmlns:a="http://schemas.openxmlformats.org/drawingml/2006/main" xmlns:r="http://schemas.openxmlformats.org/officeDocument/2006/relationships" xmlns:p="http://schemas.openxmlformats.org/presentationml/2006/main">
-  <p:cSld>
-    <p:spTree>
-      <p:nvGrpSpPr>
-        <p:cNvPr id="1" name=""/>
-        <p:cNvGrpSpPr/>
-        <p:nvPr/>
-      </p:nvGrpSpPr>
-      <p:grpSpPr>
-        <a:xfrm>
-          <a:off x="0" y="0"/>
-          <a:ext cx="0" cy="0"/>
-          <a:chOff x="0" y="0"/>
-          <a:chExt cx="0" cy="0"/>
-        </a:xfrm>
-      </p:grpSpPr>
-      <p:sp>
-        <p:nvSpPr>
-          <p:cNvPr id="2" name="Rectangle: Rounded Corners 3">
-            <a:extLst>
-              <a:ext uri="{FF2B5EF4-FFF2-40B4-BE49-F238E27FC236}">
-                <a16:creationId xmlns:a16="http://schemas.microsoft.com/office/drawing/2014/main" id="{E8EE0187-EE2F-4AB6-8CF7-D0BA1D1BDC03}"/>
-              </a:ext>
-            </a:extLst>
-          </p:cNvPr>
-          <p:cNvSpPr/>
-          <p:nvPr/>
-        </p:nvSpPr>
-        <p:spPr>
-          <a:xfrm>
-            <a:off x="-113211" y="156754"/>
-            <a:ext cx="1785257" cy="566057"/>
-          </a:xfrm>
-          <a:prstGeom prst="roundRect">
-            <a:avLst/>
-          </a:prstGeom>
-          <a:solidFill>
-            <a:srgbClr val="303030"/>
-          </a:solidFill>
-        </p:spPr>
-        <p:style>
-          <a:lnRef idx="2">
-            <a:schemeClr val="accent1">
-              <a:shade val="50000"/>
-            </a:schemeClr>
-          </a:lnRef>
-          <a:fillRef idx="1">
-            <a:schemeClr val="accent1"/>
-          </a:fillRef>
-          <a:effectRef idx="0">
-            <a:schemeClr val="accent1"/>
-          </a:effectRef>
-          <a:fontRef idx="minor">
-            <a:schemeClr val="lt1"/>
-          </a:fontRef>
-        </p:style>
-        <p:txBody>
-          <a:bodyPr rtlCol="0" anchor="ctr"/>
-          <a:lstStyle/>
-          <a:p>
-            <a:pPr algn="ctr"/>
-            <a:endParaRPr lang="en-US"/>
-          </a:p>
-        </p:txBody>
-      </p:sp>
-      <p:sp>
-        <p:nvSpPr>
-          <p:cNvPr id="3" name="TextBox 2">
-            <a:extLst>
-              <a:ext uri="{FF2B5EF4-FFF2-40B4-BE49-F238E27FC236}">
-                <a16:creationId xmlns:a16="http://schemas.microsoft.com/office/drawing/2014/main" id="{A7A52280-573A-40E5-87FF-636AAAA59134}"/>
-              </a:ext>
-            </a:extLst>
-          </p:cNvPr>
-          <p:cNvSpPr txBox="1"/>
-          <p:nvPr/>
-        </p:nvSpPr>
-        <p:spPr>
-          <a:xfrm>
-            <a:off x="65555" y="208949"/>
-            <a:ext cx="1444626" cy="461665"/>
-          </a:xfrm>
-          <a:prstGeom prst="rect">
-            <a:avLst/>
-          </a:prstGeom>
-          <a:noFill/>
-        </p:spPr>
-        <p:txBody>
-          <a:bodyPr wrap="none" rtlCol="0">
-            <a:spAutoFit/>
-          </a:bodyPr>
-          <a:lstStyle/>
-          <a:p>
-            <a:r>
-              <a:rPr lang="ru-RU" sz="2400" dirty="0">
-                <a:solidFill>
-                  <a:schemeClr val="bg1">
-                    <a:lumMod val="95000"/>
-                  </a:schemeClr>
-                </a:solidFill>
-                <a:latin typeface="Bahnschrift SemiBold" panose="020B0502040204020203" pitchFamily="34" charset="0"/>
-              </a:rPr>
-              <a:t>Команда</a:t>
-            </a:r>
-          </a:p>
-        </p:txBody>
-      </p:sp>
-      <p:sp>
-        <p:nvSpPr>
-          <p:cNvPr id="11" name="Rectangle: Rounded Corners 3">
-            <a:extLst>
-              <a:ext uri="{FF2B5EF4-FFF2-40B4-BE49-F238E27FC236}">
-                <a16:creationId xmlns:a16="http://schemas.microsoft.com/office/drawing/2014/main" id="{C7BE48F2-CF55-41CE-A411-AE28375725C4}"/>
-              </a:ext>
-            </a:extLst>
-          </p:cNvPr>
-          <p:cNvSpPr/>
-          <p:nvPr/>
-        </p:nvSpPr>
-        <p:spPr>
-          <a:xfrm>
-            <a:off x="2073571" y="1883287"/>
-            <a:ext cx="2468880" cy="566057"/>
-          </a:xfrm>
-          <a:prstGeom prst="roundRect">
-            <a:avLst/>
-          </a:prstGeom>
-          <a:solidFill>
-            <a:srgbClr val="303030"/>
-          </a:solidFill>
-        </p:spPr>
-        <p:style>
-          <a:lnRef idx="2">
-            <a:schemeClr val="accent1">
-              <a:shade val="50000"/>
-            </a:schemeClr>
-          </a:lnRef>
-          <a:fillRef idx="1">
-            <a:schemeClr val="accent1"/>
-          </a:fillRef>
-          <a:effectRef idx="0">
-            <a:schemeClr val="accent1"/>
-          </a:effectRef>
-          <a:fontRef idx="minor">
-            <a:schemeClr val="lt1"/>
-          </a:fontRef>
-        </p:style>
-        <p:txBody>
-          <a:bodyPr rtlCol="0" anchor="ctr"/>
-          <a:lstStyle/>
-          <a:p>
-            <a:pPr algn="ctr"/>
-            <a:endParaRPr lang="en-US"/>
-          </a:p>
-        </p:txBody>
-      </p:sp>
-      <p:sp>
-        <p:nvSpPr>
-          <p:cNvPr id="12" name="TextBox 11">
-            <a:extLst>
-              <a:ext uri="{FF2B5EF4-FFF2-40B4-BE49-F238E27FC236}">
-                <a16:creationId xmlns:a16="http://schemas.microsoft.com/office/drawing/2014/main" id="{6FA1C9C1-A74D-4549-BC52-6F5543214070}"/>
-              </a:ext>
-            </a:extLst>
-          </p:cNvPr>
-          <p:cNvSpPr txBox="1"/>
-          <p:nvPr/>
-        </p:nvSpPr>
-        <p:spPr>
-          <a:xfrm>
-            <a:off x="2252336" y="1935482"/>
-            <a:ext cx="2073003" cy="461665"/>
-          </a:xfrm>
-          <a:prstGeom prst="rect">
-            <a:avLst/>
-          </a:prstGeom>
-          <a:noFill/>
-        </p:spPr>
-        <p:txBody>
-          <a:bodyPr wrap="none" rtlCol="0">
-            <a:spAutoFit/>
-          </a:bodyPr>
-          <a:lstStyle/>
-          <a:p>
-            <a:r>
-              <a:rPr lang="ru-RU" sz="2400" dirty="0">
-                <a:solidFill>
-                  <a:schemeClr val="bg1">
-                    <a:lumMod val="95000"/>
-                  </a:schemeClr>
-                </a:solidFill>
-                <a:latin typeface="Bahnschrift SemiBold" panose="020B0502040204020203" pitchFamily="34" charset="0"/>
-              </a:rPr>
-              <a:t>А.И. Искужин</a:t>
-            </a:r>
-            <a:endParaRPr lang="ru-RU" sz="3200" dirty="0">
-              <a:solidFill>
-                <a:schemeClr val="bg1">
-                  <a:lumMod val="95000"/>
-                </a:schemeClr>
-              </a:solidFill>
-              <a:latin typeface="Bahnschrift SemiBold" panose="020B0502040204020203" pitchFamily="34" charset="0"/>
-            </a:endParaRPr>
-          </a:p>
-        </p:txBody>
-      </p:sp>
-      <p:sp>
-        <p:nvSpPr>
-          <p:cNvPr id="13" name="Rectangle: Rounded Corners 3">
-            <a:extLst>
-              <a:ext uri="{FF2B5EF4-FFF2-40B4-BE49-F238E27FC236}">
-                <a16:creationId xmlns:a16="http://schemas.microsoft.com/office/drawing/2014/main" id="{020B0D61-8DDC-479E-82E4-4018C9852F17}"/>
-              </a:ext>
-            </a:extLst>
-          </p:cNvPr>
-          <p:cNvSpPr/>
-          <p:nvPr/>
-        </p:nvSpPr>
-        <p:spPr>
-          <a:xfrm>
-            <a:off x="6792941" y="1883287"/>
-            <a:ext cx="2778033" cy="566057"/>
-          </a:xfrm>
-          <a:prstGeom prst="roundRect">
-            <a:avLst/>
-          </a:prstGeom>
-          <a:solidFill>
-            <a:srgbClr val="303030"/>
-          </a:solidFill>
-        </p:spPr>
-        <p:style>
-          <a:lnRef idx="2">
-            <a:schemeClr val="accent1">
-              <a:shade val="50000"/>
-            </a:schemeClr>
-          </a:lnRef>
-          <a:fillRef idx="1">
-            <a:schemeClr val="accent1"/>
-          </a:fillRef>
-          <a:effectRef idx="0">
-            <a:schemeClr val="accent1"/>
-          </a:effectRef>
-          <a:fontRef idx="minor">
-            <a:schemeClr val="lt1"/>
-          </a:fontRef>
-        </p:style>
-        <p:txBody>
-          <a:bodyPr rtlCol="0" anchor="ctr"/>
-          <a:lstStyle/>
-          <a:p>
-            <a:pPr algn="ctr"/>
-            <a:endParaRPr lang="en-US"/>
-          </a:p>
-        </p:txBody>
-      </p:sp>
-      <p:sp>
-        <p:nvSpPr>
-          <p:cNvPr id="14" name="TextBox 13">
-            <a:extLst>
-              <a:ext uri="{FF2B5EF4-FFF2-40B4-BE49-F238E27FC236}">
-                <a16:creationId xmlns:a16="http://schemas.microsoft.com/office/drawing/2014/main" id="{758EC940-BE5A-4F31-B3DE-FA622AAB5175}"/>
-              </a:ext>
-            </a:extLst>
-          </p:cNvPr>
-          <p:cNvSpPr txBox="1"/>
-          <p:nvPr/>
-        </p:nvSpPr>
-        <p:spPr>
-          <a:xfrm>
-            <a:off x="6971707" y="1935482"/>
-            <a:ext cx="2494594" cy="461665"/>
-          </a:xfrm>
-          <a:prstGeom prst="rect">
-            <a:avLst/>
-          </a:prstGeom>
-          <a:noFill/>
-        </p:spPr>
-        <p:txBody>
-          <a:bodyPr wrap="none" rtlCol="0">
-            <a:spAutoFit/>
-          </a:bodyPr>
-          <a:lstStyle/>
-          <a:p>
-            <a:r>
-              <a:rPr lang="ru-RU" sz="2400" dirty="0">
-                <a:solidFill>
-                  <a:schemeClr val="bg1">
-                    <a:lumMod val="95000"/>
-                  </a:schemeClr>
-                </a:solidFill>
-                <a:latin typeface="Bahnschrift SemiBold" panose="020B0502040204020203" pitchFamily="34" charset="0"/>
-              </a:rPr>
-              <a:t>М.В. Костусенко</a:t>
-            </a:r>
-            <a:endParaRPr lang="ru-RU" sz="3200" dirty="0">
-              <a:solidFill>
-                <a:schemeClr val="bg1">
-                  <a:lumMod val="95000"/>
-                </a:schemeClr>
-              </a:solidFill>
-              <a:latin typeface="Bahnschrift SemiBold" panose="020B0502040204020203" pitchFamily="34" charset="0"/>
-            </a:endParaRPr>
-          </a:p>
-        </p:txBody>
-      </p:sp>
-      <p:sp>
-        <p:nvSpPr>
-          <p:cNvPr id="19" name="TextBox 18">
-            <a:extLst>
-              <a:ext uri="{FF2B5EF4-FFF2-40B4-BE49-F238E27FC236}">
-                <a16:creationId xmlns:a16="http://schemas.microsoft.com/office/drawing/2014/main" id="{B85B2B6B-5C16-48CA-B3AD-A0D9499FC689}"/>
-              </a:ext>
-            </a:extLst>
-          </p:cNvPr>
-          <p:cNvSpPr txBox="1"/>
-          <p:nvPr/>
-        </p:nvSpPr>
-        <p:spPr>
-          <a:xfrm>
-            <a:off x="2073571" y="2855209"/>
-            <a:ext cx="3791423" cy="1414746"/>
-          </a:xfrm>
-          <a:prstGeom prst="rect">
-            <a:avLst/>
-          </a:prstGeom>
-          <a:noFill/>
-        </p:spPr>
-        <p:txBody>
-          <a:bodyPr wrap="none" rtlCol="0">
-            <a:spAutoFit/>
-          </a:bodyPr>
-          <a:lstStyle/>
-          <a:p>
-            <a:pPr marL="285750" indent="-285750">
-              <a:lnSpc>
-                <a:spcPct val="150000"/>
-              </a:lnSpc>
-              <a:buFont typeface="Arial" panose="020B0604020202020204" pitchFamily="34" charset="0"/>
-              <a:buChar char="•"/>
-            </a:pPr>
-            <a:r>
-              <a:rPr lang="ru-RU" sz="2000" dirty="0">
-                <a:latin typeface="Bahnschrift SemiBold" panose="020B0502040204020203" pitchFamily="34" charset="0"/>
-              </a:rPr>
-              <a:t>Владелец продукта</a:t>
-            </a:r>
-          </a:p>
-          <a:p>
-            <a:pPr marL="285750" indent="-285750">
-              <a:lnSpc>
-                <a:spcPct val="150000"/>
-              </a:lnSpc>
-              <a:buFont typeface="Arial" panose="020B0604020202020204" pitchFamily="34" charset="0"/>
-              <a:buChar char="•"/>
-            </a:pPr>
-            <a:r>
-              <a:rPr lang="ru-RU" sz="2000" dirty="0">
-                <a:latin typeface="Bahnschrift SemiBold" panose="020B0502040204020203" pitchFamily="34" charset="0"/>
-              </a:rPr>
-              <a:t>Фулстек-разработчик</a:t>
-            </a:r>
-          </a:p>
-          <a:p>
-            <a:pPr marL="285750" indent="-285750">
-              <a:lnSpc>
-                <a:spcPct val="150000"/>
-              </a:lnSpc>
-              <a:buFont typeface="Arial" panose="020B0604020202020204" pitchFamily="34" charset="0"/>
-              <a:buChar char="•"/>
-            </a:pPr>
-            <a:r>
-              <a:rPr lang="ru-RU" sz="2000" dirty="0">
-                <a:latin typeface="Bahnschrift SemiBold" panose="020B0502040204020203" pitchFamily="34" charset="0"/>
-              </a:rPr>
-              <a:t>Администратор баз данных</a:t>
-            </a:r>
-          </a:p>
-        </p:txBody>
-      </p:sp>
-      <p:sp>
-        <p:nvSpPr>
-          <p:cNvPr id="21" name="TextBox 20">
-            <a:extLst>
-              <a:ext uri="{FF2B5EF4-FFF2-40B4-BE49-F238E27FC236}">
-                <a16:creationId xmlns:a16="http://schemas.microsoft.com/office/drawing/2014/main" id="{48B7E274-42F2-4C55-A053-6EE8065C1265}"/>
-              </a:ext>
-            </a:extLst>
-          </p:cNvPr>
-          <p:cNvSpPr txBox="1"/>
-          <p:nvPr/>
-        </p:nvSpPr>
-        <p:spPr>
-          <a:xfrm>
-            <a:off x="6792941" y="2855209"/>
-            <a:ext cx="3791423" cy="1876411"/>
-          </a:xfrm>
-          <a:prstGeom prst="rect">
-            <a:avLst/>
-          </a:prstGeom>
-          <a:noFill/>
-        </p:spPr>
-        <p:txBody>
-          <a:bodyPr wrap="none" rtlCol="0">
-            <a:spAutoFit/>
-          </a:bodyPr>
-          <a:lstStyle/>
-          <a:p>
-            <a:pPr marL="285750" indent="-285750">
-              <a:lnSpc>
-                <a:spcPct val="150000"/>
-              </a:lnSpc>
-              <a:buFont typeface="Arial" panose="020B0604020202020204" pitchFamily="34" charset="0"/>
-              <a:buChar char="•"/>
-            </a:pPr>
-            <a:r>
-              <a:rPr lang="ru-RU" sz="2000" dirty="0">
-                <a:latin typeface="Bahnschrift SemiBold" panose="020B0502040204020203" pitchFamily="34" charset="0"/>
-              </a:rPr>
-              <a:t>Скрам-мастер</a:t>
-            </a:r>
-          </a:p>
-          <a:p>
-            <a:pPr marL="285750" indent="-285750">
-              <a:lnSpc>
-                <a:spcPct val="150000"/>
-              </a:lnSpc>
-              <a:buFont typeface="Arial" panose="020B0604020202020204" pitchFamily="34" charset="0"/>
-              <a:buChar char="•"/>
-            </a:pPr>
-            <a:r>
-              <a:rPr lang="ru-RU" sz="2000" dirty="0">
-                <a:latin typeface="Bahnschrift SemiBold" panose="020B0502040204020203" pitchFamily="34" charset="0"/>
-              </a:rPr>
-              <a:t>Фулстек-разработчик</a:t>
-            </a:r>
-          </a:p>
-          <a:p>
-            <a:pPr marL="285750" indent="-285750">
-              <a:lnSpc>
-                <a:spcPct val="150000"/>
-              </a:lnSpc>
-              <a:buFont typeface="Arial" panose="020B0604020202020204" pitchFamily="34" charset="0"/>
-              <a:buChar char="•"/>
-            </a:pPr>
-            <a:r>
-              <a:rPr lang="ru-RU" sz="2000" dirty="0">
-                <a:latin typeface="Bahnschrift SemiBold" panose="020B0502040204020203" pitchFamily="34" charset="0"/>
-              </a:rPr>
-              <a:t>Администратор баз данных</a:t>
-            </a:r>
-          </a:p>
-          <a:p>
-            <a:pPr marL="285750" indent="-285750">
-              <a:lnSpc>
-                <a:spcPct val="150000"/>
-              </a:lnSpc>
-              <a:buFont typeface="Arial" panose="020B0604020202020204" pitchFamily="34" charset="0"/>
-              <a:buChar char="•"/>
-            </a:pPr>
-            <a:r>
-              <a:rPr lang="ru-RU" sz="2000" dirty="0">
-                <a:latin typeface="Bahnschrift SemiBold" panose="020B0502040204020203" pitchFamily="34" charset="0"/>
-              </a:rPr>
-              <a:t>Системный администратор</a:t>
-            </a:r>
-          </a:p>
-        </p:txBody>
-      </p:sp>
-      <p:sp>
-        <p:nvSpPr>
-          <p:cNvPr id="23" name="Овал 22">
-            <a:extLst>
-              <a:ext uri="{FF2B5EF4-FFF2-40B4-BE49-F238E27FC236}">
-                <a16:creationId xmlns:a16="http://schemas.microsoft.com/office/drawing/2014/main" id="{B896EE77-7FF4-4F21-8B85-E43CAE37B60C}"/>
-              </a:ext>
-            </a:extLst>
-          </p:cNvPr>
-          <p:cNvSpPr/>
-          <p:nvPr/>
-        </p:nvSpPr>
-        <p:spPr>
-          <a:xfrm>
-            <a:off x="173255" y="660391"/>
-            <a:ext cx="203209" cy="203209"/>
-          </a:xfrm>
-          <a:prstGeom prst="ellipse">
-            <a:avLst/>
-          </a:prstGeom>
-          <a:solidFill>
-            <a:schemeClr val="tx1">
-              <a:lumMod val="85000"/>
-              <a:lumOff val="15000"/>
-            </a:schemeClr>
-          </a:solidFill>
-          <a:ln w="57150">
-            <a:solidFill>
-              <a:schemeClr val="bg1"/>
-            </a:solidFill>
-          </a:ln>
-        </p:spPr>
-        <p:style>
-          <a:lnRef idx="2">
-            <a:schemeClr val="accent1">
-              <a:shade val="50000"/>
-            </a:schemeClr>
-          </a:lnRef>
-          <a:fillRef idx="1">
-            <a:schemeClr val="accent1"/>
-          </a:fillRef>
-          <a:effectRef idx="0">
-            <a:schemeClr val="accent1"/>
-          </a:effectRef>
-          <a:fontRef idx="minor">
-            <a:schemeClr val="lt1"/>
-          </a:fontRef>
-        </p:style>
-        <p:txBody>
-          <a:bodyPr rtlCol="0" anchor="ctr"/>
-          <a:lstStyle/>
-          <a:p>
-            <a:pPr algn="ctr"/>
-            <a:endParaRPr lang="ru-RU"/>
-          </a:p>
-        </p:txBody>
-      </p:sp>
-      <p:cxnSp>
-        <p:nvCxnSpPr>
-          <p:cNvPr id="24" name="Прямая соединительная линия 23">
-            <a:extLst>
-              <a:ext uri="{FF2B5EF4-FFF2-40B4-BE49-F238E27FC236}">
-                <a16:creationId xmlns:a16="http://schemas.microsoft.com/office/drawing/2014/main" id="{79373610-8982-4654-A6CC-EA2311203B7E}"/>
-              </a:ext>
-            </a:extLst>
-          </p:cNvPr>
-          <p:cNvCxnSpPr>
-            <a:cxnSpLocks/>
-            <a:stCxn id="23" idx="4"/>
-          </p:cNvCxnSpPr>
-          <p:nvPr/>
-        </p:nvCxnSpPr>
-        <p:spPr>
-          <a:xfrm>
-            <a:off x="274860" y="863600"/>
-            <a:ext cx="0" cy="6220594"/>
-          </a:xfrm>
-          <a:prstGeom prst="line">
-            <a:avLst/>
-          </a:prstGeom>
-          <a:ln w="15875">
-            <a:solidFill>
-              <a:schemeClr val="tx1">
-                <a:lumMod val="85000"/>
-                <a:lumOff val="15000"/>
-              </a:schemeClr>
-            </a:solidFill>
-          </a:ln>
-        </p:spPr>
-        <p:style>
-          <a:lnRef idx="1">
-            <a:schemeClr val="accent1"/>
-          </a:lnRef>
-          <a:fillRef idx="0">
-            <a:schemeClr val="accent1"/>
-          </a:fillRef>
-          <a:effectRef idx="0">
-            <a:schemeClr val="accent1"/>
-          </a:effectRef>
-          <a:fontRef idx="minor">
-            <a:schemeClr val="tx1"/>
-          </a:fontRef>
-        </p:style>
-      </p:cxnSp>
-      <p:sp>
-        <p:nvSpPr>
-          <p:cNvPr id="25" name="Овал 24">
-            <a:extLst>
-              <a:ext uri="{FF2B5EF4-FFF2-40B4-BE49-F238E27FC236}">
-                <a16:creationId xmlns:a16="http://schemas.microsoft.com/office/drawing/2014/main" id="{B1CB94EE-07F1-46F2-928B-5829406D9CC3}"/>
-              </a:ext>
-            </a:extLst>
-          </p:cNvPr>
-          <p:cNvSpPr/>
-          <p:nvPr/>
-        </p:nvSpPr>
-        <p:spPr>
-          <a:xfrm>
-            <a:off x="1587342" y="338176"/>
-            <a:ext cx="203209" cy="203209"/>
-          </a:xfrm>
-          <a:prstGeom prst="ellipse">
-            <a:avLst/>
-          </a:prstGeom>
-          <a:solidFill>
-            <a:schemeClr val="tx1">
-              <a:lumMod val="85000"/>
-              <a:lumOff val="15000"/>
-            </a:schemeClr>
-          </a:solidFill>
-          <a:ln w="57150">
-            <a:solidFill>
-              <a:schemeClr val="bg1"/>
-            </a:solidFill>
-          </a:ln>
-        </p:spPr>
-        <p:style>
-          <a:lnRef idx="2">
-            <a:schemeClr val="accent1">
-              <a:shade val="50000"/>
-            </a:schemeClr>
-          </a:lnRef>
-          <a:fillRef idx="1">
-            <a:schemeClr val="accent1"/>
-          </a:fillRef>
-          <a:effectRef idx="0">
-            <a:schemeClr val="accent1"/>
-          </a:effectRef>
-          <a:fontRef idx="minor">
-            <a:schemeClr val="lt1"/>
-          </a:fontRef>
-        </p:style>
-        <p:txBody>
-          <a:bodyPr rtlCol="0" anchor="ctr"/>
-          <a:lstStyle/>
-          <a:p>
-            <a:pPr algn="ctr"/>
-            <a:endParaRPr lang="ru-RU"/>
-          </a:p>
-        </p:txBody>
-      </p:sp>
-      <p:sp>
-        <p:nvSpPr>
-          <p:cNvPr id="26" name="Овал 25">
-            <a:extLst>
-              <a:ext uri="{FF2B5EF4-FFF2-40B4-BE49-F238E27FC236}">
-                <a16:creationId xmlns:a16="http://schemas.microsoft.com/office/drawing/2014/main" id="{FB62EC19-C0BB-41D4-8939-CF0BCF646595}"/>
-              </a:ext>
-            </a:extLst>
-          </p:cNvPr>
-          <p:cNvSpPr/>
-          <p:nvPr/>
-        </p:nvSpPr>
-        <p:spPr>
-          <a:xfrm>
-            <a:off x="3200463" y="1781680"/>
-            <a:ext cx="203209" cy="203209"/>
-          </a:xfrm>
-          <a:prstGeom prst="ellipse">
-            <a:avLst/>
-          </a:prstGeom>
-          <a:solidFill>
-            <a:schemeClr val="tx1">
-              <a:lumMod val="85000"/>
-              <a:lumOff val="15000"/>
-            </a:schemeClr>
-          </a:solidFill>
-          <a:ln w="57150">
-            <a:solidFill>
-              <a:schemeClr val="bg1"/>
-            </a:solidFill>
-          </a:ln>
-        </p:spPr>
-        <p:style>
-          <a:lnRef idx="2">
-            <a:schemeClr val="accent1">
-              <a:shade val="50000"/>
-            </a:schemeClr>
-          </a:lnRef>
-          <a:fillRef idx="1">
-            <a:schemeClr val="accent1"/>
-          </a:fillRef>
-          <a:effectRef idx="0">
-            <a:schemeClr val="accent1"/>
-          </a:effectRef>
-          <a:fontRef idx="minor">
-            <a:schemeClr val="lt1"/>
-          </a:fontRef>
-        </p:style>
-        <p:txBody>
-          <a:bodyPr rtlCol="0" anchor="ctr"/>
-          <a:lstStyle/>
-          <a:p>
-            <a:pPr algn="ctr"/>
-            <a:endParaRPr lang="ru-RU"/>
-          </a:p>
-        </p:txBody>
-      </p:sp>
-      <p:sp>
-        <p:nvSpPr>
-          <p:cNvPr id="28" name="Овал 27">
-            <a:extLst>
-              <a:ext uri="{FF2B5EF4-FFF2-40B4-BE49-F238E27FC236}">
-                <a16:creationId xmlns:a16="http://schemas.microsoft.com/office/drawing/2014/main" id="{D2A97973-89DF-4173-8AD3-837F26D11C37}"/>
-              </a:ext>
-            </a:extLst>
-          </p:cNvPr>
-          <p:cNvSpPr/>
-          <p:nvPr/>
-        </p:nvSpPr>
-        <p:spPr>
-          <a:xfrm>
-            <a:off x="8117399" y="1785058"/>
-            <a:ext cx="203209" cy="203209"/>
-          </a:xfrm>
-          <a:prstGeom prst="ellipse">
-            <a:avLst/>
-          </a:prstGeom>
-          <a:solidFill>
-            <a:schemeClr val="tx1">
-              <a:lumMod val="85000"/>
-              <a:lumOff val="15000"/>
-            </a:schemeClr>
-          </a:solidFill>
-          <a:ln w="57150">
-            <a:solidFill>
-              <a:schemeClr val="bg1"/>
-            </a:solidFill>
-          </a:ln>
-        </p:spPr>
-        <p:style>
-          <a:lnRef idx="2">
-            <a:schemeClr val="accent1">
-              <a:shade val="50000"/>
-            </a:schemeClr>
-          </a:lnRef>
-          <a:fillRef idx="1">
-            <a:schemeClr val="accent1"/>
-          </a:fillRef>
-          <a:effectRef idx="0">
-            <a:schemeClr val="accent1"/>
-          </a:effectRef>
-          <a:fontRef idx="minor">
-            <a:schemeClr val="lt1"/>
-          </a:fontRef>
-        </p:style>
-        <p:txBody>
-          <a:bodyPr rtlCol="0" anchor="ctr"/>
-          <a:lstStyle/>
-          <a:p>
-            <a:pPr algn="ctr"/>
-            <a:endParaRPr lang="ru-RU"/>
-          </a:p>
-        </p:txBody>
-      </p:sp>
-      <p:cxnSp>
-        <p:nvCxnSpPr>
-          <p:cNvPr id="32" name="Соединитель: изогнутый 31">
-            <a:extLst>
-              <a:ext uri="{FF2B5EF4-FFF2-40B4-BE49-F238E27FC236}">
-                <a16:creationId xmlns:a16="http://schemas.microsoft.com/office/drawing/2014/main" id="{CD8839B4-20B3-4818-8967-FA20E5BAB389}"/>
-              </a:ext>
-            </a:extLst>
-          </p:cNvPr>
-          <p:cNvCxnSpPr>
-            <a:stCxn id="25" idx="6"/>
-            <a:endCxn id="26" idx="0"/>
-          </p:cNvCxnSpPr>
-          <p:nvPr/>
-        </p:nvCxnSpPr>
-        <p:spPr>
-          <a:xfrm>
-            <a:off x="1790551" y="439781"/>
-            <a:ext cx="1511517" cy="1341899"/>
-          </a:xfrm>
-          <a:prstGeom prst="curvedConnector2">
-            <a:avLst/>
-          </a:prstGeom>
-          <a:ln w="47625" cap="rnd" cmpd="sng">
-            <a:solidFill>
-              <a:schemeClr val="tx1">
-                <a:lumMod val="85000"/>
-                <a:lumOff val="15000"/>
-              </a:schemeClr>
-            </a:solidFill>
-            <a:prstDash val="sysDot"/>
-            <a:round/>
-          </a:ln>
-        </p:spPr>
-        <p:style>
-          <a:lnRef idx="1">
-            <a:schemeClr val="accent1"/>
-          </a:lnRef>
-          <a:fillRef idx="0">
-            <a:schemeClr val="accent1"/>
-          </a:fillRef>
-          <a:effectRef idx="0">
-            <a:schemeClr val="accent1"/>
-          </a:effectRef>
-          <a:fontRef idx="minor">
-            <a:schemeClr val="tx1"/>
-          </a:fontRef>
-        </p:style>
-      </p:cxnSp>
-      <p:cxnSp>
-        <p:nvCxnSpPr>
-          <p:cNvPr id="36" name="Соединитель: изогнутый 35">
-            <a:extLst>
-              <a:ext uri="{FF2B5EF4-FFF2-40B4-BE49-F238E27FC236}">
-                <a16:creationId xmlns:a16="http://schemas.microsoft.com/office/drawing/2014/main" id="{288A2D4E-AC24-4257-9C5E-1A3836CB5452}"/>
-              </a:ext>
-            </a:extLst>
-          </p:cNvPr>
-          <p:cNvCxnSpPr>
-            <a:stCxn id="25" idx="6"/>
-            <a:endCxn id="28" idx="0"/>
-          </p:cNvCxnSpPr>
-          <p:nvPr/>
-        </p:nvCxnSpPr>
-        <p:spPr>
-          <a:xfrm>
-            <a:off x="1790551" y="439781"/>
-            <a:ext cx="6428453" cy="1345277"/>
-          </a:xfrm>
-          <a:prstGeom prst="curvedConnector2">
-            <a:avLst/>
-          </a:prstGeom>
-          <a:ln w="47625" cap="rnd" cmpd="sng">
-            <a:solidFill>
-              <a:schemeClr val="tx1">
-                <a:lumMod val="85000"/>
-                <a:lumOff val="15000"/>
-              </a:schemeClr>
-            </a:solidFill>
-            <a:prstDash val="sysDot"/>
-            <a:round/>
-          </a:ln>
-        </p:spPr>
-        <p:style>
-          <a:lnRef idx="1">
-            <a:schemeClr val="accent1"/>
-          </a:lnRef>
-          <a:fillRef idx="0">
-            <a:schemeClr val="accent1"/>
-          </a:fillRef>
-          <a:effectRef idx="0">
-            <a:schemeClr val="accent1"/>
-          </a:effectRef>
-          <a:fontRef idx="minor">
-            <a:schemeClr val="tx1"/>
-          </a:fontRef>
-        </p:style>
-      </p:cxnSp>
-      <p:sp>
-        <p:nvSpPr>
-          <p:cNvPr id="39" name="Овал 38">
-            <a:extLst>
-              <a:ext uri="{FF2B5EF4-FFF2-40B4-BE49-F238E27FC236}">
-                <a16:creationId xmlns:a16="http://schemas.microsoft.com/office/drawing/2014/main" id="{71CA65DD-2916-49D7-B360-0C82EDAD21F9}"/>
-              </a:ext>
-            </a:extLst>
-          </p:cNvPr>
-          <p:cNvSpPr/>
-          <p:nvPr/>
-        </p:nvSpPr>
-        <p:spPr>
-          <a:xfrm>
-            <a:off x="173255" y="26373"/>
-            <a:ext cx="203209" cy="203209"/>
-          </a:xfrm>
-          <a:prstGeom prst="ellipse">
-            <a:avLst/>
-          </a:prstGeom>
-          <a:solidFill>
-            <a:schemeClr val="tx1">
-              <a:lumMod val="85000"/>
-              <a:lumOff val="15000"/>
-            </a:schemeClr>
-          </a:solidFill>
-          <a:ln w="57150">
-            <a:solidFill>
-              <a:schemeClr val="bg1"/>
-            </a:solidFill>
-          </a:ln>
-        </p:spPr>
-        <p:style>
-          <a:lnRef idx="2">
-            <a:schemeClr val="accent1">
-              <a:shade val="50000"/>
-            </a:schemeClr>
-          </a:lnRef>
-          <a:fillRef idx="1">
-            <a:schemeClr val="accent1"/>
-          </a:fillRef>
-          <a:effectRef idx="0">
-            <a:schemeClr val="accent1"/>
-          </a:effectRef>
-          <a:fontRef idx="minor">
-            <a:schemeClr val="lt1"/>
-          </a:fontRef>
-        </p:style>
-        <p:txBody>
-          <a:bodyPr rtlCol="0" anchor="ctr"/>
-          <a:lstStyle/>
-          <a:p>
-            <a:pPr algn="ctr"/>
-            <a:endParaRPr lang="ru-RU" dirty="0"/>
-          </a:p>
-        </p:txBody>
-      </p:sp>
-      <p:cxnSp>
-        <p:nvCxnSpPr>
-          <p:cNvPr id="41" name="Прямая соединительная линия 40">
-            <a:extLst>
-              <a:ext uri="{FF2B5EF4-FFF2-40B4-BE49-F238E27FC236}">
-                <a16:creationId xmlns:a16="http://schemas.microsoft.com/office/drawing/2014/main" id="{50EC02F0-B810-4B0D-A8E1-BA1F805E3CDB}"/>
-              </a:ext>
-            </a:extLst>
-          </p:cNvPr>
-          <p:cNvCxnSpPr>
-            <a:stCxn id="39" idx="0"/>
-          </p:cNvCxnSpPr>
-          <p:nvPr/>
-        </p:nvCxnSpPr>
-        <p:spPr>
-          <a:xfrm flipH="1" flipV="1">
-            <a:off x="274859" y="-163629"/>
-            <a:ext cx="1" cy="190002"/>
-          </a:xfrm>
-          <a:prstGeom prst="line">
-            <a:avLst/>
-          </a:prstGeom>
-          <a:ln w="15875">
-            <a:solidFill>
-              <a:schemeClr val="tx1">
-                <a:lumMod val="85000"/>
-                <a:lumOff val="15000"/>
-              </a:schemeClr>
-            </a:solidFill>
-          </a:ln>
-        </p:spPr>
-        <p:style>
-          <a:lnRef idx="1">
-            <a:schemeClr val="accent1"/>
-          </a:lnRef>
-          <a:fillRef idx="0">
-            <a:schemeClr val="accent1"/>
-          </a:fillRef>
-          <a:effectRef idx="0">
-            <a:schemeClr val="accent1"/>
-          </a:effectRef>
-          <a:fontRef idx="minor">
-            <a:schemeClr val="tx1"/>
-          </a:fontRef>
-        </p:style>
-      </p:cxnSp>
-    </p:spTree>
-    <p:extLst>
-      <p:ext uri="{BB962C8B-B14F-4D97-AF65-F5344CB8AC3E}">
-        <p14:creationId xmlns:p14="http://schemas.microsoft.com/office/powerpoint/2010/main" val="854882117"/>
-      </p:ext>
-    </p:extLst>
-  </p:cSld>
-  <p:clrMapOvr>
-    <a:masterClrMapping/>
-  </p:clrMapOvr>
-</p:sld>
-</file>
-
 <file path=ppt/slides/slide40.xml><?xml version="1.0" encoding="utf-8"?>
 <p:sld xmlns:a="http://schemas.openxmlformats.org/drawingml/2006/main" xmlns:r="http://schemas.openxmlformats.org/officeDocument/2006/relationships" xmlns:p="http://schemas.openxmlformats.org/presentationml/2006/main">
   <p:cSld>
@@ -17656,6 +18356,66 @@
           <p:cNvPr id="2" name="Рисунок 1">
             <a:extLst>
               <a:ext uri="{FF2B5EF4-FFF2-40B4-BE49-F238E27FC236}">
+                <a16:creationId xmlns:a16="http://schemas.microsoft.com/office/drawing/2014/main" id="{85B02048-4059-4022-B26E-922633CB78C3}"/>
+              </a:ext>
+            </a:extLst>
+          </p:cNvPr>
+          <p:cNvPicPr>
+            <a:picLocks noChangeAspect="1"/>
+          </p:cNvPicPr>
+          <p:nvPr/>
+        </p:nvPicPr>
+        <p:blipFill>
+          <a:blip r:embed="rId2"/>
+          <a:stretch>
+            <a:fillRect/>
+          </a:stretch>
+        </p:blipFill>
+        <p:spPr>
+          <a:xfrm>
+            <a:off x="0" y="0"/>
+            <a:ext cx="12192000" cy="6858000"/>
+          </a:xfrm>
+          <a:prstGeom prst="rect">
+            <a:avLst/>
+          </a:prstGeom>
+        </p:spPr>
+      </p:pic>
+    </p:spTree>
+    <p:extLst>
+      <p:ext uri="{BB962C8B-B14F-4D97-AF65-F5344CB8AC3E}">
+        <p14:creationId xmlns:p14="http://schemas.microsoft.com/office/powerpoint/2010/main" val="1746986955"/>
+      </p:ext>
+    </p:extLst>
+  </p:cSld>
+  <p:clrMapOvr>
+    <a:masterClrMapping/>
+  </p:clrMapOvr>
+</p:sld>
+</file>
+
+<file path=ppt/slides/slide41.xml><?xml version="1.0" encoding="utf-8"?>
+<p:sld xmlns:a="http://schemas.openxmlformats.org/drawingml/2006/main" xmlns:r="http://schemas.openxmlformats.org/officeDocument/2006/relationships" xmlns:p="http://schemas.openxmlformats.org/presentationml/2006/main">
+  <p:cSld>
+    <p:spTree>
+      <p:nvGrpSpPr>
+        <p:cNvPr id="1" name=""/>
+        <p:cNvGrpSpPr/>
+        <p:nvPr/>
+      </p:nvGrpSpPr>
+      <p:grpSpPr>
+        <a:xfrm>
+          <a:off x="0" y="0"/>
+          <a:ext cx="0" cy="0"/>
+          <a:chOff x="0" y="0"/>
+          <a:chExt cx="0" cy="0"/>
+        </a:xfrm>
+      </p:grpSpPr>
+      <p:pic>
+        <p:nvPicPr>
+          <p:cNvPr id="2" name="Рисунок 1">
+            <a:extLst>
+              <a:ext uri="{FF2B5EF4-FFF2-40B4-BE49-F238E27FC236}">
                 <a16:creationId xmlns:a16="http://schemas.microsoft.com/office/drawing/2014/main" id="{D7745A40-D003-4F12-93A4-8F51CB407EE6}"/>
               </a:ext>
             </a:extLst>
@@ -17694,7 +18454,7 @@
 </p:sld>
 </file>
 
-<file path=ppt/slides/slide41.xml><?xml version="1.0" encoding="utf-8"?>
+<file path=ppt/slides/slide42.xml><?xml version="1.0" encoding="utf-8"?>
 <p:sld xmlns:a="http://schemas.openxmlformats.org/drawingml/2006/main" xmlns:r="http://schemas.openxmlformats.org/officeDocument/2006/relationships" xmlns:p="http://schemas.openxmlformats.org/presentationml/2006/main">
   <p:cSld>
     <p:spTree>
@@ -19163,7 +19923,7 @@
 </p:sld>
 </file>
 
-<file path=ppt/slides/slide42.xml><?xml version="1.0" encoding="utf-8"?>
+<file path=ppt/slides/slide43.xml><?xml version="1.0" encoding="utf-8"?>
 <p:sld xmlns:a="http://schemas.openxmlformats.org/drawingml/2006/main" xmlns:r="http://schemas.openxmlformats.org/officeDocument/2006/relationships" xmlns:p="http://schemas.openxmlformats.org/presentationml/2006/main">
   <p:cSld>
     <p:spTree>
@@ -19764,6 +20524,964 @@
           <p:cNvPr id="2" name="Rectangle: Rounded Corners 3">
             <a:extLst>
               <a:ext uri="{FF2B5EF4-FFF2-40B4-BE49-F238E27FC236}">
+                <a16:creationId xmlns:a16="http://schemas.microsoft.com/office/drawing/2014/main" id="{E8EE0187-EE2F-4AB6-8CF7-D0BA1D1BDC03}"/>
+              </a:ext>
+            </a:extLst>
+          </p:cNvPr>
+          <p:cNvSpPr/>
+          <p:nvPr/>
+        </p:nvSpPr>
+        <p:spPr>
+          <a:xfrm>
+            <a:off x="-113211" y="156754"/>
+            <a:ext cx="1785257" cy="566057"/>
+          </a:xfrm>
+          <a:prstGeom prst="roundRect">
+            <a:avLst/>
+          </a:prstGeom>
+          <a:solidFill>
+            <a:srgbClr val="303030"/>
+          </a:solidFill>
+        </p:spPr>
+        <p:style>
+          <a:lnRef idx="2">
+            <a:schemeClr val="accent1">
+              <a:shade val="50000"/>
+            </a:schemeClr>
+          </a:lnRef>
+          <a:fillRef idx="1">
+            <a:schemeClr val="accent1"/>
+          </a:fillRef>
+          <a:effectRef idx="0">
+            <a:schemeClr val="accent1"/>
+          </a:effectRef>
+          <a:fontRef idx="minor">
+            <a:schemeClr val="lt1"/>
+          </a:fontRef>
+        </p:style>
+        <p:txBody>
+          <a:bodyPr rtlCol="0" anchor="ctr"/>
+          <a:lstStyle/>
+          <a:p>
+            <a:pPr algn="ctr"/>
+            <a:endParaRPr lang="en-US"/>
+          </a:p>
+        </p:txBody>
+      </p:sp>
+      <p:sp>
+        <p:nvSpPr>
+          <p:cNvPr id="3" name="TextBox 2">
+            <a:extLst>
+              <a:ext uri="{FF2B5EF4-FFF2-40B4-BE49-F238E27FC236}">
+                <a16:creationId xmlns:a16="http://schemas.microsoft.com/office/drawing/2014/main" id="{A7A52280-573A-40E5-87FF-636AAAA59134}"/>
+              </a:ext>
+            </a:extLst>
+          </p:cNvPr>
+          <p:cNvSpPr txBox="1"/>
+          <p:nvPr/>
+        </p:nvSpPr>
+        <p:spPr>
+          <a:xfrm>
+            <a:off x="65555" y="208949"/>
+            <a:ext cx="1444626" cy="461665"/>
+          </a:xfrm>
+          <a:prstGeom prst="rect">
+            <a:avLst/>
+          </a:prstGeom>
+          <a:noFill/>
+        </p:spPr>
+        <p:txBody>
+          <a:bodyPr wrap="none" rtlCol="0">
+            <a:spAutoFit/>
+          </a:bodyPr>
+          <a:lstStyle/>
+          <a:p>
+            <a:r>
+              <a:rPr lang="ru-RU" sz="2400" dirty="0">
+                <a:solidFill>
+                  <a:schemeClr val="bg1">
+                    <a:lumMod val="95000"/>
+                  </a:schemeClr>
+                </a:solidFill>
+                <a:latin typeface="Bahnschrift SemiBold" panose="020B0502040204020203" pitchFamily="34" charset="0"/>
+              </a:rPr>
+              <a:t>Команда</a:t>
+            </a:r>
+          </a:p>
+        </p:txBody>
+      </p:sp>
+      <p:sp>
+        <p:nvSpPr>
+          <p:cNvPr id="11" name="Rectangle: Rounded Corners 3">
+            <a:extLst>
+              <a:ext uri="{FF2B5EF4-FFF2-40B4-BE49-F238E27FC236}">
+                <a16:creationId xmlns:a16="http://schemas.microsoft.com/office/drawing/2014/main" id="{C7BE48F2-CF55-41CE-A411-AE28375725C4}"/>
+              </a:ext>
+            </a:extLst>
+          </p:cNvPr>
+          <p:cNvSpPr/>
+          <p:nvPr/>
+        </p:nvSpPr>
+        <p:spPr>
+          <a:xfrm>
+            <a:off x="2073571" y="1883287"/>
+            <a:ext cx="2468880" cy="566057"/>
+          </a:xfrm>
+          <a:prstGeom prst="roundRect">
+            <a:avLst/>
+          </a:prstGeom>
+          <a:solidFill>
+            <a:srgbClr val="303030"/>
+          </a:solidFill>
+        </p:spPr>
+        <p:style>
+          <a:lnRef idx="2">
+            <a:schemeClr val="accent1">
+              <a:shade val="50000"/>
+            </a:schemeClr>
+          </a:lnRef>
+          <a:fillRef idx="1">
+            <a:schemeClr val="accent1"/>
+          </a:fillRef>
+          <a:effectRef idx="0">
+            <a:schemeClr val="accent1"/>
+          </a:effectRef>
+          <a:fontRef idx="minor">
+            <a:schemeClr val="lt1"/>
+          </a:fontRef>
+        </p:style>
+        <p:txBody>
+          <a:bodyPr rtlCol="0" anchor="ctr"/>
+          <a:lstStyle/>
+          <a:p>
+            <a:pPr algn="ctr"/>
+            <a:endParaRPr lang="en-US"/>
+          </a:p>
+        </p:txBody>
+      </p:sp>
+      <p:sp>
+        <p:nvSpPr>
+          <p:cNvPr id="12" name="TextBox 11">
+            <a:extLst>
+              <a:ext uri="{FF2B5EF4-FFF2-40B4-BE49-F238E27FC236}">
+                <a16:creationId xmlns:a16="http://schemas.microsoft.com/office/drawing/2014/main" id="{6FA1C9C1-A74D-4549-BC52-6F5543214070}"/>
+              </a:ext>
+            </a:extLst>
+          </p:cNvPr>
+          <p:cNvSpPr txBox="1"/>
+          <p:nvPr/>
+        </p:nvSpPr>
+        <p:spPr>
+          <a:xfrm>
+            <a:off x="2252336" y="1935482"/>
+            <a:ext cx="2073003" cy="461665"/>
+          </a:xfrm>
+          <a:prstGeom prst="rect">
+            <a:avLst/>
+          </a:prstGeom>
+          <a:noFill/>
+        </p:spPr>
+        <p:txBody>
+          <a:bodyPr wrap="none" rtlCol="0">
+            <a:spAutoFit/>
+          </a:bodyPr>
+          <a:lstStyle/>
+          <a:p>
+            <a:r>
+              <a:rPr lang="ru-RU" sz="2400" dirty="0">
+                <a:solidFill>
+                  <a:schemeClr val="bg1">
+                    <a:lumMod val="95000"/>
+                  </a:schemeClr>
+                </a:solidFill>
+                <a:latin typeface="Bahnschrift SemiBold" panose="020B0502040204020203" pitchFamily="34" charset="0"/>
+              </a:rPr>
+              <a:t>А.И. Искужин</a:t>
+            </a:r>
+            <a:endParaRPr lang="ru-RU" sz="3200" dirty="0">
+              <a:solidFill>
+                <a:schemeClr val="bg1">
+                  <a:lumMod val="95000"/>
+                </a:schemeClr>
+              </a:solidFill>
+              <a:latin typeface="Bahnschrift SemiBold" panose="020B0502040204020203" pitchFamily="34" charset="0"/>
+            </a:endParaRPr>
+          </a:p>
+        </p:txBody>
+      </p:sp>
+      <p:sp>
+        <p:nvSpPr>
+          <p:cNvPr id="13" name="Rectangle: Rounded Corners 3">
+            <a:extLst>
+              <a:ext uri="{FF2B5EF4-FFF2-40B4-BE49-F238E27FC236}">
+                <a16:creationId xmlns:a16="http://schemas.microsoft.com/office/drawing/2014/main" id="{020B0D61-8DDC-479E-82E4-4018C9852F17}"/>
+              </a:ext>
+            </a:extLst>
+          </p:cNvPr>
+          <p:cNvSpPr/>
+          <p:nvPr/>
+        </p:nvSpPr>
+        <p:spPr>
+          <a:xfrm>
+            <a:off x="6792941" y="1883287"/>
+            <a:ext cx="2778033" cy="566057"/>
+          </a:xfrm>
+          <a:prstGeom prst="roundRect">
+            <a:avLst/>
+          </a:prstGeom>
+          <a:solidFill>
+            <a:srgbClr val="303030"/>
+          </a:solidFill>
+        </p:spPr>
+        <p:style>
+          <a:lnRef idx="2">
+            <a:schemeClr val="accent1">
+              <a:shade val="50000"/>
+            </a:schemeClr>
+          </a:lnRef>
+          <a:fillRef idx="1">
+            <a:schemeClr val="accent1"/>
+          </a:fillRef>
+          <a:effectRef idx="0">
+            <a:schemeClr val="accent1"/>
+          </a:effectRef>
+          <a:fontRef idx="minor">
+            <a:schemeClr val="lt1"/>
+          </a:fontRef>
+        </p:style>
+        <p:txBody>
+          <a:bodyPr rtlCol="0" anchor="ctr"/>
+          <a:lstStyle/>
+          <a:p>
+            <a:pPr algn="ctr"/>
+            <a:endParaRPr lang="en-US"/>
+          </a:p>
+        </p:txBody>
+      </p:sp>
+      <p:sp>
+        <p:nvSpPr>
+          <p:cNvPr id="14" name="TextBox 13">
+            <a:extLst>
+              <a:ext uri="{FF2B5EF4-FFF2-40B4-BE49-F238E27FC236}">
+                <a16:creationId xmlns:a16="http://schemas.microsoft.com/office/drawing/2014/main" id="{758EC940-BE5A-4F31-B3DE-FA622AAB5175}"/>
+              </a:ext>
+            </a:extLst>
+          </p:cNvPr>
+          <p:cNvSpPr txBox="1"/>
+          <p:nvPr/>
+        </p:nvSpPr>
+        <p:spPr>
+          <a:xfrm>
+            <a:off x="6971707" y="1935482"/>
+            <a:ext cx="2494594" cy="461665"/>
+          </a:xfrm>
+          <a:prstGeom prst="rect">
+            <a:avLst/>
+          </a:prstGeom>
+          <a:noFill/>
+        </p:spPr>
+        <p:txBody>
+          <a:bodyPr wrap="none" rtlCol="0">
+            <a:spAutoFit/>
+          </a:bodyPr>
+          <a:lstStyle/>
+          <a:p>
+            <a:r>
+              <a:rPr lang="ru-RU" sz="2400" dirty="0">
+                <a:solidFill>
+                  <a:schemeClr val="bg1">
+                    <a:lumMod val="95000"/>
+                  </a:schemeClr>
+                </a:solidFill>
+                <a:latin typeface="Bahnschrift SemiBold" panose="020B0502040204020203" pitchFamily="34" charset="0"/>
+              </a:rPr>
+              <a:t>М.В. Костусенко</a:t>
+            </a:r>
+            <a:endParaRPr lang="ru-RU" sz="3200" dirty="0">
+              <a:solidFill>
+                <a:schemeClr val="bg1">
+                  <a:lumMod val="95000"/>
+                </a:schemeClr>
+              </a:solidFill>
+              <a:latin typeface="Bahnschrift SemiBold" panose="020B0502040204020203" pitchFamily="34" charset="0"/>
+            </a:endParaRPr>
+          </a:p>
+        </p:txBody>
+      </p:sp>
+      <p:sp>
+        <p:nvSpPr>
+          <p:cNvPr id="19" name="TextBox 18">
+            <a:extLst>
+              <a:ext uri="{FF2B5EF4-FFF2-40B4-BE49-F238E27FC236}">
+                <a16:creationId xmlns:a16="http://schemas.microsoft.com/office/drawing/2014/main" id="{B85B2B6B-5C16-48CA-B3AD-A0D9499FC689}"/>
+              </a:ext>
+            </a:extLst>
+          </p:cNvPr>
+          <p:cNvSpPr txBox="1"/>
+          <p:nvPr/>
+        </p:nvSpPr>
+        <p:spPr>
+          <a:xfrm>
+            <a:off x="2073571" y="2855209"/>
+            <a:ext cx="3791423" cy="1414746"/>
+          </a:xfrm>
+          <a:prstGeom prst="rect">
+            <a:avLst/>
+          </a:prstGeom>
+          <a:noFill/>
+        </p:spPr>
+        <p:txBody>
+          <a:bodyPr wrap="none" rtlCol="0">
+            <a:spAutoFit/>
+          </a:bodyPr>
+          <a:lstStyle/>
+          <a:p>
+            <a:pPr marL="285750" indent="-285750">
+              <a:lnSpc>
+                <a:spcPct val="150000"/>
+              </a:lnSpc>
+              <a:buFont typeface="Arial" panose="020B0604020202020204" pitchFamily="34" charset="0"/>
+              <a:buChar char="•"/>
+            </a:pPr>
+            <a:r>
+              <a:rPr lang="ru-RU" sz="2000" dirty="0">
+                <a:latin typeface="Bahnschrift SemiBold" panose="020B0502040204020203" pitchFamily="34" charset="0"/>
+              </a:rPr>
+              <a:t>Владелец продукта</a:t>
+            </a:r>
+          </a:p>
+          <a:p>
+            <a:pPr marL="285750" indent="-285750">
+              <a:lnSpc>
+                <a:spcPct val="150000"/>
+              </a:lnSpc>
+              <a:buFont typeface="Arial" panose="020B0604020202020204" pitchFamily="34" charset="0"/>
+              <a:buChar char="•"/>
+            </a:pPr>
+            <a:r>
+              <a:rPr lang="ru-RU" sz="2000" dirty="0">
+                <a:latin typeface="Bahnschrift SemiBold" panose="020B0502040204020203" pitchFamily="34" charset="0"/>
+              </a:rPr>
+              <a:t>Фулстек-разработчик</a:t>
+            </a:r>
+          </a:p>
+          <a:p>
+            <a:pPr marL="285750" indent="-285750">
+              <a:lnSpc>
+                <a:spcPct val="150000"/>
+              </a:lnSpc>
+              <a:buFont typeface="Arial" panose="020B0604020202020204" pitchFamily="34" charset="0"/>
+              <a:buChar char="•"/>
+            </a:pPr>
+            <a:r>
+              <a:rPr lang="ru-RU" sz="2000" dirty="0">
+                <a:latin typeface="Bahnschrift SemiBold" panose="020B0502040204020203" pitchFamily="34" charset="0"/>
+              </a:rPr>
+              <a:t>Администратор баз данных</a:t>
+            </a:r>
+          </a:p>
+        </p:txBody>
+      </p:sp>
+      <p:sp>
+        <p:nvSpPr>
+          <p:cNvPr id="21" name="TextBox 20">
+            <a:extLst>
+              <a:ext uri="{FF2B5EF4-FFF2-40B4-BE49-F238E27FC236}">
+                <a16:creationId xmlns:a16="http://schemas.microsoft.com/office/drawing/2014/main" id="{48B7E274-42F2-4C55-A053-6EE8065C1265}"/>
+              </a:ext>
+            </a:extLst>
+          </p:cNvPr>
+          <p:cNvSpPr txBox="1"/>
+          <p:nvPr/>
+        </p:nvSpPr>
+        <p:spPr>
+          <a:xfrm>
+            <a:off x="6792941" y="2855209"/>
+            <a:ext cx="3791423" cy="1876411"/>
+          </a:xfrm>
+          <a:prstGeom prst="rect">
+            <a:avLst/>
+          </a:prstGeom>
+          <a:noFill/>
+        </p:spPr>
+        <p:txBody>
+          <a:bodyPr wrap="none" rtlCol="0">
+            <a:spAutoFit/>
+          </a:bodyPr>
+          <a:lstStyle/>
+          <a:p>
+            <a:pPr marL="285750" indent="-285750">
+              <a:lnSpc>
+                <a:spcPct val="150000"/>
+              </a:lnSpc>
+              <a:buFont typeface="Arial" panose="020B0604020202020204" pitchFamily="34" charset="0"/>
+              <a:buChar char="•"/>
+            </a:pPr>
+            <a:r>
+              <a:rPr lang="ru-RU" sz="2000" dirty="0">
+                <a:latin typeface="Bahnschrift SemiBold" panose="020B0502040204020203" pitchFamily="34" charset="0"/>
+              </a:rPr>
+              <a:t>Скрам-мастер</a:t>
+            </a:r>
+          </a:p>
+          <a:p>
+            <a:pPr marL="285750" indent="-285750">
+              <a:lnSpc>
+                <a:spcPct val="150000"/>
+              </a:lnSpc>
+              <a:buFont typeface="Arial" panose="020B0604020202020204" pitchFamily="34" charset="0"/>
+              <a:buChar char="•"/>
+            </a:pPr>
+            <a:r>
+              <a:rPr lang="ru-RU" sz="2000" dirty="0">
+                <a:latin typeface="Bahnschrift SemiBold" panose="020B0502040204020203" pitchFamily="34" charset="0"/>
+              </a:rPr>
+              <a:t>Фулстек-разработчик</a:t>
+            </a:r>
+          </a:p>
+          <a:p>
+            <a:pPr marL="285750" indent="-285750">
+              <a:lnSpc>
+                <a:spcPct val="150000"/>
+              </a:lnSpc>
+              <a:buFont typeface="Arial" panose="020B0604020202020204" pitchFamily="34" charset="0"/>
+              <a:buChar char="•"/>
+            </a:pPr>
+            <a:r>
+              <a:rPr lang="ru-RU" sz="2000" dirty="0">
+                <a:latin typeface="Bahnschrift SemiBold" panose="020B0502040204020203" pitchFamily="34" charset="0"/>
+              </a:rPr>
+              <a:t>Администратор баз данных</a:t>
+            </a:r>
+          </a:p>
+          <a:p>
+            <a:pPr marL="285750" indent="-285750">
+              <a:lnSpc>
+                <a:spcPct val="150000"/>
+              </a:lnSpc>
+              <a:buFont typeface="Arial" panose="020B0604020202020204" pitchFamily="34" charset="0"/>
+              <a:buChar char="•"/>
+            </a:pPr>
+            <a:r>
+              <a:rPr lang="ru-RU" sz="2000" dirty="0">
+                <a:latin typeface="Bahnschrift SemiBold" panose="020B0502040204020203" pitchFamily="34" charset="0"/>
+              </a:rPr>
+              <a:t>Системный администратор</a:t>
+            </a:r>
+          </a:p>
+        </p:txBody>
+      </p:sp>
+      <p:sp>
+        <p:nvSpPr>
+          <p:cNvPr id="23" name="Овал 22">
+            <a:extLst>
+              <a:ext uri="{FF2B5EF4-FFF2-40B4-BE49-F238E27FC236}">
+                <a16:creationId xmlns:a16="http://schemas.microsoft.com/office/drawing/2014/main" id="{B896EE77-7FF4-4F21-8B85-E43CAE37B60C}"/>
+              </a:ext>
+            </a:extLst>
+          </p:cNvPr>
+          <p:cNvSpPr/>
+          <p:nvPr/>
+        </p:nvSpPr>
+        <p:spPr>
+          <a:xfrm>
+            <a:off x="173255" y="660391"/>
+            <a:ext cx="203209" cy="203209"/>
+          </a:xfrm>
+          <a:prstGeom prst="ellipse">
+            <a:avLst/>
+          </a:prstGeom>
+          <a:solidFill>
+            <a:schemeClr val="tx1">
+              <a:lumMod val="85000"/>
+              <a:lumOff val="15000"/>
+            </a:schemeClr>
+          </a:solidFill>
+          <a:ln w="57150">
+            <a:solidFill>
+              <a:schemeClr val="bg1"/>
+            </a:solidFill>
+          </a:ln>
+        </p:spPr>
+        <p:style>
+          <a:lnRef idx="2">
+            <a:schemeClr val="accent1">
+              <a:shade val="50000"/>
+            </a:schemeClr>
+          </a:lnRef>
+          <a:fillRef idx="1">
+            <a:schemeClr val="accent1"/>
+          </a:fillRef>
+          <a:effectRef idx="0">
+            <a:schemeClr val="accent1"/>
+          </a:effectRef>
+          <a:fontRef idx="minor">
+            <a:schemeClr val="lt1"/>
+          </a:fontRef>
+        </p:style>
+        <p:txBody>
+          <a:bodyPr rtlCol="0" anchor="ctr"/>
+          <a:lstStyle/>
+          <a:p>
+            <a:pPr algn="ctr"/>
+            <a:endParaRPr lang="ru-RU"/>
+          </a:p>
+        </p:txBody>
+      </p:sp>
+      <p:cxnSp>
+        <p:nvCxnSpPr>
+          <p:cNvPr id="24" name="Прямая соединительная линия 23">
+            <a:extLst>
+              <a:ext uri="{FF2B5EF4-FFF2-40B4-BE49-F238E27FC236}">
+                <a16:creationId xmlns:a16="http://schemas.microsoft.com/office/drawing/2014/main" id="{79373610-8982-4654-A6CC-EA2311203B7E}"/>
+              </a:ext>
+            </a:extLst>
+          </p:cNvPr>
+          <p:cNvCxnSpPr>
+            <a:cxnSpLocks/>
+            <a:stCxn id="23" idx="4"/>
+          </p:cNvCxnSpPr>
+          <p:nvPr/>
+        </p:nvCxnSpPr>
+        <p:spPr>
+          <a:xfrm>
+            <a:off x="274860" y="863600"/>
+            <a:ext cx="0" cy="6220594"/>
+          </a:xfrm>
+          <a:prstGeom prst="line">
+            <a:avLst/>
+          </a:prstGeom>
+          <a:ln w="15875">
+            <a:solidFill>
+              <a:schemeClr val="tx1">
+                <a:lumMod val="85000"/>
+                <a:lumOff val="15000"/>
+              </a:schemeClr>
+            </a:solidFill>
+          </a:ln>
+        </p:spPr>
+        <p:style>
+          <a:lnRef idx="1">
+            <a:schemeClr val="accent1"/>
+          </a:lnRef>
+          <a:fillRef idx="0">
+            <a:schemeClr val="accent1"/>
+          </a:fillRef>
+          <a:effectRef idx="0">
+            <a:schemeClr val="accent1"/>
+          </a:effectRef>
+          <a:fontRef idx="minor">
+            <a:schemeClr val="tx1"/>
+          </a:fontRef>
+        </p:style>
+      </p:cxnSp>
+      <p:sp>
+        <p:nvSpPr>
+          <p:cNvPr id="25" name="Овал 24">
+            <a:extLst>
+              <a:ext uri="{FF2B5EF4-FFF2-40B4-BE49-F238E27FC236}">
+                <a16:creationId xmlns:a16="http://schemas.microsoft.com/office/drawing/2014/main" id="{B1CB94EE-07F1-46F2-928B-5829406D9CC3}"/>
+              </a:ext>
+            </a:extLst>
+          </p:cNvPr>
+          <p:cNvSpPr/>
+          <p:nvPr/>
+        </p:nvSpPr>
+        <p:spPr>
+          <a:xfrm>
+            <a:off x="1587342" y="338176"/>
+            <a:ext cx="203209" cy="203209"/>
+          </a:xfrm>
+          <a:prstGeom prst="ellipse">
+            <a:avLst/>
+          </a:prstGeom>
+          <a:solidFill>
+            <a:schemeClr val="tx1">
+              <a:lumMod val="85000"/>
+              <a:lumOff val="15000"/>
+            </a:schemeClr>
+          </a:solidFill>
+          <a:ln w="57150">
+            <a:solidFill>
+              <a:schemeClr val="bg1"/>
+            </a:solidFill>
+          </a:ln>
+        </p:spPr>
+        <p:style>
+          <a:lnRef idx="2">
+            <a:schemeClr val="accent1">
+              <a:shade val="50000"/>
+            </a:schemeClr>
+          </a:lnRef>
+          <a:fillRef idx="1">
+            <a:schemeClr val="accent1"/>
+          </a:fillRef>
+          <a:effectRef idx="0">
+            <a:schemeClr val="accent1"/>
+          </a:effectRef>
+          <a:fontRef idx="minor">
+            <a:schemeClr val="lt1"/>
+          </a:fontRef>
+        </p:style>
+        <p:txBody>
+          <a:bodyPr rtlCol="0" anchor="ctr"/>
+          <a:lstStyle/>
+          <a:p>
+            <a:pPr algn="ctr"/>
+            <a:endParaRPr lang="ru-RU"/>
+          </a:p>
+        </p:txBody>
+      </p:sp>
+      <p:sp>
+        <p:nvSpPr>
+          <p:cNvPr id="26" name="Овал 25">
+            <a:extLst>
+              <a:ext uri="{FF2B5EF4-FFF2-40B4-BE49-F238E27FC236}">
+                <a16:creationId xmlns:a16="http://schemas.microsoft.com/office/drawing/2014/main" id="{FB62EC19-C0BB-41D4-8939-CF0BCF646595}"/>
+              </a:ext>
+            </a:extLst>
+          </p:cNvPr>
+          <p:cNvSpPr/>
+          <p:nvPr/>
+        </p:nvSpPr>
+        <p:spPr>
+          <a:xfrm>
+            <a:off x="3200463" y="1781680"/>
+            <a:ext cx="203209" cy="203209"/>
+          </a:xfrm>
+          <a:prstGeom prst="ellipse">
+            <a:avLst/>
+          </a:prstGeom>
+          <a:solidFill>
+            <a:schemeClr val="tx1">
+              <a:lumMod val="85000"/>
+              <a:lumOff val="15000"/>
+            </a:schemeClr>
+          </a:solidFill>
+          <a:ln w="57150">
+            <a:solidFill>
+              <a:schemeClr val="bg1"/>
+            </a:solidFill>
+          </a:ln>
+        </p:spPr>
+        <p:style>
+          <a:lnRef idx="2">
+            <a:schemeClr val="accent1">
+              <a:shade val="50000"/>
+            </a:schemeClr>
+          </a:lnRef>
+          <a:fillRef idx="1">
+            <a:schemeClr val="accent1"/>
+          </a:fillRef>
+          <a:effectRef idx="0">
+            <a:schemeClr val="accent1"/>
+          </a:effectRef>
+          <a:fontRef idx="minor">
+            <a:schemeClr val="lt1"/>
+          </a:fontRef>
+        </p:style>
+        <p:txBody>
+          <a:bodyPr rtlCol="0" anchor="ctr"/>
+          <a:lstStyle/>
+          <a:p>
+            <a:pPr algn="ctr"/>
+            <a:endParaRPr lang="ru-RU"/>
+          </a:p>
+        </p:txBody>
+      </p:sp>
+      <p:sp>
+        <p:nvSpPr>
+          <p:cNvPr id="28" name="Овал 27">
+            <a:extLst>
+              <a:ext uri="{FF2B5EF4-FFF2-40B4-BE49-F238E27FC236}">
+                <a16:creationId xmlns:a16="http://schemas.microsoft.com/office/drawing/2014/main" id="{D2A97973-89DF-4173-8AD3-837F26D11C37}"/>
+              </a:ext>
+            </a:extLst>
+          </p:cNvPr>
+          <p:cNvSpPr/>
+          <p:nvPr/>
+        </p:nvSpPr>
+        <p:spPr>
+          <a:xfrm>
+            <a:off x="8117399" y="1785058"/>
+            <a:ext cx="203209" cy="203209"/>
+          </a:xfrm>
+          <a:prstGeom prst="ellipse">
+            <a:avLst/>
+          </a:prstGeom>
+          <a:solidFill>
+            <a:schemeClr val="tx1">
+              <a:lumMod val="85000"/>
+              <a:lumOff val="15000"/>
+            </a:schemeClr>
+          </a:solidFill>
+          <a:ln w="57150">
+            <a:solidFill>
+              <a:schemeClr val="bg1"/>
+            </a:solidFill>
+          </a:ln>
+        </p:spPr>
+        <p:style>
+          <a:lnRef idx="2">
+            <a:schemeClr val="accent1">
+              <a:shade val="50000"/>
+            </a:schemeClr>
+          </a:lnRef>
+          <a:fillRef idx="1">
+            <a:schemeClr val="accent1"/>
+          </a:fillRef>
+          <a:effectRef idx="0">
+            <a:schemeClr val="accent1"/>
+          </a:effectRef>
+          <a:fontRef idx="minor">
+            <a:schemeClr val="lt1"/>
+          </a:fontRef>
+        </p:style>
+        <p:txBody>
+          <a:bodyPr rtlCol="0" anchor="ctr"/>
+          <a:lstStyle/>
+          <a:p>
+            <a:pPr algn="ctr"/>
+            <a:endParaRPr lang="ru-RU"/>
+          </a:p>
+        </p:txBody>
+      </p:sp>
+      <p:cxnSp>
+        <p:nvCxnSpPr>
+          <p:cNvPr id="32" name="Соединитель: изогнутый 31">
+            <a:extLst>
+              <a:ext uri="{FF2B5EF4-FFF2-40B4-BE49-F238E27FC236}">
+                <a16:creationId xmlns:a16="http://schemas.microsoft.com/office/drawing/2014/main" id="{CD8839B4-20B3-4818-8967-FA20E5BAB389}"/>
+              </a:ext>
+            </a:extLst>
+          </p:cNvPr>
+          <p:cNvCxnSpPr>
+            <a:stCxn id="25" idx="6"/>
+            <a:endCxn id="26" idx="0"/>
+          </p:cNvCxnSpPr>
+          <p:nvPr/>
+        </p:nvCxnSpPr>
+        <p:spPr>
+          <a:xfrm>
+            <a:off x="1790551" y="439781"/>
+            <a:ext cx="1511517" cy="1341899"/>
+          </a:xfrm>
+          <a:prstGeom prst="curvedConnector2">
+            <a:avLst/>
+          </a:prstGeom>
+          <a:ln w="47625" cap="rnd" cmpd="sng">
+            <a:solidFill>
+              <a:schemeClr val="tx1">
+                <a:lumMod val="85000"/>
+                <a:lumOff val="15000"/>
+              </a:schemeClr>
+            </a:solidFill>
+            <a:prstDash val="sysDot"/>
+            <a:round/>
+          </a:ln>
+        </p:spPr>
+        <p:style>
+          <a:lnRef idx="1">
+            <a:schemeClr val="accent1"/>
+          </a:lnRef>
+          <a:fillRef idx="0">
+            <a:schemeClr val="accent1"/>
+          </a:fillRef>
+          <a:effectRef idx="0">
+            <a:schemeClr val="accent1"/>
+          </a:effectRef>
+          <a:fontRef idx="minor">
+            <a:schemeClr val="tx1"/>
+          </a:fontRef>
+        </p:style>
+      </p:cxnSp>
+      <p:cxnSp>
+        <p:nvCxnSpPr>
+          <p:cNvPr id="36" name="Соединитель: изогнутый 35">
+            <a:extLst>
+              <a:ext uri="{FF2B5EF4-FFF2-40B4-BE49-F238E27FC236}">
+                <a16:creationId xmlns:a16="http://schemas.microsoft.com/office/drawing/2014/main" id="{288A2D4E-AC24-4257-9C5E-1A3836CB5452}"/>
+              </a:ext>
+            </a:extLst>
+          </p:cNvPr>
+          <p:cNvCxnSpPr>
+            <a:stCxn id="25" idx="6"/>
+            <a:endCxn id="28" idx="0"/>
+          </p:cNvCxnSpPr>
+          <p:nvPr/>
+        </p:nvCxnSpPr>
+        <p:spPr>
+          <a:xfrm>
+            <a:off x="1790551" y="439781"/>
+            <a:ext cx="6428453" cy="1345277"/>
+          </a:xfrm>
+          <a:prstGeom prst="curvedConnector2">
+            <a:avLst/>
+          </a:prstGeom>
+          <a:ln w="47625" cap="rnd" cmpd="sng">
+            <a:solidFill>
+              <a:schemeClr val="tx1">
+                <a:lumMod val="85000"/>
+                <a:lumOff val="15000"/>
+              </a:schemeClr>
+            </a:solidFill>
+            <a:prstDash val="sysDot"/>
+            <a:round/>
+          </a:ln>
+        </p:spPr>
+        <p:style>
+          <a:lnRef idx="1">
+            <a:schemeClr val="accent1"/>
+          </a:lnRef>
+          <a:fillRef idx="0">
+            <a:schemeClr val="accent1"/>
+          </a:fillRef>
+          <a:effectRef idx="0">
+            <a:schemeClr val="accent1"/>
+          </a:effectRef>
+          <a:fontRef idx="minor">
+            <a:schemeClr val="tx1"/>
+          </a:fontRef>
+        </p:style>
+      </p:cxnSp>
+      <p:sp>
+        <p:nvSpPr>
+          <p:cNvPr id="39" name="Овал 38">
+            <a:extLst>
+              <a:ext uri="{FF2B5EF4-FFF2-40B4-BE49-F238E27FC236}">
+                <a16:creationId xmlns:a16="http://schemas.microsoft.com/office/drawing/2014/main" id="{71CA65DD-2916-49D7-B360-0C82EDAD21F9}"/>
+              </a:ext>
+            </a:extLst>
+          </p:cNvPr>
+          <p:cNvSpPr/>
+          <p:nvPr/>
+        </p:nvSpPr>
+        <p:spPr>
+          <a:xfrm>
+            <a:off x="173255" y="26373"/>
+            <a:ext cx="203209" cy="203209"/>
+          </a:xfrm>
+          <a:prstGeom prst="ellipse">
+            <a:avLst/>
+          </a:prstGeom>
+          <a:solidFill>
+            <a:schemeClr val="tx1">
+              <a:lumMod val="85000"/>
+              <a:lumOff val="15000"/>
+            </a:schemeClr>
+          </a:solidFill>
+          <a:ln w="57150">
+            <a:solidFill>
+              <a:schemeClr val="bg1"/>
+            </a:solidFill>
+          </a:ln>
+        </p:spPr>
+        <p:style>
+          <a:lnRef idx="2">
+            <a:schemeClr val="accent1">
+              <a:shade val="50000"/>
+            </a:schemeClr>
+          </a:lnRef>
+          <a:fillRef idx="1">
+            <a:schemeClr val="accent1"/>
+          </a:fillRef>
+          <a:effectRef idx="0">
+            <a:schemeClr val="accent1"/>
+          </a:effectRef>
+          <a:fontRef idx="minor">
+            <a:schemeClr val="lt1"/>
+          </a:fontRef>
+        </p:style>
+        <p:txBody>
+          <a:bodyPr rtlCol="0" anchor="ctr"/>
+          <a:lstStyle/>
+          <a:p>
+            <a:pPr algn="ctr"/>
+            <a:endParaRPr lang="ru-RU" dirty="0"/>
+          </a:p>
+        </p:txBody>
+      </p:sp>
+      <p:cxnSp>
+        <p:nvCxnSpPr>
+          <p:cNvPr id="41" name="Прямая соединительная линия 40">
+            <a:extLst>
+              <a:ext uri="{FF2B5EF4-FFF2-40B4-BE49-F238E27FC236}">
+                <a16:creationId xmlns:a16="http://schemas.microsoft.com/office/drawing/2014/main" id="{50EC02F0-B810-4B0D-A8E1-BA1F805E3CDB}"/>
+              </a:ext>
+            </a:extLst>
+          </p:cNvPr>
+          <p:cNvCxnSpPr>
+            <a:stCxn id="39" idx="0"/>
+          </p:cNvCxnSpPr>
+          <p:nvPr/>
+        </p:nvCxnSpPr>
+        <p:spPr>
+          <a:xfrm flipH="1" flipV="1">
+            <a:off x="274859" y="-163629"/>
+            <a:ext cx="1" cy="190002"/>
+          </a:xfrm>
+          <a:prstGeom prst="line">
+            <a:avLst/>
+          </a:prstGeom>
+          <a:ln w="15875">
+            <a:solidFill>
+              <a:schemeClr val="tx1">
+                <a:lumMod val="85000"/>
+                <a:lumOff val="15000"/>
+              </a:schemeClr>
+            </a:solidFill>
+          </a:ln>
+        </p:spPr>
+        <p:style>
+          <a:lnRef idx="1">
+            <a:schemeClr val="accent1"/>
+          </a:lnRef>
+          <a:fillRef idx="0">
+            <a:schemeClr val="accent1"/>
+          </a:fillRef>
+          <a:effectRef idx="0">
+            <a:schemeClr val="accent1"/>
+          </a:effectRef>
+          <a:fontRef idx="minor">
+            <a:schemeClr val="tx1"/>
+          </a:fontRef>
+        </p:style>
+      </p:cxnSp>
+    </p:spTree>
+    <p:extLst>
+      <p:ext uri="{BB962C8B-B14F-4D97-AF65-F5344CB8AC3E}">
+        <p14:creationId xmlns:p14="http://schemas.microsoft.com/office/powerpoint/2010/main" val="854882117"/>
+      </p:ext>
+    </p:extLst>
+  </p:cSld>
+  <p:clrMapOvr>
+    <a:masterClrMapping/>
+  </p:clrMapOvr>
+</p:sld>
+</file>
+
+<file path=ppt/slides/slide6.xml><?xml version="1.0" encoding="utf-8"?>
+<p:sld xmlns:a="http://schemas.openxmlformats.org/drawingml/2006/main" xmlns:r="http://schemas.openxmlformats.org/officeDocument/2006/relationships" xmlns:p="http://schemas.openxmlformats.org/presentationml/2006/main">
+  <p:cSld>
+    <p:spTree>
+      <p:nvGrpSpPr>
+        <p:cNvPr id="1" name=""/>
+        <p:cNvGrpSpPr/>
+        <p:nvPr/>
+      </p:nvGrpSpPr>
+      <p:grpSpPr>
+        <a:xfrm>
+          <a:off x="0" y="0"/>
+          <a:ext cx="0" cy="0"/>
+          <a:chOff x="0" y="0"/>
+          <a:chExt cx="0" cy="0"/>
+        </a:xfrm>
+      </p:grpSpPr>
+      <p:sp>
+        <p:nvSpPr>
+          <p:cNvPr id="2" name="Rectangle: Rounded Corners 3">
+            <a:extLst>
+              <a:ext uri="{FF2B5EF4-FFF2-40B4-BE49-F238E27FC236}">
                 <a16:creationId xmlns:a16="http://schemas.microsoft.com/office/drawing/2014/main" id="{86B6CE95-85F7-4CF9-8F44-F918AE476631}"/>
               </a:ext>
             </a:extLst>
@@ -21514,7 +23232,7 @@
 </p:sld>
 </file>
 
-<file path=ppt/slides/slide6.xml><?xml version="1.0" encoding="utf-8"?>
+<file path=ppt/slides/slide7.xml><?xml version="1.0" encoding="utf-8"?>
 <p:sld xmlns:a="http://schemas.openxmlformats.org/drawingml/2006/main" xmlns:r="http://schemas.openxmlformats.org/officeDocument/2006/relationships" xmlns:p="http://schemas.openxmlformats.org/presentationml/2006/main">
   <p:cSld>
     <p:spTree>
@@ -22886,7 +24604,7 @@
 </p:sld>
 </file>
 
-<file path=ppt/slides/slide7.xml><?xml version="1.0" encoding="utf-8"?>
+<file path=ppt/slides/slide8.xml><?xml version="1.0" encoding="utf-8"?>
 <p:sld xmlns:a="http://schemas.openxmlformats.org/drawingml/2006/main" xmlns:r="http://schemas.openxmlformats.org/officeDocument/2006/relationships" xmlns:p="http://schemas.openxmlformats.org/presentationml/2006/main">
   <p:cSld>
     <p:spTree>
@@ -25326,7 +27044,7 @@
 </p:sld>
 </file>
 
-<file path=ppt/slides/slide8.xml><?xml version="1.0" encoding="utf-8"?>
+<file path=ppt/slides/slide9.xml><?xml version="1.0" encoding="utf-8"?>
 <p:sld xmlns:a="http://schemas.openxmlformats.org/drawingml/2006/main" xmlns:r="http://schemas.openxmlformats.org/officeDocument/2006/relationships" xmlns:p="http://schemas.openxmlformats.org/presentationml/2006/main">
   <p:cSld>
     <p:spTree>
@@ -26608,1693 +28326,6 @@
     <p:extLst>
       <p:ext uri="{BB962C8B-B14F-4D97-AF65-F5344CB8AC3E}">
         <p14:creationId xmlns:p14="http://schemas.microsoft.com/office/powerpoint/2010/main" val="3780917106"/>
-      </p:ext>
-    </p:extLst>
-  </p:cSld>
-  <p:clrMapOvr>
-    <a:masterClrMapping/>
-  </p:clrMapOvr>
-</p:sld>
-</file>
-
-<file path=ppt/slides/slide9.xml><?xml version="1.0" encoding="utf-8"?>
-<p:sld xmlns:a="http://schemas.openxmlformats.org/drawingml/2006/main" xmlns:r="http://schemas.openxmlformats.org/officeDocument/2006/relationships" xmlns:p="http://schemas.openxmlformats.org/presentationml/2006/main">
-  <p:cSld>
-    <p:spTree>
-      <p:nvGrpSpPr>
-        <p:cNvPr id="1" name=""/>
-        <p:cNvGrpSpPr/>
-        <p:nvPr/>
-      </p:nvGrpSpPr>
-      <p:grpSpPr>
-        <a:xfrm>
-          <a:off x="0" y="0"/>
-          <a:ext cx="0" cy="0"/>
-          <a:chOff x="0" y="0"/>
-          <a:chExt cx="0" cy="0"/>
-        </a:xfrm>
-      </p:grpSpPr>
-      <p:sp>
-        <p:nvSpPr>
-          <p:cNvPr id="4" name="Rectangle: Rounded Corners 3">
-            <a:extLst>
-              <a:ext uri="{FF2B5EF4-FFF2-40B4-BE49-F238E27FC236}">
-                <a16:creationId xmlns:a16="http://schemas.microsoft.com/office/drawing/2014/main" id="{C6B169AA-9E1D-4044-8D1B-4EE835634883}"/>
-              </a:ext>
-            </a:extLst>
-          </p:cNvPr>
-          <p:cNvSpPr/>
-          <p:nvPr/>
-        </p:nvSpPr>
-        <p:spPr>
-          <a:xfrm>
-            <a:off x="-113213" y="156754"/>
-            <a:ext cx="1524003" cy="566057"/>
-          </a:xfrm>
-          <a:prstGeom prst="roundRect">
-            <a:avLst/>
-          </a:prstGeom>
-          <a:solidFill>
-            <a:srgbClr val="303030"/>
-          </a:solidFill>
-        </p:spPr>
-        <p:style>
-          <a:lnRef idx="2">
-            <a:schemeClr val="accent1">
-              <a:shade val="50000"/>
-            </a:schemeClr>
-          </a:lnRef>
-          <a:fillRef idx="1">
-            <a:schemeClr val="accent1"/>
-          </a:fillRef>
-          <a:effectRef idx="0">
-            <a:schemeClr val="accent1"/>
-          </a:effectRef>
-          <a:fontRef idx="minor">
-            <a:schemeClr val="lt1"/>
-          </a:fontRef>
-        </p:style>
-        <p:txBody>
-          <a:bodyPr rtlCol="0" anchor="ctr"/>
-          <a:lstStyle/>
-          <a:p>
-            <a:pPr algn="ctr"/>
-            <a:endParaRPr lang="en-US"/>
-          </a:p>
-        </p:txBody>
-      </p:sp>
-      <p:sp>
-        <p:nvSpPr>
-          <p:cNvPr id="5" name="TextBox 4">
-            <a:extLst>
-              <a:ext uri="{FF2B5EF4-FFF2-40B4-BE49-F238E27FC236}">
-                <a16:creationId xmlns:a16="http://schemas.microsoft.com/office/drawing/2014/main" id="{B7C7CC8A-3221-4C8C-830F-90C47525FDCD}"/>
-              </a:ext>
-            </a:extLst>
-          </p:cNvPr>
-          <p:cNvSpPr txBox="1"/>
-          <p:nvPr/>
-        </p:nvSpPr>
-        <p:spPr>
-          <a:xfrm>
-            <a:off x="-26168" y="194974"/>
-            <a:ext cx="1436958" cy="461665"/>
-          </a:xfrm>
-          <a:prstGeom prst="rect">
-            <a:avLst/>
-          </a:prstGeom>
-          <a:noFill/>
-        </p:spPr>
-        <p:txBody>
-          <a:bodyPr wrap="square" rtlCol="0">
-            <a:spAutoFit/>
-          </a:bodyPr>
-          <a:lstStyle/>
-          <a:p>
-            <a:r>
-              <a:rPr lang="ru-RU" sz="2400" dirty="0">
-                <a:solidFill>
-                  <a:schemeClr val="bg1">
-                    <a:lumMod val="95000"/>
-                  </a:schemeClr>
-                </a:solidFill>
-                <a:latin typeface="Bahnschrift SemiBold" panose="020B0502040204020203" pitchFamily="34" charset="0"/>
-              </a:rPr>
-              <a:t>Этап №2</a:t>
-            </a:r>
-          </a:p>
-        </p:txBody>
-      </p:sp>
-      <p:sp>
-        <p:nvSpPr>
-          <p:cNvPr id="6" name="Овал 5">
-            <a:extLst>
-              <a:ext uri="{FF2B5EF4-FFF2-40B4-BE49-F238E27FC236}">
-                <a16:creationId xmlns:a16="http://schemas.microsoft.com/office/drawing/2014/main" id="{C0EF690D-6EE4-46BA-AD83-002BF32986F5}"/>
-              </a:ext>
-            </a:extLst>
-          </p:cNvPr>
-          <p:cNvSpPr/>
-          <p:nvPr/>
-        </p:nvSpPr>
-        <p:spPr>
-          <a:xfrm>
-            <a:off x="173255" y="660391"/>
-            <a:ext cx="203209" cy="203209"/>
-          </a:xfrm>
-          <a:prstGeom prst="ellipse">
-            <a:avLst/>
-          </a:prstGeom>
-          <a:solidFill>
-            <a:schemeClr val="tx1">
-              <a:lumMod val="85000"/>
-              <a:lumOff val="15000"/>
-            </a:schemeClr>
-          </a:solidFill>
-          <a:ln w="57150">
-            <a:solidFill>
-              <a:schemeClr val="bg1"/>
-            </a:solidFill>
-          </a:ln>
-        </p:spPr>
-        <p:style>
-          <a:lnRef idx="2">
-            <a:schemeClr val="accent1">
-              <a:shade val="50000"/>
-            </a:schemeClr>
-          </a:lnRef>
-          <a:fillRef idx="1">
-            <a:schemeClr val="accent1"/>
-          </a:fillRef>
-          <a:effectRef idx="0">
-            <a:schemeClr val="accent1"/>
-          </a:effectRef>
-          <a:fontRef idx="minor">
-            <a:schemeClr val="lt1"/>
-          </a:fontRef>
-        </p:style>
-        <p:txBody>
-          <a:bodyPr rtlCol="0" anchor="ctr"/>
-          <a:lstStyle/>
-          <a:p>
-            <a:pPr algn="ctr"/>
-            <a:endParaRPr lang="ru-RU"/>
-          </a:p>
-        </p:txBody>
-      </p:sp>
-      <p:cxnSp>
-        <p:nvCxnSpPr>
-          <p:cNvPr id="7" name="Прямая соединительная линия 6">
-            <a:extLst>
-              <a:ext uri="{FF2B5EF4-FFF2-40B4-BE49-F238E27FC236}">
-                <a16:creationId xmlns:a16="http://schemas.microsoft.com/office/drawing/2014/main" id="{6BAE4BDD-D8D5-49C6-A445-D5D695661D23}"/>
-              </a:ext>
-            </a:extLst>
-          </p:cNvPr>
-          <p:cNvCxnSpPr>
-            <a:cxnSpLocks/>
-            <a:stCxn id="6" idx="4"/>
-          </p:cNvCxnSpPr>
-          <p:nvPr/>
-        </p:nvCxnSpPr>
-        <p:spPr>
-          <a:xfrm>
-            <a:off x="274860" y="863600"/>
-            <a:ext cx="0" cy="6220594"/>
-          </a:xfrm>
-          <a:prstGeom prst="line">
-            <a:avLst/>
-          </a:prstGeom>
-          <a:ln w="15875">
-            <a:solidFill>
-              <a:schemeClr val="tx1">
-                <a:lumMod val="85000"/>
-                <a:lumOff val="15000"/>
-              </a:schemeClr>
-            </a:solidFill>
-          </a:ln>
-        </p:spPr>
-        <p:style>
-          <a:lnRef idx="1">
-            <a:schemeClr val="accent1"/>
-          </a:lnRef>
-          <a:fillRef idx="0">
-            <a:schemeClr val="accent1"/>
-          </a:fillRef>
-          <a:effectRef idx="0">
-            <a:schemeClr val="accent1"/>
-          </a:effectRef>
-          <a:fontRef idx="minor">
-            <a:schemeClr val="tx1"/>
-          </a:fontRef>
-        </p:style>
-      </p:cxnSp>
-      <p:cxnSp>
-        <p:nvCxnSpPr>
-          <p:cNvPr id="9" name="Прямая соединительная линия 8">
-            <a:extLst>
-              <a:ext uri="{FF2B5EF4-FFF2-40B4-BE49-F238E27FC236}">
-                <a16:creationId xmlns:a16="http://schemas.microsoft.com/office/drawing/2014/main" id="{2AFDBD62-6533-4772-A592-9D9291C33770}"/>
-              </a:ext>
-            </a:extLst>
-          </p:cNvPr>
-          <p:cNvCxnSpPr/>
-          <p:nvPr/>
-        </p:nvCxnSpPr>
-        <p:spPr>
-          <a:xfrm flipH="1" flipV="1">
-            <a:off x="274859" y="-163629"/>
-            <a:ext cx="1" cy="190002"/>
-          </a:xfrm>
-          <a:prstGeom prst="line">
-            <a:avLst/>
-          </a:prstGeom>
-          <a:ln w="15875">
-            <a:solidFill>
-              <a:schemeClr val="tx1">
-                <a:lumMod val="85000"/>
-                <a:lumOff val="15000"/>
-              </a:schemeClr>
-            </a:solidFill>
-          </a:ln>
-        </p:spPr>
-        <p:style>
-          <a:lnRef idx="1">
-            <a:schemeClr val="accent1"/>
-          </a:lnRef>
-          <a:fillRef idx="0">
-            <a:schemeClr val="accent1"/>
-          </a:fillRef>
-          <a:effectRef idx="0">
-            <a:schemeClr val="accent1"/>
-          </a:effectRef>
-          <a:fontRef idx="minor">
-            <a:schemeClr val="tx1"/>
-          </a:fontRef>
-        </p:style>
-      </p:cxnSp>
-      <p:sp>
-        <p:nvSpPr>
-          <p:cNvPr id="10" name="Овал 9">
-            <a:extLst>
-              <a:ext uri="{FF2B5EF4-FFF2-40B4-BE49-F238E27FC236}">
-                <a16:creationId xmlns:a16="http://schemas.microsoft.com/office/drawing/2014/main" id="{C68ED089-5BBA-41B4-B90A-B1369BEF3145}"/>
-              </a:ext>
-            </a:extLst>
-          </p:cNvPr>
-          <p:cNvSpPr/>
-          <p:nvPr/>
-        </p:nvSpPr>
-        <p:spPr>
-          <a:xfrm>
-            <a:off x="173255" y="26373"/>
-            <a:ext cx="203209" cy="203209"/>
-          </a:xfrm>
-          <a:prstGeom prst="ellipse">
-            <a:avLst/>
-          </a:prstGeom>
-          <a:solidFill>
-            <a:schemeClr val="tx1">
-              <a:lumMod val="85000"/>
-              <a:lumOff val="15000"/>
-            </a:schemeClr>
-          </a:solidFill>
-          <a:ln w="57150">
-            <a:solidFill>
-              <a:schemeClr val="bg1"/>
-            </a:solidFill>
-          </a:ln>
-        </p:spPr>
-        <p:style>
-          <a:lnRef idx="2">
-            <a:schemeClr val="accent1">
-              <a:shade val="50000"/>
-            </a:schemeClr>
-          </a:lnRef>
-          <a:fillRef idx="1">
-            <a:schemeClr val="accent1"/>
-          </a:fillRef>
-          <a:effectRef idx="0">
-            <a:schemeClr val="accent1"/>
-          </a:effectRef>
-          <a:fontRef idx="minor">
-            <a:schemeClr val="lt1"/>
-          </a:fontRef>
-        </p:style>
-        <p:txBody>
-          <a:bodyPr rtlCol="0" anchor="ctr"/>
-          <a:lstStyle/>
-          <a:p>
-            <a:pPr algn="ctr"/>
-            <a:endParaRPr lang="ru-RU" dirty="0"/>
-          </a:p>
-        </p:txBody>
-      </p:sp>
-      <p:sp>
-        <p:nvSpPr>
-          <p:cNvPr id="15" name="Rectangle: Rounded Corners 3">
-            <a:extLst>
-              <a:ext uri="{FF2B5EF4-FFF2-40B4-BE49-F238E27FC236}">
-                <a16:creationId xmlns:a16="http://schemas.microsoft.com/office/drawing/2014/main" id="{F92082CF-7B4A-44BC-B8E2-48CCB61F5BBB}"/>
-              </a:ext>
-            </a:extLst>
-          </p:cNvPr>
-          <p:cNvSpPr/>
-          <p:nvPr/>
-        </p:nvSpPr>
-        <p:spPr>
-          <a:xfrm>
-            <a:off x="1818184" y="1084214"/>
-            <a:ext cx="1231719" cy="457201"/>
-          </a:xfrm>
-          <a:prstGeom prst="roundRect">
-            <a:avLst>
-              <a:gd name="adj" fmla="val 20477"/>
-            </a:avLst>
-          </a:prstGeom>
-          <a:solidFill>
-            <a:srgbClr val="303030"/>
-          </a:solidFill>
-        </p:spPr>
-        <p:style>
-          <a:lnRef idx="2">
-            <a:schemeClr val="accent1">
-              <a:shade val="50000"/>
-            </a:schemeClr>
-          </a:lnRef>
-          <a:fillRef idx="1">
-            <a:schemeClr val="accent1"/>
-          </a:fillRef>
-          <a:effectRef idx="0">
-            <a:schemeClr val="accent1"/>
-          </a:effectRef>
-          <a:fontRef idx="minor">
-            <a:schemeClr val="lt1"/>
-          </a:fontRef>
-        </p:style>
-        <p:txBody>
-          <a:bodyPr rtlCol="0" anchor="ctr"/>
-          <a:lstStyle/>
-          <a:p>
-            <a:pPr algn="ctr"/>
-            <a:r>
-              <a:rPr lang="ru-RU" dirty="0">
-                <a:latin typeface="Bahnschrift Light" panose="020B0502040204020203" pitchFamily="34" charset="0"/>
-              </a:rPr>
-              <a:t>№ этапа</a:t>
-            </a:r>
-            <a:endParaRPr lang="en-US" dirty="0">
-              <a:latin typeface="Bahnschrift Light" panose="020B0502040204020203" pitchFamily="34" charset="0"/>
-            </a:endParaRPr>
-          </a:p>
-        </p:txBody>
-      </p:sp>
-      <p:graphicFrame>
-        <p:nvGraphicFramePr>
-          <p:cNvPr id="16" name="Таблица 15">
-            <a:extLst>
-              <a:ext uri="{FF2B5EF4-FFF2-40B4-BE49-F238E27FC236}">
-                <a16:creationId xmlns:a16="http://schemas.microsoft.com/office/drawing/2014/main" id="{5FEB5D10-F909-4AC1-ADEE-CDA78CAEC218}"/>
-              </a:ext>
-            </a:extLst>
-          </p:cNvPr>
-          <p:cNvGraphicFramePr>
-            <a:graphicFrameLocks noGrp="1"/>
-          </p:cNvGraphicFramePr>
-          <p:nvPr>
-            <p:extLst>
-              <p:ext uri="{D42A27DB-BD31-4B8C-83A1-F6EECF244321}">
-                <p14:modId xmlns:p14="http://schemas.microsoft.com/office/powerpoint/2010/main" val="2258736397"/>
-              </p:ext>
-            </p:extLst>
-          </p:nvPr>
-        </p:nvGraphicFramePr>
-        <p:xfrm>
-          <a:off x="1868528" y="1857913"/>
-          <a:ext cx="8581749" cy="3667000"/>
-        </p:xfrm>
-        <a:graphic>
-          <a:graphicData uri="http://schemas.openxmlformats.org/drawingml/2006/table">
-            <a:tbl>
-              <a:tblPr bandRow="1">
-                <a:tableStyleId>{5C22544A-7EE6-4342-B048-85BDC9FD1C3A}</a:tableStyleId>
-              </a:tblPr>
-              <a:tblGrid>
-                <a:gridCol w="1249141">
-                  <a:extLst>
-                    <a:ext uri="{9D8B030D-6E8A-4147-A177-3AD203B41FA5}">
-                      <a16:colId xmlns:a16="http://schemas.microsoft.com/office/drawing/2014/main" val="920707539"/>
-                    </a:ext>
-                  </a:extLst>
-                </a:gridCol>
-                <a:gridCol w="2760617">
-                  <a:extLst>
-                    <a:ext uri="{9D8B030D-6E8A-4147-A177-3AD203B41FA5}">
-                      <a16:colId xmlns:a16="http://schemas.microsoft.com/office/drawing/2014/main" val="2062501349"/>
-                    </a:ext>
-                  </a:extLst>
-                </a:gridCol>
-                <a:gridCol w="1968137">
-                  <a:extLst>
-                    <a:ext uri="{9D8B030D-6E8A-4147-A177-3AD203B41FA5}">
-                      <a16:colId xmlns:a16="http://schemas.microsoft.com/office/drawing/2014/main" val="3902012607"/>
-                    </a:ext>
-                  </a:extLst>
-                </a:gridCol>
-                <a:gridCol w="2603854">
-                  <a:extLst>
-                    <a:ext uri="{9D8B030D-6E8A-4147-A177-3AD203B41FA5}">
-                      <a16:colId xmlns:a16="http://schemas.microsoft.com/office/drawing/2014/main" val="2392774246"/>
-                    </a:ext>
-                  </a:extLst>
-                </a:gridCol>
-              </a:tblGrid>
-              <a:tr h="916750">
-                <a:tc rowSpan="4">
-                  <a:txBody>
-                    <a:bodyPr/>
-                    <a:lstStyle/>
-                    <a:p>
-                      <a:pPr marL="0" marR="0" algn="ctr">
-                        <a:lnSpc>
-                          <a:spcPct val="150000"/>
-                        </a:lnSpc>
-                        <a:spcBef>
-                          <a:spcPts val="0"/>
-                        </a:spcBef>
-                        <a:spcAft>
-                          <a:spcPts val="0"/>
-                        </a:spcAft>
-                      </a:pPr>
-                      <a:r>
-                        <a:rPr lang="ru-RU" sz="1400" b="0" dirty="0">
-                          <a:effectLst/>
-                          <a:latin typeface="Bahnschrift Light" panose="020B0502040204020203" pitchFamily="34" charset="0"/>
-                        </a:rPr>
-                        <a:t>2</a:t>
-                      </a:r>
-                      <a:endParaRPr lang="ru-RU" sz="1400" b="0" dirty="0">
-                        <a:effectLst/>
-                        <a:latin typeface="Bahnschrift Light" panose="020B0502040204020203" pitchFamily="34" charset="0"/>
-                        <a:ea typeface="Times New Roman" panose="02020603050405020304" pitchFamily="18" charset="0"/>
-                        <a:cs typeface="Times New Roman" panose="02020603050405020304" pitchFamily="18" charset="0"/>
-                      </a:endParaRPr>
-                    </a:p>
-                  </a:txBody>
-                  <a:tcPr marL="68580" marR="68580" marT="0" marB="0" anchor="ctr">
-                    <a:lnL w="12700" cap="flat" cmpd="sng" algn="ctr">
-                      <a:noFill/>
-                      <a:prstDash val="solid"/>
-                      <a:round/>
-                      <a:headEnd type="none" w="med" len="med"/>
-                      <a:tailEnd type="none" w="med" len="med"/>
-                    </a:lnL>
-                    <a:lnR w="12700" cap="flat" cmpd="sng" algn="ctr">
-                      <a:solidFill>
-                        <a:schemeClr val="tx1"/>
-                      </a:solidFill>
-                      <a:prstDash val="solid"/>
-                      <a:round/>
-                      <a:headEnd type="none" w="med" len="med"/>
-                      <a:tailEnd type="none" w="med" len="med"/>
-                    </a:lnR>
-                    <a:lnT w="12700" cap="flat" cmpd="sng" algn="ctr">
-                      <a:noFill/>
-                      <a:prstDash val="solid"/>
-                      <a:round/>
-                      <a:headEnd type="none" w="med" len="med"/>
-                      <a:tailEnd type="none" w="med" len="med"/>
-                    </a:lnT>
-                    <a:lnB w="12700" cap="flat" cmpd="sng" algn="ctr">
-                      <a:noFill/>
-                      <a:prstDash val="solid"/>
-                      <a:round/>
-                      <a:headEnd type="none" w="med" len="med"/>
-                      <a:tailEnd type="none" w="med" len="med"/>
-                    </a:lnB>
-                    <a:lnTlToBr w="12700" cmpd="sng">
-                      <a:noFill/>
-                      <a:prstDash val="solid"/>
-                    </a:lnTlToBr>
-                    <a:lnBlToTr w="12700" cmpd="sng">
-                      <a:noFill/>
-                      <a:prstDash val="solid"/>
-                    </a:lnBlToTr>
-                    <a:solidFill>
-                      <a:schemeClr val="bg1"/>
-                    </a:solidFill>
-                  </a:tcPr>
-                </a:tc>
-                <a:tc>
-                  <a:txBody>
-                    <a:bodyPr/>
-                    <a:lstStyle/>
-                    <a:p>
-                      <a:pPr marL="0" marR="0" algn="ctr">
-                        <a:lnSpc>
-                          <a:spcPct val="150000"/>
-                        </a:lnSpc>
-                        <a:spcBef>
-                          <a:spcPts val="0"/>
-                        </a:spcBef>
-                        <a:spcAft>
-                          <a:spcPts val="0"/>
-                        </a:spcAft>
-                      </a:pPr>
-                      <a:r>
-                        <a:rPr lang="ru-RU" sz="1400" b="0" dirty="0">
-                          <a:effectLst/>
-                          <a:latin typeface="Bahnschrift SemiBold" panose="020B0502040204020203" pitchFamily="34" charset="0"/>
-                          <a:ea typeface="Times New Roman" panose="02020603050405020304" pitchFamily="18" charset="0"/>
-                          <a:cs typeface="Times New Roman" panose="02020603050405020304" pitchFamily="18" charset="0"/>
-                        </a:rPr>
-                        <a:t>Проектирование ПО</a:t>
-                      </a:r>
-                    </a:p>
-                  </a:txBody>
-                  <a:tcPr marL="68580" marR="68580" marT="0" marB="0" anchor="ctr">
-                    <a:lnL w="12700" cap="flat" cmpd="sng" algn="ctr">
-                      <a:solidFill>
-                        <a:schemeClr val="tx1"/>
-                      </a:solidFill>
-                      <a:prstDash val="solid"/>
-                      <a:round/>
-                      <a:headEnd type="none" w="med" len="med"/>
-                      <a:tailEnd type="none" w="med" len="med"/>
-                    </a:lnL>
-                    <a:lnR w="12700" cap="flat" cmpd="sng" algn="ctr">
-                      <a:solidFill>
-                        <a:schemeClr val="tx1"/>
-                      </a:solidFill>
-                      <a:prstDash val="solid"/>
-                      <a:round/>
-                      <a:headEnd type="none" w="med" len="med"/>
-                      <a:tailEnd type="none" w="med" len="med"/>
-                    </a:lnR>
-                    <a:lnT w="12700" cap="flat" cmpd="sng" algn="ctr">
-                      <a:noFill/>
-                      <a:prstDash val="solid"/>
-                      <a:round/>
-                      <a:headEnd type="none" w="med" len="med"/>
-                      <a:tailEnd type="none" w="med" len="med"/>
-                    </a:lnT>
-                    <a:lnB w="12700" cap="flat" cmpd="sng" algn="ctr">
-                      <a:solidFill>
-                        <a:schemeClr val="tx1"/>
-                      </a:solidFill>
-                      <a:prstDash val="solid"/>
-                      <a:round/>
-                      <a:headEnd type="none" w="med" len="med"/>
-                      <a:tailEnd type="none" w="med" len="med"/>
-                    </a:lnB>
-                    <a:lnTlToBr w="12700" cmpd="sng">
-                      <a:noFill/>
-                      <a:prstDash val="solid"/>
-                    </a:lnTlToBr>
-                    <a:lnBlToTr w="12700" cmpd="sng">
-                      <a:noFill/>
-                      <a:prstDash val="solid"/>
-                    </a:lnBlToTr>
-                    <a:solidFill>
-                      <a:schemeClr val="bg1"/>
-                    </a:solidFill>
-                  </a:tcPr>
-                </a:tc>
-                <a:tc>
-                  <a:txBody>
-                    <a:bodyPr/>
-                    <a:lstStyle/>
-                    <a:p>
-                      <a:pPr marL="0" marR="0" algn="ctr">
-                        <a:lnSpc>
-                          <a:spcPct val="150000"/>
-                        </a:lnSpc>
-                        <a:spcBef>
-                          <a:spcPts val="0"/>
-                        </a:spcBef>
-                        <a:spcAft>
-                          <a:spcPts val="0"/>
-                        </a:spcAft>
-                      </a:pPr>
-                      <a:r>
-                        <a:rPr lang="en-US" sz="1400">
-                          <a:effectLst/>
-                          <a:latin typeface="Bahnschrift Light" panose="020B0502040204020203" pitchFamily="34" charset="0"/>
-                          <a:ea typeface="Times New Roman" panose="02020603050405020304" pitchFamily="18" charset="0"/>
-                          <a:cs typeface="Times New Roman" panose="02020603050405020304" pitchFamily="18" charset="0"/>
-                        </a:rPr>
-                        <a:t>20.09.2021-01.10.2021</a:t>
-                      </a:r>
-                      <a:endParaRPr lang="ru-RU" sz="1400">
-                        <a:effectLst/>
-                        <a:latin typeface="Bahnschrift Light" panose="020B0502040204020203" pitchFamily="34" charset="0"/>
-                        <a:ea typeface="Times New Roman" panose="02020603050405020304" pitchFamily="18" charset="0"/>
-                        <a:cs typeface="Times New Roman" panose="02020603050405020304" pitchFamily="18" charset="0"/>
-                      </a:endParaRPr>
-                    </a:p>
-                  </a:txBody>
-                  <a:tcPr marL="68580" marR="68580" marT="0" marB="0" anchor="ctr">
-                    <a:lnL w="12700" cap="flat" cmpd="sng" algn="ctr">
-                      <a:solidFill>
-                        <a:schemeClr val="tx1"/>
-                      </a:solidFill>
-                      <a:prstDash val="solid"/>
-                      <a:round/>
-                      <a:headEnd type="none" w="med" len="med"/>
-                      <a:tailEnd type="none" w="med" len="med"/>
-                    </a:lnL>
-                    <a:lnR w="12700" cap="flat" cmpd="sng" algn="ctr">
-                      <a:solidFill>
-                        <a:schemeClr val="tx1"/>
-                      </a:solidFill>
-                      <a:prstDash val="solid"/>
-                      <a:round/>
-                      <a:headEnd type="none" w="med" len="med"/>
-                      <a:tailEnd type="none" w="med" len="med"/>
-                    </a:lnR>
-                    <a:lnT w="12700" cap="flat" cmpd="sng" algn="ctr">
-                      <a:noFill/>
-                      <a:prstDash val="solid"/>
-                      <a:round/>
-                      <a:headEnd type="none" w="med" len="med"/>
-                      <a:tailEnd type="none" w="med" len="med"/>
-                    </a:lnT>
-                    <a:lnB w="12700" cap="flat" cmpd="sng" algn="ctr">
-                      <a:solidFill>
-                        <a:schemeClr val="tx1"/>
-                      </a:solidFill>
-                      <a:prstDash val="solid"/>
-                      <a:round/>
-                      <a:headEnd type="none" w="med" len="med"/>
-                      <a:tailEnd type="none" w="med" len="med"/>
-                    </a:lnB>
-                    <a:lnTlToBr w="12700" cmpd="sng">
-                      <a:noFill/>
-                      <a:prstDash val="solid"/>
-                    </a:lnTlToBr>
-                    <a:lnBlToTr w="12700" cmpd="sng">
-                      <a:noFill/>
-                      <a:prstDash val="solid"/>
-                    </a:lnBlToTr>
-                    <a:solidFill>
-                      <a:schemeClr val="bg1"/>
-                    </a:solidFill>
-                  </a:tcPr>
-                </a:tc>
-                <a:tc>
-                  <a:txBody>
-                    <a:bodyPr/>
-                    <a:lstStyle/>
-                    <a:p>
-                      <a:pPr marL="0" marR="0" algn="ctr">
-                        <a:lnSpc>
-                          <a:spcPct val="150000"/>
-                        </a:lnSpc>
-                        <a:spcBef>
-                          <a:spcPts val="0"/>
-                        </a:spcBef>
-                        <a:spcAft>
-                          <a:spcPts val="0"/>
-                        </a:spcAft>
-                      </a:pPr>
-                      <a:r>
-                        <a:rPr lang="ru-RU" sz="1400">
-                          <a:effectLst/>
-                          <a:latin typeface="Bahnschrift Light" panose="020B0502040204020203" pitchFamily="34" charset="0"/>
-                          <a:ea typeface="Times New Roman" panose="02020603050405020304" pitchFamily="18" charset="0"/>
-                          <a:cs typeface="Times New Roman" panose="02020603050405020304" pitchFamily="18" charset="0"/>
-                        </a:rPr>
-                        <a:t> </a:t>
-                      </a:r>
-                    </a:p>
-                  </a:txBody>
-                  <a:tcPr marL="68580" marR="68580" marT="0" marB="0" anchor="ctr">
-                    <a:lnL w="12700" cap="flat" cmpd="sng" algn="ctr">
-                      <a:solidFill>
-                        <a:schemeClr val="tx1"/>
-                      </a:solidFill>
-                      <a:prstDash val="solid"/>
-                      <a:round/>
-                      <a:headEnd type="none" w="med" len="med"/>
-                      <a:tailEnd type="none" w="med" len="med"/>
-                    </a:lnL>
-                    <a:lnR w="12700" cap="flat" cmpd="sng" algn="ctr">
-                      <a:noFill/>
-                      <a:prstDash val="solid"/>
-                      <a:round/>
-                      <a:headEnd type="none" w="med" len="med"/>
-                      <a:tailEnd type="none" w="med" len="med"/>
-                    </a:lnR>
-                    <a:lnT w="12700" cap="flat" cmpd="sng" algn="ctr">
-                      <a:noFill/>
-                      <a:prstDash val="solid"/>
-                      <a:round/>
-                      <a:headEnd type="none" w="med" len="med"/>
-                      <a:tailEnd type="none" w="med" len="med"/>
-                    </a:lnT>
-                    <a:lnB w="12700" cap="flat" cmpd="sng" algn="ctr">
-                      <a:solidFill>
-                        <a:schemeClr val="tx1"/>
-                      </a:solidFill>
-                      <a:prstDash val="solid"/>
-                      <a:round/>
-                      <a:headEnd type="none" w="med" len="med"/>
-                      <a:tailEnd type="none" w="med" len="med"/>
-                    </a:lnB>
-                    <a:lnTlToBr w="12700" cmpd="sng">
-                      <a:noFill/>
-                      <a:prstDash val="solid"/>
-                    </a:lnTlToBr>
-                    <a:lnBlToTr w="12700" cmpd="sng">
-                      <a:noFill/>
-                      <a:prstDash val="solid"/>
-                    </a:lnBlToTr>
-                    <a:solidFill>
-                      <a:schemeClr val="bg1"/>
-                    </a:solidFill>
-                  </a:tcPr>
-                </a:tc>
-                <a:extLst>
-                  <a:ext uri="{0D108BD9-81ED-4DB2-BD59-A6C34878D82A}">
-                    <a16:rowId xmlns:a16="http://schemas.microsoft.com/office/drawing/2014/main" val="3602016532"/>
-                  </a:ext>
-                </a:extLst>
-              </a:tr>
-              <a:tr h="916750">
-                <a:tc vMerge="1">
-                  <a:txBody>
-                    <a:bodyPr/>
-                    <a:lstStyle/>
-                    <a:p>
-                      <a:endParaRPr lang="ru-RU"/>
-                    </a:p>
-                  </a:txBody>
-                  <a:tcPr/>
-                </a:tc>
-                <a:tc>
-                  <a:txBody>
-                    <a:bodyPr/>
-                    <a:lstStyle/>
-                    <a:p>
-                      <a:pPr marL="0" marR="0" algn="ctr">
-                        <a:lnSpc>
-                          <a:spcPct val="150000"/>
-                        </a:lnSpc>
-                        <a:spcBef>
-                          <a:spcPts val="0"/>
-                        </a:spcBef>
-                        <a:spcAft>
-                          <a:spcPts val="0"/>
-                        </a:spcAft>
-                      </a:pPr>
-                      <a:r>
-                        <a:rPr lang="ru-RU" sz="1400" dirty="0">
-                          <a:effectLst/>
-                          <a:latin typeface="Bahnschrift Light" panose="020B0502040204020203" pitchFamily="34" charset="0"/>
-                          <a:ea typeface="Times New Roman" panose="02020603050405020304" pitchFamily="18" charset="0"/>
-                          <a:cs typeface="Times New Roman" panose="02020603050405020304" pitchFamily="18" charset="0"/>
-                        </a:rPr>
-                        <a:t>Создание контекстной диаграммы и декомпозиции 1 уровня</a:t>
-                      </a:r>
-                    </a:p>
-                  </a:txBody>
-                  <a:tcPr marL="68580" marR="68580" marT="0" marB="0" anchor="ctr">
-                    <a:lnL w="12700" cap="flat" cmpd="sng" algn="ctr">
-                      <a:solidFill>
-                        <a:schemeClr val="tx1"/>
-                      </a:solidFill>
-                      <a:prstDash val="solid"/>
-                      <a:round/>
-                      <a:headEnd type="none" w="med" len="med"/>
-                      <a:tailEnd type="none" w="med" len="med"/>
-                    </a:lnL>
-                    <a:lnR w="12700" cap="flat" cmpd="sng" algn="ctr">
-                      <a:solidFill>
-                        <a:schemeClr val="tx1"/>
-                      </a:solidFill>
-                      <a:prstDash val="solid"/>
-                      <a:round/>
-                      <a:headEnd type="none" w="med" len="med"/>
-                      <a:tailEnd type="none" w="med" len="med"/>
-                    </a:lnR>
-                    <a:lnT w="12700" cap="flat" cmpd="sng" algn="ctr">
-                      <a:solidFill>
-                        <a:schemeClr val="tx1"/>
-                      </a:solidFill>
-                      <a:prstDash val="solid"/>
-                      <a:round/>
-                      <a:headEnd type="none" w="med" len="med"/>
-                      <a:tailEnd type="none" w="med" len="med"/>
-                    </a:lnT>
-                    <a:lnB w="12700" cap="flat" cmpd="sng" algn="ctr">
-                      <a:solidFill>
-                        <a:schemeClr val="tx1"/>
-                      </a:solidFill>
-                      <a:prstDash val="solid"/>
-                      <a:round/>
-                      <a:headEnd type="none" w="med" len="med"/>
-                      <a:tailEnd type="none" w="med" len="med"/>
-                    </a:lnB>
-                    <a:lnTlToBr w="12700" cmpd="sng">
-                      <a:noFill/>
-                      <a:prstDash val="solid"/>
-                    </a:lnTlToBr>
-                    <a:lnBlToTr w="12700" cmpd="sng">
-                      <a:noFill/>
-                      <a:prstDash val="solid"/>
-                    </a:lnBlToTr>
-                    <a:solidFill>
-                      <a:schemeClr val="bg1"/>
-                    </a:solidFill>
-                  </a:tcPr>
-                </a:tc>
-                <a:tc>
-                  <a:txBody>
-                    <a:bodyPr/>
-                    <a:lstStyle/>
-                    <a:p>
-                      <a:pPr marL="0" marR="0" algn="ctr">
-                        <a:lnSpc>
-                          <a:spcPct val="150000"/>
-                        </a:lnSpc>
-                        <a:spcBef>
-                          <a:spcPts val="0"/>
-                        </a:spcBef>
-                        <a:spcAft>
-                          <a:spcPts val="0"/>
-                        </a:spcAft>
-                      </a:pPr>
-                      <a:r>
-                        <a:rPr lang="en-US" sz="1400" dirty="0">
-                          <a:effectLst/>
-                          <a:latin typeface="Bahnschrift Light" panose="020B0502040204020203" pitchFamily="34" charset="0"/>
-                          <a:ea typeface="Times New Roman" panose="02020603050405020304" pitchFamily="18" charset="0"/>
-                          <a:cs typeface="Times New Roman" panose="02020603050405020304" pitchFamily="18" charset="0"/>
-                        </a:rPr>
-                        <a:t>20.09.2021-23.09.2021</a:t>
-                      </a:r>
-                      <a:endParaRPr lang="ru-RU" sz="1400" dirty="0">
-                        <a:effectLst/>
-                        <a:latin typeface="Bahnschrift Light" panose="020B0502040204020203" pitchFamily="34" charset="0"/>
-                        <a:ea typeface="Times New Roman" panose="02020603050405020304" pitchFamily="18" charset="0"/>
-                        <a:cs typeface="Times New Roman" panose="02020603050405020304" pitchFamily="18" charset="0"/>
-                      </a:endParaRPr>
-                    </a:p>
-                  </a:txBody>
-                  <a:tcPr marL="68580" marR="68580" marT="0" marB="0" anchor="ctr">
-                    <a:lnL w="12700" cap="flat" cmpd="sng" algn="ctr">
-                      <a:solidFill>
-                        <a:schemeClr val="tx1"/>
-                      </a:solidFill>
-                      <a:prstDash val="solid"/>
-                      <a:round/>
-                      <a:headEnd type="none" w="med" len="med"/>
-                      <a:tailEnd type="none" w="med" len="med"/>
-                    </a:lnL>
-                    <a:lnR w="12700" cap="flat" cmpd="sng" algn="ctr">
-                      <a:solidFill>
-                        <a:schemeClr val="tx1"/>
-                      </a:solidFill>
-                      <a:prstDash val="solid"/>
-                      <a:round/>
-                      <a:headEnd type="none" w="med" len="med"/>
-                      <a:tailEnd type="none" w="med" len="med"/>
-                    </a:lnR>
-                    <a:lnT w="12700" cap="flat" cmpd="sng" algn="ctr">
-                      <a:solidFill>
-                        <a:schemeClr val="tx1"/>
-                      </a:solidFill>
-                      <a:prstDash val="solid"/>
-                      <a:round/>
-                      <a:headEnd type="none" w="med" len="med"/>
-                      <a:tailEnd type="none" w="med" len="med"/>
-                    </a:lnT>
-                    <a:lnB w="12700" cap="flat" cmpd="sng" algn="ctr">
-                      <a:solidFill>
-                        <a:schemeClr val="tx1"/>
-                      </a:solidFill>
-                      <a:prstDash val="solid"/>
-                      <a:round/>
-                      <a:headEnd type="none" w="med" len="med"/>
-                      <a:tailEnd type="none" w="med" len="med"/>
-                    </a:lnB>
-                    <a:lnTlToBr w="12700" cmpd="sng">
-                      <a:noFill/>
-                      <a:prstDash val="solid"/>
-                    </a:lnTlToBr>
-                    <a:lnBlToTr w="12700" cmpd="sng">
-                      <a:noFill/>
-                      <a:prstDash val="solid"/>
-                    </a:lnBlToTr>
-                    <a:solidFill>
-                      <a:schemeClr val="bg1"/>
-                    </a:solidFill>
-                  </a:tcPr>
-                </a:tc>
-                <a:tc>
-                  <a:txBody>
-                    <a:bodyPr/>
-                    <a:lstStyle/>
-                    <a:p>
-                      <a:pPr marL="0" marR="0" algn="ctr">
-                        <a:lnSpc>
-                          <a:spcPct val="150000"/>
-                        </a:lnSpc>
-                        <a:spcBef>
-                          <a:spcPts val="0"/>
-                        </a:spcBef>
-                        <a:spcAft>
-                          <a:spcPts val="0"/>
-                        </a:spcAft>
-                      </a:pPr>
-                      <a:r>
-                        <a:rPr lang="ru-RU" sz="1400" dirty="0">
-                          <a:effectLst/>
-                          <a:latin typeface="Bahnschrift Light" panose="020B0502040204020203" pitchFamily="34" charset="0"/>
-                          <a:ea typeface="Times New Roman" panose="02020603050405020304" pitchFamily="18" charset="0"/>
-                          <a:cs typeface="Times New Roman" panose="02020603050405020304" pitchFamily="18" charset="0"/>
-                        </a:rPr>
-                        <a:t>Функциональная модель</a:t>
-                      </a:r>
-                    </a:p>
-                  </a:txBody>
-                  <a:tcPr marL="68580" marR="68580" marT="0" marB="0" anchor="ctr">
-                    <a:lnL w="12700" cap="flat" cmpd="sng" algn="ctr">
-                      <a:solidFill>
-                        <a:schemeClr val="tx1"/>
-                      </a:solidFill>
-                      <a:prstDash val="solid"/>
-                      <a:round/>
-                      <a:headEnd type="none" w="med" len="med"/>
-                      <a:tailEnd type="none" w="med" len="med"/>
-                    </a:lnL>
-                    <a:lnR w="12700" cap="flat" cmpd="sng" algn="ctr">
-                      <a:noFill/>
-                      <a:prstDash val="solid"/>
-                      <a:round/>
-                      <a:headEnd type="none" w="med" len="med"/>
-                      <a:tailEnd type="none" w="med" len="med"/>
-                    </a:lnR>
-                    <a:lnT w="12700" cap="flat" cmpd="sng" algn="ctr">
-                      <a:solidFill>
-                        <a:schemeClr val="tx1"/>
-                      </a:solidFill>
-                      <a:prstDash val="solid"/>
-                      <a:round/>
-                      <a:headEnd type="none" w="med" len="med"/>
-                      <a:tailEnd type="none" w="med" len="med"/>
-                    </a:lnT>
-                    <a:lnB w="12700" cap="flat" cmpd="sng" algn="ctr">
-                      <a:solidFill>
-                        <a:schemeClr val="tx1"/>
-                      </a:solidFill>
-                      <a:prstDash val="solid"/>
-                      <a:round/>
-                      <a:headEnd type="none" w="med" len="med"/>
-                      <a:tailEnd type="none" w="med" len="med"/>
-                    </a:lnB>
-                    <a:lnTlToBr w="12700" cmpd="sng">
-                      <a:noFill/>
-                      <a:prstDash val="solid"/>
-                    </a:lnTlToBr>
-                    <a:lnBlToTr w="12700" cmpd="sng">
-                      <a:noFill/>
-                      <a:prstDash val="solid"/>
-                    </a:lnBlToTr>
-                    <a:solidFill>
-                      <a:schemeClr val="bg1"/>
-                    </a:solidFill>
-                  </a:tcPr>
-                </a:tc>
-                <a:extLst>
-                  <a:ext uri="{0D108BD9-81ED-4DB2-BD59-A6C34878D82A}">
-                    <a16:rowId xmlns:a16="http://schemas.microsoft.com/office/drawing/2014/main" val="388011936"/>
-                  </a:ext>
-                </a:extLst>
-              </a:tr>
-              <a:tr h="916750">
-                <a:tc vMerge="1">
-                  <a:txBody>
-                    <a:bodyPr/>
-                    <a:lstStyle/>
-                    <a:p>
-                      <a:endParaRPr lang="ru-RU"/>
-                    </a:p>
-                  </a:txBody>
-                  <a:tcPr/>
-                </a:tc>
-                <a:tc>
-                  <a:txBody>
-                    <a:bodyPr/>
-                    <a:lstStyle/>
-                    <a:p>
-                      <a:pPr marL="0" marR="0" algn="ctr">
-                        <a:lnSpc>
-                          <a:spcPct val="150000"/>
-                        </a:lnSpc>
-                        <a:spcBef>
-                          <a:spcPts val="0"/>
-                        </a:spcBef>
-                        <a:spcAft>
-                          <a:spcPts val="0"/>
-                        </a:spcAft>
-                      </a:pPr>
-                      <a:r>
-                        <a:rPr lang="ru-RU" sz="1400" dirty="0">
-                          <a:effectLst/>
-                          <a:latin typeface="Bahnschrift Light" panose="020B0502040204020203" pitchFamily="34" charset="0"/>
-                          <a:ea typeface="Times New Roman" panose="02020603050405020304" pitchFamily="18" charset="0"/>
-                          <a:cs typeface="Times New Roman" panose="02020603050405020304" pitchFamily="18" charset="0"/>
-                        </a:rPr>
-                        <a:t>Составление диаграммы вариантов использования</a:t>
-                      </a:r>
-                    </a:p>
-                  </a:txBody>
-                  <a:tcPr marL="68580" marR="68580" marT="0" marB="0" anchor="ctr">
-                    <a:lnL w="12700" cap="flat" cmpd="sng" algn="ctr">
-                      <a:solidFill>
-                        <a:schemeClr val="tx1"/>
-                      </a:solidFill>
-                      <a:prstDash val="solid"/>
-                      <a:round/>
-                      <a:headEnd type="none" w="med" len="med"/>
-                      <a:tailEnd type="none" w="med" len="med"/>
-                    </a:lnL>
-                    <a:lnR w="12700" cap="flat" cmpd="sng" algn="ctr">
-                      <a:solidFill>
-                        <a:schemeClr val="tx1"/>
-                      </a:solidFill>
-                      <a:prstDash val="solid"/>
-                      <a:round/>
-                      <a:headEnd type="none" w="med" len="med"/>
-                      <a:tailEnd type="none" w="med" len="med"/>
-                    </a:lnR>
-                    <a:lnT w="12700" cap="flat" cmpd="sng" algn="ctr">
-                      <a:solidFill>
-                        <a:schemeClr val="tx1"/>
-                      </a:solidFill>
-                      <a:prstDash val="solid"/>
-                      <a:round/>
-                      <a:headEnd type="none" w="med" len="med"/>
-                      <a:tailEnd type="none" w="med" len="med"/>
-                    </a:lnT>
-                    <a:lnB w="12700" cap="flat" cmpd="sng" algn="ctr">
-                      <a:solidFill>
-                        <a:schemeClr val="tx1"/>
-                      </a:solidFill>
-                      <a:prstDash val="solid"/>
-                      <a:round/>
-                      <a:headEnd type="none" w="med" len="med"/>
-                      <a:tailEnd type="none" w="med" len="med"/>
-                    </a:lnB>
-                    <a:lnTlToBr w="12700" cmpd="sng">
-                      <a:noFill/>
-                      <a:prstDash val="solid"/>
-                    </a:lnTlToBr>
-                    <a:lnBlToTr w="12700" cmpd="sng">
-                      <a:noFill/>
-                      <a:prstDash val="solid"/>
-                    </a:lnBlToTr>
-                    <a:solidFill>
-                      <a:schemeClr val="bg1"/>
-                    </a:solidFill>
-                  </a:tcPr>
-                </a:tc>
-                <a:tc>
-                  <a:txBody>
-                    <a:bodyPr/>
-                    <a:lstStyle/>
-                    <a:p>
-                      <a:pPr marL="0" marR="0" algn="ctr">
-                        <a:lnSpc>
-                          <a:spcPct val="150000"/>
-                        </a:lnSpc>
-                        <a:spcBef>
-                          <a:spcPts val="0"/>
-                        </a:spcBef>
-                        <a:spcAft>
-                          <a:spcPts val="0"/>
-                        </a:spcAft>
-                      </a:pPr>
-                      <a:r>
-                        <a:rPr lang="en-US" sz="1400" dirty="0">
-                          <a:effectLst/>
-                          <a:latin typeface="Bahnschrift Light" panose="020B0502040204020203" pitchFamily="34" charset="0"/>
-                          <a:ea typeface="Times New Roman" panose="02020603050405020304" pitchFamily="18" charset="0"/>
-                          <a:cs typeface="Times New Roman" panose="02020603050405020304" pitchFamily="18" charset="0"/>
-                        </a:rPr>
-                        <a:t>24.09.2021-28.09.2021</a:t>
-                      </a:r>
-                      <a:endParaRPr lang="ru-RU" sz="1400" dirty="0">
-                        <a:effectLst/>
-                        <a:latin typeface="Bahnschrift Light" panose="020B0502040204020203" pitchFamily="34" charset="0"/>
-                        <a:ea typeface="Times New Roman" panose="02020603050405020304" pitchFamily="18" charset="0"/>
-                        <a:cs typeface="Times New Roman" panose="02020603050405020304" pitchFamily="18" charset="0"/>
-                      </a:endParaRPr>
-                    </a:p>
-                  </a:txBody>
-                  <a:tcPr marL="68580" marR="68580" marT="0" marB="0" anchor="ctr">
-                    <a:lnL w="12700" cap="flat" cmpd="sng" algn="ctr">
-                      <a:solidFill>
-                        <a:schemeClr val="tx1"/>
-                      </a:solidFill>
-                      <a:prstDash val="solid"/>
-                      <a:round/>
-                      <a:headEnd type="none" w="med" len="med"/>
-                      <a:tailEnd type="none" w="med" len="med"/>
-                    </a:lnL>
-                    <a:lnR w="12700" cap="flat" cmpd="sng" algn="ctr">
-                      <a:solidFill>
-                        <a:schemeClr val="tx1"/>
-                      </a:solidFill>
-                      <a:prstDash val="solid"/>
-                      <a:round/>
-                      <a:headEnd type="none" w="med" len="med"/>
-                      <a:tailEnd type="none" w="med" len="med"/>
-                    </a:lnR>
-                    <a:lnT w="12700" cap="flat" cmpd="sng" algn="ctr">
-                      <a:solidFill>
-                        <a:schemeClr val="tx1"/>
-                      </a:solidFill>
-                      <a:prstDash val="solid"/>
-                      <a:round/>
-                      <a:headEnd type="none" w="med" len="med"/>
-                      <a:tailEnd type="none" w="med" len="med"/>
-                    </a:lnT>
-                    <a:lnB w="12700" cap="flat" cmpd="sng" algn="ctr">
-                      <a:solidFill>
-                        <a:schemeClr val="tx1"/>
-                      </a:solidFill>
-                      <a:prstDash val="solid"/>
-                      <a:round/>
-                      <a:headEnd type="none" w="med" len="med"/>
-                      <a:tailEnd type="none" w="med" len="med"/>
-                    </a:lnB>
-                    <a:lnTlToBr w="12700" cmpd="sng">
-                      <a:noFill/>
-                      <a:prstDash val="solid"/>
-                    </a:lnTlToBr>
-                    <a:lnBlToTr w="12700" cmpd="sng">
-                      <a:noFill/>
-                      <a:prstDash val="solid"/>
-                    </a:lnBlToTr>
-                    <a:solidFill>
-                      <a:schemeClr val="bg1"/>
-                    </a:solidFill>
-                  </a:tcPr>
-                </a:tc>
-                <a:tc>
-                  <a:txBody>
-                    <a:bodyPr/>
-                    <a:lstStyle/>
-                    <a:p>
-                      <a:pPr marL="0" marR="0" algn="ctr">
-                        <a:lnSpc>
-                          <a:spcPct val="150000"/>
-                        </a:lnSpc>
-                        <a:spcBef>
-                          <a:spcPts val="0"/>
-                        </a:spcBef>
-                        <a:spcAft>
-                          <a:spcPts val="0"/>
-                        </a:spcAft>
-                      </a:pPr>
-                      <a:r>
-                        <a:rPr lang="ru-RU" sz="1400" dirty="0">
-                          <a:effectLst/>
-                          <a:latin typeface="Bahnschrift Light" panose="020B0502040204020203" pitchFamily="34" charset="0"/>
-                          <a:ea typeface="Times New Roman" panose="02020603050405020304" pitchFamily="18" charset="0"/>
-                          <a:cs typeface="Times New Roman" panose="02020603050405020304" pitchFamily="18" charset="0"/>
-                        </a:rPr>
-                        <a:t>Диаграммы вариантов использования</a:t>
-                      </a:r>
-                    </a:p>
-                  </a:txBody>
-                  <a:tcPr marL="68580" marR="68580" marT="0" marB="0" anchor="ctr">
-                    <a:lnL w="12700" cap="flat" cmpd="sng" algn="ctr">
-                      <a:solidFill>
-                        <a:schemeClr val="tx1"/>
-                      </a:solidFill>
-                      <a:prstDash val="solid"/>
-                      <a:round/>
-                      <a:headEnd type="none" w="med" len="med"/>
-                      <a:tailEnd type="none" w="med" len="med"/>
-                    </a:lnL>
-                    <a:lnR w="12700" cap="flat" cmpd="sng" algn="ctr">
-                      <a:noFill/>
-                      <a:prstDash val="solid"/>
-                      <a:round/>
-                      <a:headEnd type="none" w="med" len="med"/>
-                      <a:tailEnd type="none" w="med" len="med"/>
-                    </a:lnR>
-                    <a:lnT w="12700" cap="flat" cmpd="sng" algn="ctr">
-                      <a:solidFill>
-                        <a:schemeClr val="tx1"/>
-                      </a:solidFill>
-                      <a:prstDash val="solid"/>
-                      <a:round/>
-                      <a:headEnd type="none" w="med" len="med"/>
-                      <a:tailEnd type="none" w="med" len="med"/>
-                    </a:lnT>
-                    <a:lnB w="12700" cap="flat" cmpd="sng" algn="ctr">
-                      <a:solidFill>
-                        <a:schemeClr val="tx1"/>
-                      </a:solidFill>
-                      <a:prstDash val="solid"/>
-                      <a:round/>
-                      <a:headEnd type="none" w="med" len="med"/>
-                      <a:tailEnd type="none" w="med" len="med"/>
-                    </a:lnB>
-                    <a:lnTlToBr w="12700" cmpd="sng">
-                      <a:noFill/>
-                      <a:prstDash val="solid"/>
-                    </a:lnTlToBr>
-                    <a:lnBlToTr w="12700" cmpd="sng">
-                      <a:noFill/>
-                      <a:prstDash val="solid"/>
-                    </a:lnBlToTr>
-                    <a:solidFill>
-                      <a:schemeClr val="bg1"/>
-                    </a:solidFill>
-                  </a:tcPr>
-                </a:tc>
-                <a:extLst>
-                  <a:ext uri="{0D108BD9-81ED-4DB2-BD59-A6C34878D82A}">
-                    <a16:rowId xmlns:a16="http://schemas.microsoft.com/office/drawing/2014/main" val="1963347452"/>
-                  </a:ext>
-                </a:extLst>
-              </a:tr>
-              <a:tr h="916750">
-                <a:tc vMerge="1">
-                  <a:txBody>
-                    <a:bodyPr/>
-                    <a:lstStyle/>
-                    <a:p>
-                      <a:endParaRPr lang="ru-RU"/>
-                    </a:p>
-                  </a:txBody>
-                  <a:tcPr/>
-                </a:tc>
-                <a:tc>
-                  <a:txBody>
-                    <a:bodyPr/>
-                    <a:lstStyle/>
-                    <a:p>
-                      <a:pPr marL="0" marR="0" algn="ctr">
-                        <a:lnSpc>
-                          <a:spcPct val="150000"/>
-                        </a:lnSpc>
-                        <a:spcBef>
-                          <a:spcPts val="0"/>
-                        </a:spcBef>
-                        <a:spcAft>
-                          <a:spcPts val="0"/>
-                        </a:spcAft>
-                      </a:pPr>
-                      <a:r>
-                        <a:rPr lang="ru-RU" sz="1400" dirty="0">
-                          <a:effectLst/>
-                          <a:latin typeface="Bahnschrift Light" panose="020B0502040204020203" pitchFamily="34" charset="0"/>
-                          <a:ea typeface="Times New Roman" panose="02020603050405020304" pitchFamily="18" charset="0"/>
-                          <a:cs typeface="Times New Roman" panose="02020603050405020304" pitchFamily="18" charset="0"/>
-                        </a:rPr>
-                        <a:t>Составление диаграммы классов</a:t>
-                      </a:r>
-                    </a:p>
-                  </a:txBody>
-                  <a:tcPr marL="68580" marR="68580" marT="0" marB="0" anchor="ctr">
-                    <a:lnL w="12700" cap="flat" cmpd="sng" algn="ctr">
-                      <a:solidFill>
-                        <a:schemeClr val="tx1"/>
-                      </a:solidFill>
-                      <a:prstDash val="solid"/>
-                      <a:round/>
-                      <a:headEnd type="none" w="med" len="med"/>
-                      <a:tailEnd type="none" w="med" len="med"/>
-                    </a:lnL>
-                    <a:lnR w="12700" cap="flat" cmpd="sng" algn="ctr">
-                      <a:solidFill>
-                        <a:schemeClr val="tx1"/>
-                      </a:solidFill>
-                      <a:prstDash val="solid"/>
-                      <a:round/>
-                      <a:headEnd type="none" w="med" len="med"/>
-                      <a:tailEnd type="none" w="med" len="med"/>
-                    </a:lnR>
-                    <a:lnT w="12700" cap="flat" cmpd="sng" algn="ctr">
-                      <a:solidFill>
-                        <a:schemeClr val="tx1"/>
-                      </a:solidFill>
-                      <a:prstDash val="solid"/>
-                      <a:round/>
-                      <a:headEnd type="none" w="med" len="med"/>
-                      <a:tailEnd type="none" w="med" len="med"/>
-                    </a:lnT>
-                    <a:lnB w="12700" cap="flat" cmpd="sng" algn="ctr">
-                      <a:noFill/>
-                      <a:prstDash val="solid"/>
-                      <a:round/>
-                      <a:headEnd type="none" w="med" len="med"/>
-                      <a:tailEnd type="none" w="med" len="med"/>
-                    </a:lnB>
-                    <a:lnTlToBr w="12700" cmpd="sng">
-                      <a:noFill/>
-                      <a:prstDash val="solid"/>
-                    </a:lnTlToBr>
-                    <a:lnBlToTr w="12700" cmpd="sng">
-                      <a:noFill/>
-                      <a:prstDash val="solid"/>
-                    </a:lnBlToTr>
-                    <a:solidFill>
-                      <a:schemeClr val="bg1"/>
-                    </a:solidFill>
-                  </a:tcPr>
-                </a:tc>
-                <a:tc>
-                  <a:txBody>
-                    <a:bodyPr/>
-                    <a:lstStyle/>
-                    <a:p>
-                      <a:pPr marL="0" marR="0" algn="ctr">
-                        <a:lnSpc>
-                          <a:spcPct val="150000"/>
-                        </a:lnSpc>
-                        <a:spcBef>
-                          <a:spcPts val="0"/>
-                        </a:spcBef>
-                        <a:spcAft>
-                          <a:spcPts val="0"/>
-                        </a:spcAft>
-                      </a:pPr>
-                      <a:r>
-                        <a:rPr lang="en-US" sz="1400">
-                          <a:effectLst/>
-                          <a:latin typeface="Bahnschrift Light" panose="020B0502040204020203" pitchFamily="34" charset="0"/>
-                          <a:ea typeface="Times New Roman" panose="02020603050405020304" pitchFamily="18" charset="0"/>
-                          <a:cs typeface="Times New Roman" panose="02020603050405020304" pitchFamily="18" charset="0"/>
-                        </a:rPr>
-                        <a:t>29.09.2021-01.10.2021</a:t>
-                      </a:r>
-                      <a:endParaRPr lang="ru-RU" sz="1400">
-                        <a:effectLst/>
-                        <a:latin typeface="Bahnschrift Light" panose="020B0502040204020203" pitchFamily="34" charset="0"/>
-                        <a:ea typeface="Times New Roman" panose="02020603050405020304" pitchFamily="18" charset="0"/>
-                        <a:cs typeface="Times New Roman" panose="02020603050405020304" pitchFamily="18" charset="0"/>
-                      </a:endParaRPr>
-                    </a:p>
-                  </a:txBody>
-                  <a:tcPr marL="68580" marR="68580" marT="0" marB="0" anchor="ctr">
-                    <a:lnL w="12700" cap="flat" cmpd="sng" algn="ctr">
-                      <a:solidFill>
-                        <a:schemeClr val="tx1"/>
-                      </a:solidFill>
-                      <a:prstDash val="solid"/>
-                      <a:round/>
-                      <a:headEnd type="none" w="med" len="med"/>
-                      <a:tailEnd type="none" w="med" len="med"/>
-                    </a:lnL>
-                    <a:lnR w="12700" cap="flat" cmpd="sng" algn="ctr">
-                      <a:solidFill>
-                        <a:schemeClr val="tx1"/>
-                      </a:solidFill>
-                      <a:prstDash val="solid"/>
-                      <a:round/>
-                      <a:headEnd type="none" w="med" len="med"/>
-                      <a:tailEnd type="none" w="med" len="med"/>
-                    </a:lnR>
-                    <a:lnT w="12700" cap="flat" cmpd="sng" algn="ctr">
-                      <a:solidFill>
-                        <a:schemeClr val="tx1"/>
-                      </a:solidFill>
-                      <a:prstDash val="solid"/>
-                      <a:round/>
-                      <a:headEnd type="none" w="med" len="med"/>
-                      <a:tailEnd type="none" w="med" len="med"/>
-                    </a:lnT>
-                    <a:lnB w="12700" cap="flat" cmpd="sng" algn="ctr">
-                      <a:noFill/>
-                      <a:prstDash val="solid"/>
-                      <a:round/>
-                      <a:headEnd type="none" w="med" len="med"/>
-                      <a:tailEnd type="none" w="med" len="med"/>
-                    </a:lnB>
-                    <a:lnTlToBr w="12700" cmpd="sng">
-                      <a:noFill/>
-                      <a:prstDash val="solid"/>
-                    </a:lnTlToBr>
-                    <a:lnBlToTr w="12700" cmpd="sng">
-                      <a:noFill/>
-                      <a:prstDash val="solid"/>
-                    </a:lnBlToTr>
-                    <a:solidFill>
-                      <a:schemeClr val="bg1"/>
-                    </a:solidFill>
-                  </a:tcPr>
-                </a:tc>
-                <a:tc>
-                  <a:txBody>
-                    <a:bodyPr/>
-                    <a:lstStyle/>
-                    <a:p>
-                      <a:pPr marL="0" marR="0" algn="ctr">
-                        <a:lnSpc>
-                          <a:spcPct val="150000"/>
-                        </a:lnSpc>
-                        <a:spcBef>
-                          <a:spcPts val="0"/>
-                        </a:spcBef>
-                        <a:spcAft>
-                          <a:spcPts val="0"/>
-                        </a:spcAft>
-                      </a:pPr>
-                      <a:r>
-                        <a:rPr lang="ru-RU" sz="1400" dirty="0">
-                          <a:effectLst/>
-                          <a:latin typeface="Bahnschrift Light" panose="020B0502040204020203" pitchFamily="34" charset="0"/>
-                          <a:ea typeface="Times New Roman" panose="02020603050405020304" pitchFamily="18" charset="0"/>
-                          <a:cs typeface="Times New Roman" panose="02020603050405020304" pitchFamily="18" charset="0"/>
-                        </a:rPr>
-                        <a:t>Диаграмма классов. Описание классов</a:t>
-                      </a:r>
-                    </a:p>
-                  </a:txBody>
-                  <a:tcPr marL="68580" marR="68580" marT="0" marB="0" anchor="ctr">
-                    <a:lnL w="12700" cap="flat" cmpd="sng" algn="ctr">
-                      <a:solidFill>
-                        <a:schemeClr val="tx1"/>
-                      </a:solidFill>
-                      <a:prstDash val="solid"/>
-                      <a:round/>
-                      <a:headEnd type="none" w="med" len="med"/>
-                      <a:tailEnd type="none" w="med" len="med"/>
-                    </a:lnL>
-                    <a:lnR w="12700" cap="flat" cmpd="sng" algn="ctr">
-                      <a:noFill/>
-                      <a:prstDash val="solid"/>
-                      <a:round/>
-                      <a:headEnd type="none" w="med" len="med"/>
-                      <a:tailEnd type="none" w="med" len="med"/>
-                    </a:lnR>
-                    <a:lnT w="12700" cap="flat" cmpd="sng" algn="ctr">
-                      <a:solidFill>
-                        <a:schemeClr val="tx1"/>
-                      </a:solidFill>
-                      <a:prstDash val="solid"/>
-                      <a:round/>
-                      <a:headEnd type="none" w="med" len="med"/>
-                      <a:tailEnd type="none" w="med" len="med"/>
-                    </a:lnT>
-                    <a:lnB w="12700" cap="flat" cmpd="sng" algn="ctr">
-                      <a:noFill/>
-                      <a:prstDash val="solid"/>
-                      <a:round/>
-                      <a:headEnd type="none" w="med" len="med"/>
-                      <a:tailEnd type="none" w="med" len="med"/>
-                    </a:lnB>
-                    <a:lnTlToBr w="12700" cmpd="sng">
-                      <a:noFill/>
-                      <a:prstDash val="solid"/>
-                    </a:lnTlToBr>
-                    <a:lnBlToTr w="12700" cmpd="sng">
-                      <a:noFill/>
-                      <a:prstDash val="solid"/>
-                    </a:lnBlToTr>
-                    <a:solidFill>
-                      <a:schemeClr val="bg1"/>
-                    </a:solidFill>
-                  </a:tcPr>
-                </a:tc>
-                <a:extLst>
-                  <a:ext uri="{0D108BD9-81ED-4DB2-BD59-A6C34878D82A}">
-                    <a16:rowId xmlns:a16="http://schemas.microsoft.com/office/drawing/2014/main" val="169191725"/>
-                  </a:ext>
-                </a:extLst>
-              </a:tr>
-            </a:tbl>
-          </a:graphicData>
-        </a:graphic>
-      </p:graphicFrame>
-      <p:sp>
-        <p:nvSpPr>
-          <p:cNvPr id="19" name="Rectangle: Rounded Corners 3">
-            <a:extLst>
-              <a:ext uri="{FF2B5EF4-FFF2-40B4-BE49-F238E27FC236}">
-                <a16:creationId xmlns:a16="http://schemas.microsoft.com/office/drawing/2014/main" id="{9CD8287A-9790-4976-8588-07F93B11CF76}"/>
-              </a:ext>
-            </a:extLst>
-          </p:cNvPr>
-          <p:cNvSpPr/>
-          <p:nvPr/>
-        </p:nvSpPr>
-        <p:spPr>
-          <a:xfrm>
-            <a:off x="3163657" y="1084215"/>
-            <a:ext cx="2644952" cy="457201"/>
-          </a:xfrm>
-          <a:prstGeom prst="roundRect">
-            <a:avLst>
-              <a:gd name="adj" fmla="val 20477"/>
-            </a:avLst>
-          </a:prstGeom>
-          <a:solidFill>
-            <a:srgbClr val="303030"/>
-          </a:solidFill>
-        </p:spPr>
-        <p:style>
-          <a:lnRef idx="2">
-            <a:schemeClr val="accent1">
-              <a:shade val="50000"/>
-            </a:schemeClr>
-          </a:lnRef>
-          <a:fillRef idx="1">
-            <a:schemeClr val="accent1"/>
-          </a:fillRef>
-          <a:effectRef idx="0">
-            <a:schemeClr val="accent1"/>
-          </a:effectRef>
-          <a:fontRef idx="minor">
-            <a:schemeClr val="lt1"/>
-          </a:fontRef>
-        </p:style>
-        <p:txBody>
-          <a:bodyPr rtlCol="0" anchor="ctr"/>
-          <a:lstStyle/>
-          <a:p>
-            <a:pPr algn="ctr"/>
-            <a:r>
-              <a:rPr lang="ru-RU" dirty="0">
-                <a:latin typeface="Bahnschrift Light" panose="020B0502040204020203" pitchFamily="34" charset="0"/>
-              </a:rPr>
-              <a:t>Название этапа</a:t>
-            </a:r>
-            <a:endParaRPr lang="en-US" dirty="0">
-              <a:latin typeface="Bahnschrift Light" panose="020B0502040204020203" pitchFamily="34" charset="0"/>
-            </a:endParaRPr>
-          </a:p>
-        </p:txBody>
-      </p:sp>
-      <p:sp>
-        <p:nvSpPr>
-          <p:cNvPr id="20" name="Rectangle: Rounded Corners 3">
-            <a:extLst>
-              <a:ext uri="{FF2B5EF4-FFF2-40B4-BE49-F238E27FC236}">
-                <a16:creationId xmlns:a16="http://schemas.microsoft.com/office/drawing/2014/main" id="{BF1C0E17-0EA0-43B0-8FAD-8682310D064D}"/>
-              </a:ext>
-            </a:extLst>
-          </p:cNvPr>
-          <p:cNvSpPr/>
-          <p:nvPr/>
-        </p:nvSpPr>
-        <p:spPr>
-          <a:xfrm>
-            <a:off x="5922364" y="1084215"/>
-            <a:ext cx="1871808" cy="457201"/>
-          </a:xfrm>
-          <a:prstGeom prst="roundRect">
-            <a:avLst>
-              <a:gd name="adj" fmla="val 20477"/>
-            </a:avLst>
-          </a:prstGeom>
-          <a:solidFill>
-            <a:srgbClr val="303030"/>
-          </a:solidFill>
-        </p:spPr>
-        <p:style>
-          <a:lnRef idx="2">
-            <a:schemeClr val="accent1">
-              <a:shade val="50000"/>
-            </a:schemeClr>
-          </a:lnRef>
-          <a:fillRef idx="1">
-            <a:schemeClr val="accent1"/>
-          </a:fillRef>
-          <a:effectRef idx="0">
-            <a:schemeClr val="accent1"/>
-          </a:effectRef>
-          <a:fontRef idx="minor">
-            <a:schemeClr val="lt1"/>
-          </a:fontRef>
-        </p:style>
-        <p:txBody>
-          <a:bodyPr rtlCol="0" anchor="ctr"/>
-          <a:lstStyle/>
-          <a:p>
-            <a:pPr algn="ctr"/>
-            <a:r>
-              <a:rPr lang="ru-RU" dirty="0">
-                <a:latin typeface="Bahnschrift Light" panose="020B0502040204020203" pitchFamily="34" charset="0"/>
-              </a:rPr>
-              <a:t>Срок</a:t>
-            </a:r>
-            <a:endParaRPr lang="en-US" dirty="0">
-              <a:latin typeface="Bahnschrift Light" panose="020B0502040204020203" pitchFamily="34" charset="0"/>
-            </a:endParaRPr>
-          </a:p>
-        </p:txBody>
-      </p:sp>
-      <p:sp>
-        <p:nvSpPr>
-          <p:cNvPr id="21" name="Rectangle: Rounded Corners 3">
-            <a:extLst>
-              <a:ext uri="{FF2B5EF4-FFF2-40B4-BE49-F238E27FC236}">
-                <a16:creationId xmlns:a16="http://schemas.microsoft.com/office/drawing/2014/main" id="{F042D19C-20F0-4B62-9FC0-2E7ACF3E9F7D}"/>
-              </a:ext>
-            </a:extLst>
-          </p:cNvPr>
-          <p:cNvSpPr/>
-          <p:nvPr/>
-        </p:nvSpPr>
-        <p:spPr>
-          <a:xfrm>
-            <a:off x="7907926" y="1084214"/>
-            <a:ext cx="2542343" cy="457201"/>
-          </a:xfrm>
-          <a:prstGeom prst="roundRect">
-            <a:avLst>
-              <a:gd name="adj" fmla="val 20477"/>
-            </a:avLst>
-          </a:prstGeom>
-          <a:solidFill>
-            <a:srgbClr val="303030"/>
-          </a:solidFill>
-        </p:spPr>
-        <p:style>
-          <a:lnRef idx="2">
-            <a:schemeClr val="accent1">
-              <a:shade val="50000"/>
-            </a:schemeClr>
-          </a:lnRef>
-          <a:fillRef idx="1">
-            <a:schemeClr val="accent1"/>
-          </a:fillRef>
-          <a:effectRef idx="0">
-            <a:schemeClr val="accent1"/>
-          </a:effectRef>
-          <a:fontRef idx="minor">
-            <a:schemeClr val="lt1"/>
-          </a:fontRef>
-        </p:style>
-        <p:txBody>
-          <a:bodyPr rtlCol="0" anchor="ctr"/>
-          <a:lstStyle/>
-          <a:p>
-            <a:pPr algn="ctr"/>
-            <a:r>
-              <a:rPr lang="ru-RU" dirty="0">
-                <a:latin typeface="Bahnschrift Light" panose="020B0502040204020203" pitchFamily="34" charset="0"/>
-              </a:rPr>
-              <a:t>Отчетность</a:t>
-            </a:r>
-            <a:endParaRPr lang="en-US" dirty="0">
-              <a:latin typeface="Bahnschrift Light" panose="020B0502040204020203" pitchFamily="34" charset="0"/>
-            </a:endParaRPr>
-          </a:p>
-        </p:txBody>
-      </p:sp>
-    </p:spTree>
-    <p:extLst>
-      <p:ext uri="{BB962C8B-B14F-4D97-AF65-F5344CB8AC3E}">
-        <p14:creationId xmlns:p14="http://schemas.microsoft.com/office/powerpoint/2010/main" val="1514646721"/>
       </p:ext>
     </p:extLst>
   </p:cSld>
